--- a/Unit 8/pointer.pptx
+++ b/Unit 8/pointer.pptx
@@ -241,7 +241,7 @@
           <a:p>
             <a:fld id="{6A1B6C08-A0D3-D74B-9414-6FC7F6BF3615}" type="datetimeFigureOut">
               <a:rPr lang="en-US" smtClean="0"/>
-              <a:t>3/14/16</a:t>
+              <a:t>3/16/16</a:t>
             </a:fld>
             <a:endParaRPr lang="en-US"/>
           </a:p>
@@ -640,7 +640,7 @@
           <a:p>
             <a:fld id="{586CA0A1-9EE8-D947-A1AE-F0369F7FBD0D}" type="datetime1">
               <a:rPr lang="en-US" smtClean="0"/>
-              <a:t>3/14/16</a:t>
+              <a:t>3/16/16</a:t>
             </a:fld>
             <a:endParaRPr lang="en-US"/>
           </a:p>
@@ -814,7 +814,7 @@
           <a:p>
             <a:fld id="{80AD334C-BD37-FA4C-8E42-B5F2C547F21A}" type="datetime1">
               <a:rPr lang="en-US" smtClean="0"/>
-              <a:t>3/14/16</a:t>
+              <a:t>3/16/16</a:t>
             </a:fld>
             <a:endParaRPr lang="en-US"/>
           </a:p>
@@ -998,7 +998,7 @@
           <a:p>
             <a:fld id="{610530A4-50EA-E74F-B2A7-33E3E40F0CA2}" type="datetime1">
               <a:rPr lang="en-US" smtClean="0"/>
-              <a:t>3/14/16</a:t>
+              <a:t>3/16/16</a:t>
             </a:fld>
             <a:endParaRPr lang="en-US"/>
           </a:p>
@@ -1172,7 +1172,7 @@
           <a:p>
             <a:fld id="{E5BE7D36-82F8-D141-9C5E-D53A4D497145}" type="datetime1">
               <a:rPr lang="en-US" smtClean="0"/>
-              <a:t>3/14/16</a:t>
+              <a:t>3/16/16</a:t>
             </a:fld>
             <a:endParaRPr lang="en-US"/>
           </a:p>
@@ -1422,7 +1422,7 @@
           <a:p>
             <a:fld id="{767730B6-83E6-5749-85F8-DD91F5393B9D}" type="datetime1">
               <a:rPr lang="en-US" smtClean="0"/>
-              <a:t>3/14/16</a:t>
+              <a:t>3/16/16</a:t>
             </a:fld>
             <a:endParaRPr lang="en-US"/>
           </a:p>
@@ -1658,7 +1658,7 @@
           <a:p>
             <a:fld id="{756D51F4-7346-174A-BE2E-0D8F77BA6B63}" type="datetime1">
               <a:rPr lang="en-US" smtClean="0"/>
-              <a:t>3/14/16</a:t>
+              <a:t>3/16/16</a:t>
             </a:fld>
             <a:endParaRPr lang="en-US"/>
           </a:p>
@@ -2029,7 +2029,7 @@
           <a:p>
             <a:fld id="{0157896D-7122-AD44-9270-24E05AD3A1F2}" type="datetime1">
               <a:rPr lang="en-US" smtClean="0"/>
-              <a:t>3/14/16</a:t>
+              <a:t>3/16/16</a:t>
             </a:fld>
             <a:endParaRPr lang="en-US"/>
           </a:p>
@@ -2151,7 +2151,7 @@
           <a:p>
             <a:fld id="{A4285A25-C949-FC43-B87A-2DF92D8E25ED}" type="datetime1">
               <a:rPr lang="en-US" smtClean="0"/>
-              <a:t>3/14/16</a:t>
+              <a:t>3/16/16</a:t>
             </a:fld>
             <a:endParaRPr lang="en-US"/>
           </a:p>
@@ -2250,7 +2250,7 @@
           <a:p>
             <a:fld id="{82D66296-C513-CD47-94EB-72C87AFCE344}" type="datetime1">
               <a:rPr lang="en-US" smtClean="0"/>
-              <a:t>3/14/16</a:t>
+              <a:t>3/16/16</a:t>
             </a:fld>
             <a:endParaRPr lang="en-US"/>
           </a:p>
@@ -2531,7 +2531,7 @@
           <a:p>
             <a:fld id="{46C12CBD-222B-0A4D-81E1-2423A2D55605}" type="datetime1">
               <a:rPr lang="en-US" smtClean="0"/>
-              <a:t>3/14/16</a:t>
+              <a:t>3/16/16</a:t>
             </a:fld>
             <a:endParaRPr lang="en-US"/>
           </a:p>
@@ -2788,7 +2788,7 @@
           <a:p>
             <a:fld id="{3F685F27-7C40-1448-9E50-A80B02C672DB}" type="datetime1">
               <a:rPr lang="en-US" smtClean="0"/>
-              <a:t>3/14/16</a:t>
+              <a:t>3/16/16</a:t>
             </a:fld>
             <a:endParaRPr lang="en-US"/>
           </a:p>
@@ -3005,7 +3005,7 @@
           <a:p>
             <a:fld id="{D0B55D32-2DDA-BD4C-A2A1-2C315D465DB4}" type="datetime1">
               <a:rPr lang="en-US" smtClean="0"/>
-              <a:t>3/14/16</a:t>
+              <a:t>3/16/16</a:t>
             </a:fld>
             <a:endParaRPr lang="en-US"/>
           </a:p>
@@ -3705,7 +3705,7 @@
           <a:p>
             <a:fld id="{D60F355B-B081-7348-9FD0-DB378FD709E6}" type="datetime1">
               <a:rPr lang="en-US" smtClean="0"/>
-              <a:t>3/14/16</a:t>
+              <a:t>3/16/16</a:t>
             </a:fld>
             <a:endParaRPr lang="en-US"/>
           </a:p>
@@ -4025,7 +4025,7 @@
           <a:p>
             <a:fld id="{D60F355B-B081-7348-9FD0-DB378FD709E6}" type="datetime1">
               <a:rPr lang="en-US" smtClean="0"/>
-              <a:t>3/14/16</a:t>
+              <a:t>3/16/16</a:t>
             </a:fld>
             <a:endParaRPr lang="en-US"/>
           </a:p>
@@ -4352,7 +4352,7 @@
           <a:p>
             <a:fld id="{D60F355B-B081-7348-9FD0-DB378FD709E6}" type="datetime1">
               <a:rPr lang="en-US" smtClean="0"/>
-              <a:t>3/14/16</a:t>
+              <a:t>3/16/16</a:t>
             </a:fld>
             <a:endParaRPr lang="en-US"/>
           </a:p>
@@ -4718,7 +4718,7 @@
           <a:p>
             <a:fld id="{D60F355B-B081-7348-9FD0-DB378FD709E6}" type="datetime1">
               <a:rPr lang="en-US" smtClean="0"/>
-              <a:t>3/14/16</a:t>
+              <a:t>3/16/16</a:t>
             </a:fld>
             <a:endParaRPr lang="en-US"/>
           </a:p>
@@ -5277,7 +5277,7 @@
           <a:p>
             <a:fld id="{D60F355B-B081-7348-9FD0-DB378FD709E6}" type="datetime1">
               <a:rPr lang="en-US" smtClean="0"/>
-              <a:t>3/14/16</a:t>
+              <a:t>3/16/16</a:t>
             </a:fld>
             <a:endParaRPr lang="en-US"/>
           </a:p>
@@ -5534,7 +5534,7 @@
           <a:p>
             <a:fld id="{D60F355B-B081-7348-9FD0-DB378FD709E6}" type="datetime1">
               <a:rPr lang="en-US" smtClean="0"/>
-              <a:t>3/14/16</a:t>
+              <a:t>3/16/16</a:t>
             </a:fld>
             <a:endParaRPr lang="en-US"/>
           </a:p>
@@ -5876,7 +5876,7 @@
           <a:p>
             <a:fld id="{D60F355B-B081-7348-9FD0-DB378FD709E6}" type="datetime1">
               <a:rPr lang="en-US" smtClean="0"/>
-              <a:t>3/14/16</a:t>
+              <a:t>3/16/16</a:t>
             </a:fld>
             <a:endParaRPr lang="en-US"/>
           </a:p>
@@ -6096,7 +6096,7 @@
           <a:p>
             <a:fld id="{D60F355B-B081-7348-9FD0-DB378FD709E6}" type="datetime1">
               <a:rPr lang="en-US" smtClean="0"/>
-              <a:t>3/14/16</a:t>
+              <a:t>3/16/16</a:t>
             </a:fld>
             <a:endParaRPr lang="en-US"/>
           </a:p>
@@ -6303,7 +6303,7 @@
           <a:p>
             <a:fld id="{D60F355B-B081-7348-9FD0-DB378FD709E6}" type="datetime1">
               <a:rPr lang="en-US" smtClean="0"/>
-              <a:t>3/14/16</a:t>
+              <a:t>3/16/16</a:t>
             </a:fld>
             <a:endParaRPr lang="en-US"/>
           </a:p>
@@ -6582,7 +6582,7 @@
           <a:p>
             <a:fld id="{D60F355B-B081-7348-9FD0-DB378FD709E6}" type="datetime1">
               <a:rPr lang="en-US" smtClean="0"/>
-              <a:t>3/14/16</a:t>
+              <a:t>3/16/16</a:t>
             </a:fld>
             <a:endParaRPr lang="en-US"/>
           </a:p>
@@ -6768,7 +6768,7 @@
           <a:p>
             <a:fld id="{36E1E297-93EF-934C-AEA9-392476BDB436}" type="datetime1">
               <a:rPr lang="en-US" smtClean="0"/>
-              <a:t>3/14/16</a:t>
+              <a:t>3/16/16</a:t>
             </a:fld>
             <a:endParaRPr lang="en-US"/>
           </a:p>
@@ -7060,7 +7060,7 @@
           <a:p>
             <a:fld id="{D60F355B-B081-7348-9FD0-DB378FD709E6}" type="datetime1">
               <a:rPr lang="en-US" smtClean="0"/>
-              <a:t>3/14/16</a:t>
+              <a:t>3/16/16</a:t>
             </a:fld>
             <a:endParaRPr lang="en-US"/>
           </a:p>
@@ -7409,7 +7409,7 @@
           <a:p>
             <a:fld id="{FF7EFB7B-DE71-0E4B-91D4-1D8B25020B15}" type="datetime1">
               <a:rPr lang="en-US" smtClean="0"/>
-              <a:t>3/14/16</a:t>
+              <a:t>3/16/16</a:t>
             </a:fld>
             <a:endParaRPr lang="en-US"/>
           </a:p>
@@ -8024,7 +8024,7 @@
           <a:p>
             <a:fld id="{FF7EFB7B-DE71-0E4B-91D4-1D8B25020B15}" type="datetime1">
               <a:rPr lang="en-US" smtClean="0"/>
-              <a:t>3/14/16</a:t>
+              <a:t>3/16/16</a:t>
             </a:fld>
             <a:endParaRPr lang="en-US"/>
           </a:p>
@@ -8392,7 +8392,7 @@
           <a:p>
             <a:fld id="{FF7EFB7B-DE71-0E4B-91D4-1D8B25020B15}" type="datetime1">
               <a:rPr lang="en-US" smtClean="0"/>
-              <a:t>3/14/16</a:t>
+              <a:t>3/16/16</a:t>
             </a:fld>
             <a:endParaRPr lang="en-US"/>
           </a:p>
@@ -8659,7 +8659,7 @@
           <a:p>
             <a:fld id="{FF7EFB7B-DE71-0E4B-91D4-1D8B25020B15}" type="datetime1">
               <a:rPr lang="en-US" smtClean="0"/>
-              <a:t>3/14/16</a:t>
+              <a:t>3/16/16</a:t>
             </a:fld>
             <a:endParaRPr lang="en-US"/>
           </a:p>
@@ -8840,7 +8840,7 @@
           <a:p>
             <a:fld id="{FF7EFB7B-DE71-0E4B-91D4-1D8B25020B15}" type="datetime1">
               <a:rPr lang="en-US" smtClean="0"/>
-              <a:t>3/14/16</a:t>
+              <a:t>3/16/16</a:t>
             </a:fld>
             <a:endParaRPr lang="en-US"/>
           </a:p>
@@ -9680,7 +9680,7 @@
           <a:p>
             <a:fld id="{FF7EFB7B-DE71-0E4B-91D4-1D8B25020B15}" type="datetime1">
               <a:rPr lang="en-US" smtClean="0"/>
-              <a:t>3/14/16</a:t>
+              <a:t>3/16/16</a:t>
             </a:fld>
             <a:endParaRPr lang="en-US"/>
           </a:p>
@@ -10200,7 +10200,7 @@
           <a:p>
             <a:fld id="{FF7EFB7B-DE71-0E4B-91D4-1D8B25020B15}" type="datetime1">
               <a:rPr lang="en-US" smtClean="0"/>
-              <a:t>3/14/16</a:t>
+              <a:t>3/16/16</a:t>
             </a:fld>
             <a:endParaRPr lang="en-US"/>
           </a:p>
@@ -10806,7 +10806,7 @@
           <a:p>
             <a:fld id="{FF7EFB7B-DE71-0E4B-91D4-1D8B25020B15}" type="datetime1">
               <a:rPr lang="en-US" smtClean="0"/>
-              <a:t>3/14/16</a:t>
+              <a:t>3/16/16</a:t>
             </a:fld>
             <a:endParaRPr lang="en-US"/>
           </a:p>
@@ -11159,7 +11159,7 @@
           <a:p>
             <a:fld id="{FF7EFB7B-DE71-0E4B-91D4-1D8B25020B15}" type="datetime1">
               <a:rPr lang="en-US" smtClean="0"/>
-              <a:t>3/14/16</a:t>
+              <a:t>3/16/16</a:t>
             </a:fld>
             <a:endParaRPr lang="en-US"/>
           </a:p>
@@ -11398,7 +11398,7 @@
           <a:p>
             <a:fld id="{D60F355B-B081-7348-9FD0-DB378FD709E6}" type="datetime1">
               <a:rPr lang="en-US" smtClean="0"/>
-              <a:t>3/14/16</a:t>
+              <a:t>3/16/16</a:t>
             </a:fld>
             <a:endParaRPr lang="en-US"/>
           </a:p>
@@ -11497,7 +11497,7 @@
           <a:p>
             <a:fld id="{FF7EFB7B-DE71-0E4B-91D4-1D8B25020B15}" type="datetime1">
               <a:rPr lang="en-US" smtClean="0"/>
-              <a:t>3/14/16</a:t>
+              <a:t>3/16/16</a:t>
             </a:fld>
             <a:endParaRPr lang="en-US"/>
           </a:p>
@@ -12637,15 +12637,19 @@
             </a:r>
             <a:r>
               <a:rPr lang="en-US" dirty="0" smtClean="0"/>
-              <a:t> or simply </a:t>
-            </a:r>
-            <a:r>
-              <a:rPr lang="en-US" b="1" dirty="0" smtClean="0">
+              <a:t> or </a:t>
+            </a:r>
+            <a:r>
+              <a:rPr lang="en-US" smtClean="0"/>
+              <a:t>simply </a:t>
+            </a:r>
+            <a:r>
+              <a:rPr lang="en-US" b="1" smtClean="0">
                 <a:solidFill>
                   <a:srgbClr val="FF0000"/>
                 </a:solidFill>
               </a:rPr>
-              <a:t>x</a:t>
+              <a:t>x+1</a:t>
             </a:r>
             <a:endParaRPr lang="en-US" b="1" dirty="0">
               <a:solidFill>
@@ -13665,7 +13669,7 @@
           <a:p>
             <a:fld id="{FF7EFB7B-DE71-0E4B-91D4-1D8B25020B15}" type="datetime1">
               <a:rPr lang="en-US" smtClean="0"/>
-              <a:t>3/14/16</a:t>
+              <a:t>3/16/16</a:t>
             </a:fld>
             <a:endParaRPr lang="en-US"/>
           </a:p>
@@ -14174,7 +14178,7 @@
           <a:p>
             <a:fld id="{FF7EFB7B-DE71-0E4B-91D4-1D8B25020B15}" type="datetime1">
               <a:rPr lang="en-US" smtClean="0"/>
-              <a:t>3/14/16</a:t>
+              <a:t>3/16/16</a:t>
             </a:fld>
             <a:endParaRPr lang="en-US"/>
           </a:p>
@@ -14939,7 +14943,7 @@
           <a:p>
             <a:fld id="{FF7EFB7B-DE71-0E4B-91D4-1D8B25020B15}" type="datetime1">
               <a:rPr lang="en-US" smtClean="0"/>
-              <a:t>3/14/16</a:t>
+              <a:t>3/16/16</a:t>
             </a:fld>
             <a:endParaRPr lang="en-US"/>
           </a:p>
@@ -16827,7 +16831,7 @@
           <a:p>
             <a:fld id="{FF7EFB7B-DE71-0E4B-91D4-1D8B25020B15}" type="datetime1">
               <a:rPr lang="en-US" smtClean="0"/>
-              <a:t>3/14/16</a:t>
+              <a:t>3/16/16</a:t>
             </a:fld>
             <a:endParaRPr lang="en-US"/>
           </a:p>
@@ -16926,7 +16930,7 @@
           <a:p>
             <a:fld id="{FF7EFB7B-DE71-0E4B-91D4-1D8B25020B15}" type="datetime1">
               <a:rPr lang="en-US" smtClean="0"/>
-              <a:t>3/14/16</a:t>
+              <a:t>3/16/16</a:t>
             </a:fld>
             <a:endParaRPr lang="en-US"/>
           </a:p>
@@ -19201,7 +19205,7 @@
           <a:p>
             <a:fld id="{FF7EFB7B-DE71-0E4B-91D4-1D8B25020B15}" type="datetime1">
               <a:rPr lang="en-US" smtClean="0"/>
-              <a:t>3/14/16</a:t>
+              <a:t>3/16/16</a:t>
             </a:fld>
             <a:endParaRPr lang="en-US"/>
           </a:p>
@@ -20600,7 +20604,7 @@
           <a:p>
             <a:fld id="{FF7EFB7B-DE71-0E4B-91D4-1D8B25020B15}" type="datetime1">
               <a:rPr lang="en-US" smtClean="0"/>
-              <a:t>3/15/16</a:t>
+              <a:t>3/16/16</a:t>
             </a:fld>
             <a:endParaRPr lang="en-US"/>
           </a:p>
@@ -20761,7 +20765,7 @@
           <a:p>
             <a:fld id="{FF7EFB7B-DE71-0E4B-91D4-1D8B25020B15}" type="datetime1">
               <a:rPr lang="en-US" smtClean="0"/>
-              <a:t>3/15/16</a:t>
+              <a:t>3/16/16</a:t>
             </a:fld>
             <a:endParaRPr lang="en-US"/>
           </a:p>
@@ -20927,7 +20931,7 @@
           <a:p>
             <a:fld id="{FF7EFB7B-DE71-0E4B-91D4-1D8B25020B15}" type="datetime1">
               <a:rPr lang="en-US" smtClean="0"/>
-              <a:t>3/14/16</a:t>
+              <a:t>3/16/16</a:t>
             </a:fld>
             <a:endParaRPr lang="en-US"/>
           </a:p>
@@ -21246,7 +21250,7 @@
           <a:p>
             <a:fld id="{D60F355B-B081-7348-9FD0-DB378FD709E6}" type="datetime1">
               <a:rPr lang="en-US" smtClean="0"/>
-              <a:t>3/14/16</a:t>
+              <a:t>3/16/16</a:t>
             </a:fld>
             <a:endParaRPr lang="en-US"/>
           </a:p>
@@ -21464,7 +21468,7 @@
           <a:p>
             <a:fld id="{FF7EFB7B-DE71-0E4B-91D4-1D8B25020B15}" type="datetime1">
               <a:rPr lang="en-US" smtClean="0"/>
-              <a:t>3/14/16</a:t>
+              <a:t>3/16/16</a:t>
             </a:fld>
             <a:endParaRPr lang="en-US"/>
           </a:p>
@@ -21615,7 +21619,7 @@
           <a:p>
             <a:fld id="{FF7EFB7B-DE71-0E4B-91D4-1D8B25020B15}" type="datetime1">
               <a:rPr lang="en-US" smtClean="0"/>
-              <a:t>3/14/16</a:t>
+              <a:t>3/16/16</a:t>
             </a:fld>
             <a:endParaRPr lang="en-US"/>
           </a:p>
@@ -21766,7 +21770,7 @@
           <a:p>
             <a:fld id="{FF7EFB7B-DE71-0E4B-91D4-1D8B25020B15}" type="datetime1">
               <a:rPr lang="en-US" smtClean="0"/>
-              <a:t>3/14/16</a:t>
+              <a:t>3/16/16</a:t>
             </a:fld>
             <a:endParaRPr lang="en-US"/>
           </a:p>
@@ -21917,7 +21921,7 @@
           <a:p>
             <a:fld id="{FF7EFB7B-DE71-0E4B-91D4-1D8B25020B15}" type="datetime1">
               <a:rPr lang="en-US" smtClean="0"/>
-              <a:t>3/14/16</a:t>
+              <a:t>3/16/16</a:t>
             </a:fld>
             <a:endParaRPr lang="en-US"/>
           </a:p>
@@ -22068,7 +22072,7 @@
           <a:p>
             <a:fld id="{FF7EFB7B-DE71-0E4B-91D4-1D8B25020B15}" type="datetime1">
               <a:rPr lang="en-US" smtClean="0"/>
-              <a:t>3/14/16</a:t>
+              <a:t>3/16/16</a:t>
             </a:fld>
             <a:endParaRPr lang="en-US"/>
           </a:p>
@@ -22221,7 +22225,7 @@
           <a:p>
             <a:fld id="{BBE37247-352C-674D-B1C3-0748BF09BE88}" type="datetime1">
               <a:rPr lang="en-US" smtClean="0"/>
-              <a:t>3/14/16</a:t>
+              <a:t>3/16/16</a:t>
             </a:fld>
             <a:endParaRPr lang="en-US"/>
           </a:p>
@@ -22442,7 +22446,7 @@
           <a:p>
             <a:fld id="{D60F355B-B081-7348-9FD0-DB378FD709E6}" type="datetime1">
               <a:rPr lang="en-US" smtClean="0"/>
-              <a:t>3/14/16</a:t>
+              <a:t>3/16/16</a:t>
             </a:fld>
             <a:endParaRPr lang="en-US"/>
           </a:p>
@@ -22541,7 +22545,7 @@
           <a:p>
             <a:fld id="{D60F355B-B081-7348-9FD0-DB378FD709E6}" type="datetime1">
               <a:rPr lang="en-US" smtClean="0"/>
-              <a:t>3/14/16</a:t>
+              <a:t>3/16/16</a:t>
             </a:fld>
             <a:endParaRPr lang="en-US"/>
           </a:p>
@@ -23703,7 +23707,7 @@
           <a:p>
             <a:fld id="{D60F355B-B081-7348-9FD0-DB378FD709E6}" type="datetime1">
               <a:rPr lang="en-US" smtClean="0"/>
-              <a:t>3/14/16</a:t>
+              <a:t>3/16/16</a:t>
             </a:fld>
             <a:endParaRPr lang="en-US"/>
           </a:p>
@@ -24037,7 +24041,7 @@
           <a:p>
             <a:fld id="{D60F355B-B081-7348-9FD0-DB378FD709E6}" type="datetime1">
               <a:rPr lang="en-US" smtClean="0"/>
-              <a:t>3/14/16</a:t>
+              <a:t>3/16/16</a:t>
             </a:fld>
             <a:endParaRPr lang="en-US"/>
           </a:p>
@@ -24245,7 +24249,7 @@
           <a:p>
             <a:fld id="{D60F355B-B081-7348-9FD0-DB378FD709E6}" type="datetime1">
               <a:rPr lang="en-US" smtClean="0"/>
-              <a:t>3/14/16</a:t>
+              <a:t>3/16/16</a:t>
             </a:fld>
             <a:endParaRPr lang="en-US"/>
           </a:p>

--- a/Unit 8/pointer.pptx
+++ b/Unit 8/pointer.pptx
@@ -5,7 +5,7 @@
     <p:sldMasterId id="2147483648" r:id="rId1"/>
   </p:sldMasterIdLst>
   <p:notesMasterIdLst>
-    <p:notesMasterId r:id="rId47"/>
+    <p:notesMasterId r:id="rId55"/>
   </p:notesMasterIdLst>
   <p:sldIdLst>
     <p:sldId id="256" r:id="rId2"/>
@@ -51,8 +51,16 @@
     <p:sldId id="324" r:id="rId42"/>
     <p:sldId id="325" r:id="rId43"/>
     <p:sldId id="317" r:id="rId44"/>
-    <p:sldId id="318" r:id="rId45"/>
-    <p:sldId id="275" r:id="rId46"/>
+    <p:sldId id="328" r:id="rId45"/>
+    <p:sldId id="329" r:id="rId46"/>
+    <p:sldId id="330" r:id="rId47"/>
+    <p:sldId id="331" r:id="rId48"/>
+    <p:sldId id="332" r:id="rId49"/>
+    <p:sldId id="333" r:id="rId50"/>
+    <p:sldId id="334" r:id="rId51"/>
+    <p:sldId id="335" r:id="rId52"/>
+    <p:sldId id="318" r:id="rId53"/>
+    <p:sldId id="275" r:id="rId54"/>
   </p:sldIdLst>
   <p:sldSz cx="12192000" cy="6858000"/>
   <p:notesSz cx="6858000" cy="9144000"/>
@@ -241,7 +249,7 @@
           <a:p>
             <a:fld id="{6A1B6C08-A0D3-D74B-9414-6FC7F6BF3615}" type="datetimeFigureOut">
               <a:rPr lang="en-US" smtClean="0"/>
-              <a:t>3/16/16</a:t>
+              <a:t>3/20/16</a:t>
             </a:fld>
             <a:endParaRPr lang="en-US"/>
           </a:p>
@@ -640,7 +648,7 @@
           <a:p>
             <a:fld id="{586CA0A1-9EE8-D947-A1AE-F0369F7FBD0D}" type="datetime1">
               <a:rPr lang="en-US" smtClean="0"/>
-              <a:t>3/16/16</a:t>
+              <a:t>3/20/16</a:t>
             </a:fld>
             <a:endParaRPr lang="en-US"/>
           </a:p>
@@ -814,7 +822,7 @@
           <a:p>
             <a:fld id="{80AD334C-BD37-FA4C-8E42-B5F2C547F21A}" type="datetime1">
               <a:rPr lang="en-US" smtClean="0"/>
-              <a:t>3/16/16</a:t>
+              <a:t>3/20/16</a:t>
             </a:fld>
             <a:endParaRPr lang="en-US"/>
           </a:p>
@@ -998,7 +1006,7 @@
           <a:p>
             <a:fld id="{610530A4-50EA-E74F-B2A7-33E3E40F0CA2}" type="datetime1">
               <a:rPr lang="en-US" smtClean="0"/>
-              <a:t>3/16/16</a:t>
+              <a:t>3/20/16</a:t>
             </a:fld>
             <a:endParaRPr lang="en-US"/>
           </a:p>
@@ -1172,7 +1180,7 @@
           <a:p>
             <a:fld id="{E5BE7D36-82F8-D141-9C5E-D53A4D497145}" type="datetime1">
               <a:rPr lang="en-US" smtClean="0"/>
-              <a:t>3/16/16</a:t>
+              <a:t>3/20/16</a:t>
             </a:fld>
             <a:endParaRPr lang="en-US"/>
           </a:p>
@@ -1422,7 +1430,7 @@
           <a:p>
             <a:fld id="{767730B6-83E6-5749-85F8-DD91F5393B9D}" type="datetime1">
               <a:rPr lang="en-US" smtClean="0"/>
-              <a:t>3/16/16</a:t>
+              <a:t>3/20/16</a:t>
             </a:fld>
             <a:endParaRPr lang="en-US"/>
           </a:p>
@@ -1658,7 +1666,7 @@
           <a:p>
             <a:fld id="{756D51F4-7346-174A-BE2E-0D8F77BA6B63}" type="datetime1">
               <a:rPr lang="en-US" smtClean="0"/>
-              <a:t>3/16/16</a:t>
+              <a:t>3/20/16</a:t>
             </a:fld>
             <a:endParaRPr lang="en-US"/>
           </a:p>
@@ -2029,7 +2037,7 @@
           <a:p>
             <a:fld id="{0157896D-7122-AD44-9270-24E05AD3A1F2}" type="datetime1">
               <a:rPr lang="en-US" smtClean="0"/>
-              <a:t>3/16/16</a:t>
+              <a:t>3/20/16</a:t>
             </a:fld>
             <a:endParaRPr lang="en-US"/>
           </a:p>
@@ -2151,7 +2159,7 @@
           <a:p>
             <a:fld id="{A4285A25-C949-FC43-B87A-2DF92D8E25ED}" type="datetime1">
               <a:rPr lang="en-US" smtClean="0"/>
-              <a:t>3/16/16</a:t>
+              <a:t>3/20/16</a:t>
             </a:fld>
             <a:endParaRPr lang="en-US"/>
           </a:p>
@@ -2250,7 +2258,7 @@
           <a:p>
             <a:fld id="{82D66296-C513-CD47-94EB-72C87AFCE344}" type="datetime1">
               <a:rPr lang="en-US" smtClean="0"/>
-              <a:t>3/16/16</a:t>
+              <a:t>3/20/16</a:t>
             </a:fld>
             <a:endParaRPr lang="en-US"/>
           </a:p>
@@ -2531,7 +2539,7 @@
           <a:p>
             <a:fld id="{46C12CBD-222B-0A4D-81E1-2423A2D55605}" type="datetime1">
               <a:rPr lang="en-US" smtClean="0"/>
-              <a:t>3/16/16</a:t>
+              <a:t>3/20/16</a:t>
             </a:fld>
             <a:endParaRPr lang="en-US"/>
           </a:p>
@@ -2788,7 +2796,7 @@
           <a:p>
             <a:fld id="{3F685F27-7C40-1448-9E50-A80B02C672DB}" type="datetime1">
               <a:rPr lang="en-US" smtClean="0"/>
-              <a:t>3/16/16</a:t>
+              <a:t>3/20/16</a:t>
             </a:fld>
             <a:endParaRPr lang="en-US"/>
           </a:p>
@@ -3005,7 +3013,7 @@
           <a:p>
             <a:fld id="{D0B55D32-2DDA-BD4C-A2A1-2C315D465DB4}" type="datetime1">
               <a:rPr lang="en-US" smtClean="0"/>
-              <a:t>3/16/16</a:t>
+              <a:t>3/20/16</a:t>
             </a:fld>
             <a:endParaRPr lang="en-US"/>
           </a:p>
@@ -3705,7 +3713,7 @@
           <a:p>
             <a:fld id="{D60F355B-B081-7348-9FD0-DB378FD709E6}" type="datetime1">
               <a:rPr lang="en-US" smtClean="0"/>
-              <a:t>3/16/16</a:t>
+              <a:t>3/20/16</a:t>
             </a:fld>
             <a:endParaRPr lang="en-US"/>
           </a:p>
@@ -4025,7 +4033,7 @@
           <a:p>
             <a:fld id="{D60F355B-B081-7348-9FD0-DB378FD709E6}" type="datetime1">
               <a:rPr lang="en-US" smtClean="0"/>
-              <a:t>3/16/16</a:t>
+              <a:t>3/20/16</a:t>
             </a:fld>
             <a:endParaRPr lang="en-US"/>
           </a:p>
@@ -4352,7 +4360,7 @@
           <a:p>
             <a:fld id="{D60F355B-B081-7348-9FD0-DB378FD709E6}" type="datetime1">
               <a:rPr lang="en-US" smtClean="0"/>
-              <a:t>3/16/16</a:t>
+              <a:t>3/20/16</a:t>
             </a:fld>
             <a:endParaRPr lang="en-US"/>
           </a:p>
@@ -4718,7 +4726,7 @@
           <a:p>
             <a:fld id="{D60F355B-B081-7348-9FD0-DB378FD709E6}" type="datetime1">
               <a:rPr lang="en-US" smtClean="0"/>
-              <a:t>3/16/16</a:t>
+              <a:t>3/20/16</a:t>
             </a:fld>
             <a:endParaRPr lang="en-US"/>
           </a:p>
@@ -5277,7 +5285,7 @@
           <a:p>
             <a:fld id="{D60F355B-B081-7348-9FD0-DB378FD709E6}" type="datetime1">
               <a:rPr lang="en-US" smtClean="0"/>
-              <a:t>3/16/16</a:t>
+              <a:t>3/20/16</a:t>
             </a:fld>
             <a:endParaRPr lang="en-US"/>
           </a:p>
@@ -5534,7 +5542,7 @@
           <a:p>
             <a:fld id="{D60F355B-B081-7348-9FD0-DB378FD709E6}" type="datetime1">
               <a:rPr lang="en-US" smtClean="0"/>
-              <a:t>3/16/16</a:t>
+              <a:t>3/20/16</a:t>
             </a:fld>
             <a:endParaRPr lang="en-US"/>
           </a:p>
@@ -5876,7 +5884,7 @@
           <a:p>
             <a:fld id="{D60F355B-B081-7348-9FD0-DB378FD709E6}" type="datetime1">
               <a:rPr lang="en-US" smtClean="0"/>
-              <a:t>3/16/16</a:t>
+              <a:t>3/20/16</a:t>
             </a:fld>
             <a:endParaRPr lang="en-US"/>
           </a:p>
@@ -6096,7 +6104,7 @@
           <a:p>
             <a:fld id="{D60F355B-B081-7348-9FD0-DB378FD709E6}" type="datetime1">
               <a:rPr lang="en-US" smtClean="0"/>
-              <a:t>3/16/16</a:t>
+              <a:t>3/20/16</a:t>
             </a:fld>
             <a:endParaRPr lang="en-US"/>
           </a:p>
@@ -6303,7 +6311,7 @@
           <a:p>
             <a:fld id="{D60F355B-B081-7348-9FD0-DB378FD709E6}" type="datetime1">
               <a:rPr lang="en-US" smtClean="0"/>
-              <a:t>3/16/16</a:t>
+              <a:t>3/20/16</a:t>
             </a:fld>
             <a:endParaRPr lang="en-US"/>
           </a:p>
@@ -6582,7 +6590,7 @@
           <a:p>
             <a:fld id="{D60F355B-B081-7348-9FD0-DB378FD709E6}" type="datetime1">
               <a:rPr lang="en-US" smtClean="0"/>
-              <a:t>3/16/16</a:t>
+              <a:t>3/20/16</a:t>
             </a:fld>
             <a:endParaRPr lang="en-US"/>
           </a:p>
@@ -6768,7 +6776,7 @@
           <a:p>
             <a:fld id="{36E1E297-93EF-934C-AEA9-392476BDB436}" type="datetime1">
               <a:rPr lang="en-US" smtClean="0"/>
-              <a:t>3/16/16</a:t>
+              <a:t>3/20/16</a:t>
             </a:fld>
             <a:endParaRPr lang="en-US"/>
           </a:p>
@@ -7060,7 +7068,7 @@
           <a:p>
             <a:fld id="{D60F355B-B081-7348-9FD0-DB378FD709E6}" type="datetime1">
               <a:rPr lang="en-US" smtClean="0"/>
-              <a:t>3/16/16</a:t>
+              <a:t>3/20/16</a:t>
             </a:fld>
             <a:endParaRPr lang="en-US"/>
           </a:p>
@@ -7409,7 +7417,7 @@
           <a:p>
             <a:fld id="{FF7EFB7B-DE71-0E4B-91D4-1D8B25020B15}" type="datetime1">
               <a:rPr lang="en-US" smtClean="0"/>
-              <a:t>3/16/16</a:t>
+              <a:t>3/20/16</a:t>
             </a:fld>
             <a:endParaRPr lang="en-US"/>
           </a:p>
@@ -8024,7 +8032,7 @@
           <a:p>
             <a:fld id="{FF7EFB7B-DE71-0E4B-91D4-1D8B25020B15}" type="datetime1">
               <a:rPr lang="en-US" smtClean="0"/>
-              <a:t>3/16/16</a:t>
+              <a:t>3/20/16</a:t>
             </a:fld>
             <a:endParaRPr lang="en-US"/>
           </a:p>
@@ -8392,7 +8400,7 @@
           <a:p>
             <a:fld id="{FF7EFB7B-DE71-0E4B-91D4-1D8B25020B15}" type="datetime1">
               <a:rPr lang="en-US" smtClean="0"/>
-              <a:t>3/16/16</a:t>
+              <a:t>3/20/16</a:t>
             </a:fld>
             <a:endParaRPr lang="en-US"/>
           </a:p>
@@ -8659,7 +8667,7 @@
           <a:p>
             <a:fld id="{FF7EFB7B-DE71-0E4B-91D4-1D8B25020B15}" type="datetime1">
               <a:rPr lang="en-US" smtClean="0"/>
-              <a:t>3/16/16</a:t>
+              <a:t>3/20/16</a:t>
             </a:fld>
             <a:endParaRPr lang="en-US"/>
           </a:p>
@@ -8840,7 +8848,7 @@
           <a:p>
             <a:fld id="{FF7EFB7B-DE71-0E4B-91D4-1D8B25020B15}" type="datetime1">
               <a:rPr lang="en-US" smtClean="0"/>
-              <a:t>3/16/16</a:t>
+              <a:t>3/20/16</a:t>
             </a:fld>
             <a:endParaRPr lang="en-US"/>
           </a:p>
@@ -9680,7 +9688,7 @@
           <a:p>
             <a:fld id="{FF7EFB7B-DE71-0E4B-91D4-1D8B25020B15}" type="datetime1">
               <a:rPr lang="en-US" smtClean="0"/>
-              <a:t>3/16/16</a:t>
+              <a:t>3/20/16</a:t>
             </a:fld>
             <a:endParaRPr lang="en-US"/>
           </a:p>
@@ -10200,7 +10208,7 @@
           <a:p>
             <a:fld id="{FF7EFB7B-DE71-0E4B-91D4-1D8B25020B15}" type="datetime1">
               <a:rPr lang="en-US" smtClean="0"/>
-              <a:t>3/16/16</a:t>
+              <a:t>3/20/16</a:t>
             </a:fld>
             <a:endParaRPr lang="en-US"/>
           </a:p>
@@ -10806,7 +10814,7 @@
           <a:p>
             <a:fld id="{FF7EFB7B-DE71-0E4B-91D4-1D8B25020B15}" type="datetime1">
               <a:rPr lang="en-US" smtClean="0"/>
-              <a:t>3/16/16</a:t>
+              <a:t>3/20/16</a:t>
             </a:fld>
             <a:endParaRPr lang="en-US"/>
           </a:p>
@@ -11159,7 +11167,7 @@
           <a:p>
             <a:fld id="{FF7EFB7B-DE71-0E4B-91D4-1D8B25020B15}" type="datetime1">
               <a:rPr lang="en-US" smtClean="0"/>
-              <a:t>3/16/16</a:t>
+              <a:t>3/20/16</a:t>
             </a:fld>
             <a:endParaRPr lang="en-US"/>
           </a:p>
@@ -11398,7 +11406,7 @@
           <a:p>
             <a:fld id="{D60F355B-B081-7348-9FD0-DB378FD709E6}" type="datetime1">
               <a:rPr lang="en-US" smtClean="0"/>
-              <a:t>3/16/16</a:t>
+              <a:t>3/20/16</a:t>
             </a:fld>
             <a:endParaRPr lang="en-US"/>
           </a:p>
@@ -11497,7 +11505,7 @@
           <a:p>
             <a:fld id="{FF7EFB7B-DE71-0E4B-91D4-1D8B25020B15}" type="datetime1">
               <a:rPr lang="en-US" smtClean="0"/>
-              <a:t>3/16/16</a:t>
+              <a:t>3/20/16</a:t>
             </a:fld>
             <a:endParaRPr lang="en-US"/>
           </a:p>
@@ -13669,7 +13677,7 @@
           <a:p>
             <a:fld id="{FF7EFB7B-DE71-0E4B-91D4-1D8B25020B15}" type="datetime1">
               <a:rPr lang="en-US" smtClean="0"/>
-              <a:t>3/16/16</a:t>
+              <a:t>3/20/16</a:t>
             </a:fld>
             <a:endParaRPr lang="en-US"/>
           </a:p>
@@ -14178,7 +14186,7 @@
           <a:p>
             <a:fld id="{FF7EFB7B-DE71-0E4B-91D4-1D8B25020B15}" type="datetime1">
               <a:rPr lang="en-US" smtClean="0"/>
-              <a:t>3/16/16</a:t>
+              <a:t>3/20/16</a:t>
             </a:fld>
             <a:endParaRPr lang="en-US"/>
           </a:p>
@@ -14943,7 +14951,7 @@
           <a:p>
             <a:fld id="{FF7EFB7B-DE71-0E4B-91D4-1D8B25020B15}" type="datetime1">
               <a:rPr lang="en-US" smtClean="0"/>
-              <a:t>3/16/16</a:t>
+              <a:t>3/20/16</a:t>
             </a:fld>
             <a:endParaRPr lang="en-US"/>
           </a:p>
@@ -16831,7 +16839,7 @@
           <a:p>
             <a:fld id="{FF7EFB7B-DE71-0E4B-91D4-1D8B25020B15}" type="datetime1">
               <a:rPr lang="en-US" smtClean="0"/>
-              <a:t>3/16/16</a:t>
+              <a:t>3/20/16</a:t>
             </a:fld>
             <a:endParaRPr lang="en-US"/>
           </a:p>
@@ -16930,7 +16938,7 @@
           <a:p>
             <a:fld id="{FF7EFB7B-DE71-0E4B-91D4-1D8B25020B15}" type="datetime1">
               <a:rPr lang="en-US" smtClean="0"/>
-              <a:t>3/16/16</a:t>
+              <a:t>3/20/16</a:t>
             </a:fld>
             <a:endParaRPr lang="en-US"/>
           </a:p>
@@ -19205,7 +19213,7 @@
           <a:p>
             <a:fld id="{FF7EFB7B-DE71-0E4B-91D4-1D8B25020B15}" type="datetime1">
               <a:rPr lang="en-US" smtClean="0"/>
-              <a:t>3/16/16</a:t>
+              <a:t>3/20/16</a:t>
             </a:fld>
             <a:endParaRPr lang="en-US"/>
           </a:p>
@@ -20604,7 +20612,7 @@
           <a:p>
             <a:fld id="{FF7EFB7B-DE71-0E4B-91D4-1D8B25020B15}" type="datetime1">
               <a:rPr lang="en-US" smtClean="0"/>
-              <a:t>3/16/16</a:t>
+              <a:t>3/20/16</a:t>
             </a:fld>
             <a:endParaRPr lang="en-US"/>
           </a:p>
@@ -20719,9 +20727,78 @@
           </a:p>
         </p:txBody>
       </p:sp>
+      <p:sp>
+        <p:nvSpPr>
+          <p:cNvPr id="4" name="Date Placeholder 3"/>
+          <p:cNvSpPr>
+            <a:spLocks noGrp="1"/>
+          </p:cNvSpPr>
+          <p:nvPr>
+            <p:ph type="dt" sz="half" idx="10"/>
+          </p:nvPr>
+        </p:nvSpPr>
+        <p:spPr/>
+        <p:txBody>
+          <a:bodyPr/>
+          <a:lstStyle/>
+          <a:p>
+            <a:fld id="{FF7EFB7B-DE71-0E4B-91D4-1D8B25020B15}" type="datetime1">
+              <a:rPr lang="en-US" smtClean="0"/>
+              <a:t>3/20/16</a:t>
+            </a:fld>
+            <a:endParaRPr lang="en-US"/>
+          </a:p>
+        </p:txBody>
+      </p:sp>
+      <p:sp>
+        <p:nvSpPr>
+          <p:cNvPr id="5" name="Footer Placeholder 4"/>
+          <p:cNvSpPr>
+            <a:spLocks noGrp="1"/>
+          </p:cNvSpPr>
+          <p:nvPr>
+            <p:ph type="ftr" sz="quarter" idx="11"/>
+          </p:nvPr>
+        </p:nvSpPr>
+        <p:spPr/>
+        <p:txBody>
+          <a:bodyPr/>
+          <a:lstStyle/>
+          <a:p>
+            <a:r>
+              <a:rPr lang="en-US" smtClean="0"/>
+              <a:t>Ashim Lamichhane</a:t>
+            </a:r>
+            <a:endParaRPr lang="en-US"/>
+          </a:p>
+        </p:txBody>
+      </p:sp>
+      <p:sp>
+        <p:nvSpPr>
+          <p:cNvPr id="6" name="Slide Number Placeholder 5"/>
+          <p:cNvSpPr>
+            <a:spLocks noGrp="1"/>
+          </p:cNvSpPr>
+          <p:nvPr>
+            <p:ph type="sldNum" sz="quarter" idx="12"/>
+          </p:nvPr>
+        </p:nvSpPr>
+        <p:spPr/>
+        <p:txBody>
+          <a:bodyPr/>
+          <a:lstStyle/>
+          <a:p>
+            <a:fld id="{5F6DF98B-7C24-4C4A-9857-F9CABD08DE4C}" type="slidenum">
+              <a:rPr lang="en-US" smtClean="0"/>
+              <a:t>38</a:t>
+            </a:fld>
+            <a:endParaRPr lang="en-US"/>
+          </a:p>
+        </p:txBody>
+      </p:sp>
       <p:pic>
         <p:nvPicPr>
-          <p:cNvPr id="7" name="Content Placeholder 6"/>
+          <p:cNvPr id="8" name="Content Placeholder 7"/>
           <p:cNvPicPr>
             <a:picLocks noGrp="1" noChangeAspect="1"/>
           </p:cNvPicPr>
@@ -20743,80 +20820,11 @@
         </p:blipFill>
         <p:spPr>
           <a:xfrm>
-            <a:off x="1817228" y="92594"/>
-            <a:ext cx="8507392" cy="6672805"/>
+            <a:off x="2442258" y="46866"/>
+            <a:ext cx="6748040" cy="6373167"/>
           </a:xfrm>
         </p:spPr>
       </p:pic>
-      <p:sp>
-        <p:nvSpPr>
-          <p:cNvPr id="4" name="Date Placeholder 3"/>
-          <p:cNvSpPr>
-            <a:spLocks noGrp="1"/>
-          </p:cNvSpPr>
-          <p:nvPr>
-            <p:ph type="dt" sz="half" idx="10"/>
-          </p:nvPr>
-        </p:nvSpPr>
-        <p:spPr/>
-        <p:txBody>
-          <a:bodyPr/>
-          <a:lstStyle/>
-          <a:p>
-            <a:fld id="{FF7EFB7B-DE71-0E4B-91D4-1D8B25020B15}" type="datetime1">
-              <a:rPr lang="en-US" smtClean="0"/>
-              <a:t>3/16/16</a:t>
-            </a:fld>
-            <a:endParaRPr lang="en-US"/>
-          </a:p>
-        </p:txBody>
-      </p:sp>
-      <p:sp>
-        <p:nvSpPr>
-          <p:cNvPr id="5" name="Footer Placeholder 4"/>
-          <p:cNvSpPr>
-            <a:spLocks noGrp="1"/>
-          </p:cNvSpPr>
-          <p:nvPr>
-            <p:ph type="ftr" sz="quarter" idx="11"/>
-          </p:nvPr>
-        </p:nvSpPr>
-        <p:spPr/>
-        <p:txBody>
-          <a:bodyPr/>
-          <a:lstStyle/>
-          <a:p>
-            <a:r>
-              <a:rPr lang="en-US" smtClean="0"/>
-              <a:t>Ashim Lamichhane</a:t>
-            </a:r>
-            <a:endParaRPr lang="en-US"/>
-          </a:p>
-        </p:txBody>
-      </p:sp>
-      <p:sp>
-        <p:nvSpPr>
-          <p:cNvPr id="6" name="Slide Number Placeholder 5"/>
-          <p:cNvSpPr>
-            <a:spLocks noGrp="1"/>
-          </p:cNvSpPr>
-          <p:nvPr>
-            <p:ph type="sldNum" sz="quarter" idx="12"/>
-          </p:nvPr>
-        </p:nvSpPr>
-        <p:spPr/>
-        <p:txBody>
-          <a:bodyPr/>
-          <a:lstStyle/>
-          <a:p>
-            <a:fld id="{5F6DF98B-7C24-4C4A-9857-F9CABD08DE4C}" type="slidenum">
-              <a:rPr lang="en-US" smtClean="0"/>
-              <a:t>38</a:t>
-            </a:fld>
-            <a:endParaRPr lang="en-US"/>
-          </a:p>
-        </p:txBody>
-      </p:sp>
     </p:spTree>
     <p:extLst>
       <p:ext uri="{BB962C8B-B14F-4D97-AF65-F5344CB8AC3E}">
@@ -20878,11 +20886,7 @@
           <a:p>
             <a:r>
               <a:rPr lang="en-US" sz="3200" b="1" dirty="0" smtClean="0"/>
-              <a:t>Coming soon</a:t>
-            </a:r>
-            <a:r>
-              <a:rPr lang="is-IS" sz="3200" b="1" smtClean="0"/>
-              <a:t>…</a:t>
+              <a:t>Pointer Operations</a:t>
             </a:r>
             <a:endParaRPr lang="en-US" sz="3200" b="1" dirty="0"/>
           </a:p>
@@ -20905,13 +20909,241 @@
           </a:xfrm>
         </p:spPr>
         <p:txBody>
-          <a:bodyPr/>
-          <a:lstStyle/>
-          <a:p>
-            <a:endParaRPr lang="en-US" dirty="0">
+          <a:bodyPr>
+            <a:normAutofit lnSpcReduction="10000"/>
+          </a:bodyPr>
+          <a:lstStyle/>
+          <a:p>
+            <a:r>
+              <a:rPr lang="en-US" dirty="0" smtClean="0">
+                <a:latin typeface="+mj-lt"/>
+              </a:rPr>
+              <a:t>To illustrate the pointer operations, let us consider following declaration of ordinary variables and pointer variables:</a:t>
+            </a:r>
+          </a:p>
+          <a:p>
+            <a:pPr marL="0" indent="0">
+              <a:buNone/>
+            </a:pPr>
+            <a:r>
+              <a:rPr lang="en-US" sz="4000" b="1" dirty="0">
+                <a:solidFill>
+                  <a:srgbClr val="FF0000"/>
+                </a:solidFill>
+                <a:latin typeface="+mj-lt"/>
+              </a:rPr>
+              <a:t>	</a:t>
+            </a:r>
+            <a:r>
+              <a:rPr lang="en-US" sz="4000" b="1" dirty="0" err="1" smtClean="0">
+                <a:solidFill>
+                  <a:srgbClr val="FF0000"/>
+                </a:solidFill>
+                <a:latin typeface="+mj-lt"/>
+              </a:rPr>
+              <a:t>int</a:t>
+            </a:r>
+            <a:r>
+              <a:rPr lang="en-US" sz="4000" b="1" dirty="0" smtClean="0">
+                <a:solidFill>
+                  <a:srgbClr val="FF0000"/>
+                </a:solidFill>
+                <a:latin typeface="+mj-lt"/>
+              </a:rPr>
+              <a:t> </a:t>
+            </a:r>
+            <a:r>
+              <a:rPr lang="en-US" sz="4000" b="1" dirty="0" err="1" smtClean="0">
+                <a:solidFill>
+                  <a:srgbClr val="FF0000"/>
+                </a:solidFill>
+                <a:latin typeface="+mj-lt"/>
+              </a:rPr>
+              <a:t>a,b</a:t>
+            </a:r>
+            <a:r>
+              <a:rPr lang="en-US" sz="4000" b="1" dirty="0" smtClean="0">
+                <a:solidFill>
+                  <a:srgbClr val="FF0000"/>
+                </a:solidFill>
+                <a:latin typeface="+mj-lt"/>
+              </a:rPr>
+              <a:t>;</a:t>
+            </a:r>
+            <a:r>
+              <a:rPr lang="en-US" b="1" dirty="0" smtClean="0">
+                <a:latin typeface="+mj-lt"/>
+              </a:rPr>
+              <a:t>	</a:t>
+            </a:r>
+            <a:r>
+              <a:rPr lang="en-US" b="1" dirty="0" smtClean="0">
+                <a:solidFill>
+                  <a:srgbClr val="00B050"/>
+                </a:solidFill>
+                <a:latin typeface="+mj-lt"/>
+              </a:rPr>
+              <a:t>float c;</a:t>
+            </a:r>
+            <a:r>
+              <a:rPr lang="en-US" b="1" dirty="0" smtClean="0">
+                <a:latin typeface="+mj-lt"/>
+              </a:rPr>
+              <a:t>	</a:t>
+            </a:r>
+            <a:r>
+              <a:rPr lang="en-US" sz="3600" b="1" dirty="0" err="1" smtClean="0">
+                <a:solidFill>
+                  <a:schemeClr val="accent1">
+                    <a:lumMod val="75000"/>
+                  </a:schemeClr>
+                </a:solidFill>
+                <a:latin typeface="+mj-lt"/>
+              </a:rPr>
+              <a:t>int</a:t>
+            </a:r>
+            <a:r>
+              <a:rPr lang="en-US" sz="3600" b="1" dirty="0" smtClean="0">
+                <a:solidFill>
+                  <a:schemeClr val="accent1">
+                    <a:lumMod val="75000"/>
+                  </a:schemeClr>
+                </a:solidFill>
+                <a:latin typeface="+mj-lt"/>
+              </a:rPr>
+              <a:t> *p1,*p2,</a:t>
+            </a:r>
+            <a:r>
+              <a:rPr lang="en-US" b="1" dirty="0" smtClean="0">
+                <a:latin typeface="+mj-lt"/>
+              </a:rPr>
+              <a:t>		</a:t>
+            </a:r>
+            <a:r>
+              <a:rPr lang="en-US" b="1" dirty="0" smtClean="0">
+                <a:solidFill>
+                  <a:schemeClr val="accent2">
+                    <a:lumMod val="75000"/>
+                  </a:schemeClr>
+                </a:solidFill>
+                <a:latin typeface="+mj-lt"/>
+              </a:rPr>
+              <a:t>float *f;</a:t>
+            </a:r>
+          </a:p>
+          <a:p>
+            <a:endParaRPr lang="en-US" b="1" dirty="0">
+              <a:solidFill>
+                <a:schemeClr val="accent2">
+                  <a:lumMod val="75000"/>
+                </a:schemeClr>
+              </a:solidFill>
               <a:latin typeface="+mj-lt"/>
             </a:endParaRPr>
           </a:p>
+          <a:p>
+            <a:r>
+              <a:rPr lang="en-US" dirty="0" smtClean="0">
+                <a:latin typeface="+mj-lt"/>
+              </a:rPr>
+              <a:t>A pointer variable can be assigned the address of an ordinary variable.</a:t>
+            </a:r>
+          </a:p>
+          <a:p>
+            <a:pPr marL="457200" lvl="1" indent="0">
+              <a:buNone/>
+            </a:pPr>
+            <a:r>
+              <a:rPr lang="en-US" dirty="0" smtClean="0">
+                <a:latin typeface="+mj-lt"/>
+              </a:rPr>
+              <a:t>For ex:		 p1=&amp;a;		p2=&amp;b;		f=&amp;c</a:t>
+            </a:r>
+          </a:p>
+          <a:p>
+            <a:pPr lvl="1"/>
+            <a:endParaRPr lang="en-US" dirty="0" smtClean="0">
+              <a:latin typeface="+mj-lt"/>
+            </a:endParaRPr>
+          </a:p>
+          <a:p>
+            <a:r>
+              <a:rPr lang="en-US" dirty="0" smtClean="0">
+                <a:latin typeface="+mj-lt"/>
+              </a:rPr>
+              <a:t>Content of one Pointer can be assigned to other pointer provided they point to same data type. For ex.</a:t>
+            </a:r>
+          </a:p>
+          <a:p>
+            <a:pPr marL="457200" lvl="1" indent="0">
+              <a:buNone/>
+            </a:pPr>
+            <a:r>
+              <a:rPr lang="en-US" b="1" dirty="0" smtClean="0">
+                <a:solidFill>
+                  <a:schemeClr val="accent2">
+                    <a:lumMod val="75000"/>
+                  </a:schemeClr>
+                </a:solidFill>
+                <a:latin typeface="+mj-lt"/>
+              </a:rPr>
+              <a:t>			p1=p2;	</a:t>
+            </a:r>
+            <a:r>
+              <a:rPr lang="en-US" b="1" dirty="0" smtClean="0">
+                <a:latin typeface="+mj-lt"/>
+              </a:rPr>
+              <a:t>	 </a:t>
+            </a:r>
+            <a:r>
+              <a:rPr lang="en-US" dirty="0" smtClean="0">
+                <a:latin typeface="+mj-lt"/>
+              </a:rPr>
+              <a:t>/* valid */</a:t>
+            </a:r>
+          </a:p>
+          <a:p>
+            <a:pPr marL="457200" lvl="1" indent="0">
+              <a:buNone/>
+            </a:pPr>
+            <a:r>
+              <a:rPr lang="en-US" b="1" dirty="0">
+                <a:solidFill>
+                  <a:srgbClr val="FF0000"/>
+                </a:solidFill>
+                <a:latin typeface="+mj-lt"/>
+              </a:rPr>
+              <a:t>	</a:t>
+            </a:r>
+            <a:r>
+              <a:rPr lang="en-US" b="1" dirty="0" smtClean="0">
+                <a:solidFill>
+                  <a:srgbClr val="FF0000"/>
+                </a:solidFill>
+                <a:latin typeface="+mj-lt"/>
+              </a:rPr>
+              <a:t>		f=p1;</a:t>
+            </a:r>
+            <a:r>
+              <a:rPr lang="en-US" b="1" dirty="0" smtClean="0">
+                <a:latin typeface="+mj-lt"/>
+              </a:rPr>
+              <a:t>	</a:t>
+            </a:r>
+            <a:r>
+              <a:rPr lang="en-US" dirty="0" smtClean="0">
+                <a:latin typeface="+mj-lt"/>
+              </a:rPr>
+              <a:t>	/* invalid </a:t>
+            </a:r>
+            <a:r>
+              <a:rPr lang="en-US" sz="2000" dirty="0"/>
+              <a:t>*/</a:t>
+            </a:r>
+            <a:endParaRPr lang="en-US" dirty="0" smtClean="0">
+              <a:latin typeface="+mj-lt"/>
+            </a:endParaRPr>
+          </a:p>
         </p:txBody>
       </p:sp>
       <p:sp>
@@ -20931,7 +21163,7 @@
           <a:p>
             <a:fld id="{FF7EFB7B-DE71-0E4B-91D4-1D8B25020B15}" type="datetime1">
               <a:rPr lang="en-US" smtClean="0"/>
-              <a:t>3/16/16</a:t>
+              <a:t>3/20/16</a:t>
             </a:fld>
             <a:endParaRPr lang="en-US"/>
           </a:p>
@@ -21250,7 +21482,7 @@
           <a:p>
             <a:fld id="{D60F355B-B081-7348-9FD0-DB378FD709E6}" type="datetime1">
               <a:rPr lang="en-US" smtClean="0"/>
-              <a:t>3/16/16</a:t>
+              <a:t>3/20/16</a:t>
             </a:fld>
             <a:endParaRPr lang="en-US"/>
           </a:p>
@@ -21401,32 +21633,6 @@
       </p:grpSpPr>
       <p:sp>
         <p:nvSpPr>
-          <p:cNvPr id="2" name="Title 1"/>
-          <p:cNvSpPr>
-            <a:spLocks noGrp="1"/>
-          </p:cNvSpPr>
-          <p:nvPr>
-            <p:ph type="title"/>
-          </p:nvPr>
-        </p:nvSpPr>
-        <p:spPr>
-          <a:xfrm>
-            <a:off x="838200" y="365126"/>
-            <a:ext cx="10515600" cy="710640"/>
-          </a:xfrm>
-        </p:spPr>
-        <p:txBody>
-          <a:bodyPr>
-            <a:normAutofit/>
-          </a:bodyPr>
-          <a:lstStyle/>
-          <a:p>
-            <a:endParaRPr lang="en-US" sz="3200" b="1" dirty="0"/>
-          </a:p>
-        </p:txBody>
-      </p:sp>
-      <p:sp>
-        <p:nvSpPr>
           <p:cNvPr id="3" name="Content Placeholder 2"/>
           <p:cNvSpPr>
             <a:spLocks noGrp="1"/>
@@ -21437,14 +21643,109 @@
         </p:nvSpPr>
         <p:spPr>
           <a:xfrm>
-            <a:off x="838200" y="1237129"/>
-            <a:ext cx="10515600" cy="4939834"/>
+            <a:off x="838200" y="277792"/>
+            <a:ext cx="10515600" cy="2650423"/>
           </a:xfrm>
         </p:spPr>
         <p:txBody>
           <a:bodyPr/>
           <a:lstStyle/>
           <a:p>
+            <a:pPr>
+              <a:lnSpc>
+                <a:spcPct val="100000"/>
+              </a:lnSpc>
+              <a:spcBef>
+                <a:spcPts val="0"/>
+              </a:spcBef>
+            </a:pPr>
+            <a:r>
+              <a:rPr lang="en-US" dirty="0" smtClean="0">
+                <a:latin typeface="+mj-lt"/>
+              </a:rPr>
+              <a:t>Integer data can be added to or subtracted from pointer variables. </a:t>
+            </a:r>
+            <a:r>
+              <a:rPr lang="en-US" dirty="0" err="1" smtClean="0">
+                <a:latin typeface="+mj-lt"/>
+              </a:rPr>
+              <a:t>Eg</a:t>
+            </a:r>
+            <a:r>
+              <a:rPr lang="en-US" dirty="0" smtClean="0">
+                <a:latin typeface="+mj-lt"/>
+              </a:rPr>
+              <a:t>.</a:t>
+            </a:r>
+          </a:p>
+          <a:p>
+            <a:pPr marL="0" indent="0">
+              <a:lnSpc>
+                <a:spcPct val="100000"/>
+              </a:lnSpc>
+              <a:spcBef>
+                <a:spcPts val="0"/>
+              </a:spcBef>
+              <a:buNone/>
+            </a:pPr>
+            <a:r>
+              <a:rPr lang="en-US" dirty="0" smtClean="0">
+                <a:latin typeface="+mj-lt"/>
+              </a:rPr>
+              <a:t>	</a:t>
+            </a:r>
+            <a:r>
+              <a:rPr lang="en-US" sz="2400" b="1" dirty="0" smtClean="0">
+                <a:latin typeface="+mj-lt"/>
+              </a:rPr>
+              <a:t>p1+2</a:t>
+            </a:r>
+            <a:r>
+              <a:rPr lang="en-US" sz="2000" dirty="0" smtClean="0">
+                <a:latin typeface="+mj-lt"/>
+              </a:rPr>
+              <a:t>		/* specifies an address which is two memory blocks 						beyond the address pointed by p1 */</a:t>
+            </a:r>
+          </a:p>
+          <a:p>
+            <a:pPr marL="0" indent="0">
+              <a:lnSpc>
+                <a:spcPct val="100000"/>
+              </a:lnSpc>
+              <a:spcBef>
+                <a:spcPts val="0"/>
+              </a:spcBef>
+              <a:buNone/>
+            </a:pPr>
+            <a:r>
+              <a:rPr lang="en-US" sz="2000" b="1" dirty="0">
+                <a:latin typeface="+mj-lt"/>
+              </a:rPr>
+              <a:t>	</a:t>
+            </a:r>
+            <a:r>
+              <a:rPr lang="en-US" sz="2000" b="1" dirty="0" smtClean="0">
+                <a:latin typeface="+mj-lt"/>
+              </a:rPr>
+              <a:t>f+1		</a:t>
+            </a:r>
+            <a:r>
+              <a:rPr lang="en-US" sz="2000" dirty="0" smtClean="0">
+                <a:latin typeface="+mj-lt"/>
+              </a:rPr>
+              <a:t>/* address which is one memory block beyond 						address pointed by f  */</a:t>
+            </a:r>
+          </a:p>
+          <a:p>
+            <a:pPr marL="0" indent="0">
+              <a:lnSpc>
+                <a:spcPct val="100000"/>
+              </a:lnSpc>
+              <a:spcBef>
+                <a:spcPts val="0"/>
+              </a:spcBef>
+              <a:buNone/>
+            </a:pPr>
             <a:endParaRPr lang="en-US" dirty="0">
               <a:latin typeface="+mj-lt"/>
             </a:endParaRPr>
@@ -21468,7 +21769,7 @@
           <a:p>
             <a:fld id="{FF7EFB7B-DE71-0E4B-91D4-1D8B25020B15}" type="datetime1">
               <a:rPr lang="en-US" smtClean="0"/>
-              <a:t>3/16/16</a:t>
+              <a:t>3/20/16</a:t>
             </a:fld>
             <a:endParaRPr lang="en-US"/>
           </a:p>
@@ -21517,6 +21818,1586 @@
               <a:t>40</a:t>
             </a:fld>
             <a:endParaRPr lang="en-US"/>
+          </a:p>
+        </p:txBody>
+      </p:sp>
+      <p:sp>
+        <p:nvSpPr>
+          <p:cNvPr id="7" name="Rectangle 6"/>
+          <p:cNvSpPr/>
+          <p:nvPr/>
+        </p:nvSpPr>
+        <p:spPr>
+          <a:xfrm>
+            <a:off x="3216320" y="3099378"/>
+            <a:ext cx="865215" cy="541809"/>
+          </a:xfrm>
+          <a:prstGeom prst="rect">
+            <a:avLst/>
+          </a:prstGeom>
+          <a:noFill/>
+        </p:spPr>
+        <p:style>
+          <a:lnRef idx="2">
+            <a:schemeClr val="accent1">
+              <a:shade val="50000"/>
+            </a:schemeClr>
+          </a:lnRef>
+          <a:fillRef idx="1">
+            <a:schemeClr val="accent1"/>
+          </a:fillRef>
+          <a:effectRef idx="0">
+            <a:schemeClr val="accent1"/>
+          </a:effectRef>
+          <a:fontRef idx="minor">
+            <a:schemeClr val="lt1"/>
+          </a:fontRef>
+        </p:style>
+        <p:txBody>
+          <a:bodyPr rtlCol="0" anchor="ctr"/>
+          <a:lstStyle/>
+          <a:p>
+            <a:pPr algn="ctr"/>
+            <a:endParaRPr lang="en-US" sz="1000"/>
+          </a:p>
+        </p:txBody>
+      </p:sp>
+      <p:sp>
+        <p:nvSpPr>
+          <p:cNvPr id="8" name="Rectangle 7"/>
+          <p:cNvSpPr/>
+          <p:nvPr/>
+        </p:nvSpPr>
+        <p:spPr>
+          <a:xfrm>
+            <a:off x="4074795" y="3099378"/>
+            <a:ext cx="790430" cy="541809"/>
+          </a:xfrm>
+          <a:prstGeom prst="rect">
+            <a:avLst/>
+          </a:prstGeom>
+          <a:noFill/>
+        </p:spPr>
+        <p:style>
+          <a:lnRef idx="2">
+            <a:schemeClr val="accent1">
+              <a:shade val="50000"/>
+            </a:schemeClr>
+          </a:lnRef>
+          <a:fillRef idx="1">
+            <a:schemeClr val="accent1"/>
+          </a:fillRef>
+          <a:effectRef idx="0">
+            <a:schemeClr val="accent1"/>
+          </a:effectRef>
+          <a:fontRef idx="minor">
+            <a:schemeClr val="lt1"/>
+          </a:fontRef>
+        </p:style>
+        <p:txBody>
+          <a:bodyPr rtlCol="0" anchor="ctr"/>
+          <a:lstStyle/>
+          <a:p>
+            <a:pPr algn="ctr"/>
+            <a:endParaRPr lang="en-US" sz="1000"/>
+          </a:p>
+        </p:txBody>
+      </p:sp>
+      <p:sp>
+        <p:nvSpPr>
+          <p:cNvPr id="9" name="Rectangle 8"/>
+          <p:cNvSpPr/>
+          <p:nvPr/>
+        </p:nvSpPr>
+        <p:spPr>
+          <a:xfrm>
+            <a:off x="1333033" y="3099378"/>
+            <a:ext cx="906197" cy="541809"/>
+          </a:xfrm>
+          <a:prstGeom prst="rect">
+            <a:avLst/>
+          </a:prstGeom>
+          <a:noFill/>
+        </p:spPr>
+        <p:style>
+          <a:lnRef idx="2">
+            <a:schemeClr val="accent1">
+              <a:shade val="50000"/>
+            </a:schemeClr>
+          </a:lnRef>
+          <a:fillRef idx="1">
+            <a:schemeClr val="accent1"/>
+          </a:fillRef>
+          <a:effectRef idx="0">
+            <a:schemeClr val="accent1"/>
+          </a:effectRef>
+          <a:fontRef idx="minor">
+            <a:schemeClr val="lt1"/>
+          </a:fontRef>
+        </p:style>
+        <p:txBody>
+          <a:bodyPr rtlCol="0" anchor="ctr"/>
+          <a:lstStyle/>
+          <a:p>
+            <a:pPr algn="ctr"/>
+            <a:endParaRPr lang="en-US" sz="1000"/>
+          </a:p>
+        </p:txBody>
+      </p:sp>
+      <p:sp>
+        <p:nvSpPr>
+          <p:cNvPr id="10" name="Rectangle 9"/>
+          <p:cNvSpPr/>
+          <p:nvPr/>
+        </p:nvSpPr>
+        <p:spPr>
+          <a:xfrm>
+            <a:off x="2240676" y="3099378"/>
+            <a:ext cx="977086" cy="541809"/>
+          </a:xfrm>
+          <a:prstGeom prst="rect">
+            <a:avLst/>
+          </a:prstGeom>
+          <a:noFill/>
+        </p:spPr>
+        <p:style>
+          <a:lnRef idx="2">
+            <a:schemeClr val="accent1">
+              <a:shade val="50000"/>
+            </a:schemeClr>
+          </a:lnRef>
+          <a:fillRef idx="1">
+            <a:schemeClr val="accent1"/>
+          </a:fillRef>
+          <a:effectRef idx="0">
+            <a:schemeClr val="accent1"/>
+          </a:effectRef>
+          <a:fontRef idx="minor">
+            <a:schemeClr val="lt1"/>
+          </a:fontRef>
+        </p:style>
+        <p:txBody>
+          <a:bodyPr rtlCol="0" anchor="ctr"/>
+          <a:lstStyle/>
+          <a:p>
+            <a:pPr algn="ctr"/>
+            <a:endParaRPr lang="en-US" sz="1000"/>
+          </a:p>
+        </p:txBody>
+      </p:sp>
+      <p:sp>
+        <p:nvSpPr>
+          <p:cNvPr id="11" name="Rectangle 10"/>
+          <p:cNvSpPr/>
+          <p:nvPr/>
+        </p:nvSpPr>
+        <p:spPr>
+          <a:xfrm>
+            <a:off x="443709" y="3103868"/>
+            <a:ext cx="889321" cy="537320"/>
+          </a:xfrm>
+          <a:prstGeom prst="rect">
+            <a:avLst/>
+          </a:prstGeom>
+          <a:noFill/>
+        </p:spPr>
+        <p:style>
+          <a:lnRef idx="2">
+            <a:schemeClr val="accent1">
+              <a:shade val="50000"/>
+            </a:schemeClr>
+          </a:lnRef>
+          <a:fillRef idx="1">
+            <a:schemeClr val="accent1"/>
+          </a:fillRef>
+          <a:effectRef idx="0">
+            <a:schemeClr val="accent1"/>
+          </a:effectRef>
+          <a:fontRef idx="minor">
+            <a:schemeClr val="lt1"/>
+          </a:fontRef>
+        </p:style>
+        <p:txBody>
+          <a:bodyPr rtlCol="0" anchor="ctr"/>
+          <a:lstStyle/>
+          <a:p>
+            <a:pPr algn="ctr"/>
+            <a:endParaRPr lang="en-US" sz="1000"/>
+          </a:p>
+        </p:txBody>
+      </p:sp>
+      <p:sp>
+        <p:nvSpPr>
+          <p:cNvPr id="12" name="TextBox 11"/>
+          <p:cNvSpPr txBox="1"/>
+          <p:nvPr/>
+        </p:nvSpPr>
+        <p:spPr>
+          <a:xfrm>
+            <a:off x="552904" y="2708790"/>
+            <a:ext cx="317716" cy="246221"/>
+          </a:xfrm>
+          <a:prstGeom prst="rect">
+            <a:avLst/>
+          </a:prstGeom>
+          <a:noFill/>
+        </p:spPr>
+        <p:txBody>
+          <a:bodyPr wrap="none" rtlCol="0">
+            <a:spAutoFit/>
+          </a:bodyPr>
+          <a:lstStyle/>
+          <a:p>
+            <a:r>
+              <a:rPr lang="en-US" sz="1000" dirty="0" smtClean="0"/>
+              <a:t>p1</a:t>
+            </a:r>
+            <a:endParaRPr lang="en-US" sz="1000" dirty="0"/>
+          </a:p>
+        </p:txBody>
+      </p:sp>
+      <p:cxnSp>
+        <p:nvCxnSpPr>
+          <p:cNvPr id="13" name="Straight Arrow Connector 12"/>
+          <p:cNvCxnSpPr/>
+          <p:nvPr/>
+        </p:nvCxnSpPr>
+        <p:spPr>
+          <a:xfrm>
+            <a:off x="425382" y="2708475"/>
+            <a:ext cx="23153" cy="372241"/>
+          </a:xfrm>
+          <a:prstGeom prst="straightConnector1">
+            <a:avLst/>
+          </a:prstGeom>
+          <a:ln>
+            <a:tailEnd type="triangle"/>
+          </a:ln>
+        </p:spPr>
+        <p:style>
+          <a:lnRef idx="1">
+            <a:schemeClr val="accent1"/>
+          </a:lnRef>
+          <a:fillRef idx="0">
+            <a:schemeClr val="accent1"/>
+          </a:fillRef>
+          <a:effectRef idx="0">
+            <a:schemeClr val="accent1"/>
+          </a:effectRef>
+          <a:fontRef idx="minor">
+            <a:schemeClr val="tx1"/>
+          </a:fontRef>
+        </p:style>
+      </p:cxnSp>
+      <p:cxnSp>
+        <p:nvCxnSpPr>
+          <p:cNvPr id="23" name="Straight Arrow Connector 22"/>
+          <p:cNvCxnSpPr/>
+          <p:nvPr/>
+        </p:nvCxnSpPr>
+        <p:spPr>
+          <a:xfrm>
+            <a:off x="1284555" y="2691651"/>
+            <a:ext cx="23153" cy="372241"/>
+          </a:xfrm>
+          <a:prstGeom prst="straightConnector1">
+            <a:avLst/>
+          </a:prstGeom>
+          <a:ln>
+            <a:tailEnd type="triangle"/>
+          </a:ln>
+        </p:spPr>
+        <p:style>
+          <a:lnRef idx="1">
+            <a:schemeClr val="accent1"/>
+          </a:lnRef>
+          <a:fillRef idx="0">
+            <a:schemeClr val="accent1"/>
+          </a:fillRef>
+          <a:effectRef idx="0">
+            <a:schemeClr val="accent1"/>
+          </a:effectRef>
+          <a:fontRef idx="minor">
+            <a:schemeClr val="tx1"/>
+          </a:fontRef>
+        </p:style>
+      </p:cxnSp>
+      <p:cxnSp>
+        <p:nvCxnSpPr>
+          <p:cNvPr id="24" name="Straight Arrow Connector 23"/>
+          <p:cNvCxnSpPr/>
+          <p:nvPr/>
+        </p:nvCxnSpPr>
+        <p:spPr>
+          <a:xfrm>
+            <a:off x="2234398" y="2691651"/>
+            <a:ext cx="23153" cy="372241"/>
+          </a:xfrm>
+          <a:prstGeom prst="straightConnector1">
+            <a:avLst/>
+          </a:prstGeom>
+          <a:ln>
+            <a:tailEnd type="triangle"/>
+          </a:ln>
+        </p:spPr>
+        <p:style>
+          <a:lnRef idx="1">
+            <a:schemeClr val="accent1"/>
+          </a:lnRef>
+          <a:fillRef idx="0">
+            <a:schemeClr val="accent1"/>
+          </a:fillRef>
+          <a:effectRef idx="0">
+            <a:schemeClr val="accent1"/>
+          </a:effectRef>
+          <a:fontRef idx="minor">
+            <a:schemeClr val="tx1"/>
+          </a:fontRef>
+        </p:style>
+      </p:cxnSp>
+      <p:cxnSp>
+        <p:nvCxnSpPr>
+          <p:cNvPr id="25" name="Straight Arrow Connector 24"/>
+          <p:cNvCxnSpPr/>
+          <p:nvPr/>
+        </p:nvCxnSpPr>
+        <p:spPr>
+          <a:xfrm>
+            <a:off x="3151693" y="2695318"/>
+            <a:ext cx="23153" cy="372241"/>
+          </a:xfrm>
+          <a:prstGeom prst="straightConnector1">
+            <a:avLst/>
+          </a:prstGeom>
+          <a:ln>
+            <a:tailEnd type="triangle"/>
+          </a:ln>
+        </p:spPr>
+        <p:style>
+          <a:lnRef idx="1">
+            <a:schemeClr val="accent1"/>
+          </a:lnRef>
+          <a:fillRef idx="0">
+            <a:schemeClr val="accent1"/>
+          </a:fillRef>
+          <a:effectRef idx="0">
+            <a:schemeClr val="accent1"/>
+          </a:effectRef>
+          <a:fontRef idx="minor">
+            <a:schemeClr val="tx1"/>
+          </a:fontRef>
+        </p:style>
+      </p:cxnSp>
+      <p:cxnSp>
+        <p:nvCxnSpPr>
+          <p:cNvPr id="26" name="Straight Arrow Connector 25"/>
+          <p:cNvCxnSpPr/>
+          <p:nvPr/>
+        </p:nvCxnSpPr>
+        <p:spPr>
+          <a:xfrm>
+            <a:off x="4031844" y="2708475"/>
+            <a:ext cx="23153" cy="372241"/>
+          </a:xfrm>
+          <a:prstGeom prst="straightConnector1">
+            <a:avLst/>
+          </a:prstGeom>
+          <a:ln>
+            <a:tailEnd type="triangle"/>
+          </a:ln>
+        </p:spPr>
+        <p:style>
+          <a:lnRef idx="1">
+            <a:schemeClr val="accent1"/>
+          </a:lnRef>
+          <a:fillRef idx="0">
+            <a:schemeClr val="accent1"/>
+          </a:fillRef>
+          <a:effectRef idx="0">
+            <a:schemeClr val="accent1"/>
+          </a:effectRef>
+          <a:fontRef idx="minor">
+            <a:schemeClr val="tx1"/>
+          </a:fontRef>
+        </p:style>
+      </p:cxnSp>
+      <p:cxnSp>
+        <p:nvCxnSpPr>
+          <p:cNvPr id="27" name="Straight Arrow Connector 26"/>
+          <p:cNvCxnSpPr/>
+          <p:nvPr/>
+        </p:nvCxnSpPr>
+        <p:spPr>
+          <a:xfrm>
+            <a:off x="4840142" y="2691650"/>
+            <a:ext cx="23153" cy="372241"/>
+          </a:xfrm>
+          <a:prstGeom prst="straightConnector1">
+            <a:avLst/>
+          </a:prstGeom>
+          <a:ln>
+            <a:tailEnd type="triangle"/>
+          </a:ln>
+        </p:spPr>
+        <p:style>
+          <a:lnRef idx="1">
+            <a:schemeClr val="accent1"/>
+          </a:lnRef>
+          <a:fillRef idx="0">
+            <a:schemeClr val="accent1"/>
+          </a:fillRef>
+          <a:effectRef idx="0">
+            <a:schemeClr val="accent1"/>
+          </a:effectRef>
+          <a:fontRef idx="minor">
+            <a:schemeClr val="tx1"/>
+          </a:fontRef>
+        </p:style>
+      </p:cxnSp>
+      <p:sp>
+        <p:nvSpPr>
+          <p:cNvPr id="28" name="TextBox 27"/>
+          <p:cNvSpPr txBox="1"/>
+          <p:nvPr/>
+        </p:nvSpPr>
+        <p:spPr>
+          <a:xfrm>
+            <a:off x="1332537" y="2711384"/>
+            <a:ext cx="808777" cy="246221"/>
+          </a:xfrm>
+          <a:prstGeom prst="rect">
+            <a:avLst/>
+          </a:prstGeom>
+          <a:noFill/>
+        </p:spPr>
+        <p:txBody>
+          <a:bodyPr wrap="square" rtlCol="0">
+            <a:spAutoFit/>
+          </a:bodyPr>
+          <a:lstStyle/>
+          <a:p>
+            <a:r>
+              <a:rPr lang="en-US" sz="1000"/>
+              <a:t>p</a:t>
+            </a:r>
+            <a:r>
+              <a:rPr lang="en-US" sz="1000" smtClean="0"/>
+              <a:t>1 +1</a:t>
+            </a:r>
+            <a:endParaRPr lang="en-US" sz="1000" dirty="0"/>
+          </a:p>
+        </p:txBody>
+      </p:sp>
+      <p:sp>
+        <p:nvSpPr>
+          <p:cNvPr id="29" name="TextBox 28"/>
+          <p:cNvSpPr txBox="1"/>
+          <p:nvPr/>
+        </p:nvSpPr>
+        <p:spPr>
+          <a:xfrm>
+            <a:off x="2468785" y="2748037"/>
+            <a:ext cx="808777" cy="246221"/>
+          </a:xfrm>
+          <a:prstGeom prst="rect">
+            <a:avLst/>
+          </a:prstGeom>
+          <a:noFill/>
+        </p:spPr>
+        <p:txBody>
+          <a:bodyPr wrap="square" rtlCol="0">
+            <a:spAutoFit/>
+          </a:bodyPr>
+          <a:lstStyle/>
+          <a:p>
+            <a:r>
+              <a:rPr lang="en-US" sz="1000" dirty="0"/>
+              <a:t>p</a:t>
+            </a:r>
+            <a:r>
+              <a:rPr lang="en-US" sz="1000" dirty="0" smtClean="0"/>
+              <a:t>1 +2</a:t>
+            </a:r>
+            <a:endParaRPr lang="en-US" sz="1000" dirty="0"/>
+          </a:p>
+        </p:txBody>
+      </p:sp>
+      <p:sp>
+        <p:nvSpPr>
+          <p:cNvPr id="30" name="TextBox 29"/>
+          <p:cNvSpPr txBox="1"/>
+          <p:nvPr/>
+        </p:nvSpPr>
+        <p:spPr>
+          <a:xfrm>
+            <a:off x="3385113" y="2738392"/>
+            <a:ext cx="808777" cy="246221"/>
+          </a:xfrm>
+          <a:prstGeom prst="rect">
+            <a:avLst/>
+          </a:prstGeom>
+          <a:noFill/>
+        </p:spPr>
+        <p:txBody>
+          <a:bodyPr wrap="square" rtlCol="0">
+            <a:spAutoFit/>
+          </a:bodyPr>
+          <a:lstStyle/>
+          <a:p>
+            <a:r>
+              <a:rPr lang="en-US" sz="1000"/>
+              <a:t>p</a:t>
+            </a:r>
+            <a:r>
+              <a:rPr lang="en-US" sz="1000" smtClean="0"/>
+              <a:t>1 +3</a:t>
+            </a:r>
+            <a:endParaRPr lang="en-US" sz="1000" dirty="0"/>
+          </a:p>
+        </p:txBody>
+      </p:sp>
+      <p:sp>
+        <p:nvSpPr>
+          <p:cNvPr id="31" name="TextBox 30"/>
+          <p:cNvSpPr txBox="1"/>
+          <p:nvPr/>
+        </p:nvSpPr>
+        <p:spPr>
+          <a:xfrm>
+            <a:off x="4243568" y="2728745"/>
+            <a:ext cx="808777" cy="246221"/>
+          </a:xfrm>
+          <a:prstGeom prst="rect">
+            <a:avLst/>
+          </a:prstGeom>
+          <a:noFill/>
+        </p:spPr>
+        <p:txBody>
+          <a:bodyPr wrap="square" rtlCol="0">
+            <a:spAutoFit/>
+          </a:bodyPr>
+          <a:lstStyle/>
+          <a:p>
+            <a:r>
+              <a:rPr lang="en-US" sz="1000" dirty="0"/>
+              <a:t>p</a:t>
+            </a:r>
+            <a:r>
+              <a:rPr lang="en-US" sz="1000" dirty="0" smtClean="0"/>
+              <a:t>1 +4</a:t>
+            </a:r>
+            <a:endParaRPr lang="en-US" sz="1000" dirty="0"/>
+          </a:p>
+        </p:txBody>
+      </p:sp>
+      <p:sp>
+        <p:nvSpPr>
+          <p:cNvPr id="32" name="TextBox 31"/>
+          <p:cNvSpPr txBox="1"/>
+          <p:nvPr/>
+        </p:nvSpPr>
+        <p:spPr>
+          <a:xfrm>
+            <a:off x="525698" y="3250377"/>
+            <a:ext cx="808777" cy="246221"/>
+          </a:xfrm>
+          <a:prstGeom prst="rect">
+            <a:avLst/>
+          </a:prstGeom>
+          <a:noFill/>
+        </p:spPr>
+        <p:txBody>
+          <a:bodyPr wrap="square" rtlCol="0">
+            <a:spAutoFit/>
+          </a:bodyPr>
+          <a:lstStyle/>
+          <a:p>
+            <a:r>
+              <a:rPr lang="en-US" sz="1000" dirty="0" smtClean="0"/>
+              <a:t>65516</a:t>
+            </a:r>
+            <a:endParaRPr lang="en-US" sz="1000" dirty="0"/>
+          </a:p>
+        </p:txBody>
+      </p:sp>
+      <p:sp>
+        <p:nvSpPr>
+          <p:cNvPr id="33" name="TextBox 32"/>
+          <p:cNvSpPr txBox="1"/>
+          <p:nvPr/>
+        </p:nvSpPr>
+        <p:spPr>
+          <a:xfrm>
+            <a:off x="1501339" y="3241077"/>
+            <a:ext cx="808777" cy="246221"/>
+          </a:xfrm>
+          <a:prstGeom prst="rect">
+            <a:avLst/>
+          </a:prstGeom>
+          <a:noFill/>
+        </p:spPr>
+        <p:txBody>
+          <a:bodyPr wrap="square" rtlCol="0">
+            <a:spAutoFit/>
+          </a:bodyPr>
+          <a:lstStyle/>
+          <a:p>
+            <a:r>
+              <a:rPr lang="en-US" sz="1000" dirty="0" smtClean="0"/>
+              <a:t>65518</a:t>
+            </a:r>
+            <a:endParaRPr lang="en-US" sz="1000" dirty="0"/>
+          </a:p>
+        </p:txBody>
+      </p:sp>
+      <p:sp>
+        <p:nvSpPr>
+          <p:cNvPr id="34" name="TextBox 33"/>
+          <p:cNvSpPr txBox="1"/>
+          <p:nvPr/>
+        </p:nvSpPr>
+        <p:spPr>
+          <a:xfrm>
+            <a:off x="2506895" y="3256325"/>
+            <a:ext cx="808777" cy="246221"/>
+          </a:xfrm>
+          <a:prstGeom prst="rect">
+            <a:avLst/>
+          </a:prstGeom>
+          <a:noFill/>
+        </p:spPr>
+        <p:txBody>
+          <a:bodyPr wrap="square" rtlCol="0">
+            <a:spAutoFit/>
+          </a:bodyPr>
+          <a:lstStyle/>
+          <a:p>
+            <a:r>
+              <a:rPr lang="en-US" sz="1000" dirty="0" smtClean="0"/>
+              <a:t>65520</a:t>
+            </a:r>
+            <a:endParaRPr lang="en-US" sz="1000" dirty="0"/>
+          </a:p>
+        </p:txBody>
+      </p:sp>
+      <p:sp>
+        <p:nvSpPr>
+          <p:cNvPr id="35" name="TextBox 34"/>
+          <p:cNvSpPr txBox="1"/>
+          <p:nvPr/>
+        </p:nvSpPr>
+        <p:spPr>
+          <a:xfrm>
+            <a:off x="3425154" y="3256158"/>
+            <a:ext cx="808777" cy="246221"/>
+          </a:xfrm>
+          <a:prstGeom prst="rect">
+            <a:avLst/>
+          </a:prstGeom>
+          <a:noFill/>
+        </p:spPr>
+        <p:txBody>
+          <a:bodyPr wrap="square" rtlCol="0">
+            <a:spAutoFit/>
+          </a:bodyPr>
+          <a:lstStyle/>
+          <a:p>
+            <a:r>
+              <a:rPr lang="en-US" sz="1000" dirty="0" smtClean="0"/>
+              <a:t>65522</a:t>
+            </a:r>
+            <a:endParaRPr lang="en-US" sz="1000" dirty="0"/>
+          </a:p>
+        </p:txBody>
+      </p:sp>
+      <p:sp>
+        <p:nvSpPr>
+          <p:cNvPr id="36" name="TextBox 35"/>
+          <p:cNvSpPr txBox="1"/>
+          <p:nvPr/>
+        </p:nvSpPr>
+        <p:spPr>
+          <a:xfrm>
+            <a:off x="4225735" y="3281236"/>
+            <a:ext cx="808777" cy="246221"/>
+          </a:xfrm>
+          <a:prstGeom prst="rect">
+            <a:avLst/>
+          </a:prstGeom>
+          <a:noFill/>
+        </p:spPr>
+        <p:txBody>
+          <a:bodyPr wrap="square" rtlCol="0">
+            <a:spAutoFit/>
+          </a:bodyPr>
+          <a:lstStyle/>
+          <a:p>
+            <a:r>
+              <a:rPr lang="en-US" sz="1000" dirty="0" smtClean="0"/>
+              <a:t>65524</a:t>
+            </a:r>
+            <a:endParaRPr lang="en-US" sz="1000" dirty="0"/>
+          </a:p>
+        </p:txBody>
+      </p:sp>
+      <p:sp>
+        <p:nvSpPr>
+          <p:cNvPr id="64" name="Rectangle 63"/>
+          <p:cNvSpPr/>
+          <p:nvPr/>
+        </p:nvSpPr>
+        <p:spPr>
+          <a:xfrm>
+            <a:off x="9109767" y="3089731"/>
+            <a:ext cx="865215" cy="541809"/>
+          </a:xfrm>
+          <a:prstGeom prst="rect">
+            <a:avLst/>
+          </a:prstGeom>
+          <a:noFill/>
+        </p:spPr>
+        <p:style>
+          <a:lnRef idx="2">
+            <a:schemeClr val="accent1">
+              <a:shade val="50000"/>
+            </a:schemeClr>
+          </a:lnRef>
+          <a:fillRef idx="1">
+            <a:schemeClr val="accent1"/>
+          </a:fillRef>
+          <a:effectRef idx="0">
+            <a:schemeClr val="accent1"/>
+          </a:effectRef>
+          <a:fontRef idx="minor">
+            <a:schemeClr val="lt1"/>
+          </a:fontRef>
+        </p:style>
+        <p:txBody>
+          <a:bodyPr rtlCol="0" anchor="ctr"/>
+          <a:lstStyle/>
+          <a:p>
+            <a:pPr algn="ctr"/>
+            <a:endParaRPr lang="en-US" sz="1000"/>
+          </a:p>
+        </p:txBody>
+      </p:sp>
+      <p:sp>
+        <p:nvSpPr>
+          <p:cNvPr id="65" name="Rectangle 64"/>
+          <p:cNvSpPr/>
+          <p:nvPr/>
+        </p:nvSpPr>
+        <p:spPr>
+          <a:xfrm>
+            <a:off x="9968242" y="3089731"/>
+            <a:ext cx="790430" cy="541809"/>
+          </a:xfrm>
+          <a:prstGeom prst="rect">
+            <a:avLst/>
+          </a:prstGeom>
+          <a:noFill/>
+        </p:spPr>
+        <p:style>
+          <a:lnRef idx="2">
+            <a:schemeClr val="accent1">
+              <a:shade val="50000"/>
+            </a:schemeClr>
+          </a:lnRef>
+          <a:fillRef idx="1">
+            <a:schemeClr val="accent1"/>
+          </a:fillRef>
+          <a:effectRef idx="0">
+            <a:schemeClr val="accent1"/>
+          </a:effectRef>
+          <a:fontRef idx="minor">
+            <a:schemeClr val="lt1"/>
+          </a:fontRef>
+        </p:style>
+        <p:txBody>
+          <a:bodyPr rtlCol="0" anchor="ctr"/>
+          <a:lstStyle/>
+          <a:p>
+            <a:pPr algn="ctr"/>
+            <a:endParaRPr lang="en-US" sz="1000"/>
+          </a:p>
+        </p:txBody>
+      </p:sp>
+      <p:sp>
+        <p:nvSpPr>
+          <p:cNvPr id="66" name="Rectangle 65"/>
+          <p:cNvSpPr/>
+          <p:nvPr/>
+        </p:nvSpPr>
+        <p:spPr>
+          <a:xfrm>
+            <a:off x="7226480" y="3089731"/>
+            <a:ext cx="906197" cy="541809"/>
+          </a:xfrm>
+          <a:prstGeom prst="rect">
+            <a:avLst/>
+          </a:prstGeom>
+          <a:noFill/>
+        </p:spPr>
+        <p:style>
+          <a:lnRef idx="2">
+            <a:schemeClr val="accent1">
+              <a:shade val="50000"/>
+            </a:schemeClr>
+          </a:lnRef>
+          <a:fillRef idx="1">
+            <a:schemeClr val="accent1"/>
+          </a:fillRef>
+          <a:effectRef idx="0">
+            <a:schemeClr val="accent1"/>
+          </a:effectRef>
+          <a:fontRef idx="minor">
+            <a:schemeClr val="lt1"/>
+          </a:fontRef>
+        </p:style>
+        <p:txBody>
+          <a:bodyPr rtlCol="0" anchor="ctr"/>
+          <a:lstStyle/>
+          <a:p>
+            <a:pPr algn="ctr"/>
+            <a:endParaRPr lang="en-US" sz="1000"/>
+          </a:p>
+        </p:txBody>
+      </p:sp>
+      <p:sp>
+        <p:nvSpPr>
+          <p:cNvPr id="67" name="Rectangle 66"/>
+          <p:cNvSpPr/>
+          <p:nvPr/>
+        </p:nvSpPr>
+        <p:spPr>
+          <a:xfrm>
+            <a:off x="8134123" y="3089731"/>
+            <a:ext cx="977086" cy="541809"/>
+          </a:xfrm>
+          <a:prstGeom prst="rect">
+            <a:avLst/>
+          </a:prstGeom>
+          <a:noFill/>
+        </p:spPr>
+        <p:style>
+          <a:lnRef idx="2">
+            <a:schemeClr val="accent1">
+              <a:shade val="50000"/>
+            </a:schemeClr>
+          </a:lnRef>
+          <a:fillRef idx="1">
+            <a:schemeClr val="accent1"/>
+          </a:fillRef>
+          <a:effectRef idx="0">
+            <a:schemeClr val="accent1"/>
+          </a:effectRef>
+          <a:fontRef idx="minor">
+            <a:schemeClr val="lt1"/>
+          </a:fontRef>
+        </p:style>
+        <p:txBody>
+          <a:bodyPr rtlCol="0" anchor="ctr"/>
+          <a:lstStyle/>
+          <a:p>
+            <a:pPr algn="ctr"/>
+            <a:endParaRPr lang="en-US" sz="1000"/>
+          </a:p>
+        </p:txBody>
+      </p:sp>
+      <p:sp>
+        <p:nvSpPr>
+          <p:cNvPr id="68" name="Rectangle 67"/>
+          <p:cNvSpPr/>
+          <p:nvPr/>
+        </p:nvSpPr>
+        <p:spPr>
+          <a:xfrm>
+            <a:off x="6337156" y="3094221"/>
+            <a:ext cx="889321" cy="537320"/>
+          </a:xfrm>
+          <a:prstGeom prst="rect">
+            <a:avLst/>
+          </a:prstGeom>
+          <a:noFill/>
+        </p:spPr>
+        <p:style>
+          <a:lnRef idx="2">
+            <a:schemeClr val="accent1">
+              <a:shade val="50000"/>
+            </a:schemeClr>
+          </a:lnRef>
+          <a:fillRef idx="1">
+            <a:schemeClr val="accent1"/>
+          </a:fillRef>
+          <a:effectRef idx="0">
+            <a:schemeClr val="accent1"/>
+          </a:effectRef>
+          <a:fontRef idx="minor">
+            <a:schemeClr val="lt1"/>
+          </a:fontRef>
+        </p:style>
+        <p:txBody>
+          <a:bodyPr rtlCol="0" anchor="ctr"/>
+          <a:lstStyle/>
+          <a:p>
+            <a:pPr algn="ctr"/>
+            <a:endParaRPr lang="en-US" sz="1000"/>
+          </a:p>
+        </p:txBody>
+      </p:sp>
+      <p:sp>
+        <p:nvSpPr>
+          <p:cNvPr id="69" name="TextBox 68"/>
+          <p:cNvSpPr txBox="1"/>
+          <p:nvPr/>
+        </p:nvSpPr>
+        <p:spPr>
+          <a:xfrm>
+            <a:off x="6446351" y="2699143"/>
+            <a:ext cx="223138" cy="246221"/>
+          </a:xfrm>
+          <a:prstGeom prst="rect">
+            <a:avLst/>
+          </a:prstGeom>
+          <a:noFill/>
+        </p:spPr>
+        <p:txBody>
+          <a:bodyPr wrap="none" rtlCol="0">
+            <a:spAutoFit/>
+          </a:bodyPr>
+          <a:lstStyle/>
+          <a:p>
+            <a:r>
+              <a:rPr lang="en-US" sz="1000" dirty="0" smtClean="0"/>
+              <a:t>f</a:t>
+            </a:r>
+            <a:endParaRPr lang="en-US" sz="1000" dirty="0"/>
+          </a:p>
+        </p:txBody>
+      </p:sp>
+      <p:cxnSp>
+        <p:nvCxnSpPr>
+          <p:cNvPr id="70" name="Straight Arrow Connector 69"/>
+          <p:cNvCxnSpPr/>
+          <p:nvPr/>
+        </p:nvCxnSpPr>
+        <p:spPr>
+          <a:xfrm>
+            <a:off x="6318829" y="2698828"/>
+            <a:ext cx="23153" cy="372241"/>
+          </a:xfrm>
+          <a:prstGeom prst="straightConnector1">
+            <a:avLst/>
+          </a:prstGeom>
+          <a:ln>
+            <a:tailEnd type="triangle"/>
+          </a:ln>
+        </p:spPr>
+        <p:style>
+          <a:lnRef idx="1">
+            <a:schemeClr val="accent1"/>
+          </a:lnRef>
+          <a:fillRef idx="0">
+            <a:schemeClr val="accent1"/>
+          </a:fillRef>
+          <a:effectRef idx="0">
+            <a:schemeClr val="accent1"/>
+          </a:effectRef>
+          <a:fontRef idx="minor">
+            <a:schemeClr val="tx1"/>
+          </a:fontRef>
+        </p:style>
+      </p:cxnSp>
+      <p:cxnSp>
+        <p:nvCxnSpPr>
+          <p:cNvPr id="71" name="Straight Arrow Connector 70"/>
+          <p:cNvCxnSpPr/>
+          <p:nvPr/>
+        </p:nvCxnSpPr>
+        <p:spPr>
+          <a:xfrm>
+            <a:off x="7178002" y="2682004"/>
+            <a:ext cx="23153" cy="372241"/>
+          </a:xfrm>
+          <a:prstGeom prst="straightConnector1">
+            <a:avLst/>
+          </a:prstGeom>
+          <a:ln>
+            <a:tailEnd type="triangle"/>
+          </a:ln>
+        </p:spPr>
+        <p:style>
+          <a:lnRef idx="1">
+            <a:schemeClr val="accent1"/>
+          </a:lnRef>
+          <a:fillRef idx="0">
+            <a:schemeClr val="accent1"/>
+          </a:fillRef>
+          <a:effectRef idx="0">
+            <a:schemeClr val="accent1"/>
+          </a:effectRef>
+          <a:fontRef idx="minor">
+            <a:schemeClr val="tx1"/>
+          </a:fontRef>
+        </p:style>
+      </p:cxnSp>
+      <p:cxnSp>
+        <p:nvCxnSpPr>
+          <p:cNvPr id="72" name="Straight Arrow Connector 71"/>
+          <p:cNvCxnSpPr/>
+          <p:nvPr/>
+        </p:nvCxnSpPr>
+        <p:spPr>
+          <a:xfrm>
+            <a:off x="8127845" y="2682004"/>
+            <a:ext cx="23153" cy="372241"/>
+          </a:xfrm>
+          <a:prstGeom prst="straightConnector1">
+            <a:avLst/>
+          </a:prstGeom>
+          <a:ln>
+            <a:tailEnd type="triangle"/>
+          </a:ln>
+        </p:spPr>
+        <p:style>
+          <a:lnRef idx="1">
+            <a:schemeClr val="accent1"/>
+          </a:lnRef>
+          <a:fillRef idx="0">
+            <a:schemeClr val="accent1"/>
+          </a:fillRef>
+          <a:effectRef idx="0">
+            <a:schemeClr val="accent1"/>
+          </a:effectRef>
+          <a:fontRef idx="minor">
+            <a:schemeClr val="tx1"/>
+          </a:fontRef>
+        </p:style>
+      </p:cxnSp>
+      <p:cxnSp>
+        <p:nvCxnSpPr>
+          <p:cNvPr id="73" name="Straight Arrow Connector 72"/>
+          <p:cNvCxnSpPr/>
+          <p:nvPr/>
+        </p:nvCxnSpPr>
+        <p:spPr>
+          <a:xfrm>
+            <a:off x="9045140" y="2685671"/>
+            <a:ext cx="23153" cy="372241"/>
+          </a:xfrm>
+          <a:prstGeom prst="straightConnector1">
+            <a:avLst/>
+          </a:prstGeom>
+          <a:ln>
+            <a:tailEnd type="triangle"/>
+          </a:ln>
+        </p:spPr>
+        <p:style>
+          <a:lnRef idx="1">
+            <a:schemeClr val="accent1"/>
+          </a:lnRef>
+          <a:fillRef idx="0">
+            <a:schemeClr val="accent1"/>
+          </a:fillRef>
+          <a:effectRef idx="0">
+            <a:schemeClr val="accent1"/>
+          </a:effectRef>
+          <a:fontRef idx="minor">
+            <a:schemeClr val="tx1"/>
+          </a:fontRef>
+        </p:style>
+      </p:cxnSp>
+      <p:cxnSp>
+        <p:nvCxnSpPr>
+          <p:cNvPr id="74" name="Straight Arrow Connector 73"/>
+          <p:cNvCxnSpPr/>
+          <p:nvPr/>
+        </p:nvCxnSpPr>
+        <p:spPr>
+          <a:xfrm>
+            <a:off x="9925291" y="2698828"/>
+            <a:ext cx="23153" cy="372241"/>
+          </a:xfrm>
+          <a:prstGeom prst="straightConnector1">
+            <a:avLst/>
+          </a:prstGeom>
+          <a:ln>
+            <a:tailEnd type="triangle"/>
+          </a:ln>
+        </p:spPr>
+        <p:style>
+          <a:lnRef idx="1">
+            <a:schemeClr val="accent1"/>
+          </a:lnRef>
+          <a:fillRef idx="0">
+            <a:schemeClr val="accent1"/>
+          </a:fillRef>
+          <a:effectRef idx="0">
+            <a:schemeClr val="accent1"/>
+          </a:effectRef>
+          <a:fontRef idx="minor">
+            <a:schemeClr val="tx1"/>
+          </a:fontRef>
+        </p:style>
+      </p:cxnSp>
+      <p:cxnSp>
+        <p:nvCxnSpPr>
+          <p:cNvPr id="75" name="Straight Arrow Connector 74"/>
+          <p:cNvCxnSpPr/>
+          <p:nvPr/>
+        </p:nvCxnSpPr>
+        <p:spPr>
+          <a:xfrm>
+            <a:off x="10733589" y="2682003"/>
+            <a:ext cx="23153" cy="372241"/>
+          </a:xfrm>
+          <a:prstGeom prst="straightConnector1">
+            <a:avLst/>
+          </a:prstGeom>
+          <a:ln>
+            <a:tailEnd type="triangle"/>
+          </a:ln>
+        </p:spPr>
+        <p:style>
+          <a:lnRef idx="1">
+            <a:schemeClr val="accent1"/>
+          </a:lnRef>
+          <a:fillRef idx="0">
+            <a:schemeClr val="accent1"/>
+          </a:fillRef>
+          <a:effectRef idx="0">
+            <a:schemeClr val="accent1"/>
+          </a:effectRef>
+          <a:fontRef idx="minor">
+            <a:schemeClr val="tx1"/>
+          </a:fontRef>
+        </p:style>
+      </p:cxnSp>
+      <p:sp>
+        <p:nvSpPr>
+          <p:cNvPr id="76" name="TextBox 75"/>
+          <p:cNvSpPr txBox="1"/>
+          <p:nvPr/>
+        </p:nvSpPr>
+        <p:spPr>
+          <a:xfrm>
+            <a:off x="7225984" y="2701737"/>
+            <a:ext cx="808777" cy="246221"/>
+          </a:xfrm>
+          <a:prstGeom prst="rect">
+            <a:avLst/>
+          </a:prstGeom>
+          <a:noFill/>
+        </p:spPr>
+        <p:txBody>
+          <a:bodyPr wrap="square" rtlCol="0">
+            <a:spAutoFit/>
+          </a:bodyPr>
+          <a:lstStyle/>
+          <a:p>
+            <a:r>
+              <a:rPr lang="en-US" sz="1000" dirty="0" smtClean="0"/>
+              <a:t>f</a:t>
+            </a:r>
+            <a:r>
+              <a:rPr lang="en-US" sz="1000" dirty="0" smtClean="0"/>
+              <a:t>+1</a:t>
+            </a:r>
+            <a:endParaRPr lang="en-US" sz="1000" dirty="0"/>
+          </a:p>
+        </p:txBody>
+      </p:sp>
+      <p:sp>
+        <p:nvSpPr>
+          <p:cNvPr id="77" name="TextBox 76"/>
+          <p:cNvSpPr txBox="1"/>
+          <p:nvPr/>
+        </p:nvSpPr>
+        <p:spPr>
+          <a:xfrm>
+            <a:off x="8362232" y="2738390"/>
+            <a:ext cx="808777" cy="246221"/>
+          </a:xfrm>
+          <a:prstGeom prst="rect">
+            <a:avLst/>
+          </a:prstGeom>
+          <a:noFill/>
+        </p:spPr>
+        <p:txBody>
+          <a:bodyPr wrap="square" rtlCol="0">
+            <a:spAutoFit/>
+          </a:bodyPr>
+          <a:lstStyle/>
+          <a:p>
+            <a:r>
+              <a:rPr lang="en-US" sz="1000" dirty="0" smtClean="0"/>
+              <a:t>f</a:t>
+            </a:r>
+            <a:r>
+              <a:rPr lang="en-US" sz="1000" dirty="0" smtClean="0"/>
+              <a:t>+2</a:t>
+            </a:r>
+            <a:endParaRPr lang="en-US" sz="1000" dirty="0"/>
+          </a:p>
+        </p:txBody>
+      </p:sp>
+      <p:sp>
+        <p:nvSpPr>
+          <p:cNvPr id="78" name="TextBox 77"/>
+          <p:cNvSpPr txBox="1"/>
+          <p:nvPr/>
+        </p:nvSpPr>
+        <p:spPr>
+          <a:xfrm>
+            <a:off x="9278560" y="2728745"/>
+            <a:ext cx="808777" cy="246221"/>
+          </a:xfrm>
+          <a:prstGeom prst="rect">
+            <a:avLst/>
+          </a:prstGeom>
+          <a:noFill/>
+        </p:spPr>
+        <p:txBody>
+          <a:bodyPr wrap="square" rtlCol="0">
+            <a:spAutoFit/>
+          </a:bodyPr>
+          <a:lstStyle/>
+          <a:p>
+            <a:r>
+              <a:rPr lang="en-US" sz="1000" dirty="0" smtClean="0"/>
+              <a:t>f</a:t>
+            </a:r>
+            <a:r>
+              <a:rPr lang="en-US" sz="1000" dirty="0" smtClean="0"/>
+              <a:t>+3</a:t>
+            </a:r>
+            <a:endParaRPr lang="en-US" sz="1000" dirty="0"/>
+          </a:p>
+        </p:txBody>
+      </p:sp>
+      <p:sp>
+        <p:nvSpPr>
+          <p:cNvPr id="79" name="TextBox 78"/>
+          <p:cNvSpPr txBox="1"/>
+          <p:nvPr/>
+        </p:nvSpPr>
+        <p:spPr>
+          <a:xfrm>
+            <a:off x="10137015" y="2719098"/>
+            <a:ext cx="808777" cy="246221"/>
+          </a:xfrm>
+          <a:prstGeom prst="rect">
+            <a:avLst/>
+          </a:prstGeom>
+          <a:noFill/>
+        </p:spPr>
+        <p:txBody>
+          <a:bodyPr wrap="square" rtlCol="0">
+            <a:spAutoFit/>
+          </a:bodyPr>
+          <a:lstStyle/>
+          <a:p>
+            <a:r>
+              <a:rPr lang="en-US" sz="1000" dirty="0" smtClean="0"/>
+              <a:t>f</a:t>
+            </a:r>
+            <a:r>
+              <a:rPr lang="en-US" sz="1000" dirty="0" smtClean="0"/>
+              <a:t>+4</a:t>
+            </a:r>
+            <a:endParaRPr lang="en-US" sz="1000" dirty="0"/>
+          </a:p>
+        </p:txBody>
+      </p:sp>
+      <p:sp>
+        <p:nvSpPr>
+          <p:cNvPr id="80" name="TextBox 79"/>
+          <p:cNvSpPr txBox="1"/>
+          <p:nvPr/>
+        </p:nvSpPr>
+        <p:spPr>
+          <a:xfrm>
+            <a:off x="6419145" y="3240730"/>
+            <a:ext cx="808777" cy="246221"/>
+          </a:xfrm>
+          <a:prstGeom prst="rect">
+            <a:avLst/>
+          </a:prstGeom>
+          <a:noFill/>
+        </p:spPr>
+        <p:txBody>
+          <a:bodyPr wrap="square" rtlCol="0">
+            <a:spAutoFit/>
+          </a:bodyPr>
+          <a:lstStyle/>
+          <a:p>
+            <a:r>
+              <a:rPr lang="en-US" sz="1000" dirty="0" smtClean="0"/>
+              <a:t>65506</a:t>
+            </a:r>
+            <a:endParaRPr lang="en-US" sz="1000" dirty="0"/>
+          </a:p>
+        </p:txBody>
+      </p:sp>
+      <p:sp>
+        <p:nvSpPr>
+          <p:cNvPr id="81" name="TextBox 80"/>
+          <p:cNvSpPr txBox="1"/>
+          <p:nvPr/>
+        </p:nvSpPr>
+        <p:spPr>
+          <a:xfrm>
+            <a:off x="7394786" y="3231430"/>
+            <a:ext cx="808777" cy="246221"/>
+          </a:xfrm>
+          <a:prstGeom prst="rect">
+            <a:avLst/>
+          </a:prstGeom>
+          <a:noFill/>
+        </p:spPr>
+        <p:txBody>
+          <a:bodyPr wrap="square" rtlCol="0">
+            <a:spAutoFit/>
+          </a:bodyPr>
+          <a:lstStyle/>
+          <a:p>
+            <a:r>
+              <a:rPr lang="en-US" sz="1000" dirty="0" smtClean="0"/>
+              <a:t>65510</a:t>
+            </a:r>
+            <a:endParaRPr lang="en-US" sz="1000" dirty="0"/>
+          </a:p>
+        </p:txBody>
+      </p:sp>
+      <p:sp>
+        <p:nvSpPr>
+          <p:cNvPr id="82" name="TextBox 81"/>
+          <p:cNvSpPr txBox="1"/>
+          <p:nvPr/>
+        </p:nvSpPr>
+        <p:spPr>
+          <a:xfrm>
+            <a:off x="8400342" y="3246678"/>
+            <a:ext cx="808777" cy="246221"/>
+          </a:xfrm>
+          <a:prstGeom prst="rect">
+            <a:avLst/>
+          </a:prstGeom>
+          <a:noFill/>
+        </p:spPr>
+        <p:txBody>
+          <a:bodyPr wrap="square" rtlCol="0">
+            <a:spAutoFit/>
+          </a:bodyPr>
+          <a:lstStyle/>
+          <a:p>
+            <a:r>
+              <a:rPr lang="en-US" sz="1000" dirty="0" smtClean="0"/>
+              <a:t>65514</a:t>
+            </a:r>
+            <a:endParaRPr lang="en-US" sz="1000" dirty="0"/>
+          </a:p>
+        </p:txBody>
+      </p:sp>
+      <p:sp>
+        <p:nvSpPr>
+          <p:cNvPr id="83" name="TextBox 82"/>
+          <p:cNvSpPr txBox="1"/>
+          <p:nvPr/>
+        </p:nvSpPr>
+        <p:spPr>
+          <a:xfrm>
+            <a:off x="9318601" y="3246511"/>
+            <a:ext cx="808777" cy="246221"/>
+          </a:xfrm>
+          <a:prstGeom prst="rect">
+            <a:avLst/>
+          </a:prstGeom>
+          <a:noFill/>
+        </p:spPr>
+        <p:txBody>
+          <a:bodyPr wrap="square" rtlCol="0">
+            <a:spAutoFit/>
+          </a:bodyPr>
+          <a:lstStyle/>
+          <a:p>
+            <a:r>
+              <a:rPr lang="en-US" sz="1000" dirty="0" smtClean="0"/>
+              <a:t>65518</a:t>
+            </a:r>
+            <a:endParaRPr lang="en-US" sz="1000" dirty="0"/>
+          </a:p>
+        </p:txBody>
+      </p:sp>
+      <p:sp>
+        <p:nvSpPr>
+          <p:cNvPr id="84" name="TextBox 83"/>
+          <p:cNvSpPr txBox="1"/>
+          <p:nvPr/>
+        </p:nvSpPr>
+        <p:spPr>
+          <a:xfrm>
+            <a:off x="10119182" y="3271589"/>
+            <a:ext cx="808777" cy="246221"/>
+          </a:xfrm>
+          <a:prstGeom prst="rect">
+            <a:avLst/>
+          </a:prstGeom>
+          <a:noFill/>
+        </p:spPr>
+        <p:txBody>
+          <a:bodyPr wrap="square" rtlCol="0">
+            <a:spAutoFit/>
+          </a:bodyPr>
+          <a:lstStyle/>
+          <a:p>
+            <a:r>
+              <a:rPr lang="en-US" sz="1000" dirty="0" smtClean="0"/>
+              <a:t>65522</a:t>
+            </a:r>
+            <a:endParaRPr lang="en-US" sz="1000" dirty="0"/>
+          </a:p>
+        </p:txBody>
+      </p:sp>
+      <p:sp>
+        <p:nvSpPr>
+          <p:cNvPr id="85" name="TextBox 84"/>
+          <p:cNvSpPr txBox="1"/>
+          <p:nvPr/>
+        </p:nvSpPr>
+        <p:spPr>
+          <a:xfrm>
+            <a:off x="552905" y="4039565"/>
+            <a:ext cx="4898771" cy="1754326"/>
+          </a:xfrm>
+          <a:prstGeom prst="rect">
+            <a:avLst/>
+          </a:prstGeom>
+          <a:noFill/>
+        </p:spPr>
+        <p:txBody>
+          <a:bodyPr wrap="square" rtlCol="0">
+            <a:spAutoFit/>
+          </a:bodyPr>
+          <a:lstStyle/>
+          <a:p>
+            <a:r>
+              <a:rPr lang="en-US" dirty="0" smtClean="0"/>
+              <a:t>If </a:t>
+            </a:r>
+            <a:r>
+              <a:rPr lang="en-US" b="1" dirty="0" smtClean="0"/>
+              <a:t>p1</a:t>
+            </a:r>
+            <a:r>
+              <a:rPr lang="en-US" dirty="0" smtClean="0"/>
+              <a:t> points or stores address 65516, then p1+1 means address pointed by </a:t>
+            </a:r>
+            <a:r>
+              <a:rPr lang="en-US" b="1" dirty="0" smtClean="0"/>
+              <a:t>p1</a:t>
+            </a:r>
+            <a:r>
+              <a:rPr lang="en-US" dirty="0" smtClean="0"/>
+              <a:t>+ </a:t>
+            </a:r>
+            <a:r>
+              <a:rPr lang="en-US" b="1" dirty="0" smtClean="0"/>
+              <a:t>size in bytes of data type of pointer.</a:t>
+            </a:r>
+          </a:p>
+          <a:p>
+            <a:endParaRPr lang="en-US" dirty="0" smtClean="0"/>
+          </a:p>
+          <a:p>
+            <a:r>
+              <a:rPr lang="en-US" dirty="0" err="1" smtClean="0"/>
+              <a:t>i.e</a:t>
+            </a:r>
+            <a:r>
+              <a:rPr lang="en-US" dirty="0" smtClean="0"/>
+              <a:t> 65516+2 =65518. thus p1+1 represent address 65518 instead of 65517</a:t>
+            </a:r>
+            <a:endParaRPr lang="en-US" dirty="0"/>
+          </a:p>
+        </p:txBody>
+      </p:sp>
+      <p:sp>
+        <p:nvSpPr>
+          <p:cNvPr id="107" name="TextBox 106"/>
+          <p:cNvSpPr txBox="1"/>
+          <p:nvPr/>
+        </p:nvSpPr>
+        <p:spPr>
+          <a:xfrm>
+            <a:off x="6226433" y="4029918"/>
+            <a:ext cx="4898771" cy="1754326"/>
+          </a:xfrm>
+          <a:prstGeom prst="rect">
+            <a:avLst/>
+          </a:prstGeom>
+          <a:noFill/>
+        </p:spPr>
+        <p:txBody>
+          <a:bodyPr wrap="square" rtlCol="0">
+            <a:spAutoFit/>
+          </a:bodyPr>
+          <a:lstStyle/>
+          <a:p>
+            <a:r>
+              <a:rPr lang="en-US" dirty="0" smtClean="0"/>
+              <a:t>Here f if float type. If </a:t>
+            </a:r>
+            <a:r>
+              <a:rPr lang="en-US" b="1" dirty="0" smtClean="0"/>
+              <a:t>f </a:t>
+            </a:r>
+            <a:r>
+              <a:rPr lang="en-US" dirty="0" smtClean="0"/>
+              <a:t>points or stores address 65506, then </a:t>
+            </a:r>
+            <a:r>
+              <a:rPr lang="en-US" b="1" dirty="0" smtClean="0"/>
+              <a:t>f+1</a:t>
+            </a:r>
+            <a:r>
+              <a:rPr lang="en-US" dirty="0" smtClean="0"/>
+              <a:t> means address pointed by </a:t>
+            </a:r>
+            <a:r>
+              <a:rPr lang="en-US" b="1" dirty="0" smtClean="0"/>
+              <a:t>f</a:t>
+            </a:r>
+            <a:r>
+              <a:rPr lang="en-US" dirty="0" smtClean="0"/>
+              <a:t>+ </a:t>
+            </a:r>
+            <a:r>
+              <a:rPr lang="en-US" b="1" dirty="0" smtClean="0"/>
+              <a:t>size in bytes of data type of pointer.</a:t>
+            </a:r>
+          </a:p>
+          <a:p>
+            <a:endParaRPr lang="en-US" dirty="0" smtClean="0"/>
+          </a:p>
+          <a:p>
+            <a:r>
+              <a:rPr lang="en-US" dirty="0" err="1" smtClean="0"/>
+              <a:t>i.e</a:t>
+            </a:r>
+            <a:r>
+              <a:rPr lang="en-US" dirty="0" smtClean="0"/>
+              <a:t> 65506+1 =65510. thus </a:t>
+            </a:r>
+            <a:r>
+              <a:rPr lang="en-US" b="1" dirty="0" smtClean="0"/>
+              <a:t>f+1</a:t>
+            </a:r>
+            <a:r>
+              <a:rPr lang="en-US" dirty="0" smtClean="0"/>
+              <a:t> represent address 65510 instead of 65507</a:t>
+            </a:r>
+            <a:endParaRPr lang="en-US" dirty="0"/>
           </a:p>
         </p:txBody>
       </p:sp>
@@ -21552,32 +23433,6 @@
       </p:grpSpPr>
       <p:sp>
         <p:nvSpPr>
-          <p:cNvPr id="2" name="Title 1"/>
-          <p:cNvSpPr>
-            <a:spLocks noGrp="1"/>
-          </p:cNvSpPr>
-          <p:nvPr>
-            <p:ph type="title"/>
-          </p:nvPr>
-        </p:nvSpPr>
-        <p:spPr>
-          <a:xfrm>
-            <a:off x="838200" y="365126"/>
-            <a:ext cx="10515600" cy="710640"/>
-          </a:xfrm>
-        </p:spPr>
-        <p:txBody>
-          <a:bodyPr>
-            <a:normAutofit/>
-          </a:bodyPr>
-          <a:lstStyle/>
-          <a:p>
-            <a:endParaRPr lang="en-US" sz="3200" b="1" dirty="0"/>
-          </a:p>
-        </p:txBody>
-      </p:sp>
-      <p:sp>
-        <p:nvSpPr>
           <p:cNvPr id="3" name="Content Placeholder 2"/>
           <p:cNvSpPr>
             <a:spLocks noGrp="1"/>
@@ -21588,18 +23443,257 @@
         </p:nvSpPr>
         <p:spPr>
           <a:xfrm>
-            <a:off x="838200" y="1237129"/>
-            <a:ext cx="10515600" cy="4939834"/>
+            <a:off x="838200" y="405114"/>
+            <a:ext cx="10515600" cy="5771849"/>
           </a:xfrm>
         </p:spPr>
         <p:txBody>
           <a:bodyPr/>
           <a:lstStyle/>
           <a:p>
-            <a:endParaRPr lang="en-US" dirty="0">
+            <a:r>
+              <a:rPr lang="en-US" dirty="0" smtClean="0">
+                <a:latin typeface="+mj-lt"/>
+              </a:rPr>
+              <a:t>One pointer can be subtracted from other pointer provided they point to elements of same array. For ex:</a:t>
+            </a:r>
+          </a:p>
+          <a:p>
+            <a:endParaRPr lang="en-US" dirty="0" smtClean="0">
               <a:latin typeface="+mj-lt"/>
             </a:endParaRPr>
           </a:p>
+          <a:p>
+            <a:pPr marL="0" indent="0">
+              <a:buNone/>
+            </a:pPr>
+            <a:r>
+              <a:rPr lang="en-US" b="1" dirty="0" err="1">
+                <a:latin typeface="+mj-lt"/>
+              </a:rPr>
+              <a:t>i</a:t>
+            </a:r>
+            <a:r>
+              <a:rPr lang="en-US" b="1" dirty="0" err="1" smtClean="0">
+                <a:latin typeface="+mj-lt"/>
+              </a:rPr>
+              <a:t>nt</a:t>
+            </a:r>
+            <a:r>
+              <a:rPr lang="en-US" b="1" dirty="0" smtClean="0">
+                <a:latin typeface="+mj-lt"/>
+              </a:rPr>
+              <a:t> main(void){</a:t>
+            </a:r>
+            <a:endParaRPr lang="en-US" b="1" dirty="0" smtClean="0">
+              <a:latin typeface="+mj-lt"/>
+            </a:endParaRPr>
+          </a:p>
+          <a:p>
+            <a:pPr marL="0" indent="0">
+              <a:buNone/>
+            </a:pPr>
+            <a:r>
+              <a:rPr lang="de-DE" b="1" dirty="0" smtClean="0">
+                <a:latin typeface="+mj-lt"/>
+              </a:rPr>
+              <a:t>	</a:t>
+            </a:r>
+            <a:r>
+              <a:rPr lang="pt-BR" b="1" dirty="0" err="1">
+                <a:latin typeface="+mj-lt"/>
+              </a:rPr>
+              <a:t>int</a:t>
+            </a:r>
+            <a:r>
+              <a:rPr lang="pt-BR" b="1" dirty="0">
+                <a:latin typeface="+mj-lt"/>
+              </a:rPr>
+              <a:t> a[]={45,89,54,29},*</a:t>
+            </a:r>
+            <a:r>
+              <a:rPr lang="pt-BR" b="1" dirty="0" err="1">
+                <a:latin typeface="+mj-lt"/>
+              </a:rPr>
+              <a:t>pf</a:t>
+            </a:r>
+            <a:r>
+              <a:rPr lang="pt-BR" b="1" dirty="0">
+                <a:latin typeface="+mj-lt"/>
+              </a:rPr>
+              <a:t>,*p1;	</a:t>
+            </a:r>
+            <a:endParaRPr lang="pt-BR" b="1" dirty="0" smtClean="0">
+              <a:latin typeface="+mj-lt"/>
+            </a:endParaRPr>
+          </a:p>
+          <a:p>
+            <a:pPr marL="0" indent="0">
+              <a:buNone/>
+            </a:pPr>
+            <a:r>
+              <a:rPr lang="pt-BR" b="1" dirty="0">
+                <a:latin typeface="+mj-lt"/>
+              </a:rPr>
+              <a:t>	</a:t>
+            </a:r>
+            <a:r>
+              <a:rPr lang="pt-BR" b="1" dirty="0" smtClean="0">
+                <a:latin typeface="+mj-lt"/>
+              </a:rPr>
+              <a:t>p1=a</a:t>
+            </a:r>
+            <a:r>
+              <a:rPr lang="pt-BR" b="1" dirty="0">
+                <a:latin typeface="+mj-lt"/>
+              </a:rPr>
+              <a:t>;	</a:t>
+            </a:r>
+            <a:endParaRPr lang="pt-BR" b="1" dirty="0" smtClean="0">
+              <a:latin typeface="+mj-lt"/>
+            </a:endParaRPr>
+          </a:p>
+          <a:p>
+            <a:pPr marL="0" indent="0">
+              <a:buNone/>
+            </a:pPr>
+            <a:r>
+              <a:rPr lang="pt-BR" b="1" dirty="0">
+                <a:latin typeface="+mj-lt"/>
+              </a:rPr>
+              <a:t>	</a:t>
+            </a:r>
+            <a:r>
+              <a:rPr lang="pt-BR" b="1" dirty="0" err="1" smtClean="0">
+                <a:latin typeface="+mj-lt"/>
+              </a:rPr>
+              <a:t>pf</a:t>
+            </a:r>
+            <a:r>
+              <a:rPr lang="pt-BR" b="1" dirty="0" smtClean="0">
+                <a:latin typeface="+mj-lt"/>
+              </a:rPr>
+              <a:t>=a+2</a:t>
+            </a:r>
+            <a:r>
+              <a:rPr lang="pt-BR" b="1" dirty="0">
+                <a:latin typeface="+mj-lt"/>
+              </a:rPr>
+              <a:t>;</a:t>
+            </a:r>
+            <a:endParaRPr lang="de-DE" b="1" dirty="0" smtClean="0">
+              <a:latin typeface="+mj-lt"/>
+            </a:endParaRPr>
+          </a:p>
+          <a:p>
+            <a:pPr marL="0" indent="0">
+              <a:buNone/>
+            </a:pPr>
+            <a:r>
+              <a:rPr lang="de-DE" b="1" dirty="0">
+                <a:latin typeface="+mj-lt"/>
+              </a:rPr>
+              <a:t>	</a:t>
+            </a:r>
+            <a:r>
+              <a:rPr lang="de-DE" b="1" dirty="0" smtClean="0">
+                <a:latin typeface="+mj-lt"/>
+              </a:rPr>
+              <a:t>p1=a</a:t>
+            </a:r>
+            <a:r>
+              <a:rPr lang="de-DE" b="1" dirty="0">
+                <a:latin typeface="+mj-lt"/>
+              </a:rPr>
+              <a:t>;	</a:t>
+            </a:r>
+            <a:r>
+              <a:rPr lang="de-DE" b="1" dirty="0" err="1">
+                <a:latin typeface="+mj-lt"/>
+              </a:rPr>
+              <a:t>pf</a:t>
+            </a:r>
+            <a:r>
+              <a:rPr lang="de-DE" b="1" dirty="0">
+                <a:latin typeface="+mj-lt"/>
+              </a:rPr>
+              <a:t>=a+2;		</a:t>
+            </a:r>
+            <a:endParaRPr lang="de-DE" b="1" dirty="0" smtClean="0">
+              <a:latin typeface="+mj-lt"/>
+            </a:endParaRPr>
+          </a:p>
+          <a:p>
+            <a:pPr marL="0" indent="0">
+              <a:buNone/>
+            </a:pPr>
+            <a:r>
+              <a:rPr lang="de-DE" b="1" dirty="0">
+                <a:latin typeface="+mj-lt"/>
+              </a:rPr>
+              <a:t>	</a:t>
+            </a:r>
+            <a:r>
+              <a:rPr lang="de-DE" b="1" dirty="0" err="1" smtClean="0">
+                <a:latin typeface="+mj-lt"/>
+              </a:rPr>
+              <a:t>printf</a:t>
+            </a:r>
+            <a:r>
+              <a:rPr lang="de-DE" b="1" dirty="0">
+                <a:latin typeface="+mj-lt"/>
+              </a:rPr>
+              <a:t>("So pf-p1=%</a:t>
+            </a:r>
+            <a:r>
+              <a:rPr lang="de-DE" b="1" dirty="0" err="1">
+                <a:latin typeface="+mj-lt"/>
+              </a:rPr>
+              <a:t>ld</a:t>
+            </a:r>
+            <a:r>
+              <a:rPr lang="de-DE" b="1" dirty="0">
+                <a:latin typeface="+mj-lt"/>
+              </a:rPr>
+              <a:t>\n",pf-p1 </a:t>
+            </a:r>
+            <a:r>
+              <a:rPr lang="de-DE" b="1" dirty="0" smtClean="0">
+                <a:latin typeface="+mj-lt"/>
+              </a:rPr>
+              <a:t>);</a:t>
+            </a:r>
+          </a:p>
+          <a:p>
+            <a:pPr marL="0" indent="0">
+              <a:buNone/>
+            </a:pPr>
+            <a:r>
+              <a:rPr lang="de-DE" b="1" dirty="0" smtClean="0">
+                <a:latin typeface="+mj-lt"/>
+              </a:rPr>
+              <a:t>}</a:t>
+            </a:r>
+          </a:p>
+          <a:p>
+            <a:pPr marL="0" indent="0">
+              <a:buNone/>
+            </a:pPr>
+            <a:r>
+              <a:rPr lang="de-DE" b="1" dirty="0" smtClean="0">
+                <a:latin typeface="+mj-lt"/>
+              </a:rPr>
+              <a:t>OUTPUT: ???</a:t>
+            </a:r>
+          </a:p>
+          <a:p>
+            <a:pPr marL="0" indent="0">
+              <a:buNone/>
+            </a:pPr>
+            <a:endParaRPr lang="en-US" b="1" dirty="0">
+              <a:latin typeface="+mj-lt"/>
+            </a:endParaRPr>
+          </a:p>
         </p:txBody>
       </p:sp>
       <p:sp>
@@ -21619,7 +23713,7 @@
           <a:p>
             <a:fld id="{FF7EFB7B-DE71-0E4B-91D4-1D8B25020B15}" type="datetime1">
               <a:rPr lang="en-US" smtClean="0"/>
-              <a:t>3/16/16</a:t>
+              <a:t>3/20/16</a:t>
             </a:fld>
             <a:endParaRPr lang="en-US"/>
           </a:p>
@@ -21703,32 +23797,6 @@
       </p:grpSpPr>
       <p:sp>
         <p:nvSpPr>
-          <p:cNvPr id="2" name="Title 1"/>
-          <p:cNvSpPr>
-            <a:spLocks noGrp="1"/>
-          </p:cNvSpPr>
-          <p:nvPr>
-            <p:ph type="title"/>
-          </p:nvPr>
-        </p:nvSpPr>
-        <p:spPr>
-          <a:xfrm>
-            <a:off x="838200" y="365126"/>
-            <a:ext cx="10515600" cy="710640"/>
-          </a:xfrm>
-        </p:spPr>
-        <p:txBody>
-          <a:bodyPr>
-            <a:normAutofit/>
-          </a:bodyPr>
-          <a:lstStyle/>
-          <a:p>
-            <a:endParaRPr lang="en-US" sz="3200" b="1" dirty="0"/>
-          </a:p>
-        </p:txBody>
-      </p:sp>
-      <p:sp>
-        <p:nvSpPr>
           <p:cNvPr id="3" name="Content Placeholder 2"/>
           <p:cNvSpPr>
             <a:spLocks noGrp="1"/>
@@ -21739,18 +23807,80 @@
         </p:nvSpPr>
         <p:spPr>
           <a:xfrm>
-            <a:off x="838200" y="1237129"/>
-            <a:ext cx="10515600" cy="4939834"/>
+            <a:off x="838200" y="2146597"/>
+            <a:ext cx="10515600" cy="4030365"/>
           </a:xfrm>
         </p:spPr>
         <p:txBody>
           <a:bodyPr/>
           <a:lstStyle/>
+          <a:p>
+            <a:endParaRPr lang="en-US" dirty="0" smtClean="0">
+              <a:latin typeface="+mj-lt"/>
+            </a:endParaRPr>
+          </a:p>
+          <a:p>
+            <a:r>
+              <a:rPr lang="en-US" dirty="0" smtClean="0">
+                <a:latin typeface="+mj-lt"/>
+              </a:rPr>
+              <a:t>Here </a:t>
+            </a:r>
+            <a:r>
+              <a:rPr lang="en-US" b="1" dirty="0" smtClean="0">
+                <a:latin typeface="+mj-lt"/>
+              </a:rPr>
+              <a:t>p1</a:t>
+            </a:r>
+            <a:r>
+              <a:rPr lang="en-US" dirty="0" smtClean="0">
+                <a:latin typeface="+mj-lt"/>
+              </a:rPr>
+              <a:t>, points address of a[0] i.e. 65518 and </a:t>
+            </a:r>
+            <a:r>
+              <a:rPr lang="en-US" b="1" dirty="0" smtClean="0">
+                <a:latin typeface="+mj-lt"/>
+              </a:rPr>
+              <a:t>pf</a:t>
+            </a:r>
+            <a:r>
+              <a:rPr lang="en-US" dirty="0" smtClean="0">
+                <a:latin typeface="+mj-lt"/>
+              </a:rPr>
+              <a:t> points address to next second block i.e. 65522. </a:t>
+            </a:r>
+          </a:p>
           <a:p>
             <a:endParaRPr lang="en-US" dirty="0">
               <a:latin typeface="+mj-lt"/>
             </a:endParaRPr>
           </a:p>
+          <a:p>
+            <a:r>
+              <a:rPr lang="en-US" dirty="0" smtClean="0">
+                <a:latin typeface="+mj-lt"/>
+              </a:rPr>
+              <a:t>The difference between pf and p1 means number of memory blocks for their type between addresses pointed by them i.e. </a:t>
+            </a:r>
+            <a:r>
+              <a:rPr lang="en-US" b="1" dirty="0" smtClean="0">
+                <a:latin typeface="+mj-lt"/>
+              </a:rPr>
+              <a:t>2</a:t>
+            </a:r>
+            <a:r>
+              <a:rPr lang="en-US" dirty="0" smtClean="0">
+                <a:latin typeface="+mj-lt"/>
+              </a:rPr>
+              <a:t> in this case</a:t>
+            </a:r>
+          </a:p>
+          <a:p>
+            <a:endParaRPr lang="en-US" dirty="0">
+              <a:latin typeface="+mj-lt"/>
+            </a:endParaRPr>
+          </a:p>
         </p:txBody>
       </p:sp>
       <p:sp>
@@ -21770,7 +23900,7 @@
           <a:p>
             <a:fld id="{FF7EFB7B-DE71-0E4B-91D4-1D8B25020B15}" type="datetime1">
               <a:rPr lang="en-US" smtClean="0"/>
-              <a:t>3/16/16</a:t>
+              <a:t>3/20/16</a:t>
             </a:fld>
             <a:endParaRPr lang="en-US"/>
           </a:p>
@@ -21819,6 +23949,534 @@
               <a:t>42</a:t>
             </a:fld>
             <a:endParaRPr lang="en-US"/>
+          </a:p>
+        </p:txBody>
+      </p:sp>
+      <p:sp>
+        <p:nvSpPr>
+          <p:cNvPr id="7" name="Rectangle 6"/>
+          <p:cNvSpPr/>
+          <p:nvPr/>
+        </p:nvSpPr>
+        <p:spPr>
+          <a:xfrm>
+            <a:off x="6225736" y="853891"/>
+            <a:ext cx="865215" cy="541809"/>
+          </a:xfrm>
+          <a:prstGeom prst="rect">
+            <a:avLst/>
+          </a:prstGeom>
+          <a:noFill/>
+        </p:spPr>
+        <p:style>
+          <a:lnRef idx="2">
+            <a:schemeClr val="accent1">
+              <a:shade val="50000"/>
+            </a:schemeClr>
+          </a:lnRef>
+          <a:fillRef idx="1">
+            <a:schemeClr val="accent1"/>
+          </a:fillRef>
+          <a:effectRef idx="0">
+            <a:schemeClr val="accent1"/>
+          </a:effectRef>
+          <a:fontRef idx="minor">
+            <a:schemeClr val="lt1"/>
+          </a:fontRef>
+        </p:style>
+        <p:txBody>
+          <a:bodyPr rtlCol="0" anchor="ctr"/>
+          <a:lstStyle/>
+          <a:p>
+            <a:pPr algn="ctr"/>
+            <a:endParaRPr lang="en-US" sz="1100"/>
+          </a:p>
+        </p:txBody>
+      </p:sp>
+      <p:sp>
+        <p:nvSpPr>
+          <p:cNvPr id="9" name="Rectangle 8"/>
+          <p:cNvSpPr/>
+          <p:nvPr/>
+        </p:nvSpPr>
+        <p:spPr>
+          <a:xfrm>
+            <a:off x="4342449" y="853891"/>
+            <a:ext cx="906197" cy="541809"/>
+          </a:xfrm>
+          <a:prstGeom prst="rect">
+            <a:avLst/>
+          </a:prstGeom>
+          <a:noFill/>
+        </p:spPr>
+        <p:style>
+          <a:lnRef idx="2">
+            <a:schemeClr val="accent1">
+              <a:shade val="50000"/>
+            </a:schemeClr>
+          </a:lnRef>
+          <a:fillRef idx="1">
+            <a:schemeClr val="accent1"/>
+          </a:fillRef>
+          <a:effectRef idx="0">
+            <a:schemeClr val="accent1"/>
+          </a:effectRef>
+          <a:fontRef idx="minor">
+            <a:schemeClr val="lt1"/>
+          </a:fontRef>
+        </p:style>
+        <p:txBody>
+          <a:bodyPr rtlCol="0" anchor="ctr"/>
+          <a:lstStyle/>
+          <a:p>
+            <a:pPr algn="ctr"/>
+            <a:endParaRPr lang="en-US" sz="1100"/>
+          </a:p>
+        </p:txBody>
+      </p:sp>
+      <p:sp>
+        <p:nvSpPr>
+          <p:cNvPr id="10" name="Rectangle 9"/>
+          <p:cNvSpPr/>
+          <p:nvPr/>
+        </p:nvSpPr>
+        <p:spPr>
+          <a:xfrm>
+            <a:off x="5250092" y="853891"/>
+            <a:ext cx="977086" cy="541809"/>
+          </a:xfrm>
+          <a:prstGeom prst="rect">
+            <a:avLst/>
+          </a:prstGeom>
+          <a:noFill/>
+        </p:spPr>
+        <p:style>
+          <a:lnRef idx="2">
+            <a:schemeClr val="accent1">
+              <a:shade val="50000"/>
+            </a:schemeClr>
+          </a:lnRef>
+          <a:fillRef idx="1">
+            <a:schemeClr val="accent1"/>
+          </a:fillRef>
+          <a:effectRef idx="0">
+            <a:schemeClr val="accent1"/>
+          </a:effectRef>
+          <a:fontRef idx="minor">
+            <a:schemeClr val="lt1"/>
+          </a:fontRef>
+        </p:style>
+        <p:txBody>
+          <a:bodyPr rtlCol="0" anchor="ctr"/>
+          <a:lstStyle/>
+          <a:p>
+            <a:pPr algn="ctr"/>
+            <a:endParaRPr lang="en-US" sz="1100"/>
+          </a:p>
+        </p:txBody>
+      </p:sp>
+      <p:sp>
+        <p:nvSpPr>
+          <p:cNvPr id="11" name="Rectangle 10"/>
+          <p:cNvSpPr/>
+          <p:nvPr/>
+        </p:nvSpPr>
+        <p:spPr>
+          <a:xfrm>
+            <a:off x="3453125" y="858381"/>
+            <a:ext cx="889321" cy="537320"/>
+          </a:xfrm>
+          <a:prstGeom prst="rect">
+            <a:avLst/>
+          </a:prstGeom>
+          <a:noFill/>
+        </p:spPr>
+        <p:style>
+          <a:lnRef idx="2">
+            <a:schemeClr val="accent1">
+              <a:shade val="50000"/>
+            </a:schemeClr>
+          </a:lnRef>
+          <a:fillRef idx="1">
+            <a:schemeClr val="accent1"/>
+          </a:fillRef>
+          <a:effectRef idx="0">
+            <a:schemeClr val="accent1"/>
+          </a:effectRef>
+          <a:fontRef idx="minor">
+            <a:schemeClr val="lt1"/>
+          </a:fontRef>
+        </p:style>
+        <p:txBody>
+          <a:bodyPr rtlCol="0" anchor="ctr"/>
+          <a:lstStyle/>
+          <a:p>
+            <a:pPr algn="ctr"/>
+            <a:endParaRPr lang="en-US" sz="1100"/>
+          </a:p>
+        </p:txBody>
+      </p:sp>
+      <p:sp>
+        <p:nvSpPr>
+          <p:cNvPr id="12" name="TextBox 11"/>
+          <p:cNvSpPr txBox="1"/>
+          <p:nvPr/>
+        </p:nvSpPr>
+        <p:spPr>
+          <a:xfrm>
+            <a:off x="3562320" y="463303"/>
+            <a:ext cx="410690" cy="261610"/>
+          </a:xfrm>
+          <a:prstGeom prst="rect">
+            <a:avLst/>
+          </a:prstGeom>
+          <a:noFill/>
+        </p:spPr>
+        <p:txBody>
+          <a:bodyPr wrap="none" rtlCol="0">
+            <a:spAutoFit/>
+          </a:bodyPr>
+          <a:lstStyle/>
+          <a:p>
+            <a:r>
+              <a:rPr lang="en-US" sz="1100" dirty="0"/>
+              <a:t>a</a:t>
+            </a:r>
+            <a:r>
+              <a:rPr lang="en-US" sz="1100" dirty="0" smtClean="0"/>
+              <a:t>[0]</a:t>
+            </a:r>
+            <a:endParaRPr lang="en-US" sz="1100" dirty="0"/>
+          </a:p>
+        </p:txBody>
+      </p:sp>
+      <p:sp>
+        <p:nvSpPr>
+          <p:cNvPr id="19" name="TextBox 18"/>
+          <p:cNvSpPr txBox="1"/>
+          <p:nvPr/>
+        </p:nvSpPr>
+        <p:spPr>
+          <a:xfrm>
+            <a:off x="4341953" y="465897"/>
+            <a:ext cx="808777" cy="261610"/>
+          </a:xfrm>
+          <a:prstGeom prst="rect">
+            <a:avLst/>
+          </a:prstGeom>
+          <a:noFill/>
+        </p:spPr>
+        <p:txBody>
+          <a:bodyPr wrap="square" rtlCol="0">
+            <a:spAutoFit/>
+          </a:bodyPr>
+          <a:lstStyle/>
+          <a:p>
+            <a:r>
+              <a:rPr lang="en-US" sz="1100" dirty="0" smtClean="0"/>
+              <a:t>a[1]</a:t>
+            </a:r>
+            <a:endParaRPr lang="en-US" sz="1100" dirty="0"/>
+          </a:p>
+        </p:txBody>
+      </p:sp>
+      <p:sp>
+        <p:nvSpPr>
+          <p:cNvPr id="20" name="TextBox 19"/>
+          <p:cNvSpPr txBox="1"/>
+          <p:nvPr/>
+        </p:nvSpPr>
+        <p:spPr>
+          <a:xfrm>
+            <a:off x="5390395" y="463303"/>
+            <a:ext cx="808777" cy="261610"/>
+          </a:xfrm>
+          <a:prstGeom prst="rect">
+            <a:avLst/>
+          </a:prstGeom>
+          <a:noFill/>
+        </p:spPr>
+        <p:txBody>
+          <a:bodyPr wrap="square" rtlCol="0">
+            <a:spAutoFit/>
+          </a:bodyPr>
+          <a:lstStyle/>
+          <a:p>
+            <a:r>
+              <a:rPr lang="en-US" sz="1100" dirty="0" smtClean="0"/>
+              <a:t>a[2]</a:t>
+            </a:r>
+            <a:endParaRPr lang="en-US" sz="1100" dirty="0"/>
+          </a:p>
+        </p:txBody>
+      </p:sp>
+      <p:sp>
+        <p:nvSpPr>
+          <p:cNvPr id="21" name="TextBox 20"/>
+          <p:cNvSpPr txBox="1"/>
+          <p:nvPr/>
+        </p:nvSpPr>
+        <p:spPr>
+          <a:xfrm>
+            <a:off x="6409639" y="452044"/>
+            <a:ext cx="558464" cy="261610"/>
+          </a:xfrm>
+          <a:prstGeom prst="rect">
+            <a:avLst/>
+          </a:prstGeom>
+          <a:noFill/>
+        </p:spPr>
+        <p:txBody>
+          <a:bodyPr wrap="square" rtlCol="0">
+            <a:spAutoFit/>
+          </a:bodyPr>
+          <a:lstStyle/>
+          <a:p>
+            <a:r>
+              <a:rPr lang="en-US" sz="1100" dirty="0" smtClean="0"/>
+              <a:t>a[3]</a:t>
+            </a:r>
+            <a:endParaRPr lang="en-US" sz="1100" dirty="0"/>
+          </a:p>
+        </p:txBody>
+      </p:sp>
+      <p:sp>
+        <p:nvSpPr>
+          <p:cNvPr id="24" name="TextBox 23"/>
+          <p:cNvSpPr txBox="1"/>
+          <p:nvPr/>
+        </p:nvSpPr>
+        <p:spPr>
+          <a:xfrm>
+            <a:off x="3550058" y="1609046"/>
+            <a:ext cx="808777" cy="261610"/>
+          </a:xfrm>
+          <a:prstGeom prst="rect">
+            <a:avLst/>
+          </a:prstGeom>
+          <a:noFill/>
+        </p:spPr>
+        <p:txBody>
+          <a:bodyPr wrap="square" rtlCol="0">
+            <a:spAutoFit/>
+          </a:bodyPr>
+          <a:lstStyle/>
+          <a:p>
+            <a:r>
+              <a:rPr lang="en-US" sz="1100" dirty="0" smtClean="0"/>
+              <a:t>65518</a:t>
+            </a:r>
+            <a:endParaRPr lang="en-US" sz="1100" dirty="0"/>
+          </a:p>
+        </p:txBody>
+      </p:sp>
+      <p:sp>
+        <p:nvSpPr>
+          <p:cNvPr id="25" name="TextBox 24"/>
+          <p:cNvSpPr txBox="1"/>
+          <p:nvPr/>
+        </p:nvSpPr>
+        <p:spPr>
+          <a:xfrm>
+            <a:off x="4555614" y="1624294"/>
+            <a:ext cx="808777" cy="261610"/>
+          </a:xfrm>
+          <a:prstGeom prst="rect">
+            <a:avLst/>
+          </a:prstGeom>
+          <a:noFill/>
+        </p:spPr>
+        <p:txBody>
+          <a:bodyPr wrap="square" rtlCol="0">
+            <a:spAutoFit/>
+          </a:bodyPr>
+          <a:lstStyle/>
+          <a:p>
+            <a:r>
+              <a:rPr lang="en-US" sz="1100" dirty="0" smtClean="0"/>
+              <a:t>65520</a:t>
+            </a:r>
+            <a:endParaRPr lang="en-US" sz="1100" dirty="0"/>
+          </a:p>
+        </p:txBody>
+      </p:sp>
+      <p:sp>
+        <p:nvSpPr>
+          <p:cNvPr id="26" name="TextBox 25"/>
+          <p:cNvSpPr txBox="1"/>
+          <p:nvPr/>
+        </p:nvSpPr>
+        <p:spPr>
+          <a:xfrm>
+            <a:off x="5473873" y="1624127"/>
+            <a:ext cx="808777" cy="261610"/>
+          </a:xfrm>
+          <a:prstGeom prst="rect">
+            <a:avLst/>
+          </a:prstGeom>
+          <a:noFill/>
+        </p:spPr>
+        <p:txBody>
+          <a:bodyPr wrap="square" rtlCol="0">
+            <a:spAutoFit/>
+          </a:bodyPr>
+          <a:lstStyle/>
+          <a:p>
+            <a:r>
+              <a:rPr lang="en-US" sz="1100" dirty="0" smtClean="0"/>
+              <a:t>65522</a:t>
+            </a:r>
+            <a:endParaRPr lang="en-US" sz="1100" dirty="0"/>
+          </a:p>
+        </p:txBody>
+      </p:sp>
+      <p:sp>
+        <p:nvSpPr>
+          <p:cNvPr id="28" name="TextBox 27"/>
+          <p:cNvSpPr txBox="1"/>
+          <p:nvPr/>
+        </p:nvSpPr>
+        <p:spPr>
+          <a:xfrm>
+            <a:off x="6367539" y="1624987"/>
+            <a:ext cx="808777" cy="261610"/>
+          </a:xfrm>
+          <a:prstGeom prst="rect">
+            <a:avLst/>
+          </a:prstGeom>
+          <a:noFill/>
+        </p:spPr>
+        <p:txBody>
+          <a:bodyPr wrap="square" rtlCol="0">
+            <a:spAutoFit/>
+          </a:bodyPr>
+          <a:lstStyle/>
+          <a:p>
+            <a:r>
+              <a:rPr lang="en-US" sz="1100" dirty="0" smtClean="0"/>
+              <a:t>65524</a:t>
+            </a:r>
+            <a:endParaRPr lang="en-US" sz="1100" dirty="0"/>
+          </a:p>
+        </p:txBody>
+      </p:sp>
+      <p:sp>
+        <p:nvSpPr>
+          <p:cNvPr id="29" name="TextBox 28"/>
+          <p:cNvSpPr txBox="1"/>
+          <p:nvPr/>
+        </p:nvSpPr>
+        <p:spPr>
+          <a:xfrm>
+            <a:off x="3714720" y="986094"/>
+            <a:ext cx="328936" cy="261610"/>
+          </a:xfrm>
+          <a:prstGeom prst="rect">
+            <a:avLst/>
+          </a:prstGeom>
+          <a:noFill/>
+        </p:spPr>
+        <p:txBody>
+          <a:bodyPr wrap="none" rtlCol="0">
+            <a:spAutoFit/>
+          </a:bodyPr>
+          <a:lstStyle/>
+          <a:p>
+            <a:r>
+              <a:rPr lang="en-US" sz="1100" smtClean="0"/>
+              <a:t>45</a:t>
+            </a:r>
+            <a:endParaRPr lang="en-US" sz="1100" dirty="0"/>
+          </a:p>
+        </p:txBody>
+      </p:sp>
+      <p:sp>
+        <p:nvSpPr>
+          <p:cNvPr id="30" name="TextBox 29"/>
+          <p:cNvSpPr txBox="1"/>
+          <p:nvPr/>
+        </p:nvSpPr>
+        <p:spPr>
+          <a:xfrm>
+            <a:off x="4607899" y="1011169"/>
+            <a:ext cx="328936" cy="261610"/>
+          </a:xfrm>
+          <a:prstGeom prst="rect">
+            <a:avLst/>
+          </a:prstGeom>
+          <a:noFill/>
+        </p:spPr>
+        <p:txBody>
+          <a:bodyPr wrap="none" rtlCol="0">
+            <a:spAutoFit/>
+          </a:bodyPr>
+          <a:lstStyle/>
+          <a:p>
+            <a:r>
+              <a:rPr lang="en-US" sz="1100" dirty="0" smtClean="0"/>
+              <a:t>89</a:t>
+            </a:r>
+            <a:endParaRPr lang="en-US" sz="1100" dirty="0"/>
+          </a:p>
+        </p:txBody>
+      </p:sp>
+      <p:sp>
+        <p:nvSpPr>
+          <p:cNvPr id="31" name="TextBox 30"/>
+          <p:cNvSpPr txBox="1"/>
+          <p:nvPr/>
+        </p:nvSpPr>
+        <p:spPr>
+          <a:xfrm>
+            <a:off x="5501078" y="1036244"/>
+            <a:ext cx="328936" cy="261610"/>
+          </a:xfrm>
+          <a:prstGeom prst="rect">
+            <a:avLst/>
+          </a:prstGeom>
+          <a:noFill/>
+        </p:spPr>
+        <p:txBody>
+          <a:bodyPr wrap="none" rtlCol="0">
+            <a:spAutoFit/>
+          </a:bodyPr>
+          <a:lstStyle/>
+          <a:p>
+            <a:r>
+              <a:rPr lang="en-US" sz="1100" dirty="0" smtClean="0"/>
+              <a:t>54</a:t>
+            </a:r>
+            <a:endParaRPr lang="en-US" sz="1100" dirty="0"/>
+          </a:p>
+        </p:txBody>
+      </p:sp>
+      <p:sp>
+        <p:nvSpPr>
+          <p:cNvPr id="32" name="TextBox 31"/>
+          <p:cNvSpPr txBox="1"/>
+          <p:nvPr/>
+        </p:nvSpPr>
+        <p:spPr>
+          <a:xfrm>
+            <a:off x="6486855" y="1003448"/>
+            <a:ext cx="328936" cy="261610"/>
+          </a:xfrm>
+          <a:prstGeom prst="rect">
+            <a:avLst/>
+          </a:prstGeom>
+          <a:noFill/>
+        </p:spPr>
+        <p:txBody>
+          <a:bodyPr wrap="none" rtlCol="0">
+            <a:spAutoFit/>
+          </a:bodyPr>
+          <a:lstStyle/>
+          <a:p>
+            <a:r>
+              <a:rPr lang="en-US" sz="1100" dirty="0" smtClean="0"/>
+              <a:t>29</a:t>
+            </a:r>
+            <a:endParaRPr lang="en-US" sz="1100" dirty="0"/>
           </a:p>
         </p:txBody>
       </p:sp>
@@ -21854,18 +24512,18 @@
       </p:grpSpPr>
       <p:sp>
         <p:nvSpPr>
-          <p:cNvPr id="2" name="Title 1"/>
-          <p:cNvSpPr>
-            <a:spLocks noGrp="1"/>
-          </p:cNvSpPr>
-          <p:nvPr>
-            <p:ph type="title"/>
-          </p:nvPr>
-        </p:nvSpPr>
-        <p:spPr>
-          <a:xfrm>
-            <a:off x="838200" y="365126"/>
-            <a:ext cx="10515600" cy="710640"/>
+          <p:cNvPr id="3" name="Content Placeholder 2"/>
+          <p:cNvSpPr>
+            <a:spLocks noGrp="1"/>
+          </p:cNvSpPr>
+          <p:nvPr>
+            <p:ph idx="1"/>
+          </p:nvPr>
+        </p:nvSpPr>
+        <p:spPr>
+          <a:xfrm>
+            <a:off x="838200" y="555585"/>
+            <a:ext cx="10515600" cy="5621378"/>
           </a:xfrm>
         </p:spPr>
         <p:txBody>
@@ -21874,30 +24532,129 @@
           </a:bodyPr>
           <a:lstStyle/>
           <a:p>
-            <a:endParaRPr lang="en-US" sz="3200" b="1" dirty="0"/>
-          </a:p>
-        </p:txBody>
-      </p:sp>
-      <p:sp>
-        <p:nvSpPr>
-          <p:cNvPr id="3" name="Content Placeholder 2"/>
-          <p:cNvSpPr>
-            <a:spLocks noGrp="1"/>
-          </p:cNvSpPr>
-          <p:nvPr>
-            <p:ph idx="1"/>
-          </p:nvPr>
-        </p:nvSpPr>
-        <p:spPr>
-          <a:xfrm>
-            <a:off x="838200" y="1237129"/>
-            <a:ext cx="10515600" cy="4939834"/>
-          </a:xfrm>
-        </p:spPr>
-        <p:txBody>
-          <a:bodyPr/>
-          <a:lstStyle/>
-          <a:p>
+            <a:r>
+              <a:rPr lang="en-US" dirty="0" smtClean="0">
+                <a:latin typeface="+mj-lt"/>
+              </a:rPr>
+              <a:t>Two pointer variables can be compared provided both pointers point to objects of the same data type</a:t>
+            </a:r>
+            <a:r>
+              <a:rPr lang="en-US" dirty="0" smtClean="0">
+                <a:latin typeface="+mj-lt"/>
+              </a:rPr>
+              <a:t>:</a:t>
+            </a:r>
+          </a:p>
+          <a:p>
+            <a:pPr marL="0" indent="0">
+              <a:buNone/>
+            </a:pPr>
+            <a:r>
+              <a:rPr lang="en-US" b="1" dirty="0" smtClean="0">
+                <a:latin typeface="+mj-lt"/>
+              </a:rPr>
+              <a:t>	if(p1&gt;pf</a:t>
+            </a:r>
+            <a:r>
+              <a:rPr lang="en-US" b="1" dirty="0">
+                <a:latin typeface="+mj-lt"/>
+              </a:rPr>
+              <a:t>){	</a:t>
+            </a:r>
+            <a:endParaRPr lang="en-US" b="1" dirty="0" smtClean="0">
+              <a:latin typeface="+mj-lt"/>
+            </a:endParaRPr>
+          </a:p>
+          <a:p>
+            <a:pPr marL="0" indent="0">
+              <a:buNone/>
+            </a:pPr>
+            <a:r>
+              <a:rPr lang="en-US" b="1" dirty="0">
+                <a:latin typeface="+mj-lt"/>
+              </a:rPr>
+              <a:t>	</a:t>
+            </a:r>
+            <a:r>
+              <a:rPr lang="en-US" b="1" dirty="0" smtClean="0">
+                <a:latin typeface="+mj-lt"/>
+              </a:rPr>
+              <a:t>	/* is a valid comparison */</a:t>
+            </a:r>
+          </a:p>
+          <a:p>
+            <a:pPr marL="0" indent="0">
+              <a:buNone/>
+            </a:pPr>
+            <a:r>
+              <a:rPr lang="en-US" b="1" dirty="0" smtClean="0">
+                <a:latin typeface="+mj-lt"/>
+              </a:rPr>
+              <a:t>	}</a:t>
+            </a:r>
+          </a:p>
+          <a:p>
+            <a:pPr marL="0" indent="0">
+              <a:buNone/>
+            </a:pPr>
+            <a:endParaRPr lang="en-US" b="1" dirty="0" smtClean="0">
+              <a:latin typeface="+mj-lt"/>
+            </a:endParaRPr>
+          </a:p>
+          <a:p>
+            <a:r>
+              <a:rPr lang="en-US" dirty="0" smtClean="0">
+                <a:latin typeface="+mj-lt"/>
+              </a:rPr>
+              <a:t>There</a:t>
+            </a:r>
+            <a:r>
+              <a:rPr lang="en-US" dirty="0">
+                <a:latin typeface="+mj-lt"/>
+              </a:rPr>
+              <a:t> </a:t>
+            </a:r>
+            <a:r>
+              <a:rPr lang="en-US" dirty="0" smtClean="0">
+                <a:latin typeface="+mj-lt"/>
+              </a:rPr>
+              <a:t>is no sense in assigning an integer to a pointer variable.</a:t>
+            </a:r>
+          </a:p>
+          <a:p>
+            <a:pPr marL="0" indent="0">
+              <a:buNone/>
+            </a:pPr>
+            <a:r>
+              <a:rPr lang="en-US" dirty="0" smtClean="0">
+                <a:latin typeface="+mj-lt"/>
+              </a:rPr>
+              <a:t>		p1=100;	/* non sense */</a:t>
+            </a:r>
+          </a:p>
+          <a:p>
+            <a:pPr marL="0" indent="0">
+              <a:buNone/>
+            </a:pPr>
+            <a:r>
+              <a:rPr lang="en-US" dirty="0" smtClean="0">
+                <a:latin typeface="+mj-lt"/>
+              </a:rPr>
+              <a:t>		p2=65516;	/* invalid because cannot be directly assigned 				like integer*/</a:t>
+            </a:r>
+          </a:p>
+          <a:p>
+            <a:pPr marL="0" indent="0">
+              <a:buNone/>
+            </a:pPr>
+            <a:endParaRPr lang="en-US" dirty="0" smtClean="0">
+              <a:latin typeface="+mj-lt"/>
+            </a:endParaRPr>
+          </a:p>
+          <a:p>
+            <a:pPr marL="0" indent="0">
+              <a:buNone/>
+            </a:pPr>
             <a:endParaRPr lang="en-US" dirty="0">
               <a:latin typeface="+mj-lt"/>
             </a:endParaRPr>
@@ -21921,7 +24678,7 @@
           <a:p>
             <a:fld id="{FF7EFB7B-DE71-0E4B-91D4-1D8B25020B15}" type="datetime1">
               <a:rPr lang="en-US" smtClean="0"/>
-              <a:t>3/16/16</a:t>
+              <a:t>3/20/16</a:t>
             </a:fld>
             <a:endParaRPr lang="en-US"/>
           </a:p>
@@ -22005,32 +24762,6 @@
       </p:grpSpPr>
       <p:sp>
         <p:nvSpPr>
-          <p:cNvPr id="2" name="Title 1"/>
-          <p:cNvSpPr>
-            <a:spLocks noGrp="1"/>
-          </p:cNvSpPr>
-          <p:nvPr>
-            <p:ph type="title"/>
-          </p:nvPr>
-        </p:nvSpPr>
-        <p:spPr>
-          <a:xfrm>
-            <a:off x="838200" y="365126"/>
-            <a:ext cx="10515600" cy="710640"/>
-          </a:xfrm>
-        </p:spPr>
-        <p:txBody>
-          <a:bodyPr>
-            <a:normAutofit/>
-          </a:bodyPr>
-          <a:lstStyle/>
-          <a:p>
-            <a:endParaRPr lang="en-US" sz="3200" b="1" dirty="0"/>
-          </a:p>
-        </p:txBody>
-      </p:sp>
-      <p:sp>
-        <p:nvSpPr>
           <p:cNvPr id="3" name="Content Placeholder 2"/>
           <p:cNvSpPr>
             <a:spLocks noGrp="1"/>
@@ -22041,18 +24772,107 @@
         </p:nvSpPr>
         <p:spPr>
           <a:xfrm>
-            <a:off x="838200" y="1237129"/>
-            <a:ext cx="10515600" cy="4939834"/>
+            <a:off x="838200" y="405114"/>
+            <a:ext cx="10515600" cy="5771849"/>
           </a:xfrm>
         </p:spPr>
         <p:txBody>
           <a:bodyPr/>
           <a:lstStyle/>
           <a:p>
+            <a:r>
+              <a:rPr lang="en-US" dirty="0">
+                <a:latin typeface="+mj-lt"/>
+              </a:rPr>
+              <a:t>Two pointer variables cannot be multiplied and added together.</a:t>
+            </a:r>
+          </a:p>
+          <a:p>
+            <a:pPr marL="0" indent="0">
+              <a:buNone/>
+            </a:pPr>
+            <a:r>
+              <a:rPr lang="en-US" dirty="0" smtClean="0">
+                <a:latin typeface="+mj-lt"/>
+              </a:rPr>
+              <a:t>			p1+p2;	/* invalid */</a:t>
+            </a:r>
+          </a:p>
+          <a:p>
+            <a:pPr marL="0" indent="0">
+              <a:buNone/>
+            </a:pPr>
+            <a:endParaRPr lang="en-US" dirty="0" smtClean="0">
+              <a:latin typeface="+mj-lt"/>
+            </a:endParaRPr>
+          </a:p>
+          <a:p>
+            <a:r>
+              <a:rPr lang="en-US" dirty="0" smtClean="0">
+                <a:latin typeface="+mj-lt"/>
+              </a:rPr>
+              <a:t>A pointer variable cannot be multiplied by a constant</a:t>
+            </a:r>
             <a:endParaRPr lang="en-US" dirty="0">
               <a:latin typeface="+mj-lt"/>
             </a:endParaRPr>
           </a:p>
+          <a:p>
+            <a:pPr marL="0" indent="0">
+              <a:buNone/>
+            </a:pPr>
+            <a:r>
+              <a:rPr lang="en-US" dirty="0">
+                <a:latin typeface="+mj-lt"/>
+              </a:rPr>
+              <a:t>	</a:t>
+            </a:r>
+            <a:r>
+              <a:rPr lang="en-US" dirty="0" smtClean="0">
+                <a:latin typeface="+mj-lt"/>
+              </a:rPr>
+              <a:t>		</a:t>
+            </a:r>
+            <a:r>
+              <a:rPr lang="en-US" dirty="0" smtClean="0">
+                <a:latin typeface="+mj-lt"/>
+              </a:rPr>
+              <a:t>p1*2;		/* invalid */</a:t>
+            </a:r>
+          </a:p>
+          <a:p>
+            <a:pPr marL="0" indent="0">
+              <a:buNone/>
+            </a:pPr>
+            <a:endParaRPr lang="en-US" dirty="0" smtClean="0">
+              <a:latin typeface="+mj-lt"/>
+            </a:endParaRPr>
+          </a:p>
+          <a:p>
+            <a:r>
+              <a:rPr lang="en-US" dirty="0" smtClean="0">
+                <a:latin typeface="+mj-lt"/>
+              </a:rPr>
+              <a:t>Null value can be assigned to pointer variable.</a:t>
+            </a:r>
+          </a:p>
+          <a:p>
+            <a:pPr marL="0" indent="0">
+              <a:buNone/>
+            </a:pPr>
+            <a:r>
+              <a:rPr lang="en-US" dirty="0">
+                <a:latin typeface="+mj-lt"/>
+              </a:rPr>
+              <a:t>	</a:t>
+            </a:r>
+            <a:r>
+              <a:rPr lang="en-US" dirty="0" smtClean="0">
+                <a:latin typeface="+mj-lt"/>
+              </a:rPr>
+              <a:t>		p1=NULL;</a:t>
+            </a:r>
+          </a:p>
         </p:txBody>
       </p:sp>
       <p:sp>
@@ -22072,7 +24892,7 @@
           <a:p>
             <a:fld id="{FF7EFB7B-DE71-0E4B-91D4-1D8B25020B15}" type="datetime1">
               <a:rPr lang="en-US" smtClean="0"/>
-              <a:t>3/16/16</a:t>
+              <a:t>3/20/16</a:t>
             </a:fld>
             <a:endParaRPr lang="en-US"/>
           </a:p>
@@ -22127,7 +24947,7 @@
     </p:spTree>
     <p:extLst>
       <p:ext uri="{BB962C8B-B14F-4D97-AF65-F5344CB8AC3E}">
-        <p14:creationId xmlns:p14="http://schemas.microsoft.com/office/powerpoint/2010/main" val="1239879412"/>
+        <p14:creationId xmlns:p14="http://schemas.microsoft.com/office/powerpoint/2010/main" val="1879003427"/>
       </p:ext>
     </p:extLst>
   </p:cSld>
@@ -22177,10 +24997,10 @@
           <a:lstStyle/>
           <a:p>
             <a:r>
-              <a:rPr lang="en-US" sz="3200" dirty="0" smtClean="0"/>
-              <a:t>Reference</a:t>
-            </a:r>
-            <a:endParaRPr lang="en-US" sz="3200" dirty="0"/>
+              <a:rPr lang="en-US" sz="3200" b="1" dirty="0" smtClean="0"/>
+              <a:t>Passing Pointer to a Function</a:t>
+            </a:r>
+            <a:endParaRPr lang="en-US" sz="3200" b="1" dirty="0"/>
           </a:p>
         </p:txBody>
       </p:sp>
@@ -22201,31 +25021,120 @@
           </a:xfrm>
         </p:spPr>
         <p:txBody>
+          <a:bodyPr>
+            <a:normAutofit lnSpcReduction="10000"/>
+          </a:bodyPr>
+          <a:lstStyle/>
+          <a:p>
+            <a:r>
+              <a:rPr lang="en-US" dirty="0" smtClean="0">
+                <a:latin typeface="+mj-lt"/>
+              </a:rPr>
+              <a:t>A pointer can be passed to a function as an argument.</a:t>
+            </a:r>
+          </a:p>
+          <a:p>
+            <a:endParaRPr lang="en-US" dirty="0" smtClean="0">
+              <a:latin typeface="+mj-lt"/>
+            </a:endParaRPr>
+          </a:p>
+          <a:p>
+            <a:r>
+              <a:rPr lang="en-US" dirty="0" smtClean="0">
+                <a:latin typeface="+mj-lt"/>
+              </a:rPr>
+              <a:t>Passing a pointer means passing address of a variable instead of value of the variable.</a:t>
+            </a:r>
+          </a:p>
+          <a:p>
+            <a:endParaRPr lang="en-US" dirty="0">
+              <a:latin typeface="+mj-lt"/>
+            </a:endParaRPr>
+          </a:p>
+          <a:p>
+            <a:r>
+              <a:rPr lang="en-US" dirty="0" smtClean="0">
+                <a:latin typeface="+mj-lt"/>
+              </a:rPr>
+              <a:t>As address is passed in this case, this mechanism is also known as </a:t>
+            </a:r>
+            <a:r>
+              <a:rPr lang="en-US" b="1" dirty="0" smtClean="0">
+                <a:latin typeface="+mj-lt"/>
+              </a:rPr>
+              <a:t>call by address</a:t>
+            </a:r>
+            <a:r>
+              <a:rPr lang="en-US" dirty="0" smtClean="0">
+                <a:latin typeface="+mj-lt"/>
+              </a:rPr>
+              <a:t> or </a:t>
+            </a:r>
+            <a:r>
+              <a:rPr lang="en-US" b="1" dirty="0" smtClean="0">
+                <a:latin typeface="+mj-lt"/>
+              </a:rPr>
+              <a:t>call by reference</a:t>
+            </a:r>
+            <a:r>
+              <a:rPr lang="en-US" dirty="0" smtClean="0">
+                <a:latin typeface="+mj-lt"/>
+              </a:rPr>
+              <a:t>.</a:t>
+            </a:r>
+          </a:p>
+          <a:p>
+            <a:endParaRPr lang="en-US" dirty="0">
+              <a:latin typeface="+mj-lt"/>
+            </a:endParaRPr>
+          </a:p>
+          <a:p>
+            <a:r>
+              <a:rPr lang="en-US" dirty="0" smtClean="0">
+                <a:latin typeface="+mj-lt"/>
+              </a:rPr>
+              <a:t>As address of variable is passed in this mechanism, if value in the passed address is changed within function definition, the value of actual variable </a:t>
+            </a:r>
+            <a:r>
+              <a:rPr lang="en-US" dirty="0" smtClean="0">
+                <a:latin typeface="+mj-lt"/>
+              </a:rPr>
+              <a:t>is also changed.</a:t>
+            </a:r>
+            <a:endParaRPr lang="en-US" dirty="0" smtClean="0">
+              <a:latin typeface="+mj-lt"/>
+            </a:endParaRPr>
+          </a:p>
+          <a:p>
+            <a:endParaRPr lang="en-US" dirty="0">
+              <a:latin typeface="+mj-lt"/>
+            </a:endParaRPr>
+          </a:p>
+          <a:p>
+            <a:endParaRPr lang="en-US" dirty="0">
+              <a:latin typeface="+mj-lt"/>
+            </a:endParaRPr>
+          </a:p>
+        </p:txBody>
+      </p:sp>
+      <p:sp>
+        <p:nvSpPr>
+          <p:cNvPr id="4" name="Date Placeholder 3"/>
+          <p:cNvSpPr>
+            <a:spLocks noGrp="1"/>
+          </p:cNvSpPr>
+          <p:nvPr>
+            <p:ph type="dt" sz="half" idx="10"/>
+          </p:nvPr>
+        </p:nvSpPr>
+        <p:spPr/>
+        <p:txBody>
           <a:bodyPr/>
           <a:lstStyle/>
           <a:p>
-            <a:endParaRPr lang="en-US" dirty="0"/>
-          </a:p>
-        </p:txBody>
-      </p:sp>
-      <p:sp>
-        <p:nvSpPr>
-          <p:cNvPr id="4" name="Date Placeholder 3"/>
-          <p:cNvSpPr>
-            <a:spLocks noGrp="1"/>
-          </p:cNvSpPr>
-          <p:nvPr>
-            <p:ph type="dt" sz="half" idx="10"/>
-          </p:nvPr>
-        </p:nvSpPr>
-        <p:spPr/>
-        <p:txBody>
-          <a:bodyPr/>
-          <a:lstStyle/>
-          <a:p>
-            <a:fld id="{BBE37247-352C-674D-B1C3-0748BF09BE88}" type="datetime1">
+            <a:fld id="{FF7EFB7B-DE71-0E4B-91D4-1D8B25020B15}" type="datetime1">
               <a:rPr lang="en-US" smtClean="0"/>
-              <a:t>3/16/16</a:t>
+              <a:t>3/20/16</a:t>
             </a:fld>
             <a:endParaRPr lang="en-US"/>
           </a:p>
@@ -22280,7 +25189,1519 @@
     </p:spTree>
     <p:extLst>
       <p:ext uri="{BB962C8B-B14F-4D97-AF65-F5344CB8AC3E}">
-        <p14:creationId xmlns:p14="http://schemas.microsoft.com/office/powerpoint/2010/main" val="1548034247"/>
+        <p14:creationId xmlns:p14="http://schemas.microsoft.com/office/powerpoint/2010/main" val="1456344623"/>
+      </p:ext>
+    </p:extLst>
+  </p:cSld>
+  <p:clrMapOvr>
+    <a:masterClrMapping/>
+  </p:clrMapOvr>
+</p:sld>
+</file>
+
+<file path=ppt/slides/slide46.xml><?xml version="1.0" encoding="utf-8"?>
+<p:sld xmlns:a="http://schemas.openxmlformats.org/drawingml/2006/main" xmlns:r="http://schemas.openxmlformats.org/officeDocument/2006/relationships" xmlns:p="http://schemas.openxmlformats.org/presentationml/2006/main">
+  <p:cSld>
+    <p:spTree>
+      <p:nvGrpSpPr>
+        <p:cNvPr id="1" name=""/>
+        <p:cNvGrpSpPr/>
+        <p:nvPr/>
+      </p:nvGrpSpPr>
+      <p:grpSpPr>
+        <a:xfrm>
+          <a:off x="0" y="0"/>
+          <a:ext cx="0" cy="0"/>
+          <a:chOff x="0" y="0"/>
+          <a:chExt cx="0" cy="0"/>
+        </a:xfrm>
+      </p:grpSpPr>
+      <p:sp>
+        <p:nvSpPr>
+          <p:cNvPr id="3" name="Content Placeholder 2"/>
+          <p:cNvSpPr>
+            <a:spLocks noGrp="1"/>
+          </p:cNvSpPr>
+          <p:nvPr>
+            <p:ph idx="1"/>
+          </p:nvPr>
+        </p:nvSpPr>
+        <p:spPr>
+          <a:xfrm>
+            <a:off x="838200" y="428263"/>
+            <a:ext cx="10515600" cy="5748700"/>
+          </a:xfrm>
+        </p:spPr>
+        <p:txBody>
+          <a:bodyPr/>
+          <a:lstStyle/>
+          <a:p>
+            <a:pPr marL="0" indent="0">
+              <a:buNone/>
+            </a:pPr>
+            <a:r>
+              <a:rPr lang="en-US" dirty="0">
+                <a:latin typeface="+mj-lt"/>
+              </a:rPr>
+              <a:t>#include &lt;</a:t>
+            </a:r>
+            <a:r>
+              <a:rPr lang="en-US" dirty="0" err="1">
+                <a:latin typeface="+mj-lt"/>
+              </a:rPr>
+              <a:t>stdio.h</a:t>
+            </a:r>
+            <a:r>
+              <a:rPr lang="en-US" dirty="0" smtClean="0">
+                <a:latin typeface="+mj-lt"/>
+              </a:rPr>
+              <a:t>&gt;</a:t>
+            </a:r>
+          </a:p>
+          <a:p>
+            <a:pPr marL="0" indent="0">
+              <a:buNone/>
+            </a:pPr>
+            <a:r>
+              <a:rPr lang="en-US" dirty="0" smtClean="0">
+                <a:latin typeface="+mj-lt"/>
+              </a:rPr>
+              <a:t>void </a:t>
+            </a:r>
+            <a:r>
+              <a:rPr lang="en-US" dirty="0" err="1">
+                <a:latin typeface="+mj-lt"/>
+              </a:rPr>
+              <a:t>addGraceMarks</a:t>
+            </a:r>
+            <a:r>
+              <a:rPr lang="en-US" dirty="0">
+                <a:latin typeface="+mj-lt"/>
+              </a:rPr>
+              <a:t>(</a:t>
+            </a:r>
+            <a:r>
+              <a:rPr lang="en-US" dirty="0" err="1">
+                <a:latin typeface="+mj-lt"/>
+              </a:rPr>
+              <a:t>int</a:t>
+            </a:r>
+            <a:r>
+              <a:rPr lang="en-US" dirty="0">
+                <a:latin typeface="+mj-lt"/>
+              </a:rPr>
+              <a:t> *m</a:t>
+            </a:r>
+            <a:r>
+              <a:rPr lang="en-US" dirty="0" smtClean="0">
+                <a:latin typeface="+mj-lt"/>
+              </a:rPr>
+              <a:t>){</a:t>
+            </a:r>
+          </a:p>
+          <a:p>
+            <a:pPr marL="0" indent="0">
+              <a:buNone/>
+            </a:pPr>
+            <a:r>
+              <a:rPr lang="en-US" dirty="0">
+                <a:latin typeface="+mj-lt"/>
+              </a:rPr>
+              <a:t>		*m=*m+10</a:t>
+            </a:r>
+            <a:r>
+              <a:rPr lang="en-US" dirty="0" smtClean="0">
+                <a:latin typeface="+mj-lt"/>
+              </a:rPr>
+              <a:t>;</a:t>
+            </a:r>
+          </a:p>
+          <a:p>
+            <a:pPr marL="0" indent="0">
+              <a:buNone/>
+            </a:pPr>
+            <a:r>
+              <a:rPr lang="en-US" dirty="0" smtClean="0">
+                <a:latin typeface="+mj-lt"/>
+              </a:rPr>
+              <a:t>}</a:t>
+            </a:r>
+          </a:p>
+          <a:p>
+            <a:pPr marL="0" indent="0">
+              <a:buNone/>
+            </a:pPr>
+            <a:r>
+              <a:rPr lang="en-US" dirty="0" err="1" smtClean="0">
+                <a:latin typeface="+mj-lt"/>
+              </a:rPr>
+              <a:t>int</a:t>
+            </a:r>
+            <a:r>
+              <a:rPr lang="en-US" dirty="0" smtClean="0">
+                <a:latin typeface="+mj-lt"/>
+              </a:rPr>
+              <a:t> </a:t>
+            </a:r>
+            <a:r>
+              <a:rPr lang="en-US" dirty="0">
+                <a:latin typeface="+mj-lt"/>
+              </a:rPr>
+              <a:t>main(void</a:t>
+            </a:r>
+            <a:r>
+              <a:rPr lang="en-US" dirty="0" smtClean="0">
+                <a:latin typeface="+mj-lt"/>
+              </a:rPr>
+              <a:t>){</a:t>
+            </a:r>
+          </a:p>
+          <a:p>
+            <a:pPr marL="0" indent="0">
+              <a:buNone/>
+            </a:pPr>
+            <a:r>
+              <a:rPr lang="en-US" dirty="0">
+                <a:latin typeface="+mj-lt"/>
+              </a:rPr>
+              <a:t>	</a:t>
+            </a:r>
+            <a:r>
+              <a:rPr lang="en-US" dirty="0" err="1">
+                <a:latin typeface="+mj-lt"/>
+              </a:rPr>
+              <a:t>int</a:t>
+            </a:r>
+            <a:r>
+              <a:rPr lang="en-US" dirty="0">
+                <a:latin typeface="+mj-lt"/>
+              </a:rPr>
+              <a:t> marks</a:t>
+            </a:r>
+            <a:r>
+              <a:rPr lang="en-US" dirty="0" smtClean="0">
+                <a:latin typeface="+mj-lt"/>
+              </a:rPr>
+              <a:t>;</a:t>
+            </a:r>
+          </a:p>
+          <a:p>
+            <a:pPr marL="0" indent="0">
+              <a:buNone/>
+            </a:pPr>
+            <a:r>
+              <a:rPr lang="en-US" dirty="0">
+                <a:latin typeface="+mj-lt"/>
+              </a:rPr>
+              <a:t>	</a:t>
+            </a:r>
+            <a:r>
+              <a:rPr lang="en-US" dirty="0" err="1">
+                <a:latin typeface="+mj-lt"/>
+              </a:rPr>
+              <a:t>printf</a:t>
+            </a:r>
+            <a:r>
+              <a:rPr lang="en-US" dirty="0">
+                <a:latin typeface="+mj-lt"/>
+              </a:rPr>
+              <a:t>("Enter Actual Marks\n</a:t>
+            </a:r>
+            <a:r>
+              <a:rPr lang="en-US" dirty="0" smtClean="0">
+                <a:latin typeface="+mj-lt"/>
+              </a:rPr>
+              <a:t>");</a:t>
+            </a:r>
+          </a:p>
+          <a:p>
+            <a:pPr marL="0" indent="0">
+              <a:buNone/>
+            </a:pPr>
+            <a:r>
+              <a:rPr lang="en-US" dirty="0">
+                <a:latin typeface="+mj-lt"/>
+              </a:rPr>
+              <a:t>	</a:t>
+            </a:r>
+            <a:r>
+              <a:rPr lang="en-US" dirty="0" err="1">
+                <a:latin typeface="+mj-lt"/>
+              </a:rPr>
+              <a:t>scanf</a:t>
+            </a:r>
+            <a:r>
+              <a:rPr lang="en-US" dirty="0">
+                <a:latin typeface="+mj-lt"/>
+              </a:rPr>
+              <a:t>("%</a:t>
+            </a:r>
+            <a:r>
+              <a:rPr lang="en-US" dirty="0" err="1">
+                <a:latin typeface="+mj-lt"/>
+              </a:rPr>
+              <a:t>d",&amp;marks</a:t>
+            </a:r>
+            <a:r>
+              <a:rPr lang="en-US" dirty="0" smtClean="0">
+                <a:latin typeface="+mj-lt"/>
+              </a:rPr>
+              <a:t>);</a:t>
+            </a:r>
+          </a:p>
+          <a:p>
+            <a:pPr marL="0" indent="0">
+              <a:buNone/>
+            </a:pPr>
+            <a:r>
+              <a:rPr lang="en-US" dirty="0">
+                <a:latin typeface="+mj-lt"/>
+              </a:rPr>
+              <a:t>	</a:t>
+            </a:r>
+            <a:r>
+              <a:rPr lang="en-US" dirty="0" err="1">
+                <a:latin typeface="+mj-lt"/>
+              </a:rPr>
+              <a:t>addGraceMarks</a:t>
+            </a:r>
+            <a:r>
+              <a:rPr lang="en-US" dirty="0">
+                <a:latin typeface="+mj-lt"/>
+              </a:rPr>
+              <a:t>(&amp;marks);	</a:t>
+            </a:r>
+            <a:endParaRPr lang="en-US" dirty="0" smtClean="0">
+              <a:latin typeface="+mj-lt"/>
+            </a:endParaRPr>
+          </a:p>
+          <a:p>
+            <a:pPr marL="0" indent="0">
+              <a:buNone/>
+            </a:pPr>
+            <a:r>
+              <a:rPr lang="en-US" dirty="0">
+                <a:latin typeface="+mj-lt"/>
+              </a:rPr>
+              <a:t>	</a:t>
+            </a:r>
+            <a:r>
+              <a:rPr lang="en-US" dirty="0" err="1" smtClean="0">
+                <a:latin typeface="+mj-lt"/>
+              </a:rPr>
+              <a:t>printf</a:t>
+            </a:r>
+            <a:r>
+              <a:rPr lang="en-US" dirty="0">
+                <a:latin typeface="+mj-lt"/>
+              </a:rPr>
+              <a:t>("\</a:t>
+            </a:r>
+            <a:r>
+              <a:rPr lang="en-US" dirty="0" err="1">
+                <a:latin typeface="+mj-lt"/>
+              </a:rPr>
+              <a:t>nThe</a:t>
+            </a:r>
+            <a:r>
+              <a:rPr lang="en-US" dirty="0">
+                <a:latin typeface="+mj-lt"/>
+              </a:rPr>
+              <a:t> grace marks is : %d\</a:t>
+            </a:r>
+            <a:r>
+              <a:rPr lang="en-US" dirty="0" err="1">
+                <a:latin typeface="+mj-lt"/>
+              </a:rPr>
+              <a:t>n",marks</a:t>
+            </a:r>
+            <a:r>
+              <a:rPr lang="en-US" dirty="0" smtClean="0">
+                <a:latin typeface="+mj-lt"/>
+              </a:rPr>
+              <a:t>);</a:t>
+            </a:r>
+          </a:p>
+          <a:p>
+            <a:pPr marL="0" indent="0">
+              <a:buNone/>
+            </a:pPr>
+            <a:r>
+              <a:rPr lang="en-US" dirty="0" smtClean="0">
+                <a:latin typeface="+mj-lt"/>
+              </a:rPr>
+              <a:t>}</a:t>
+            </a:r>
+            <a:endParaRPr lang="en-US" dirty="0">
+              <a:latin typeface="+mj-lt"/>
+            </a:endParaRPr>
+          </a:p>
+        </p:txBody>
+      </p:sp>
+      <p:sp>
+        <p:nvSpPr>
+          <p:cNvPr id="4" name="Date Placeholder 3"/>
+          <p:cNvSpPr>
+            <a:spLocks noGrp="1"/>
+          </p:cNvSpPr>
+          <p:nvPr>
+            <p:ph type="dt" sz="half" idx="10"/>
+          </p:nvPr>
+        </p:nvSpPr>
+        <p:spPr/>
+        <p:txBody>
+          <a:bodyPr/>
+          <a:lstStyle/>
+          <a:p>
+            <a:fld id="{FF7EFB7B-DE71-0E4B-91D4-1D8B25020B15}" type="datetime1">
+              <a:rPr lang="en-US" smtClean="0"/>
+              <a:t>3/21/16</a:t>
+            </a:fld>
+            <a:endParaRPr lang="en-US"/>
+          </a:p>
+        </p:txBody>
+      </p:sp>
+      <p:sp>
+        <p:nvSpPr>
+          <p:cNvPr id="5" name="Footer Placeholder 4"/>
+          <p:cNvSpPr>
+            <a:spLocks noGrp="1"/>
+          </p:cNvSpPr>
+          <p:nvPr>
+            <p:ph type="ftr" sz="quarter" idx="11"/>
+          </p:nvPr>
+        </p:nvSpPr>
+        <p:spPr/>
+        <p:txBody>
+          <a:bodyPr/>
+          <a:lstStyle/>
+          <a:p>
+            <a:r>
+              <a:rPr lang="en-US" smtClean="0"/>
+              <a:t>Ashim Lamichhane</a:t>
+            </a:r>
+            <a:endParaRPr lang="en-US"/>
+          </a:p>
+        </p:txBody>
+      </p:sp>
+      <p:sp>
+        <p:nvSpPr>
+          <p:cNvPr id="6" name="Slide Number Placeholder 5"/>
+          <p:cNvSpPr>
+            <a:spLocks noGrp="1"/>
+          </p:cNvSpPr>
+          <p:nvPr>
+            <p:ph type="sldNum" sz="quarter" idx="12"/>
+          </p:nvPr>
+        </p:nvSpPr>
+        <p:spPr/>
+        <p:txBody>
+          <a:bodyPr/>
+          <a:lstStyle/>
+          <a:p>
+            <a:fld id="{5F6DF98B-7C24-4C4A-9857-F9CABD08DE4C}" type="slidenum">
+              <a:rPr lang="en-US" smtClean="0"/>
+              <a:t>46</a:t>
+            </a:fld>
+            <a:endParaRPr lang="en-US"/>
+          </a:p>
+        </p:txBody>
+      </p:sp>
+    </p:spTree>
+    <p:extLst>
+      <p:ext uri="{BB962C8B-B14F-4D97-AF65-F5344CB8AC3E}">
+        <p14:creationId xmlns:p14="http://schemas.microsoft.com/office/powerpoint/2010/main" val="998485443"/>
+      </p:ext>
+    </p:extLst>
+  </p:cSld>
+  <p:clrMapOvr>
+    <a:masterClrMapping/>
+  </p:clrMapOvr>
+</p:sld>
+</file>
+
+<file path=ppt/slides/slide47.xml><?xml version="1.0" encoding="utf-8"?>
+<p:sld xmlns:a="http://schemas.openxmlformats.org/drawingml/2006/main" xmlns:r="http://schemas.openxmlformats.org/officeDocument/2006/relationships" xmlns:p="http://schemas.openxmlformats.org/presentationml/2006/main">
+  <p:cSld>
+    <p:spTree>
+      <p:nvGrpSpPr>
+        <p:cNvPr id="1" name=""/>
+        <p:cNvGrpSpPr/>
+        <p:nvPr/>
+      </p:nvGrpSpPr>
+      <p:grpSpPr>
+        <a:xfrm>
+          <a:off x="0" y="0"/>
+          <a:ext cx="0" cy="0"/>
+          <a:chOff x="0" y="0"/>
+          <a:chExt cx="0" cy="0"/>
+        </a:xfrm>
+      </p:grpSpPr>
+      <p:sp>
+        <p:nvSpPr>
+          <p:cNvPr id="3" name="Content Placeholder 2"/>
+          <p:cNvSpPr>
+            <a:spLocks noGrp="1"/>
+          </p:cNvSpPr>
+          <p:nvPr>
+            <p:ph idx="1"/>
+          </p:nvPr>
+        </p:nvSpPr>
+        <p:spPr>
+          <a:xfrm>
+            <a:off x="838200" y="486137"/>
+            <a:ext cx="5446853" cy="5690826"/>
+          </a:xfrm>
+        </p:spPr>
+        <p:txBody>
+          <a:bodyPr>
+            <a:normAutofit fontScale="55000" lnSpcReduction="20000"/>
+          </a:bodyPr>
+          <a:lstStyle/>
+          <a:p>
+            <a:pPr marL="0" indent="0">
+              <a:buNone/>
+            </a:pPr>
+            <a:r>
+              <a:rPr lang="en-US" dirty="0" smtClean="0">
+                <a:latin typeface="+mj-lt"/>
+              </a:rPr>
+              <a:t>#include &lt;</a:t>
+            </a:r>
+            <a:r>
+              <a:rPr lang="en-US" dirty="0" err="1" smtClean="0">
+                <a:latin typeface="+mj-lt"/>
+              </a:rPr>
+              <a:t>stdio.h</a:t>
+            </a:r>
+            <a:r>
+              <a:rPr lang="en-US" dirty="0" smtClean="0">
+                <a:latin typeface="+mj-lt"/>
+              </a:rPr>
+              <a:t>&gt;</a:t>
+            </a:r>
+          </a:p>
+          <a:p>
+            <a:pPr marL="0" indent="0">
+              <a:buNone/>
+            </a:pPr>
+            <a:r>
+              <a:rPr lang="en-US" dirty="0" smtClean="0">
+                <a:latin typeface="+mj-lt"/>
+              </a:rPr>
+              <a:t>void conversion(char *);</a:t>
+            </a:r>
+          </a:p>
+          <a:p>
+            <a:pPr marL="0" indent="0">
+              <a:buNone/>
+            </a:pPr>
+            <a:r>
+              <a:rPr lang="en-US" dirty="0" err="1" smtClean="0">
+                <a:latin typeface="+mj-lt"/>
+              </a:rPr>
+              <a:t>int</a:t>
+            </a:r>
+            <a:r>
+              <a:rPr lang="en-US" dirty="0" smtClean="0">
+                <a:latin typeface="+mj-lt"/>
+              </a:rPr>
+              <a:t> main(){</a:t>
+            </a:r>
+          </a:p>
+          <a:p>
+            <a:pPr marL="0" indent="0">
+              <a:buNone/>
+            </a:pPr>
+            <a:r>
+              <a:rPr lang="en-US" dirty="0" smtClean="0">
+                <a:latin typeface="+mj-lt"/>
+              </a:rPr>
+              <a:t>	char input;</a:t>
+            </a:r>
+          </a:p>
+          <a:p>
+            <a:pPr marL="0" indent="0">
+              <a:buNone/>
+            </a:pPr>
+            <a:r>
+              <a:rPr lang="en-US" dirty="0" smtClean="0">
+                <a:latin typeface="+mj-lt"/>
+              </a:rPr>
+              <a:t>	</a:t>
+            </a:r>
+            <a:r>
+              <a:rPr lang="en-US" dirty="0" err="1" smtClean="0">
+                <a:latin typeface="+mj-lt"/>
+              </a:rPr>
+              <a:t>printf</a:t>
+            </a:r>
+            <a:r>
+              <a:rPr lang="en-US" dirty="0" smtClean="0">
+                <a:latin typeface="+mj-lt"/>
+              </a:rPr>
+              <a:t>("Enter character of your choice: ");</a:t>
+            </a:r>
+          </a:p>
+          <a:p>
+            <a:pPr marL="0" indent="0">
+              <a:buNone/>
+            </a:pPr>
+            <a:r>
+              <a:rPr lang="en-US" dirty="0" smtClean="0">
+                <a:latin typeface="+mj-lt"/>
+              </a:rPr>
+              <a:t>	</a:t>
+            </a:r>
+            <a:r>
+              <a:rPr lang="en-US" dirty="0" err="1" smtClean="0">
+                <a:latin typeface="+mj-lt"/>
+              </a:rPr>
+              <a:t>scanf</a:t>
+            </a:r>
+            <a:r>
+              <a:rPr lang="en-US" dirty="0" smtClean="0">
+                <a:latin typeface="+mj-lt"/>
+              </a:rPr>
+              <a:t>("%</a:t>
+            </a:r>
+            <a:r>
+              <a:rPr lang="en-US" dirty="0" err="1" smtClean="0">
+                <a:latin typeface="+mj-lt"/>
+              </a:rPr>
+              <a:t>c",&amp;input</a:t>
+            </a:r>
+            <a:r>
+              <a:rPr lang="en-US" dirty="0" smtClean="0">
+                <a:latin typeface="+mj-lt"/>
+              </a:rPr>
+              <a:t>);</a:t>
+            </a:r>
+          </a:p>
+          <a:p>
+            <a:pPr marL="0" indent="0">
+              <a:buNone/>
+            </a:pPr>
+            <a:r>
+              <a:rPr lang="en-US" dirty="0" smtClean="0">
+                <a:latin typeface="+mj-lt"/>
+              </a:rPr>
+              <a:t>	conversion(&amp;input);</a:t>
+            </a:r>
+          </a:p>
+          <a:p>
+            <a:pPr marL="0" indent="0">
+              <a:buNone/>
+            </a:pPr>
+            <a:r>
+              <a:rPr lang="en-US" dirty="0" smtClean="0">
+                <a:latin typeface="+mj-lt"/>
+              </a:rPr>
+              <a:t>	</a:t>
+            </a:r>
+            <a:r>
+              <a:rPr lang="en-US" dirty="0" err="1" smtClean="0">
+                <a:latin typeface="+mj-lt"/>
+              </a:rPr>
+              <a:t>printf</a:t>
+            </a:r>
+            <a:r>
+              <a:rPr lang="en-US" dirty="0" smtClean="0">
+                <a:latin typeface="+mj-lt"/>
+              </a:rPr>
+              <a:t>("The corresponding character is: %c\</a:t>
+            </a:r>
+            <a:r>
+              <a:rPr lang="en-US" dirty="0" err="1" smtClean="0">
+                <a:latin typeface="+mj-lt"/>
+              </a:rPr>
+              <a:t>n",input</a:t>
+            </a:r>
+            <a:r>
+              <a:rPr lang="en-US" dirty="0" smtClean="0">
+                <a:latin typeface="+mj-lt"/>
+              </a:rPr>
+              <a:t> );</a:t>
+            </a:r>
+          </a:p>
+          <a:p>
+            <a:pPr marL="0" indent="0">
+              <a:buNone/>
+            </a:pPr>
+            <a:r>
+              <a:rPr lang="en-US" dirty="0" smtClean="0">
+                <a:latin typeface="+mj-lt"/>
+              </a:rPr>
+              <a:t>}</a:t>
+            </a:r>
+          </a:p>
+          <a:p>
+            <a:pPr marL="0" indent="0">
+              <a:buNone/>
+            </a:pPr>
+            <a:r>
+              <a:rPr lang="en-US" dirty="0" smtClean="0">
+                <a:latin typeface="+mj-lt"/>
+              </a:rPr>
+              <a:t>void conversion(char *c){</a:t>
+            </a:r>
+          </a:p>
+          <a:p>
+            <a:pPr marL="0" indent="0">
+              <a:buNone/>
+            </a:pPr>
+            <a:r>
+              <a:rPr lang="en-US" dirty="0" smtClean="0">
+                <a:latin typeface="+mj-lt"/>
+              </a:rPr>
+              <a:t>	if (*c&gt;=97 &amp;&amp; *c&lt;=122)</a:t>
+            </a:r>
+          </a:p>
+          <a:p>
+            <a:pPr marL="0" indent="0">
+              <a:buNone/>
+            </a:pPr>
+            <a:r>
+              <a:rPr lang="en-US" dirty="0" smtClean="0">
+                <a:latin typeface="+mj-lt"/>
+              </a:rPr>
+              <a:t>	{</a:t>
+            </a:r>
+          </a:p>
+          <a:p>
+            <a:pPr marL="0" indent="0">
+              <a:buNone/>
+            </a:pPr>
+            <a:r>
+              <a:rPr lang="en-US" dirty="0" smtClean="0">
+                <a:latin typeface="+mj-lt"/>
+              </a:rPr>
+              <a:t>		*c=*c-32;</a:t>
+            </a:r>
+          </a:p>
+          <a:p>
+            <a:pPr marL="0" indent="0">
+              <a:buNone/>
+            </a:pPr>
+            <a:r>
+              <a:rPr lang="en-US" dirty="0" smtClean="0">
+                <a:latin typeface="+mj-lt"/>
+              </a:rPr>
+              <a:t>	}</a:t>
+            </a:r>
+          </a:p>
+          <a:p>
+            <a:pPr marL="0" indent="0">
+              <a:buNone/>
+            </a:pPr>
+            <a:r>
+              <a:rPr lang="en-US" dirty="0" smtClean="0">
+                <a:latin typeface="+mj-lt"/>
+              </a:rPr>
+              <a:t>	else if(*c &gt;=65 &amp;&amp; *c&lt;=90){</a:t>
+            </a:r>
+          </a:p>
+          <a:p>
+            <a:pPr marL="0" indent="0">
+              <a:buNone/>
+            </a:pPr>
+            <a:r>
+              <a:rPr lang="en-US" dirty="0" smtClean="0">
+                <a:latin typeface="+mj-lt"/>
+              </a:rPr>
+              <a:t>		*c=*c+32;</a:t>
+            </a:r>
+          </a:p>
+          <a:p>
+            <a:pPr marL="0" indent="0">
+              <a:buNone/>
+            </a:pPr>
+            <a:r>
+              <a:rPr lang="en-US" dirty="0" smtClean="0">
+                <a:latin typeface="+mj-lt"/>
+              </a:rPr>
+              <a:t>	}</a:t>
+            </a:r>
+          </a:p>
+          <a:p>
+            <a:pPr marL="0" indent="0">
+              <a:buNone/>
+            </a:pPr>
+            <a:r>
+              <a:rPr lang="en-US" dirty="0" smtClean="0">
+                <a:latin typeface="+mj-lt"/>
+              </a:rPr>
+              <a:t>}</a:t>
+            </a:r>
+            <a:endParaRPr lang="en-US" dirty="0">
+              <a:latin typeface="+mj-lt"/>
+            </a:endParaRPr>
+          </a:p>
+        </p:txBody>
+      </p:sp>
+      <p:sp>
+        <p:nvSpPr>
+          <p:cNvPr id="4" name="Date Placeholder 3"/>
+          <p:cNvSpPr>
+            <a:spLocks noGrp="1"/>
+          </p:cNvSpPr>
+          <p:nvPr>
+            <p:ph type="dt" sz="half" idx="10"/>
+          </p:nvPr>
+        </p:nvSpPr>
+        <p:spPr/>
+        <p:txBody>
+          <a:bodyPr/>
+          <a:lstStyle/>
+          <a:p>
+            <a:fld id="{FF7EFB7B-DE71-0E4B-91D4-1D8B25020B15}" type="datetime1">
+              <a:rPr lang="en-US" smtClean="0"/>
+              <a:t>3/21/16</a:t>
+            </a:fld>
+            <a:endParaRPr lang="en-US"/>
+          </a:p>
+        </p:txBody>
+      </p:sp>
+      <p:sp>
+        <p:nvSpPr>
+          <p:cNvPr id="5" name="Footer Placeholder 4"/>
+          <p:cNvSpPr>
+            <a:spLocks noGrp="1"/>
+          </p:cNvSpPr>
+          <p:nvPr>
+            <p:ph type="ftr" sz="quarter" idx="11"/>
+          </p:nvPr>
+        </p:nvSpPr>
+        <p:spPr/>
+        <p:txBody>
+          <a:bodyPr/>
+          <a:lstStyle/>
+          <a:p>
+            <a:r>
+              <a:rPr lang="en-US" smtClean="0"/>
+              <a:t>Ashim Lamichhane</a:t>
+            </a:r>
+            <a:endParaRPr lang="en-US"/>
+          </a:p>
+        </p:txBody>
+      </p:sp>
+      <p:sp>
+        <p:nvSpPr>
+          <p:cNvPr id="6" name="Slide Number Placeholder 5"/>
+          <p:cNvSpPr>
+            <a:spLocks noGrp="1"/>
+          </p:cNvSpPr>
+          <p:nvPr>
+            <p:ph type="sldNum" sz="quarter" idx="12"/>
+          </p:nvPr>
+        </p:nvSpPr>
+        <p:spPr/>
+        <p:txBody>
+          <a:bodyPr/>
+          <a:lstStyle/>
+          <a:p>
+            <a:fld id="{5F6DF98B-7C24-4C4A-9857-F9CABD08DE4C}" type="slidenum">
+              <a:rPr lang="en-US" smtClean="0"/>
+              <a:t>47</a:t>
+            </a:fld>
+            <a:endParaRPr lang="en-US"/>
+          </a:p>
+        </p:txBody>
+      </p:sp>
+      <p:sp>
+        <p:nvSpPr>
+          <p:cNvPr id="7" name="Content Placeholder 2"/>
+          <p:cNvSpPr txBox="1">
+            <a:spLocks/>
+          </p:cNvSpPr>
+          <p:nvPr/>
+        </p:nvSpPr>
+        <p:spPr>
+          <a:xfrm>
+            <a:off x="6285053" y="575831"/>
+            <a:ext cx="5446853" cy="5690826"/>
+          </a:xfrm>
+          <a:prstGeom prst="rect">
+            <a:avLst/>
+          </a:prstGeom>
+        </p:spPr>
+        <p:txBody>
+          <a:bodyPr vert="horz" lIns="91440" tIns="45720" rIns="91440" bIns="45720" rtlCol="0">
+            <a:normAutofit/>
+          </a:bodyPr>
+          <a:lstStyle>
+            <a:lvl1pPr marL="228600" indent="-228600" algn="l" defTabSz="914400" rtl="0" eaLnBrk="1" latinLnBrk="0" hangingPunct="1">
+              <a:lnSpc>
+                <a:spcPct val="90000"/>
+              </a:lnSpc>
+              <a:spcBef>
+                <a:spcPts val="1000"/>
+              </a:spcBef>
+              <a:buFont typeface="Arial"/>
+              <a:buChar char="•"/>
+              <a:defRPr sz="2800" kern="1200">
+                <a:solidFill>
+                  <a:schemeClr val="tx1"/>
+                </a:solidFill>
+                <a:latin typeface="+mn-lt"/>
+                <a:ea typeface="+mn-ea"/>
+                <a:cs typeface="+mn-cs"/>
+              </a:defRPr>
+            </a:lvl1pPr>
+            <a:lvl2pPr marL="685800" indent="-228600" algn="l" defTabSz="914400" rtl="0" eaLnBrk="1" latinLnBrk="0" hangingPunct="1">
+              <a:lnSpc>
+                <a:spcPct val="90000"/>
+              </a:lnSpc>
+              <a:spcBef>
+                <a:spcPts val="500"/>
+              </a:spcBef>
+              <a:buFont typeface="Arial"/>
+              <a:buChar char="•"/>
+              <a:defRPr sz="2400" kern="1200">
+                <a:solidFill>
+                  <a:schemeClr val="tx1"/>
+                </a:solidFill>
+                <a:latin typeface="+mn-lt"/>
+                <a:ea typeface="+mn-ea"/>
+                <a:cs typeface="+mn-cs"/>
+              </a:defRPr>
+            </a:lvl2pPr>
+            <a:lvl3pPr marL="1143000" indent="-228600" algn="l" defTabSz="914400" rtl="0" eaLnBrk="1" latinLnBrk="0" hangingPunct="1">
+              <a:lnSpc>
+                <a:spcPct val="90000"/>
+              </a:lnSpc>
+              <a:spcBef>
+                <a:spcPts val="500"/>
+              </a:spcBef>
+              <a:buFont typeface="Arial"/>
+              <a:buChar char="•"/>
+              <a:defRPr sz="2000" kern="1200">
+                <a:solidFill>
+                  <a:schemeClr val="tx1"/>
+                </a:solidFill>
+                <a:latin typeface="+mn-lt"/>
+                <a:ea typeface="+mn-ea"/>
+                <a:cs typeface="+mn-cs"/>
+              </a:defRPr>
+            </a:lvl3pPr>
+            <a:lvl4pPr marL="1600200" indent="-228600" algn="l" defTabSz="914400" rtl="0" eaLnBrk="1" latinLnBrk="0" hangingPunct="1">
+              <a:lnSpc>
+                <a:spcPct val="90000"/>
+              </a:lnSpc>
+              <a:spcBef>
+                <a:spcPts val="500"/>
+              </a:spcBef>
+              <a:buFont typeface="Arial"/>
+              <a:buChar char="•"/>
+              <a:defRPr sz="1800" kern="1200">
+                <a:solidFill>
+                  <a:schemeClr val="tx1"/>
+                </a:solidFill>
+                <a:latin typeface="+mn-lt"/>
+                <a:ea typeface="+mn-ea"/>
+                <a:cs typeface="+mn-cs"/>
+              </a:defRPr>
+            </a:lvl4pPr>
+            <a:lvl5pPr marL="2057400" indent="-228600" algn="l" defTabSz="914400" rtl="0" eaLnBrk="1" latinLnBrk="0" hangingPunct="1">
+              <a:lnSpc>
+                <a:spcPct val="90000"/>
+              </a:lnSpc>
+              <a:spcBef>
+                <a:spcPts val="500"/>
+              </a:spcBef>
+              <a:buFont typeface="Arial"/>
+              <a:buChar char="•"/>
+              <a:defRPr sz="1800" kern="1200">
+                <a:solidFill>
+                  <a:schemeClr val="tx1"/>
+                </a:solidFill>
+                <a:latin typeface="+mn-lt"/>
+                <a:ea typeface="+mn-ea"/>
+                <a:cs typeface="+mn-cs"/>
+              </a:defRPr>
+            </a:lvl5pPr>
+            <a:lvl6pPr marL="2514600" indent="-228600" algn="l" defTabSz="914400" rtl="0" eaLnBrk="1" latinLnBrk="0" hangingPunct="1">
+              <a:lnSpc>
+                <a:spcPct val="90000"/>
+              </a:lnSpc>
+              <a:spcBef>
+                <a:spcPts val="500"/>
+              </a:spcBef>
+              <a:buFont typeface="Arial"/>
+              <a:buChar char="•"/>
+              <a:defRPr sz="1800" kern="1200">
+                <a:solidFill>
+                  <a:schemeClr val="tx1"/>
+                </a:solidFill>
+                <a:latin typeface="+mn-lt"/>
+                <a:ea typeface="+mn-ea"/>
+                <a:cs typeface="+mn-cs"/>
+              </a:defRPr>
+            </a:lvl6pPr>
+            <a:lvl7pPr marL="2971800" indent="-228600" algn="l" defTabSz="914400" rtl="0" eaLnBrk="1" latinLnBrk="0" hangingPunct="1">
+              <a:lnSpc>
+                <a:spcPct val="90000"/>
+              </a:lnSpc>
+              <a:spcBef>
+                <a:spcPts val="500"/>
+              </a:spcBef>
+              <a:buFont typeface="Arial"/>
+              <a:buChar char="•"/>
+              <a:defRPr sz="1800" kern="1200">
+                <a:solidFill>
+                  <a:schemeClr val="tx1"/>
+                </a:solidFill>
+                <a:latin typeface="+mn-lt"/>
+                <a:ea typeface="+mn-ea"/>
+                <a:cs typeface="+mn-cs"/>
+              </a:defRPr>
+            </a:lvl7pPr>
+            <a:lvl8pPr marL="3429000" indent="-228600" algn="l" defTabSz="914400" rtl="0" eaLnBrk="1" latinLnBrk="0" hangingPunct="1">
+              <a:lnSpc>
+                <a:spcPct val="90000"/>
+              </a:lnSpc>
+              <a:spcBef>
+                <a:spcPts val="500"/>
+              </a:spcBef>
+              <a:buFont typeface="Arial"/>
+              <a:buChar char="•"/>
+              <a:defRPr sz="1800" kern="1200">
+                <a:solidFill>
+                  <a:schemeClr val="tx1"/>
+                </a:solidFill>
+                <a:latin typeface="+mn-lt"/>
+                <a:ea typeface="+mn-ea"/>
+                <a:cs typeface="+mn-cs"/>
+              </a:defRPr>
+            </a:lvl8pPr>
+            <a:lvl9pPr marL="3886200" indent="-228600" algn="l" defTabSz="914400" rtl="0" eaLnBrk="1" latinLnBrk="0" hangingPunct="1">
+              <a:lnSpc>
+                <a:spcPct val="90000"/>
+              </a:lnSpc>
+              <a:spcBef>
+                <a:spcPts val="500"/>
+              </a:spcBef>
+              <a:buFont typeface="Arial"/>
+              <a:buChar char="•"/>
+              <a:defRPr sz="1800" kern="1200">
+                <a:solidFill>
+                  <a:schemeClr val="tx1"/>
+                </a:solidFill>
+                <a:latin typeface="+mn-lt"/>
+                <a:ea typeface="+mn-ea"/>
+                <a:cs typeface="+mn-cs"/>
+              </a:defRPr>
+            </a:lvl9pPr>
+          </a:lstStyle>
+          <a:p>
+            <a:pPr marL="0" indent="0">
+              <a:buFont typeface="Arial"/>
+              <a:buNone/>
+            </a:pPr>
+            <a:r>
+              <a:rPr lang="en-US" dirty="0" smtClean="0">
+                <a:latin typeface="+mj-lt"/>
+              </a:rPr>
+              <a:t>Output</a:t>
+            </a:r>
+          </a:p>
+          <a:p>
+            <a:pPr marL="0" indent="0">
+              <a:buFont typeface="Arial"/>
+              <a:buNone/>
+            </a:pPr>
+            <a:r>
+              <a:rPr lang="en-US" dirty="0" smtClean="0">
+                <a:latin typeface="+mj-lt"/>
+              </a:rPr>
+              <a:t>Enter Character of Your Choice: a</a:t>
+            </a:r>
+          </a:p>
+          <a:p>
+            <a:pPr marL="0" indent="0">
+              <a:buFont typeface="Arial"/>
+              <a:buNone/>
+            </a:pPr>
+            <a:r>
+              <a:rPr lang="en-US" dirty="0" smtClean="0">
+                <a:latin typeface="+mj-lt"/>
+              </a:rPr>
+              <a:t>The corresponding Char is: A</a:t>
+            </a:r>
+          </a:p>
+          <a:p>
+            <a:pPr marL="0" indent="0">
+              <a:buFont typeface="Arial"/>
+              <a:buNone/>
+            </a:pPr>
+            <a:endParaRPr lang="en-US" dirty="0" smtClean="0">
+              <a:latin typeface="+mj-lt"/>
+            </a:endParaRPr>
+          </a:p>
+          <a:p>
+            <a:pPr marL="0" indent="0">
+              <a:buFont typeface="Arial"/>
+              <a:buNone/>
+            </a:pPr>
+            <a:endParaRPr lang="en-US" dirty="0">
+              <a:latin typeface="+mj-lt"/>
+            </a:endParaRPr>
+          </a:p>
+          <a:p>
+            <a:pPr marL="0" indent="0">
+              <a:buNone/>
+            </a:pPr>
+            <a:r>
+              <a:rPr lang="en-US" dirty="0">
+                <a:latin typeface="+mj-lt"/>
+              </a:rPr>
+              <a:t>Enter Character of Your Choice: </a:t>
+            </a:r>
+            <a:r>
+              <a:rPr lang="en-US" dirty="0" smtClean="0">
+                <a:latin typeface="+mj-lt"/>
+              </a:rPr>
+              <a:t>b</a:t>
+            </a:r>
+            <a:endParaRPr lang="en-US" dirty="0">
+              <a:latin typeface="+mj-lt"/>
+            </a:endParaRPr>
+          </a:p>
+          <a:p>
+            <a:pPr marL="0" indent="0">
+              <a:buNone/>
+            </a:pPr>
+            <a:r>
+              <a:rPr lang="en-US" dirty="0">
+                <a:latin typeface="+mj-lt"/>
+              </a:rPr>
+              <a:t>The corresponding Char is: B</a:t>
+            </a:r>
+          </a:p>
+        </p:txBody>
+      </p:sp>
+    </p:spTree>
+    <p:extLst>
+      <p:ext uri="{BB962C8B-B14F-4D97-AF65-F5344CB8AC3E}">
+        <p14:creationId xmlns:p14="http://schemas.microsoft.com/office/powerpoint/2010/main" val="334134934"/>
+      </p:ext>
+    </p:extLst>
+  </p:cSld>
+  <p:clrMapOvr>
+    <a:masterClrMapping/>
+  </p:clrMapOvr>
+</p:sld>
+</file>
+
+<file path=ppt/slides/slide48.xml><?xml version="1.0" encoding="utf-8"?>
+<p:sld xmlns:a="http://schemas.openxmlformats.org/drawingml/2006/main" xmlns:r="http://schemas.openxmlformats.org/officeDocument/2006/relationships" xmlns:p="http://schemas.openxmlformats.org/presentationml/2006/main">
+  <p:cSld>
+    <p:spTree>
+      <p:nvGrpSpPr>
+        <p:cNvPr id="1" name=""/>
+        <p:cNvGrpSpPr/>
+        <p:nvPr/>
+      </p:nvGrpSpPr>
+      <p:grpSpPr>
+        <a:xfrm>
+          <a:off x="0" y="0"/>
+          <a:ext cx="0" cy="0"/>
+          <a:chOff x="0" y="0"/>
+          <a:chExt cx="0" cy="0"/>
+        </a:xfrm>
+      </p:grpSpPr>
+      <p:sp>
+        <p:nvSpPr>
+          <p:cNvPr id="2" name="Title 1"/>
+          <p:cNvSpPr>
+            <a:spLocks noGrp="1"/>
+          </p:cNvSpPr>
+          <p:nvPr>
+            <p:ph type="title"/>
+          </p:nvPr>
+        </p:nvSpPr>
+        <p:spPr>
+          <a:xfrm>
+            <a:off x="838200" y="179926"/>
+            <a:ext cx="10515600" cy="710640"/>
+          </a:xfrm>
+        </p:spPr>
+        <p:txBody>
+          <a:bodyPr>
+            <a:normAutofit/>
+          </a:bodyPr>
+          <a:lstStyle/>
+          <a:p>
+            <a:r>
+              <a:rPr lang="en-US" sz="3200" b="1" dirty="0" smtClean="0"/>
+              <a:t>String And Pointer</a:t>
+            </a:r>
+            <a:endParaRPr lang="en-US" sz="3200" b="1" dirty="0"/>
+          </a:p>
+        </p:txBody>
+      </p:sp>
+      <p:sp>
+        <p:nvSpPr>
+          <p:cNvPr id="3" name="Content Placeholder 2"/>
+          <p:cNvSpPr>
+            <a:spLocks noGrp="1"/>
+          </p:cNvSpPr>
+          <p:nvPr>
+            <p:ph idx="1"/>
+          </p:nvPr>
+        </p:nvSpPr>
+        <p:spPr>
+          <a:xfrm>
+            <a:off x="838200" y="890566"/>
+            <a:ext cx="10515600" cy="5286397"/>
+          </a:xfrm>
+        </p:spPr>
+        <p:txBody>
+          <a:bodyPr>
+            <a:normAutofit fontScale="92500" lnSpcReduction="20000"/>
+          </a:bodyPr>
+          <a:lstStyle/>
+          <a:p>
+            <a:r>
+              <a:rPr lang="en-US" dirty="0" smtClean="0">
+                <a:latin typeface="+mj-lt"/>
+              </a:rPr>
+              <a:t>As strings are arrays and arrays are closely connected with pointers, we can say that string and pointers are closely related.</a:t>
+            </a:r>
+            <a:r>
+              <a:rPr lang="en-US" dirty="0">
+                <a:latin typeface="+mj-lt"/>
+              </a:rPr>
+              <a:t> </a:t>
+            </a:r>
+            <a:endParaRPr lang="en-US" dirty="0" smtClean="0">
+              <a:latin typeface="+mj-lt"/>
+            </a:endParaRPr>
+          </a:p>
+          <a:p>
+            <a:pPr marL="0" indent="0">
+              <a:buNone/>
+            </a:pPr>
+            <a:r>
+              <a:rPr lang="en-US" b="1" dirty="0" smtClean="0">
+                <a:latin typeface="+mj-lt"/>
+              </a:rPr>
+              <a:t>		char name[5]=“</a:t>
+            </a:r>
+            <a:r>
+              <a:rPr lang="en-US" b="1" dirty="0" err="1" smtClean="0">
+                <a:latin typeface="+mj-lt"/>
+              </a:rPr>
+              <a:t>shyam</a:t>
+            </a:r>
+            <a:r>
+              <a:rPr lang="en-US" b="1" dirty="0" smtClean="0">
+                <a:latin typeface="+mj-lt"/>
+              </a:rPr>
+              <a:t>”;</a:t>
+            </a:r>
+          </a:p>
+          <a:p>
+            <a:pPr marL="0" indent="0">
+              <a:buNone/>
+            </a:pPr>
+            <a:endParaRPr lang="en-US" b="1" dirty="0" smtClean="0">
+              <a:latin typeface="+mj-lt"/>
+            </a:endParaRPr>
+          </a:p>
+          <a:p>
+            <a:r>
+              <a:rPr lang="en-US" dirty="0" smtClean="0">
+                <a:latin typeface="+mj-lt"/>
+              </a:rPr>
+              <a:t>As the string variable name is an array of characters, it is a pointer to the first character of the string and can be used to access and manipulate the characters of the string.</a:t>
+            </a:r>
+          </a:p>
+          <a:p>
+            <a:endParaRPr lang="en-US" dirty="0">
+              <a:latin typeface="+mj-lt"/>
+            </a:endParaRPr>
+          </a:p>
+          <a:p>
+            <a:r>
+              <a:rPr lang="en-US" dirty="0" smtClean="0">
+                <a:latin typeface="+mj-lt"/>
+              </a:rPr>
+              <a:t>When a pointer to char is printed in the format of a string, it will start to print the pointer character and then successive characters until the end of string is reached.</a:t>
+            </a:r>
+          </a:p>
+          <a:p>
+            <a:endParaRPr lang="en-US" dirty="0">
+              <a:latin typeface="+mj-lt"/>
+            </a:endParaRPr>
+          </a:p>
+          <a:p>
+            <a:r>
+              <a:rPr lang="en-US" dirty="0" smtClean="0">
+                <a:latin typeface="+mj-lt"/>
+              </a:rPr>
+              <a:t>Thus name prints “</a:t>
+            </a:r>
+            <a:r>
+              <a:rPr lang="en-US" dirty="0" err="1" smtClean="0">
+                <a:latin typeface="+mj-lt"/>
+              </a:rPr>
+              <a:t>shyam</a:t>
+            </a:r>
+            <a:r>
+              <a:rPr lang="en-US" dirty="0" smtClean="0">
+                <a:latin typeface="+mj-lt"/>
+              </a:rPr>
+              <a:t>”, name+1 prints “</a:t>
+            </a:r>
+            <a:r>
+              <a:rPr lang="en-US" dirty="0" err="1" smtClean="0">
+                <a:latin typeface="+mj-lt"/>
+              </a:rPr>
+              <a:t>hyam</a:t>
+            </a:r>
+            <a:r>
+              <a:rPr lang="en-US" dirty="0" smtClean="0">
+                <a:latin typeface="+mj-lt"/>
+              </a:rPr>
+              <a:t>”, name+2 prints “yam” and so on.</a:t>
+            </a:r>
+          </a:p>
+          <a:p>
+            <a:endParaRPr lang="en-US" dirty="0" smtClean="0">
+              <a:latin typeface="+mj-lt"/>
+            </a:endParaRPr>
+          </a:p>
+        </p:txBody>
+      </p:sp>
+      <p:sp>
+        <p:nvSpPr>
+          <p:cNvPr id="4" name="Date Placeholder 3"/>
+          <p:cNvSpPr>
+            <a:spLocks noGrp="1"/>
+          </p:cNvSpPr>
+          <p:nvPr>
+            <p:ph type="dt" sz="half" idx="10"/>
+          </p:nvPr>
+        </p:nvSpPr>
+        <p:spPr/>
+        <p:txBody>
+          <a:bodyPr/>
+          <a:lstStyle/>
+          <a:p>
+            <a:fld id="{FF7EFB7B-DE71-0E4B-91D4-1D8B25020B15}" type="datetime1">
+              <a:rPr lang="en-US" smtClean="0"/>
+              <a:t>3/20/16</a:t>
+            </a:fld>
+            <a:endParaRPr lang="en-US"/>
+          </a:p>
+        </p:txBody>
+      </p:sp>
+      <p:sp>
+        <p:nvSpPr>
+          <p:cNvPr id="5" name="Footer Placeholder 4"/>
+          <p:cNvSpPr>
+            <a:spLocks noGrp="1"/>
+          </p:cNvSpPr>
+          <p:nvPr>
+            <p:ph type="ftr" sz="quarter" idx="11"/>
+          </p:nvPr>
+        </p:nvSpPr>
+        <p:spPr/>
+        <p:txBody>
+          <a:bodyPr/>
+          <a:lstStyle/>
+          <a:p>
+            <a:r>
+              <a:rPr lang="en-US" smtClean="0"/>
+              <a:t>Ashim Lamichhane</a:t>
+            </a:r>
+            <a:endParaRPr lang="en-US"/>
+          </a:p>
+        </p:txBody>
+      </p:sp>
+      <p:sp>
+        <p:nvSpPr>
+          <p:cNvPr id="6" name="Slide Number Placeholder 5"/>
+          <p:cNvSpPr>
+            <a:spLocks noGrp="1"/>
+          </p:cNvSpPr>
+          <p:nvPr>
+            <p:ph type="sldNum" sz="quarter" idx="12"/>
+          </p:nvPr>
+        </p:nvSpPr>
+        <p:spPr/>
+        <p:txBody>
+          <a:bodyPr/>
+          <a:lstStyle/>
+          <a:p>
+            <a:fld id="{5F6DF98B-7C24-4C4A-9857-F9CABD08DE4C}" type="slidenum">
+              <a:rPr lang="en-US" smtClean="0"/>
+              <a:t>48</a:t>
+            </a:fld>
+            <a:endParaRPr lang="en-US"/>
+          </a:p>
+        </p:txBody>
+      </p:sp>
+    </p:spTree>
+    <p:extLst>
+      <p:ext uri="{BB962C8B-B14F-4D97-AF65-F5344CB8AC3E}">
+        <p14:creationId xmlns:p14="http://schemas.microsoft.com/office/powerpoint/2010/main" val="1201158515"/>
+      </p:ext>
+    </p:extLst>
+  </p:cSld>
+  <p:clrMapOvr>
+    <a:masterClrMapping/>
+  </p:clrMapOvr>
+</p:sld>
+</file>
+
+<file path=ppt/slides/slide49.xml><?xml version="1.0" encoding="utf-8"?>
+<p:sld xmlns:a="http://schemas.openxmlformats.org/drawingml/2006/main" xmlns:r="http://schemas.openxmlformats.org/officeDocument/2006/relationships" xmlns:p="http://schemas.openxmlformats.org/presentationml/2006/main">
+  <p:cSld>
+    <p:spTree>
+      <p:nvGrpSpPr>
+        <p:cNvPr id="1" name=""/>
+        <p:cNvGrpSpPr/>
+        <p:nvPr/>
+      </p:nvGrpSpPr>
+      <p:grpSpPr>
+        <a:xfrm>
+          <a:off x="0" y="0"/>
+          <a:ext cx="0" cy="0"/>
+          <a:chOff x="0" y="0"/>
+          <a:chExt cx="0" cy="0"/>
+        </a:xfrm>
+      </p:grpSpPr>
+      <p:sp>
+        <p:nvSpPr>
+          <p:cNvPr id="2" name="Title 1"/>
+          <p:cNvSpPr>
+            <a:spLocks noGrp="1"/>
+          </p:cNvSpPr>
+          <p:nvPr>
+            <p:ph type="title"/>
+          </p:nvPr>
+        </p:nvSpPr>
+        <p:spPr>
+          <a:xfrm>
+            <a:off x="838200" y="272526"/>
+            <a:ext cx="10515600" cy="710640"/>
+          </a:xfrm>
+        </p:spPr>
+        <p:txBody>
+          <a:bodyPr>
+            <a:normAutofit/>
+          </a:bodyPr>
+          <a:lstStyle/>
+          <a:p>
+            <a:r>
+              <a:rPr lang="en-US" sz="3200" b="1" dirty="0" smtClean="0"/>
+              <a:t>Dynamic memory allocation (DMA)</a:t>
+            </a:r>
+            <a:endParaRPr lang="en-US" sz="3200" b="1" dirty="0"/>
+          </a:p>
+        </p:txBody>
+      </p:sp>
+      <p:sp>
+        <p:nvSpPr>
+          <p:cNvPr id="3" name="Content Placeholder 2"/>
+          <p:cNvSpPr>
+            <a:spLocks noGrp="1"/>
+          </p:cNvSpPr>
+          <p:nvPr>
+            <p:ph idx="1"/>
+          </p:nvPr>
+        </p:nvSpPr>
+        <p:spPr>
+          <a:xfrm>
+            <a:off x="838200" y="1111170"/>
+            <a:ext cx="10515600" cy="5065793"/>
+          </a:xfrm>
+        </p:spPr>
+        <p:txBody>
+          <a:bodyPr/>
+          <a:lstStyle/>
+          <a:p>
+            <a:endParaRPr lang="en-US" dirty="0">
+              <a:latin typeface="+mj-lt"/>
+            </a:endParaRPr>
+          </a:p>
+        </p:txBody>
+      </p:sp>
+      <p:sp>
+        <p:nvSpPr>
+          <p:cNvPr id="4" name="Date Placeholder 3"/>
+          <p:cNvSpPr>
+            <a:spLocks noGrp="1"/>
+          </p:cNvSpPr>
+          <p:nvPr>
+            <p:ph type="dt" sz="half" idx="10"/>
+          </p:nvPr>
+        </p:nvSpPr>
+        <p:spPr/>
+        <p:txBody>
+          <a:bodyPr/>
+          <a:lstStyle/>
+          <a:p>
+            <a:fld id="{FF7EFB7B-DE71-0E4B-91D4-1D8B25020B15}" type="datetime1">
+              <a:rPr lang="en-US" smtClean="0"/>
+              <a:t>3/21/16</a:t>
+            </a:fld>
+            <a:endParaRPr lang="en-US"/>
+          </a:p>
+        </p:txBody>
+      </p:sp>
+      <p:sp>
+        <p:nvSpPr>
+          <p:cNvPr id="5" name="Footer Placeholder 4"/>
+          <p:cNvSpPr>
+            <a:spLocks noGrp="1"/>
+          </p:cNvSpPr>
+          <p:nvPr>
+            <p:ph type="ftr" sz="quarter" idx="11"/>
+          </p:nvPr>
+        </p:nvSpPr>
+        <p:spPr/>
+        <p:txBody>
+          <a:bodyPr/>
+          <a:lstStyle/>
+          <a:p>
+            <a:r>
+              <a:rPr lang="en-US" smtClean="0"/>
+              <a:t>Ashim Lamichhane</a:t>
+            </a:r>
+            <a:endParaRPr lang="en-US"/>
+          </a:p>
+        </p:txBody>
+      </p:sp>
+      <p:sp>
+        <p:nvSpPr>
+          <p:cNvPr id="6" name="Slide Number Placeholder 5"/>
+          <p:cNvSpPr>
+            <a:spLocks noGrp="1"/>
+          </p:cNvSpPr>
+          <p:nvPr>
+            <p:ph type="sldNum" sz="quarter" idx="12"/>
+          </p:nvPr>
+        </p:nvSpPr>
+        <p:spPr/>
+        <p:txBody>
+          <a:bodyPr/>
+          <a:lstStyle/>
+          <a:p>
+            <a:fld id="{5F6DF98B-7C24-4C4A-9857-F9CABD08DE4C}" type="slidenum">
+              <a:rPr lang="en-US" smtClean="0"/>
+              <a:t>49</a:t>
+            </a:fld>
+            <a:endParaRPr lang="en-US"/>
+          </a:p>
+        </p:txBody>
+      </p:sp>
+    </p:spTree>
+    <p:extLst>
+      <p:ext uri="{BB962C8B-B14F-4D97-AF65-F5344CB8AC3E}">
+        <p14:creationId xmlns:p14="http://schemas.microsoft.com/office/powerpoint/2010/main" val="825386513"/>
       </p:ext>
     </p:extLst>
   </p:cSld>
@@ -22446,7 +26867,7 @@
           <a:p>
             <a:fld id="{D60F355B-B081-7348-9FD0-DB378FD709E6}" type="datetime1">
               <a:rPr lang="en-US" smtClean="0"/>
-              <a:t>3/16/16</a:t>
+              <a:t>3/20/16</a:t>
             </a:fld>
             <a:endParaRPr lang="en-US"/>
           </a:p>
@@ -22502,6 +26923,612 @@
     <p:extLst>
       <p:ext uri="{BB962C8B-B14F-4D97-AF65-F5344CB8AC3E}">
         <p14:creationId xmlns:p14="http://schemas.microsoft.com/office/powerpoint/2010/main" val="985213140"/>
+      </p:ext>
+    </p:extLst>
+  </p:cSld>
+  <p:clrMapOvr>
+    <a:masterClrMapping/>
+  </p:clrMapOvr>
+</p:sld>
+</file>
+
+<file path=ppt/slides/slide50.xml><?xml version="1.0" encoding="utf-8"?>
+<p:sld xmlns:a="http://schemas.openxmlformats.org/drawingml/2006/main" xmlns:r="http://schemas.openxmlformats.org/officeDocument/2006/relationships" xmlns:p="http://schemas.openxmlformats.org/presentationml/2006/main">
+  <p:cSld>
+    <p:spTree>
+      <p:nvGrpSpPr>
+        <p:cNvPr id="1" name=""/>
+        <p:cNvGrpSpPr/>
+        <p:nvPr/>
+      </p:nvGrpSpPr>
+      <p:grpSpPr>
+        <a:xfrm>
+          <a:off x="0" y="0"/>
+          <a:ext cx="0" cy="0"/>
+          <a:chOff x="0" y="0"/>
+          <a:chExt cx="0" cy="0"/>
+        </a:xfrm>
+      </p:grpSpPr>
+      <p:sp>
+        <p:nvSpPr>
+          <p:cNvPr id="2" name="Title 1"/>
+          <p:cNvSpPr>
+            <a:spLocks noGrp="1"/>
+          </p:cNvSpPr>
+          <p:nvPr>
+            <p:ph type="title"/>
+          </p:nvPr>
+        </p:nvSpPr>
+        <p:spPr>
+          <a:xfrm>
+            <a:off x="838200" y="365126"/>
+            <a:ext cx="10515600" cy="710640"/>
+          </a:xfrm>
+        </p:spPr>
+        <p:txBody>
+          <a:bodyPr>
+            <a:normAutofit/>
+          </a:bodyPr>
+          <a:lstStyle/>
+          <a:p>
+            <a:endParaRPr lang="en-US" sz="3200" b="1" dirty="0"/>
+          </a:p>
+        </p:txBody>
+      </p:sp>
+      <p:sp>
+        <p:nvSpPr>
+          <p:cNvPr id="3" name="Content Placeholder 2"/>
+          <p:cNvSpPr>
+            <a:spLocks noGrp="1"/>
+          </p:cNvSpPr>
+          <p:nvPr>
+            <p:ph idx="1"/>
+          </p:nvPr>
+        </p:nvSpPr>
+        <p:spPr>
+          <a:xfrm>
+            <a:off x="838200" y="1237129"/>
+            <a:ext cx="10515600" cy="4939834"/>
+          </a:xfrm>
+        </p:spPr>
+        <p:txBody>
+          <a:bodyPr/>
+          <a:lstStyle/>
+          <a:p>
+            <a:endParaRPr lang="en-US" dirty="0">
+              <a:latin typeface="+mj-lt"/>
+            </a:endParaRPr>
+          </a:p>
+        </p:txBody>
+      </p:sp>
+      <p:sp>
+        <p:nvSpPr>
+          <p:cNvPr id="4" name="Date Placeholder 3"/>
+          <p:cNvSpPr>
+            <a:spLocks noGrp="1"/>
+          </p:cNvSpPr>
+          <p:nvPr>
+            <p:ph type="dt" sz="half" idx="10"/>
+          </p:nvPr>
+        </p:nvSpPr>
+        <p:spPr/>
+        <p:txBody>
+          <a:bodyPr/>
+          <a:lstStyle/>
+          <a:p>
+            <a:fld id="{FF7EFB7B-DE71-0E4B-91D4-1D8B25020B15}" type="datetime1">
+              <a:rPr lang="en-US" smtClean="0"/>
+              <a:t>3/21/16</a:t>
+            </a:fld>
+            <a:endParaRPr lang="en-US"/>
+          </a:p>
+        </p:txBody>
+      </p:sp>
+      <p:sp>
+        <p:nvSpPr>
+          <p:cNvPr id="5" name="Footer Placeholder 4"/>
+          <p:cNvSpPr>
+            <a:spLocks noGrp="1"/>
+          </p:cNvSpPr>
+          <p:nvPr>
+            <p:ph type="ftr" sz="quarter" idx="11"/>
+          </p:nvPr>
+        </p:nvSpPr>
+        <p:spPr/>
+        <p:txBody>
+          <a:bodyPr/>
+          <a:lstStyle/>
+          <a:p>
+            <a:r>
+              <a:rPr lang="en-US" smtClean="0"/>
+              <a:t>Ashim Lamichhane</a:t>
+            </a:r>
+            <a:endParaRPr lang="en-US"/>
+          </a:p>
+        </p:txBody>
+      </p:sp>
+      <p:sp>
+        <p:nvSpPr>
+          <p:cNvPr id="6" name="Slide Number Placeholder 5"/>
+          <p:cNvSpPr>
+            <a:spLocks noGrp="1"/>
+          </p:cNvSpPr>
+          <p:nvPr>
+            <p:ph type="sldNum" sz="quarter" idx="12"/>
+          </p:nvPr>
+        </p:nvSpPr>
+        <p:spPr/>
+        <p:txBody>
+          <a:bodyPr/>
+          <a:lstStyle/>
+          <a:p>
+            <a:fld id="{5F6DF98B-7C24-4C4A-9857-F9CABD08DE4C}" type="slidenum">
+              <a:rPr lang="en-US" smtClean="0"/>
+              <a:t>50</a:t>
+            </a:fld>
+            <a:endParaRPr lang="en-US"/>
+          </a:p>
+        </p:txBody>
+      </p:sp>
+    </p:spTree>
+    <p:extLst>
+      <p:ext uri="{BB962C8B-B14F-4D97-AF65-F5344CB8AC3E}">
+        <p14:creationId xmlns:p14="http://schemas.microsoft.com/office/powerpoint/2010/main" val="161675003"/>
+      </p:ext>
+    </p:extLst>
+  </p:cSld>
+  <p:clrMapOvr>
+    <a:masterClrMapping/>
+  </p:clrMapOvr>
+</p:sld>
+</file>
+
+<file path=ppt/slides/slide51.xml><?xml version="1.0" encoding="utf-8"?>
+<p:sld xmlns:a="http://schemas.openxmlformats.org/drawingml/2006/main" xmlns:r="http://schemas.openxmlformats.org/officeDocument/2006/relationships" xmlns:p="http://schemas.openxmlformats.org/presentationml/2006/main">
+  <p:cSld>
+    <p:spTree>
+      <p:nvGrpSpPr>
+        <p:cNvPr id="1" name=""/>
+        <p:cNvGrpSpPr/>
+        <p:nvPr/>
+      </p:nvGrpSpPr>
+      <p:grpSpPr>
+        <a:xfrm>
+          <a:off x="0" y="0"/>
+          <a:ext cx="0" cy="0"/>
+          <a:chOff x="0" y="0"/>
+          <a:chExt cx="0" cy="0"/>
+        </a:xfrm>
+      </p:grpSpPr>
+      <p:sp>
+        <p:nvSpPr>
+          <p:cNvPr id="2" name="Title 1"/>
+          <p:cNvSpPr>
+            <a:spLocks noGrp="1"/>
+          </p:cNvSpPr>
+          <p:nvPr>
+            <p:ph type="title"/>
+          </p:nvPr>
+        </p:nvSpPr>
+        <p:spPr>
+          <a:xfrm>
+            <a:off x="838200" y="365126"/>
+            <a:ext cx="10515600" cy="710640"/>
+          </a:xfrm>
+        </p:spPr>
+        <p:txBody>
+          <a:bodyPr>
+            <a:normAutofit/>
+          </a:bodyPr>
+          <a:lstStyle/>
+          <a:p>
+            <a:endParaRPr lang="en-US" sz="3200" b="1" dirty="0"/>
+          </a:p>
+        </p:txBody>
+      </p:sp>
+      <p:sp>
+        <p:nvSpPr>
+          <p:cNvPr id="3" name="Content Placeholder 2"/>
+          <p:cNvSpPr>
+            <a:spLocks noGrp="1"/>
+          </p:cNvSpPr>
+          <p:nvPr>
+            <p:ph idx="1"/>
+          </p:nvPr>
+        </p:nvSpPr>
+        <p:spPr>
+          <a:xfrm>
+            <a:off x="838200" y="1237129"/>
+            <a:ext cx="10515600" cy="4939834"/>
+          </a:xfrm>
+        </p:spPr>
+        <p:txBody>
+          <a:bodyPr/>
+          <a:lstStyle/>
+          <a:p>
+            <a:endParaRPr lang="en-US" dirty="0">
+              <a:latin typeface="+mj-lt"/>
+            </a:endParaRPr>
+          </a:p>
+        </p:txBody>
+      </p:sp>
+      <p:sp>
+        <p:nvSpPr>
+          <p:cNvPr id="4" name="Date Placeholder 3"/>
+          <p:cNvSpPr>
+            <a:spLocks noGrp="1"/>
+          </p:cNvSpPr>
+          <p:nvPr>
+            <p:ph type="dt" sz="half" idx="10"/>
+          </p:nvPr>
+        </p:nvSpPr>
+        <p:spPr/>
+        <p:txBody>
+          <a:bodyPr/>
+          <a:lstStyle/>
+          <a:p>
+            <a:fld id="{FF7EFB7B-DE71-0E4B-91D4-1D8B25020B15}" type="datetime1">
+              <a:rPr lang="en-US" smtClean="0"/>
+              <a:t>3/21/16</a:t>
+            </a:fld>
+            <a:endParaRPr lang="en-US"/>
+          </a:p>
+        </p:txBody>
+      </p:sp>
+      <p:sp>
+        <p:nvSpPr>
+          <p:cNvPr id="5" name="Footer Placeholder 4"/>
+          <p:cNvSpPr>
+            <a:spLocks noGrp="1"/>
+          </p:cNvSpPr>
+          <p:nvPr>
+            <p:ph type="ftr" sz="quarter" idx="11"/>
+          </p:nvPr>
+        </p:nvSpPr>
+        <p:spPr/>
+        <p:txBody>
+          <a:bodyPr/>
+          <a:lstStyle/>
+          <a:p>
+            <a:r>
+              <a:rPr lang="en-US" smtClean="0"/>
+              <a:t>Ashim Lamichhane</a:t>
+            </a:r>
+            <a:endParaRPr lang="en-US"/>
+          </a:p>
+        </p:txBody>
+      </p:sp>
+      <p:sp>
+        <p:nvSpPr>
+          <p:cNvPr id="6" name="Slide Number Placeholder 5"/>
+          <p:cNvSpPr>
+            <a:spLocks noGrp="1"/>
+          </p:cNvSpPr>
+          <p:nvPr>
+            <p:ph type="sldNum" sz="quarter" idx="12"/>
+          </p:nvPr>
+        </p:nvSpPr>
+        <p:spPr/>
+        <p:txBody>
+          <a:bodyPr/>
+          <a:lstStyle/>
+          <a:p>
+            <a:fld id="{5F6DF98B-7C24-4C4A-9857-F9CABD08DE4C}" type="slidenum">
+              <a:rPr lang="en-US" smtClean="0"/>
+              <a:t>51</a:t>
+            </a:fld>
+            <a:endParaRPr lang="en-US"/>
+          </a:p>
+        </p:txBody>
+      </p:sp>
+    </p:spTree>
+    <p:extLst>
+      <p:ext uri="{BB962C8B-B14F-4D97-AF65-F5344CB8AC3E}">
+        <p14:creationId xmlns:p14="http://schemas.microsoft.com/office/powerpoint/2010/main" val="976405107"/>
+      </p:ext>
+    </p:extLst>
+  </p:cSld>
+  <p:clrMapOvr>
+    <a:masterClrMapping/>
+  </p:clrMapOvr>
+</p:sld>
+</file>
+
+<file path=ppt/slides/slide52.xml><?xml version="1.0" encoding="utf-8"?>
+<p:sld xmlns:a="http://schemas.openxmlformats.org/drawingml/2006/main" xmlns:r="http://schemas.openxmlformats.org/officeDocument/2006/relationships" xmlns:p="http://schemas.openxmlformats.org/presentationml/2006/main">
+  <p:cSld>
+    <p:spTree>
+      <p:nvGrpSpPr>
+        <p:cNvPr id="1" name=""/>
+        <p:cNvGrpSpPr/>
+        <p:nvPr/>
+      </p:nvGrpSpPr>
+      <p:grpSpPr>
+        <a:xfrm>
+          <a:off x="0" y="0"/>
+          <a:ext cx="0" cy="0"/>
+          <a:chOff x="0" y="0"/>
+          <a:chExt cx="0" cy="0"/>
+        </a:xfrm>
+      </p:grpSpPr>
+      <p:sp>
+        <p:nvSpPr>
+          <p:cNvPr id="2" name="Title 1"/>
+          <p:cNvSpPr>
+            <a:spLocks noGrp="1"/>
+          </p:cNvSpPr>
+          <p:nvPr>
+            <p:ph type="title"/>
+          </p:nvPr>
+        </p:nvSpPr>
+        <p:spPr>
+          <a:xfrm>
+            <a:off x="838200" y="365126"/>
+            <a:ext cx="10515600" cy="710640"/>
+          </a:xfrm>
+        </p:spPr>
+        <p:txBody>
+          <a:bodyPr>
+            <a:normAutofit/>
+          </a:bodyPr>
+          <a:lstStyle/>
+          <a:p>
+            <a:endParaRPr lang="en-US" sz="3200" b="1" dirty="0"/>
+          </a:p>
+        </p:txBody>
+      </p:sp>
+      <p:sp>
+        <p:nvSpPr>
+          <p:cNvPr id="3" name="Content Placeholder 2"/>
+          <p:cNvSpPr>
+            <a:spLocks noGrp="1"/>
+          </p:cNvSpPr>
+          <p:nvPr>
+            <p:ph idx="1"/>
+          </p:nvPr>
+        </p:nvSpPr>
+        <p:spPr>
+          <a:xfrm>
+            <a:off x="838200" y="1237129"/>
+            <a:ext cx="10515600" cy="4939834"/>
+          </a:xfrm>
+        </p:spPr>
+        <p:txBody>
+          <a:bodyPr/>
+          <a:lstStyle/>
+          <a:p>
+            <a:endParaRPr lang="en-US" dirty="0">
+              <a:latin typeface="+mj-lt"/>
+            </a:endParaRPr>
+          </a:p>
+        </p:txBody>
+      </p:sp>
+      <p:sp>
+        <p:nvSpPr>
+          <p:cNvPr id="4" name="Date Placeholder 3"/>
+          <p:cNvSpPr>
+            <a:spLocks noGrp="1"/>
+          </p:cNvSpPr>
+          <p:nvPr>
+            <p:ph type="dt" sz="half" idx="10"/>
+          </p:nvPr>
+        </p:nvSpPr>
+        <p:spPr/>
+        <p:txBody>
+          <a:bodyPr/>
+          <a:lstStyle/>
+          <a:p>
+            <a:fld id="{FF7EFB7B-DE71-0E4B-91D4-1D8B25020B15}" type="datetime1">
+              <a:rPr lang="en-US" smtClean="0"/>
+              <a:t>3/20/16</a:t>
+            </a:fld>
+            <a:endParaRPr lang="en-US"/>
+          </a:p>
+        </p:txBody>
+      </p:sp>
+      <p:sp>
+        <p:nvSpPr>
+          <p:cNvPr id="5" name="Footer Placeholder 4"/>
+          <p:cNvSpPr>
+            <a:spLocks noGrp="1"/>
+          </p:cNvSpPr>
+          <p:nvPr>
+            <p:ph type="ftr" sz="quarter" idx="11"/>
+          </p:nvPr>
+        </p:nvSpPr>
+        <p:spPr/>
+        <p:txBody>
+          <a:bodyPr/>
+          <a:lstStyle/>
+          <a:p>
+            <a:r>
+              <a:rPr lang="en-US" smtClean="0"/>
+              <a:t>Ashim Lamichhane</a:t>
+            </a:r>
+            <a:endParaRPr lang="en-US"/>
+          </a:p>
+        </p:txBody>
+      </p:sp>
+      <p:sp>
+        <p:nvSpPr>
+          <p:cNvPr id="6" name="Slide Number Placeholder 5"/>
+          <p:cNvSpPr>
+            <a:spLocks noGrp="1"/>
+          </p:cNvSpPr>
+          <p:nvPr>
+            <p:ph type="sldNum" sz="quarter" idx="12"/>
+          </p:nvPr>
+        </p:nvSpPr>
+        <p:spPr/>
+        <p:txBody>
+          <a:bodyPr/>
+          <a:lstStyle/>
+          <a:p>
+            <a:fld id="{5F6DF98B-7C24-4C4A-9857-F9CABD08DE4C}" type="slidenum">
+              <a:rPr lang="en-US" smtClean="0"/>
+              <a:t>52</a:t>
+            </a:fld>
+            <a:endParaRPr lang="en-US"/>
+          </a:p>
+        </p:txBody>
+      </p:sp>
+    </p:spTree>
+    <p:extLst>
+      <p:ext uri="{BB962C8B-B14F-4D97-AF65-F5344CB8AC3E}">
+        <p14:creationId xmlns:p14="http://schemas.microsoft.com/office/powerpoint/2010/main" val="1239879412"/>
+      </p:ext>
+    </p:extLst>
+  </p:cSld>
+  <p:clrMapOvr>
+    <a:masterClrMapping/>
+  </p:clrMapOvr>
+</p:sld>
+</file>
+
+<file path=ppt/slides/slide53.xml><?xml version="1.0" encoding="utf-8"?>
+<p:sld xmlns:a="http://schemas.openxmlformats.org/drawingml/2006/main" xmlns:r="http://schemas.openxmlformats.org/officeDocument/2006/relationships" xmlns:p="http://schemas.openxmlformats.org/presentationml/2006/main">
+  <p:cSld>
+    <p:spTree>
+      <p:nvGrpSpPr>
+        <p:cNvPr id="1" name=""/>
+        <p:cNvGrpSpPr/>
+        <p:nvPr/>
+      </p:nvGrpSpPr>
+      <p:grpSpPr>
+        <a:xfrm>
+          <a:off x="0" y="0"/>
+          <a:ext cx="0" cy="0"/>
+          <a:chOff x="0" y="0"/>
+          <a:chExt cx="0" cy="0"/>
+        </a:xfrm>
+      </p:grpSpPr>
+      <p:sp>
+        <p:nvSpPr>
+          <p:cNvPr id="2" name="Title 1"/>
+          <p:cNvSpPr>
+            <a:spLocks noGrp="1"/>
+          </p:cNvSpPr>
+          <p:nvPr>
+            <p:ph type="title"/>
+          </p:nvPr>
+        </p:nvSpPr>
+        <p:spPr>
+          <a:xfrm>
+            <a:off x="838200" y="365126"/>
+            <a:ext cx="10515600" cy="710640"/>
+          </a:xfrm>
+        </p:spPr>
+        <p:txBody>
+          <a:bodyPr>
+            <a:normAutofit/>
+          </a:bodyPr>
+          <a:lstStyle/>
+          <a:p>
+            <a:r>
+              <a:rPr lang="en-US" sz="3200" dirty="0" smtClean="0"/>
+              <a:t>Reference</a:t>
+            </a:r>
+            <a:endParaRPr lang="en-US" sz="3200" dirty="0"/>
+          </a:p>
+        </p:txBody>
+      </p:sp>
+      <p:sp>
+        <p:nvSpPr>
+          <p:cNvPr id="3" name="Content Placeholder 2"/>
+          <p:cNvSpPr>
+            <a:spLocks noGrp="1"/>
+          </p:cNvSpPr>
+          <p:nvPr>
+            <p:ph idx="1"/>
+          </p:nvPr>
+        </p:nvSpPr>
+        <p:spPr>
+          <a:xfrm>
+            <a:off x="838200" y="1237129"/>
+            <a:ext cx="10515600" cy="4939834"/>
+          </a:xfrm>
+        </p:spPr>
+        <p:txBody>
+          <a:bodyPr/>
+          <a:lstStyle/>
+          <a:p>
+            <a:endParaRPr lang="en-US" dirty="0"/>
+          </a:p>
+        </p:txBody>
+      </p:sp>
+      <p:sp>
+        <p:nvSpPr>
+          <p:cNvPr id="4" name="Date Placeholder 3"/>
+          <p:cNvSpPr>
+            <a:spLocks noGrp="1"/>
+          </p:cNvSpPr>
+          <p:nvPr>
+            <p:ph type="dt" sz="half" idx="10"/>
+          </p:nvPr>
+        </p:nvSpPr>
+        <p:spPr/>
+        <p:txBody>
+          <a:bodyPr/>
+          <a:lstStyle/>
+          <a:p>
+            <a:fld id="{BBE37247-352C-674D-B1C3-0748BF09BE88}" type="datetime1">
+              <a:rPr lang="en-US" smtClean="0"/>
+              <a:t>3/20/16</a:t>
+            </a:fld>
+            <a:endParaRPr lang="en-US"/>
+          </a:p>
+        </p:txBody>
+      </p:sp>
+      <p:sp>
+        <p:nvSpPr>
+          <p:cNvPr id="5" name="Footer Placeholder 4"/>
+          <p:cNvSpPr>
+            <a:spLocks noGrp="1"/>
+          </p:cNvSpPr>
+          <p:nvPr>
+            <p:ph type="ftr" sz="quarter" idx="11"/>
+          </p:nvPr>
+        </p:nvSpPr>
+        <p:spPr/>
+        <p:txBody>
+          <a:bodyPr/>
+          <a:lstStyle/>
+          <a:p>
+            <a:r>
+              <a:rPr lang="en-US" smtClean="0"/>
+              <a:t>Ashim Lamichhane</a:t>
+            </a:r>
+            <a:endParaRPr lang="en-US"/>
+          </a:p>
+        </p:txBody>
+      </p:sp>
+      <p:sp>
+        <p:nvSpPr>
+          <p:cNvPr id="6" name="Slide Number Placeholder 5"/>
+          <p:cNvSpPr>
+            <a:spLocks noGrp="1"/>
+          </p:cNvSpPr>
+          <p:nvPr>
+            <p:ph type="sldNum" sz="quarter" idx="12"/>
+          </p:nvPr>
+        </p:nvSpPr>
+        <p:spPr/>
+        <p:txBody>
+          <a:bodyPr/>
+          <a:lstStyle/>
+          <a:p>
+            <a:fld id="{5F6DF98B-7C24-4C4A-9857-F9CABD08DE4C}" type="slidenum">
+              <a:rPr lang="en-US" smtClean="0"/>
+              <a:t>53</a:t>
+            </a:fld>
+            <a:endParaRPr lang="en-US"/>
+          </a:p>
+        </p:txBody>
+      </p:sp>
+    </p:spTree>
+    <p:extLst>
+      <p:ext uri="{BB962C8B-B14F-4D97-AF65-F5344CB8AC3E}">
+        <p14:creationId xmlns:p14="http://schemas.microsoft.com/office/powerpoint/2010/main" val="1548034247"/>
       </p:ext>
     </p:extLst>
   </p:cSld>
@@ -22545,7 +27572,7 @@
           <a:p>
             <a:fld id="{D60F355B-B081-7348-9FD0-DB378FD709E6}" type="datetime1">
               <a:rPr lang="en-US" smtClean="0"/>
-              <a:t>3/16/16</a:t>
+              <a:t>3/20/16</a:t>
             </a:fld>
             <a:endParaRPr lang="en-US"/>
           </a:p>
@@ -23707,7 +28734,7 @@
           <a:p>
             <a:fld id="{D60F355B-B081-7348-9FD0-DB378FD709E6}" type="datetime1">
               <a:rPr lang="en-US" smtClean="0"/>
-              <a:t>3/16/16</a:t>
+              <a:t>3/20/16</a:t>
             </a:fld>
             <a:endParaRPr lang="en-US"/>
           </a:p>
@@ -24041,7 +29068,7 @@
           <a:p>
             <a:fld id="{D60F355B-B081-7348-9FD0-DB378FD709E6}" type="datetime1">
               <a:rPr lang="en-US" smtClean="0"/>
-              <a:t>3/16/16</a:t>
+              <a:t>3/20/16</a:t>
             </a:fld>
             <a:endParaRPr lang="en-US"/>
           </a:p>
@@ -24249,7 +29276,7 @@
           <a:p>
             <a:fld id="{D60F355B-B081-7348-9FD0-DB378FD709E6}" type="datetime1">
               <a:rPr lang="en-US" smtClean="0"/>
-              <a:t>3/16/16</a:t>
+              <a:t>3/20/16</a:t>
             </a:fld>
             <a:endParaRPr lang="en-US"/>
           </a:p>

--- a/Unit 8/pointer.pptx
+++ b/Unit 8/pointer.pptx
@@ -5,7 +5,7 @@
     <p:sldMasterId id="2147483648" r:id="rId1"/>
   </p:sldMasterIdLst>
   <p:notesMasterIdLst>
-    <p:notesMasterId r:id="rId55"/>
+    <p:notesMasterId r:id="rId62"/>
   </p:notesMasterIdLst>
   <p:sldIdLst>
     <p:sldId id="256" r:id="rId2"/>
@@ -59,8 +59,15 @@
     <p:sldId id="333" r:id="rId50"/>
     <p:sldId id="334" r:id="rId51"/>
     <p:sldId id="335" r:id="rId52"/>
-    <p:sldId id="318" r:id="rId53"/>
-    <p:sldId id="275" r:id="rId54"/>
+    <p:sldId id="336" r:id="rId53"/>
+    <p:sldId id="337" r:id="rId54"/>
+    <p:sldId id="338" r:id="rId55"/>
+    <p:sldId id="339" r:id="rId56"/>
+    <p:sldId id="318" r:id="rId57"/>
+    <p:sldId id="342" r:id="rId58"/>
+    <p:sldId id="340" r:id="rId59"/>
+    <p:sldId id="341" r:id="rId60"/>
+    <p:sldId id="275" r:id="rId61"/>
   </p:sldIdLst>
   <p:sldSz cx="12192000" cy="6858000"/>
   <p:notesSz cx="6858000" cy="9144000"/>
@@ -249,7 +256,7 @@
           <a:p>
             <a:fld id="{6A1B6C08-A0D3-D74B-9414-6FC7F6BF3615}" type="datetimeFigureOut">
               <a:rPr lang="en-US" smtClean="0"/>
-              <a:t>3/20/16</a:t>
+              <a:t>3/23/16</a:t>
             </a:fld>
             <a:endParaRPr lang="en-US"/>
           </a:p>
@@ -648,7 +655,7 @@
           <a:p>
             <a:fld id="{586CA0A1-9EE8-D947-A1AE-F0369F7FBD0D}" type="datetime1">
               <a:rPr lang="en-US" smtClean="0"/>
-              <a:t>3/20/16</a:t>
+              <a:t>3/23/16</a:t>
             </a:fld>
             <a:endParaRPr lang="en-US"/>
           </a:p>
@@ -822,7 +829,7 @@
           <a:p>
             <a:fld id="{80AD334C-BD37-FA4C-8E42-B5F2C547F21A}" type="datetime1">
               <a:rPr lang="en-US" smtClean="0"/>
-              <a:t>3/20/16</a:t>
+              <a:t>3/23/16</a:t>
             </a:fld>
             <a:endParaRPr lang="en-US"/>
           </a:p>
@@ -1006,7 +1013,7 @@
           <a:p>
             <a:fld id="{610530A4-50EA-E74F-B2A7-33E3E40F0CA2}" type="datetime1">
               <a:rPr lang="en-US" smtClean="0"/>
-              <a:t>3/20/16</a:t>
+              <a:t>3/23/16</a:t>
             </a:fld>
             <a:endParaRPr lang="en-US"/>
           </a:p>
@@ -1180,7 +1187,7 @@
           <a:p>
             <a:fld id="{E5BE7D36-82F8-D141-9C5E-D53A4D497145}" type="datetime1">
               <a:rPr lang="en-US" smtClean="0"/>
-              <a:t>3/20/16</a:t>
+              <a:t>3/23/16</a:t>
             </a:fld>
             <a:endParaRPr lang="en-US"/>
           </a:p>
@@ -1430,7 +1437,7 @@
           <a:p>
             <a:fld id="{767730B6-83E6-5749-85F8-DD91F5393B9D}" type="datetime1">
               <a:rPr lang="en-US" smtClean="0"/>
-              <a:t>3/20/16</a:t>
+              <a:t>3/23/16</a:t>
             </a:fld>
             <a:endParaRPr lang="en-US"/>
           </a:p>
@@ -1666,7 +1673,7 @@
           <a:p>
             <a:fld id="{756D51F4-7346-174A-BE2E-0D8F77BA6B63}" type="datetime1">
               <a:rPr lang="en-US" smtClean="0"/>
-              <a:t>3/20/16</a:t>
+              <a:t>3/23/16</a:t>
             </a:fld>
             <a:endParaRPr lang="en-US"/>
           </a:p>
@@ -2037,7 +2044,7 @@
           <a:p>
             <a:fld id="{0157896D-7122-AD44-9270-24E05AD3A1F2}" type="datetime1">
               <a:rPr lang="en-US" smtClean="0"/>
-              <a:t>3/20/16</a:t>
+              <a:t>3/23/16</a:t>
             </a:fld>
             <a:endParaRPr lang="en-US"/>
           </a:p>
@@ -2159,7 +2166,7 @@
           <a:p>
             <a:fld id="{A4285A25-C949-FC43-B87A-2DF92D8E25ED}" type="datetime1">
               <a:rPr lang="en-US" smtClean="0"/>
-              <a:t>3/20/16</a:t>
+              <a:t>3/23/16</a:t>
             </a:fld>
             <a:endParaRPr lang="en-US"/>
           </a:p>
@@ -2258,7 +2265,7 @@
           <a:p>
             <a:fld id="{82D66296-C513-CD47-94EB-72C87AFCE344}" type="datetime1">
               <a:rPr lang="en-US" smtClean="0"/>
-              <a:t>3/20/16</a:t>
+              <a:t>3/23/16</a:t>
             </a:fld>
             <a:endParaRPr lang="en-US"/>
           </a:p>
@@ -2539,7 +2546,7 @@
           <a:p>
             <a:fld id="{46C12CBD-222B-0A4D-81E1-2423A2D55605}" type="datetime1">
               <a:rPr lang="en-US" smtClean="0"/>
-              <a:t>3/20/16</a:t>
+              <a:t>3/23/16</a:t>
             </a:fld>
             <a:endParaRPr lang="en-US"/>
           </a:p>
@@ -2796,7 +2803,7 @@
           <a:p>
             <a:fld id="{3F685F27-7C40-1448-9E50-A80B02C672DB}" type="datetime1">
               <a:rPr lang="en-US" smtClean="0"/>
-              <a:t>3/20/16</a:t>
+              <a:t>3/23/16</a:t>
             </a:fld>
             <a:endParaRPr lang="en-US"/>
           </a:p>
@@ -3013,7 +3020,7 @@
           <a:p>
             <a:fld id="{D0B55D32-2DDA-BD4C-A2A1-2C315D465DB4}" type="datetime1">
               <a:rPr lang="en-US" smtClean="0"/>
-              <a:t>3/20/16</a:t>
+              <a:t>3/23/16</a:t>
             </a:fld>
             <a:endParaRPr lang="en-US"/>
           </a:p>
@@ -3713,7 +3720,7 @@
           <a:p>
             <a:fld id="{D60F355B-B081-7348-9FD0-DB378FD709E6}" type="datetime1">
               <a:rPr lang="en-US" smtClean="0"/>
-              <a:t>3/20/16</a:t>
+              <a:t>3/23/16</a:t>
             </a:fld>
             <a:endParaRPr lang="en-US"/>
           </a:p>
@@ -4033,7 +4040,7 @@
           <a:p>
             <a:fld id="{D60F355B-B081-7348-9FD0-DB378FD709E6}" type="datetime1">
               <a:rPr lang="en-US" smtClean="0"/>
-              <a:t>3/20/16</a:t>
+              <a:t>3/23/16</a:t>
             </a:fld>
             <a:endParaRPr lang="en-US"/>
           </a:p>
@@ -4360,7 +4367,7 @@
           <a:p>
             <a:fld id="{D60F355B-B081-7348-9FD0-DB378FD709E6}" type="datetime1">
               <a:rPr lang="en-US" smtClean="0"/>
-              <a:t>3/20/16</a:t>
+              <a:t>3/23/16</a:t>
             </a:fld>
             <a:endParaRPr lang="en-US"/>
           </a:p>
@@ -4726,7 +4733,7 @@
           <a:p>
             <a:fld id="{D60F355B-B081-7348-9FD0-DB378FD709E6}" type="datetime1">
               <a:rPr lang="en-US" smtClean="0"/>
-              <a:t>3/20/16</a:t>
+              <a:t>3/23/16</a:t>
             </a:fld>
             <a:endParaRPr lang="en-US"/>
           </a:p>
@@ -5285,7 +5292,7 @@
           <a:p>
             <a:fld id="{D60F355B-B081-7348-9FD0-DB378FD709E6}" type="datetime1">
               <a:rPr lang="en-US" smtClean="0"/>
-              <a:t>3/20/16</a:t>
+              <a:t>3/23/16</a:t>
             </a:fld>
             <a:endParaRPr lang="en-US"/>
           </a:p>
@@ -5542,7 +5549,7 @@
           <a:p>
             <a:fld id="{D60F355B-B081-7348-9FD0-DB378FD709E6}" type="datetime1">
               <a:rPr lang="en-US" smtClean="0"/>
-              <a:t>3/20/16</a:t>
+              <a:t>3/23/16</a:t>
             </a:fld>
             <a:endParaRPr lang="en-US"/>
           </a:p>
@@ -5884,7 +5891,7 @@
           <a:p>
             <a:fld id="{D60F355B-B081-7348-9FD0-DB378FD709E6}" type="datetime1">
               <a:rPr lang="en-US" smtClean="0"/>
-              <a:t>3/20/16</a:t>
+              <a:t>3/23/16</a:t>
             </a:fld>
             <a:endParaRPr lang="en-US"/>
           </a:p>
@@ -6104,7 +6111,7 @@
           <a:p>
             <a:fld id="{D60F355B-B081-7348-9FD0-DB378FD709E6}" type="datetime1">
               <a:rPr lang="en-US" smtClean="0"/>
-              <a:t>3/20/16</a:t>
+              <a:t>3/23/16</a:t>
             </a:fld>
             <a:endParaRPr lang="en-US"/>
           </a:p>
@@ -6311,7 +6318,7 @@
           <a:p>
             <a:fld id="{D60F355B-B081-7348-9FD0-DB378FD709E6}" type="datetime1">
               <a:rPr lang="en-US" smtClean="0"/>
-              <a:t>3/20/16</a:t>
+              <a:t>3/23/16</a:t>
             </a:fld>
             <a:endParaRPr lang="en-US"/>
           </a:p>
@@ -6590,7 +6597,7 @@
           <a:p>
             <a:fld id="{D60F355B-B081-7348-9FD0-DB378FD709E6}" type="datetime1">
               <a:rPr lang="en-US" smtClean="0"/>
-              <a:t>3/20/16</a:t>
+              <a:t>3/23/16</a:t>
             </a:fld>
             <a:endParaRPr lang="en-US"/>
           </a:p>
@@ -6776,7 +6783,7 @@
           <a:p>
             <a:fld id="{36E1E297-93EF-934C-AEA9-392476BDB436}" type="datetime1">
               <a:rPr lang="en-US" smtClean="0"/>
-              <a:t>3/20/16</a:t>
+              <a:t>3/23/16</a:t>
             </a:fld>
             <a:endParaRPr lang="en-US"/>
           </a:p>
@@ -7068,7 +7075,7 @@
           <a:p>
             <a:fld id="{D60F355B-B081-7348-9FD0-DB378FD709E6}" type="datetime1">
               <a:rPr lang="en-US" smtClean="0"/>
-              <a:t>3/20/16</a:t>
+              <a:t>3/23/16</a:t>
             </a:fld>
             <a:endParaRPr lang="en-US"/>
           </a:p>
@@ -7417,7 +7424,7 @@
           <a:p>
             <a:fld id="{FF7EFB7B-DE71-0E4B-91D4-1D8B25020B15}" type="datetime1">
               <a:rPr lang="en-US" smtClean="0"/>
-              <a:t>3/20/16</a:t>
+              <a:t>3/23/16</a:t>
             </a:fld>
             <a:endParaRPr lang="en-US"/>
           </a:p>
@@ -8032,7 +8039,7 @@
           <a:p>
             <a:fld id="{FF7EFB7B-DE71-0E4B-91D4-1D8B25020B15}" type="datetime1">
               <a:rPr lang="en-US" smtClean="0"/>
-              <a:t>3/20/16</a:t>
+              <a:t>3/23/16</a:t>
             </a:fld>
             <a:endParaRPr lang="en-US"/>
           </a:p>
@@ -8400,7 +8407,7 @@
           <a:p>
             <a:fld id="{FF7EFB7B-DE71-0E4B-91D4-1D8B25020B15}" type="datetime1">
               <a:rPr lang="en-US" smtClean="0"/>
-              <a:t>3/20/16</a:t>
+              <a:t>3/23/16</a:t>
             </a:fld>
             <a:endParaRPr lang="en-US"/>
           </a:p>
@@ -8667,7 +8674,7 @@
           <a:p>
             <a:fld id="{FF7EFB7B-DE71-0E4B-91D4-1D8B25020B15}" type="datetime1">
               <a:rPr lang="en-US" smtClean="0"/>
-              <a:t>3/20/16</a:t>
+              <a:t>3/23/16</a:t>
             </a:fld>
             <a:endParaRPr lang="en-US"/>
           </a:p>
@@ -8848,7 +8855,7 @@
           <a:p>
             <a:fld id="{FF7EFB7B-DE71-0E4B-91D4-1D8B25020B15}" type="datetime1">
               <a:rPr lang="en-US" smtClean="0"/>
-              <a:t>3/20/16</a:t>
+              <a:t>3/23/16</a:t>
             </a:fld>
             <a:endParaRPr lang="en-US"/>
           </a:p>
@@ -9688,7 +9695,7 @@
           <a:p>
             <a:fld id="{FF7EFB7B-DE71-0E4B-91D4-1D8B25020B15}" type="datetime1">
               <a:rPr lang="en-US" smtClean="0"/>
-              <a:t>3/20/16</a:t>
+              <a:t>3/23/16</a:t>
             </a:fld>
             <a:endParaRPr lang="en-US"/>
           </a:p>
@@ -10208,7 +10215,7 @@
           <a:p>
             <a:fld id="{FF7EFB7B-DE71-0E4B-91D4-1D8B25020B15}" type="datetime1">
               <a:rPr lang="en-US" smtClean="0"/>
-              <a:t>3/20/16</a:t>
+              <a:t>3/23/16</a:t>
             </a:fld>
             <a:endParaRPr lang="en-US"/>
           </a:p>
@@ -10814,7 +10821,7 @@
           <a:p>
             <a:fld id="{FF7EFB7B-DE71-0E4B-91D4-1D8B25020B15}" type="datetime1">
               <a:rPr lang="en-US" smtClean="0"/>
-              <a:t>3/20/16</a:t>
+              <a:t>3/23/16</a:t>
             </a:fld>
             <a:endParaRPr lang="en-US"/>
           </a:p>
@@ -11167,7 +11174,7 @@
           <a:p>
             <a:fld id="{FF7EFB7B-DE71-0E4B-91D4-1D8B25020B15}" type="datetime1">
               <a:rPr lang="en-US" smtClean="0"/>
-              <a:t>3/20/16</a:t>
+              <a:t>3/23/16</a:t>
             </a:fld>
             <a:endParaRPr lang="en-US"/>
           </a:p>
@@ -11406,7 +11413,7 @@
           <a:p>
             <a:fld id="{D60F355B-B081-7348-9FD0-DB378FD709E6}" type="datetime1">
               <a:rPr lang="en-US" smtClean="0"/>
-              <a:t>3/20/16</a:t>
+              <a:t>3/23/16</a:t>
             </a:fld>
             <a:endParaRPr lang="en-US"/>
           </a:p>
@@ -11505,7 +11512,7 @@
           <a:p>
             <a:fld id="{FF7EFB7B-DE71-0E4B-91D4-1D8B25020B15}" type="datetime1">
               <a:rPr lang="en-US" smtClean="0"/>
-              <a:t>3/20/16</a:t>
+              <a:t>3/23/16</a:t>
             </a:fld>
             <a:endParaRPr lang="en-US"/>
           </a:p>
@@ -13677,7 +13684,7 @@
           <a:p>
             <a:fld id="{FF7EFB7B-DE71-0E4B-91D4-1D8B25020B15}" type="datetime1">
               <a:rPr lang="en-US" smtClean="0"/>
-              <a:t>3/20/16</a:t>
+              <a:t>3/23/16</a:t>
             </a:fld>
             <a:endParaRPr lang="en-US"/>
           </a:p>
@@ -14186,7 +14193,7 @@
           <a:p>
             <a:fld id="{FF7EFB7B-DE71-0E4B-91D4-1D8B25020B15}" type="datetime1">
               <a:rPr lang="en-US" smtClean="0"/>
-              <a:t>3/20/16</a:t>
+              <a:t>3/23/16</a:t>
             </a:fld>
             <a:endParaRPr lang="en-US"/>
           </a:p>
@@ -14951,7 +14958,7 @@
           <a:p>
             <a:fld id="{FF7EFB7B-DE71-0E4B-91D4-1D8B25020B15}" type="datetime1">
               <a:rPr lang="en-US" smtClean="0"/>
-              <a:t>3/20/16</a:t>
+              <a:t>3/23/16</a:t>
             </a:fld>
             <a:endParaRPr lang="en-US"/>
           </a:p>
@@ -16839,7 +16846,7 @@
           <a:p>
             <a:fld id="{FF7EFB7B-DE71-0E4B-91D4-1D8B25020B15}" type="datetime1">
               <a:rPr lang="en-US" smtClean="0"/>
-              <a:t>3/20/16</a:t>
+              <a:t>3/23/16</a:t>
             </a:fld>
             <a:endParaRPr lang="en-US"/>
           </a:p>
@@ -16938,7 +16945,7 @@
           <a:p>
             <a:fld id="{FF7EFB7B-DE71-0E4B-91D4-1D8B25020B15}" type="datetime1">
               <a:rPr lang="en-US" smtClean="0"/>
-              <a:t>3/20/16</a:t>
+              <a:t>3/23/16</a:t>
             </a:fld>
             <a:endParaRPr lang="en-US"/>
           </a:p>
@@ -19213,7 +19220,7 @@
           <a:p>
             <a:fld id="{FF7EFB7B-DE71-0E4B-91D4-1D8B25020B15}" type="datetime1">
               <a:rPr lang="en-US" smtClean="0"/>
-              <a:t>3/20/16</a:t>
+              <a:t>3/23/16</a:t>
             </a:fld>
             <a:endParaRPr lang="en-US"/>
           </a:p>
@@ -20612,7 +20619,7 @@
           <a:p>
             <a:fld id="{FF7EFB7B-DE71-0E4B-91D4-1D8B25020B15}" type="datetime1">
               <a:rPr lang="en-US" smtClean="0"/>
-              <a:t>3/20/16</a:t>
+              <a:t>3/23/16</a:t>
             </a:fld>
             <a:endParaRPr lang="en-US"/>
           </a:p>
@@ -20744,7 +20751,7 @@
           <a:p>
             <a:fld id="{FF7EFB7B-DE71-0E4B-91D4-1D8B25020B15}" type="datetime1">
               <a:rPr lang="en-US" smtClean="0"/>
-              <a:t>3/20/16</a:t>
+              <a:t>3/23/16</a:t>
             </a:fld>
             <a:endParaRPr lang="en-US"/>
           </a:p>
@@ -21163,7 +21170,7 @@
           <a:p>
             <a:fld id="{FF7EFB7B-DE71-0E4B-91D4-1D8B25020B15}" type="datetime1">
               <a:rPr lang="en-US" smtClean="0"/>
-              <a:t>3/20/16</a:t>
+              <a:t>3/23/16</a:t>
             </a:fld>
             <a:endParaRPr lang="en-US"/>
           </a:p>
@@ -21482,7 +21489,7 @@
           <a:p>
             <a:fld id="{D60F355B-B081-7348-9FD0-DB378FD709E6}" type="datetime1">
               <a:rPr lang="en-US" smtClean="0"/>
-              <a:t>3/20/16</a:t>
+              <a:t>3/23/16</a:t>
             </a:fld>
             <a:endParaRPr lang="en-US"/>
           </a:p>
@@ -21769,7 +21776,7 @@
           <a:p>
             <a:fld id="{FF7EFB7B-DE71-0E4B-91D4-1D8B25020B15}" type="datetime1">
               <a:rPr lang="en-US" smtClean="0"/>
-              <a:t>3/20/16</a:t>
+              <a:t>3/23/16</a:t>
             </a:fld>
             <a:endParaRPr lang="en-US"/>
           </a:p>
@@ -22997,11 +23004,7 @@
           <a:p>
             <a:r>
               <a:rPr lang="en-US" sz="1000" dirty="0" smtClean="0"/>
-              <a:t>f</a:t>
-            </a:r>
-            <a:r>
-              <a:rPr lang="en-US" sz="1000" dirty="0" smtClean="0"/>
-              <a:t>+1</a:t>
+              <a:t>f+1</a:t>
             </a:r>
             <a:endParaRPr lang="en-US" sz="1000" dirty="0"/>
           </a:p>
@@ -23031,11 +23034,7 @@
           <a:p>
             <a:r>
               <a:rPr lang="en-US" sz="1000" dirty="0" smtClean="0"/>
-              <a:t>f</a:t>
-            </a:r>
-            <a:r>
-              <a:rPr lang="en-US" sz="1000" dirty="0" smtClean="0"/>
-              <a:t>+2</a:t>
+              <a:t>f+2</a:t>
             </a:r>
             <a:endParaRPr lang="en-US" sz="1000" dirty="0"/>
           </a:p>
@@ -23065,11 +23064,7 @@
           <a:p>
             <a:r>
               <a:rPr lang="en-US" sz="1000" dirty="0" smtClean="0"/>
-              <a:t>f</a:t>
-            </a:r>
-            <a:r>
-              <a:rPr lang="en-US" sz="1000" dirty="0" smtClean="0"/>
-              <a:t>+3</a:t>
+              <a:t>f+3</a:t>
             </a:r>
             <a:endParaRPr lang="en-US" sz="1000" dirty="0"/>
           </a:p>
@@ -23099,11 +23094,7 @@
           <a:p>
             <a:r>
               <a:rPr lang="en-US" sz="1000" dirty="0" smtClean="0"/>
-              <a:t>f</a:t>
-            </a:r>
-            <a:r>
-              <a:rPr lang="en-US" sz="1000" dirty="0" smtClean="0"/>
-              <a:t>+4</a:t>
+              <a:t>f+4</a:t>
             </a:r>
             <a:endParaRPr lang="en-US" sz="1000" dirty="0"/>
           </a:p>
@@ -23485,9 +23476,6 @@
               </a:rPr>
               <a:t> main(void){</a:t>
             </a:r>
-            <a:endParaRPr lang="en-US" b="1" dirty="0" smtClean="0">
-              <a:latin typeface="+mj-lt"/>
-            </a:endParaRPr>
           </a:p>
           <a:p>
             <a:pPr marL="0" indent="0">
@@ -23570,54 +23558,16 @@
               <a:t>pf</a:t>
             </a:r>
             <a:r>
-              <a:rPr lang="pt-BR" b="1" dirty="0" smtClean="0">
-                <a:latin typeface="+mj-lt"/>
-              </a:rPr>
-              <a:t>=a+2</a:t>
-            </a:r>
-            <a:r>
-              <a:rPr lang="pt-BR" b="1" dirty="0">
-                <a:latin typeface="+mj-lt"/>
-              </a:rPr>
-              <a:t>;</a:t>
-            </a:r>
-            <a:endParaRPr lang="de-DE" b="1" dirty="0" smtClean="0">
-              <a:latin typeface="+mj-lt"/>
-            </a:endParaRPr>
-          </a:p>
-          <a:p>
-            <a:pPr marL="0" indent="0">
-              <a:buNone/>
-            </a:pPr>
+              <a:rPr lang="pt-BR" b="1" smtClean="0">
+                <a:latin typeface="+mj-lt"/>
+              </a:rPr>
+              <a:t>=a+2;</a:t>
+            </a:r>
             <a:r>
               <a:rPr lang="de-DE" b="1" dirty="0">
                 <a:latin typeface="+mj-lt"/>
               </a:rPr>
-              <a:t>	</a:t>
-            </a:r>
-            <a:r>
-              <a:rPr lang="de-DE" b="1" dirty="0" smtClean="0">
-                <a:latin typeface="+mj-lt"/>
-              </a:rPr>
-              <a:t>p1=a</a:t>
-            </a:r>
-            <a:r>
-              <a:rPr lang="de-DE" b="1" dirty="0">
-                <a:latin typeface="+mj-lt"/>
-              </a:rPr>
-              <a:t>;	</a:t>
-            </a:r>
-            <a:r>
-              <a:rPr lang="de-DE" b="1" dirty="0" err="1">
-                <a:latin typeface="+mj-lt"/>
-              </a:rPr>
-              <a:t>pf</a:t>
-            </a:r>
-            <a:r>
-              <a:rPr lang="de-DE" b="1" dirty="0">
-                <a:latin typeface="+mj-lt"/>
-              </a:rPr>
-              <a:t>=a+2;		</a:t>
+              <a:t>		</a:t>
             </a:r>
             <a:endParaRPr lang="de-DE" b="1" dirty="0" smtClean="0">
               <a:latin typeface="+mj-lt"/>
@@ -23713,7 +23663,7 @@
           <a:p>
             <a:fld id="{FF7EFB7B-DE71-0E4B-91D4-1D8B25020B15}" type="datetime1">
               <a:rPr lang="en-US" smtClean="0"/>
-              <a:t>3/20/16</a:t>
+              <a:t>3/23/16</a:t>
             </a:fld>
             <a:endParaRPr lang="en-US"/>
           </a:p>
@@ -23900,7 +23850,7 @@
           <a:p>
             <a:fld id="{FF7EFB7B-DE71-0E4B-91D4-1D8B25020B15}" type="datetime1">
               <a:rPr lang="en-US" smtClean="0"/>
-              <a:t>3/20/16</a:t>
+              <a:t>3/23/16</a:t>
             </a:fld>
             <a:endParaRPr lang="en-US"/>
           </a:p>
@@ -24536,13 +24486,7 @@
               <a:rPr lang="en-US" dirty="0" smtClean="0">
                 <a:latin typeface="+mj-lt"/>
               </a:rPr>
-              <a:t>Two pointer variables can be compared provided both pointers point to objects of the same data type</a:t>
-            </a:r>
-            <a:r>
-              <a:rPr lang="en-US" dirty="0" smtClean="0">
-                <a:latin typeface="+mj-lt"/>
-              </a:rPr>
-              <a:t>:</a:t>
+              <a:t>Two pointer variables can be compared provided both pointers point to objects of the same data type:</a:t>
             </a:r>
           </a:p>
           <a:p>
@@ -24678,7 +24622,7 @@
           <a:p>
             <a:fld id="{FF7EFB7B-DE71-0E4B-91D4-1D8B25020B15}" type="datetime1">
               <a:rPr lang="en-US" smtClean="0"/>
-              <a:t>3/20/16</a:t>
+              <a:t>3/23/16</a:t>
             </a:fld>
             <a:endParaRPr lang="en-US"/>
           </a:p>
@@ -24831,13 +24775,7 @@
               <a:rPr lang="en-US" dirty="0" smtClean="0">
                 <a:latin typeface="+mj-lt"/>
               </a:rPr>
-              <a:t>		</a:t>
-            </a:r>
-            <a:r>
-              <a:rPr lang="en-US" dirty="0" smtClean="0">
-                <a:latin typeface="+mj-lt"/>
-              </a:rPr>
-              <a:t>p1*2;		/* invalid */</a:t>
+              <a:t>		p1*2;		/* invalid */</a:t>
             </a:r>
           </a:p>
           <a:p>
@@ -24892,7 +24830,7 @@
           <a:p>
             <a:fld id="{FF7EFB7B-DE71-0E4B-91D4-1D8B25020B15}" type="datetime1">
               <a:rPr lang="en-US" smtClean="0"/>
-              <a:t>3/20/16</a:t>
+              <a:t>3/23/16</a:t>
             </a:fld>
             <a:endParaRPr lang="en-US"/>
           </a:p>
@@ -25093,17 +25031,8 @@
               <a:rPr lang="en-US" dirty="0" smtClean="0">
                 <a:latin typeface="+mj-lt"/>
               </a:rPr>
-              <a:t>As address of variable is passed in this mechanism, if value in the passed address is changed within function definition, the value of actual variable </a:t>
-            </a:r>
-            <a:r>
-              <a:rPr lang="en-US" dirty="0" smtClean="0">
-                <a:latin typeface="+mj-lt"/>
-              </a:rPr>
-              <a:t>is also changed.</a:t>
-            </a:r>
-            <a:endParaRPr lang="en-US" dirty="0" smtClean="0">
-              <a:latin typeface="+mj-lt"/>
-            </a:endParaRPr>
+              <a:t>As address of variable is passed in this mechanism, if value in the passed address is changed within function definition, the value of actual variable is also changed.</a:t>
+            </a:r>
           </a:p>
           <a:p>
             <a:endParaRPr lang="en-US" dirty="0">
@@ -25134,7 +25063,7 @@
           <a:p>
             <a:fld id="{FF7EFB7B-DE71-0E4B-91D4-1D8B25020B15}" type="datetime1">
               <a:rPr lang="en-US" smtClean="0"/>
-              <a:t>3/20/16</a:t>
+              <a:t>3/23/16</a:t>
             </a:fld>
             <a:endParaRPr lang="en-US"/>
           </a:p>
@@ -25555,7 +25484,7 @@
           <a:p>
             <a:fld id="{FF7EFB7B-DE71-0E4B-91D4-1D8B25020B15}" type="datetime1">
               <a:rPr lang="en-US" smtClean="0"/>
-              <a:t>3/21/16</a:t>
+              <a:t>3/23/16</a:t>
             </a:fld>
             <a:endParaRPr lang="en-US"/>
           </a:p>
@@ -25956,7 +25885,7 @@
           <a:p>
             <a:fld id="{FF7EFB7B-DE71-0E4B-91D4-1D8B25020B15}" type="datetime1">
               <a:rPr lang="en-US" smtClean="0"/>
-              <a:t>3/21/16</a:t>
+              <a:t>3/23/16</a:t>
             </a:fld>
             <a:endParaRPr lang="en-US"/>
           </a:p>
@@ -26491,7 +26420,7 @@
           <a:p>
             <a:fld id="{FF7EFB7B-DE71-0E4B-91D4-1D8B25020B15}" type="datetime1">
               <a:rPr lang="en-US" smtClean="0"/>
-              <a:t>3/20/16</a:t>
+              <a:t>3/23/16</a:t>
             </a:fld>
             <a:endParaRPr lang="en-US"/>
           </a:p>
@@ -26620,13 +26549,227 @@
           </a:xfrm>
         </p:spPr>
         <p:txBody>
-          <a:bodyPr/>
-          <a:lstStyle/>
+          <a:bodyPr>
+            <a:normAutofit fontScale="92500" lnSpcReduction="20000"/>
+          </a:bodyPr>
+          <a:lstStyle/>
+          <a:p>
+            <a:r>
+              <a:rPr lang="en-US" dirty="0" smtClean="0">
+                <a:latin typeface="+mj-lt"/>
+              </a:rPr>
+              <a:t>The process of allocating and freeing memory at run time is known as dynamic memory allocation.</a:t>
+            </a:r>
+          </a:p>
           <a:p>
             <a:endParaRPr lang="en-US" dirty="0">
               <a:latin typeface="+mj-lt"/>
             </a:endParaRPr>
           </a:p>
+          <a:p>
+            <a:r>
+              <a:rPr lang="en-US" dirty="0" smtClean="0">
+                <a:latin typeface="+mj-lt"/>
+              </a:rPr>
+              <a:t>This reserves the memory required by the program and returns valuable resources to the system once the use of reserved space is utilized.</a:t>
+            </a:r>
+          </a:p>
+          <a:p>
+            <a:endParaRPr lang="en-US" dirty="0">
+              <a:latin typeface="+mj-lt"/>
+            </a:endParaRPr>
+          </a:p>
+          <a:p>
+            <a:r>
+              <a:rPr lang="en-US" dirty="0" smtClean="0">
+                <a:latin typeface="+mj-lt"/>
+              </a:rPr>
+              <a:t>Though arrays can be used for data storage, they are of fixed size.</a:t>
+            </a:r>
+          </a:p>
+          <a:p>
+            <a:endParaRPr lang="en-US" dirty="0" smtClean="0">
+              <a:latin typeface="+mj-lt"/>
+            </a:endParaRPr>
+          </a:p>
+          <a:p>
+            <a:pPr marL="0" indent="0">
+              <a:buNone/>
+            </a:pPr>
+            <a:r>
+              <a:rPr lang="en-US" dirty="0" smtClean="0">
+                <a:latin typeface="+mj-lt"/>
+              </a:rPr>
+              <a:t>		#</a:t>
+            </a:r>
+            <a:r>
+              <a:rPr lang="en-US" dirty="0">
+                <a:solidFill>
+                  <a:srgbClr val="FF0000"/>
+                </a:solidFill>
+                <a:latin typeface="+mj-lt"/>
+              </a:rPr>
+              <a:t>define</a:t>
+            </a:r>
+            <a:r>
+              <a:rPr lang="en-US" dirty="0">
+                <a:latin typeface="+mj-lt"/>
+              </a:rPr>
+              <a:t> m </a:t>
+            </a:r>
+            <a:r>
+              <a:rPr lang="en-US" dirty="0" smtClean="0">
+                <a:latin typeface="+mj-lt"/>
+              </a:rPr>
+              <a:t>5</a:t>
+            </a:r>
+          </a:p>
+          <a:p>
+            <a:pPr marL="0" indent="0">
+              <a:buNone/>
+            </a:pPr>
+            <a:r>
+              <a:rPr lang="en-US" dirty="0" smtClean="0">
+                <a:latin typeface="+mj-lt"/>
+              </a:rPr>
+              <a:t>		</a:t>
+            </a:r>
+            <a:r>
+              <a:rPr lang="en-US" dirty="0" err="1" smtClean="0">
+                <a:latin typeface="+mj-lt"/>
+              </a:rPr>
+              <a:t>int</a:t>
+            </a:r>
+            <a:r>
+              <a:rPr lang="en-US" dirty="0" smtClean="0">
+                <a:latin typeface="+mj-lt"/>
+              </a:rPr>
+              <a:t> </a:t>
+            </a:r>
+            <a:r>
+              <a:rPr lang="en-US" dirty="0">
+                <a:latin typeface="+mj-lt"/>
+              </a:rPr>
+              <a:t>main(void){	</a:t>
+            </a:r>
+            <a:endParaRPr lang="en-US" dirty="0" smtClean="0">
+              <a:latin typeface="+mj-lt"/>
+            </a:endParaRPr>
+          </a:p>
+          <a:p>
+            <a:pPr marL="0" indent="0">
+              <a:buNone/>
+            </a:pPr>
+            <a:r>
+              <a:rPr lang="en-US" dirty="0" smtClean="0">
+                <a:latin typeface="+mj-lt"/>
+              </a:rPr>
+              <a:t>		</a:t>
+            </a:r>
+            <a:r>
+              <a:rPr lang="en-US" dirty="0">
+                <a:latin typeface="+mj-lt"/>
+              </a:rPr>
+              <a:t>	</a:t>
+            </a:r>
+            <a:r>
+              <a:rPr lang="en-US" dirty="0" err="1" smtClean="0">
+                <a:latin typeface="+mj-lt"/>
+              </a:rPr>
+              <a:t>int</a:t>
+            </a:r>
+            <a:r>
+              <a:rPr lang="en-US" dirty="0" smtClean="0">
+                <a:latin typeface="+mj-lt"/>
+              </a:rPr>
+              <a:t> </a:t>
+            </a:r>
+            <a:r>
+              <a:rPr lang="en-US" dirty="0">
+                <a:latin typeface="+mj-lt"/>
+              </a:rPr>
+              <a:t>x[m];	</a:t>
+            </a:r>
+            <a:r>
+              <a:rPr lang="en-US" dirty="0" smtClean="0">
+                <a:latin typeface="+mj-lt"/>
+              </a:rPr>
+              <a:t>	</a:t>
+            </a:r>
+          </a:p>
+          <a:p>
+            <a:pPr marL="0" indent="0">
+              <a:buNone/>
+            </a:pPr>
+            <a:r>
+              <a:rPr lang="en-US" dirty="0" smtClean="0">
+                <a:latin typeface="+mj-lt"/>
+              </a:rPr>
+              <a:t>	</a:t>
+            </a:r>
+            <a:r>
+              <a:rPr lang="en-US" dirty="0">
+                <a:latin typeface="+mj-lt"/>
+              </a:rPr>
+              <a:t>	</a:t>
+            </a:r>
+            <a:r>
+              <a:rPr lang="en-US" dirty="0" err="1" smtClean="0">
+                <a:latin typeface="+mj-lt"/>
+              </a:rPr>
+              <a:t>printf</a:t>
+            </a:r>
+            <a:r>
+              <a:rPr lang="en-US" dirty="0">
+                <a:latin typeface="+mj-lt"/>
+              </a:rPr>
+              <a:t>("%</a:t>
+            </a:r>
+            <a:r>
+              <a:rPr lang="en-US" dirty="0" err="1">
+                <a:latin typeface="+mj-lt"/>
+              </a:rPr>
+              <a:t>lu</a:t>
+            </a:r>
+            <a:r>
+              <a:rPr lang="en-US" dirty="0">
+                <a:latin typeface="+mj-lt"/>
+              </a:rPr>
+              <a:t>\n",</a:t>
+            </a:r>
+            <a:r>
+              <a:rPr lang="en-US" dirty="0" err="1">
+                <a:latin typeface="+mj-lt"/>
+              </a:rPr>
+              <a:t>sizeof</a:t>
+            </a:r>
+            <a:r>
+              <a:rPr lang="en-US" dirty="0">
+                <a:latin typeface="+mj-lt"/>
+              </a:rPr>
+              <a:t>(x</a:t>
+            </a:r>
+            <a:r>
+              <a:rPr lang="en-US" dirty="0" smtClean="0">
+                <a:latin typeface="+mj-lt"/>
+              </a:rPr>
+              <a:t>));</a:t>
+            </a:r>
+          </a:p>
+          <a:p>
+            <a:pPr marL="0" indent="0">
+              <a:buNone/>
+            </a:pPr>
+            <a:r>
+              <a:rPr lang="en-US" dirty="0" smtClean="0">
+                <a:latin typeface="+mj-lt"/>
+              </a:rPr>
+              <a:t>		}</a:t>
+            </a:r>
+            <a:endParaRPr lang="en-US" dirty="0">
+              <a:latin typeface="+mj-lt"/>
+            </a:endParaRPr>
+          </a:p>
         </p:txBody>
       </p:sp>
       <p:sp>
@@ -26646,7 +26789,7 @@
           <a:p>
             <a:fld id="{FF7EFB7B-DE71-0E4B-91D4-1D8B25020B15}" type="datetime1">
               <a:rPr lang="en-US" smtClean="0"/>
-              <a:t>3/21/16</a:t>
+              <a:t>3/24/16</a:t>
             </a:fld>
             <a:endParaRPr lang="en-US"/>
           </a:p>
@@ -26867,7 +27010,7 @@
           <a:p>
             <a:fld id="{D60F355B-B081-7348-9FD0-DB378FD709E6}" type="datetime1">
               <a:rPr lang="en-US" smtClean="0"/>
-              <a:t>3/20/16</a:t>
+              <a:t>3/23/16</a:t>
             </a:fld>
             <a:endParaRPr lang="en-US"/>
           </a:p>
@@ -26951,32 +27094,6 @@
       </p:grpSpPr>
       <p:sp>
         <p:nvSpPr>
-          <p:cNvPr id="2" name="Title 1"/>
-          <p:cNvSpPr>
-            <a:spLocks noGrp="1"/>
-          </p:cNvSpPr>
-          <p:nvPr>
-            <p:ph type="title"/>
-          </p:nvPr>
-        </p:nvSpPr>
-        <p:spPr>
-          <a:xfrm>
-            <a:off x="838200" y="365126"/>
-            <a:ext cx="10515600" cy="710640"/>
-          </a:xfrm>
-        </p:spPr>
-        <p:txBody>
-          <a:bodyPr>
-            <a:normAutofit/>
-          </a:bodyPr>
-          <a:lstStyle/>
-          <a:p>
-            <a:endParaRPr lang="en-US" sz="3200" b="1" dirty="0"/>
-          </a:p>
-        </p:txBody>
-      </p:sp>
-      <p:sp>
-        <p:nvSpPr>
           <p:cNvPr id="3" name="Content Placeholder 2"/>
           <p:cNvSpPr>
             <a:spLocks noGrp="1"/>
@@ -26987,18 +27104,62 @@
         </p:nvSpPr>
         <p:spPr>
           <a:xfrm>
-            <a:off x="838200" y="1237129"/>
-            <a:ext cx="10515600" cy="4939834"/>
+            <a:off x="838200" y="509286"/>
+            <a:ext cx="10515600" cy="5667677"/>
           </a:xfrm>
         </p:spPr>
         <p:txBody>
           <a:bodyPr/>
           <a:lstStyle/>
+          <a:p>
+            <a:endParaRPr lang="en-US" dirty="0" smtClean="0">
+              <a:latin typeface="+mj-lt"/>
+            </a:endParaRPr>
+          </a:p>
+          <a:p>
+            <a:r>
+              <a:rPr lang="en-US" dirty="0" smtClean="0">
+                <a:latin typeface="+mj-lt"/>
+              </a:rPr>
+              <a:t>Consider an array size of 100 to store marks of 100 student.</a:t>
+            </a:r>
+          </a:p>
           <a:p>
             <a:endParaRPr lang="en-US" dirty="0">
               <a:latin typeface="+mj-lt"/>
             </a:endParaRPr>
           </a:p>
+          <a:p>
+            <a:r>
+              <a:rPr lang="en-US" dirty="0" smtClean="0">
+                <a:latin typeface="+mj-lt"/>
+              </a:rPr>
+              <a:t>If the number of students is less than 100 say 10, only 10 memory locations will be used and rest 90 locations are reserved but will not be used i.e. wastage of memory will occur.</a:t>
+            </a:r>
+          </a:p>
+          <a:p>
+            <a:endParaRPr lang="en-US" dirty="0">
+              <a:latin typeface="+mj-lt"/>
+            </a:endParaRPr>
+          </a:p>
+          <a:p>
+            <a:r>
+              <a:rPr lang="en-US" dirty="0" smtClean="0">
+                <a:latin typeface="+mj-lt"/>
+              </a:rPr>
+              <a:t>In such situation DMA will be useful.</a:t>
+            </a:r>
+          </a:p>
+          <a:p>
+            <a:endParaRPr lang="en-US" dirty="0">
+              <a:latin typeface="+mj-lt"/>
+            </a:endParaRPr>
+          </a:p>
+          <a:p>
+            <a:endParaRPr lang="en-US" dirty="0">
+              <a:latin typeface="+mj-lt"/>
+            </a:endParaRPr>
+          </a:p>
         </p:txBody>
       </p:sp>
       <p:sp>
@@ -27018,7 +27179,7 @@
           <a:p>
             <a:fld id="{FF7EFB7B-DE71-0E4B-91D4-1D8B25020B15}" type="datetime1">
               <a:rPr lang="en-US" smtClean="0"/>
-              <a:t>3/21/16</a:t>
+              <a:t>3/23/16</a:t>
             </a:fld>
             <a:endParaRPr lang="en-US"/>
           </a:p>
@@ -27102,54 +27263,75 @@
       </p:grpSpPr>
       <p:sp>
         <p:nvSpPr>
-          <p:cNvPr id="2" name="Title 1"/>
-          <p:cNvSpPr>
-            <a:spLocks noGrp="1"/>
-          </p:cNvSpPr>
-          <p:nvPr>
-            <p:ph type="title"/>
-          </p:nvPr>
-        </p:nvSpPr>
-        <p:spPr>
-          <a:xfrm>
-            <a:off x="838200" y="365126"/>
-            <a:ext cx="10515600" cy="710640"/>
+          <p:cNvPr id="3" name="Content Placeholder 2"/>
+          <p:cNvSpPr>
+            <a:spLocks noGrp="1"/>
+          </p:cNvSpPr>
+          <p:nvPr>
+            <p:ph idx="1"/>
+          </p:nvPr>
+        </p:nvSpPr>
+        <p:spPr>
+          <a:xfrm>
+            <a:off x="838200" y="509286"/>
+            <a:ext cx="10515600" cy="5667677"/>
           </a:xfrm>
         </p:spPr>
         <p:txBody>
           <a:bodyPr>
-            <a:normAutofit/>
+            <a:normAutofit lnSpcReduction="10000"/>
           </a:bodyPr>
           <a:lstStyle/>
           <a:p>
-            <a:endParaRPr lang="en-US" sz="3200" b="1" dirty="0"/>
-          </a:p>
-        </p:txBody>
-      </p:sp>
-      <p:sp>
-        <p:nvSpPr>
-          <p:cNvPr id="3" name="Content Placeholder 2"/>
-          <p:cNvSpPr>
-            <a:spLocks noGrp="1"/>
-          </p:cNvSpPr>
-          <p:nvPr>
-            <p:ph idx="1"/>
-          </p:nvPr>
-        </p:nvSpPr>
-        <p:spPr>
-          <a:xfrm>
-            <a:off x="838200" y="1237129"/>
-            <a:ext cx="10515600" cy="4939834"/>
-          </a:xfrm>
-        </p:spPr>
-        <p:txBody>
-          <a:bodyPr/>
-          <a:lstStyle/>
+            <a:r>
+              <a:rPr lang="en-US" dirty="0" smtClean="0">
+                <a:latin typeface="+mj-lt"/>
+              </a:rPr>
+              <a:t>Since an array name is actually a pointer to the first element within the array, it is possible to define the array as a pointer variable rather than as a conventional array.</a:t>
+            </a:r>
+          </a:p>
           <a:p>
             <a:endParaRPr lang="en-US" dirty="0">
               <a:latin typeface="+mj-lt"/>
             </a:endParaRPr>
           </a:p>
+          <a:p>
+            <a:r>
+              <a:rPr lang="en-US" dirty="0" smtClean="0">
+                <a:latin typeface="+mj-lt"/>
+              </a:rPr>
+              <a:t>While defining conventional array, system reserves fixed block of memory at the beginning of program execution which is inefficient but this does not occur if the array is represented in terms of a pointer variable.</a:t>
+            </a:r>
+          </a:p>
+          <a:p>
+            <a:endParaRPr lang="en-US" dirty="0">
+              <a:latin typeface="+mj-lt"/>
+            </a:endParaRPr>
+          </a:p>
+          <a:p>
+            <a:r>
+              <a:rPr lang="en-US" dirty="0" smtClean="0">
+                <a:latin typeface="+mj-lt"/>
+              </a:rPr>
+              <a:t>The use of pointer variable to represent an array requires some type of initial memory assignment before the array elements are processed.</a:t>
+            </a:r>
+          </a:p>
+          <a:p>
+            <a:endParaRPr lang="en-US" dirty="0">
+              <a:latin typeface="+mj-lt"/>
+            </a:endParaRPr>
+          </a:p>
+          <a:p>
+            <a:r>
+              <a:rPr lang="en-US" dirty="0" smtClean="0">
+                <a:latin typeface="+mj-lt"/>
+              </a:rPr>
+              <a:t>This is known as Dynamic Memory Allocation (DMA)</a:t>
+            </a:r>
+            <a:endParaRPr lang="en-US" dirty="0">
+              <a:latin typeface="+mj-lt"/>
+            </a:endParaRPr>
+          </a:p>
         </p:txBody>
       </p:sp>
       <p:sp>
@@ -27169,7 +27351,7 @@
           <a:p>
             <a:fld id="{FF7EFB7B-DE71-0E4B-91D4-1D8B25020B15}" type="datetime1">
               <a:rPr lang="en-US" smtClean="0"/>
-              <a:t>3/21/16</a:t>
+              <a:t>3/23/16</a:t>
             </a:fld>
             <a:endParaRPr lang="en-US"/>
           </a:p>
@@ -27253,54 +27435,193 @@
       </p:grpSpPr>
       <p:sp>
         <p:nvSpPr>
-          <p:cNvPr id="2" name="Title 1"/>
-          <p:cNvSpPr>
-            <a:spLocks noGrp="1"/>
-          </p:cNvSpPr>
-          <p:nvPr>
-            <p:ph type="title"/>
-          </p:nvPr>
-        </p:nvSpPr>
-        <p:spPr>
-          <a:xfrm>
-            <a:off x="838200" y="365126"/>
-            <a:ext cx="10515600" cy="710640"/>
+          <p:cNvPr id="3" name="Content Placeholder 2"/>
+          <p:cNvSpPr>
+            <a:spLocks noGrp="1"/>
+          </p:cNvSpPr>
+          <p:nvPr>
+            <p:ph idx="1"/>
+          </p:nvPr>
+        </p:nvSpPr>
+        <p:spPr>
+          <a:xfrm>
+            <a:off x="838200" y="625034"/>
+            <a:ext cx="10515600" cy="5551930"/>
           </a:xfrm>
         </p:spPr>
         <p:txBody>
           <a:bodyPr>
-            <a:normAutofit/>
+            <a:normAutofit lnSpcReduction="10000"/>
           </a:bodyPr>
           <a:lstStyle/>
           <a:p>
-            <a:endParaRPr lang="en-US" sz="3200" b="1" dirty="0"/>
-          </a:p>
-        </p:txBody>
-      </p:sp>
-      <p:sp>
-        <p:nvSpPr>
-          <p:cNvPr id="3" name="Content Placeholder 2"/>
-          <p:cNvSpPr>
-            <a:spLocks noGrp="1"/>
-          </p:cNvSpPr>
-          <p:nvPr>
-            <p:ph idx="1"/>
-          </p:nvPr>
-        </p:nvSpPr>
-        <p:spPr>
-          <a:xfrm>
-            <a:off x="838200" y="1237129"/>
-            <a:ext cx="10515600" cy="4939834"/>
-          </a:xfrm>
-        </p:spPr>
-        <p:txBody>
-          <a:bodyPr/>
-          <a:lstStyle/>
+            <a:r>
+              <a:rPr lang="en-US" dirty="0" smtClean="0">
+                <a:latin typeface="+mj-lt"/>
+              </a:rPr>
+              <a:t>At </a:t>
+            </a:r>
+            <a:r>
+              <a:rPr lang="en-US" sz="3600" b="1" dirty="0" smtClean="0">
+                <a:solidFill>
+                  <a:srgbClr val="FF0000"/>
+                </a:solidFill>
+                <a:latin typeface="+mj-lt"/>
+              </a:rPr>
+              <a:t>execution time</a:t>
+            </a:r>
+            <a:r>
+              <a:rPr lang="en-US" dirty="0" smtClean="0">
+                <a:latin typeface="+mj-lt"/>
+              </a:rPr>
+              <a:t>, a program can request more memory from a free memory pool and frees if not required using DMA.</a:t>
+            </a:r>
+          </a:p>
           <a:p>
             <a:endParaRPr lang="en-US" dirty="0">
               <a:latin typeface="+mj-lt"/>
             </a:endParaRPr>
           </a:p>
+          <a:p>
+            <a:r>
+              <a:rPr lang="en-US" dirty="0" smtClean="0">
+                <a:latin typeface="+mj-lt"/>
+              </a:rPr>
+              <a:t>Thus, DMA refers allocating and freeing memory at execution time or run time.</a:t>
+            </a:r>
+          </a:p>
+          <a:p>
+            <a:endParaRPr lang="en-US" dirty="0">
+              <a:latin typeface="+mj-lt"/>
+            </a:endParaRPr>
+          </a:p>
+          <a:p>
+            <a:r>
+              <a:rPr lang="en-US" dirty="0" smtClean="0">
+                <a:latin typeface="+mj-lt"/>
+              </a:rPr>
+              <a:t>There are four library functions for memory management.</a:t>
+            </a:r>
+          </a:p>
+          <a:p>
+            <a:pPr lvl="1"/>
+            <a:r>
+              <a:rPr lang="en-US" b="1" dirty="0" err="1">
+                <a:latin typeface="+mj-lt"/>
+              </a:rPr>
+              <a:t>m</a:t>
+            </a:r>
+            <a:r>
+              <a:rPr lang="en-US" b="1" dirty="0" err="1" smtClean="0">
+                <a:latin typeface="+mj-lt"/>
+              </a:rPr>
+              <a:t>alloc</a:t>
+            </a:r>
+            <a:r>
+              <a:rPr lang="en-US" b="1" dirty="0" smtClean="0">
+                <a:latin typeface="+mj-lt"/>
+              </a:rPr>
+              <a:t>()</a:t>
+            </a:r>
+          </a:p>
+          <a:p>
+            <a:pPr lvl="1"/>
+            <a:r>
+              <a:rPr lang="en-US" b="1" dirty="0" err="1">
+                <a:latin typeface="+mj-lt"/>
+              </a:rPr>
+              <a:t>c</a:t>
+            </a:r>
+            <a:r>
+              <a:rPr lang="en-US" b="1" dirty="0" err="1" smtClean="0">
+                <a:latin typeface="+mj-lt"/>
+              </a:rPr>
+              <a:t>alloc</a:t>
+            </a:r>
+            <a:r>
+              <a:rPr lang="en-US" b="1" dirty="0" smtClean="0">
+                <a:latin typeface="+mj-lt"/>
+              </a:rPr>
+              <a:t>()</a:t>
+            </a:r>
+          </a:p>
+          <a:p>
+            <a:pPr lvl="1"/>
+            <a:r>
+              <a:rPr lang="en-US" b="1" dirty="0">
+                <a:latin typeface="+mj-lt"/>
+              </a:rPr>
+              <a:t>f</a:t>
+            </a:r>
+            <a:r>
+              <a:rPr lang="en-US" b="1" dirty="0" smtClean="0">
+                <a:latin typeface="+mj-lt"/>
+              </a:rPr>
+              <a:t>ree()</a:t>
+            </a:r>
+          </a:p>
+          <a:p>
+            <a:pPr lvl="1"/>
+            <a:r>
+              <a:rPr lang="en-US" b="1" dirty="0" err="1">
+                <a:latin typeface="+mj-lt"/>
+              </a:rPr>
+              <a:t>r</a:t>
+            </a:r>
+            <a:r>
+              <a:rPr lang="en-US" b="1" dirty="0" err="1" smtClean="0">
+                <a:latin typeface="+mj-lt"/>
+              </a:rPr>
+              <a:t>ealloc</a:t>
+            </a:r>
+            <a:r>
+              <a:rPr lang="en-US" b="1" dirty="0" smtClean="0">
+                <a:latin typeface="+mj-lt"/>
+              </a:rPr>
+              <a:t>()</a:t>
+            </a:r>
+          </a:p>
+          <a:p>
+            <a:pPr lvl="1"/>
+            <a:endParaRPr lang="en-US" b="1" dirty="0" smtClean="0">
+              <a:latin typeface="+mj-lt"/>
+            </a:endParaRPr>
+          </a:p>
+          <a:p>
+            <a:r>
+              <a:rPr lang="en-US" dirty="0" smtClean="0">
+                <a:latin typeface="+mj-lt"/>
+              </a:rPr>
+              <a:t>These functions are defined within header file </a:t>
+            </a:r>
+            <a:r>
+              <a:rPr lang="en-US" b="1" dirty="0" err="1" smtClean="0">
+                <a:latin typeface="+mj-lt"/>
+              </a:rPr>
+              <a:t>stdlib.h</a:t>
+            </a:r>
+            <a:r>
+              <a:rPr lang="en-US" dirty="0" smtClean="0">
+                <a:latin typeface="+mj-lt"/>
+              </a:rPr>
+              <a:t> and </a:t>
+            </a:r>
+            <a:r>
+              <a:rPr lang="en-US" b="1" dirty="0" err="1" smtClean="0">
+                <a:latin typeface="+mj-lt"/>
+              </a:rPr>
+              <a:t>alloc.h</a:t>
+            </a:r>
+            <a:endParaRPr lang="en-US" b="1" dirty="0" smtClean="0">
+              <a:latin typeface="+mj-lt"/>
+            </a:endParaRPr>
+          </a:p>
+          <a:p>
+            <a:pPr lvl="1"/>
+            <a:endParaRPr lang="en-US" dirty="0">
+              <a:latin typeface="+mj-lt"/>
+            </a:endParaRPr>
+          </a:p>
         </p:txBody>
       </p:sp>
       <p:sp>
@@ -27320,7 +27641,7 @@
           <a:p>
             <a:fld id="{FF7EFB7B-DE71-0E4B-91D4-1D8B25020B15}" type="datetime1">
               <a:rPr lang="en-US" smtClean="0"/>
-              <a:t>3/20/16</a:t>
+              <a:t>3/24/16</a:t>
             </a:fld>
             <a:endParaRPr lang="en-US"/>
           </a:p>
@@ -27375,7 +27696,7 @@
     </p:spTree>
     <p:extLst>
       <p:ext uri="{BB962C8B-B14F-4D97-AF65-F5344CB8AC3E}">
-        <p14:creationId xmlns:p14="http://schemas.microsoft.com/office/powerpoint/2010/main" val="1239879412"/>
+        <p14:creationId xmlns:p14="http://schemas.microsoft.com/office/powerpoint/2010/main" val="1933278953"/>
       </p:ext>
     </p:extLst>
   </p:cSld>
@@ -27404,36 +27725,6 @@
       </p:grpSpPr>
       <p:sp>
         <p:nvSpPr>
-          <p:cNvPr id="2" name="Title 1"/>
-          <p:cNvSpPr>
-            <a:spLocks noGrp="1"/>
-          </p:cNvSpPr>
-          <p:nvPr>
-            <p:ph type="title"/>
-          </p:nvPr>
-        </p:nvSpPr>
-        <p:spPr>
-          <a:xfrm>
-            <a:off x="838200" y="365126"/>
-            <a:ext cx="10515600" cy="710640"/>
-          </a:xfrm>
-        </p:spPr>
-        <p:txBody>
-          <a:bodyPr>
-            <a:normAutofit/>
-          </a:bodyPr>
-          <a:lstStyle/>
-          <a:p>
-            <a:r>
-              <a:rPr lang="en-US" sz="3200" dirty="0" smtClean="0"/>
-              <a:t>Reference</a:t>
-            </a:r>
-            <a:endParaRPr lang="en-US" sz="3200" dirty="0"/>
-          </a:p>
-        </p:txBody>
-      </p:sp>
-      <p:sp>
-        <p:nvSpPr>
           <p:cNvPr id="3" name="Content Placeholder 2"/>
           <p:cNvSpPr>
             <a:spLocks noGrp="1"/>
@@ -27444,15 +27735,304 @@
         </p:nvSpPr>
         <p:spPr>
           <a:xfrm>
-            <a:off x="838200" y="1237129"/>
-            <a:ext cx="10515600" cy="4939834"/>
+            <a:off x="838200" y="532435"/>
+            <a:ext cx="10515600" cy="5644528"/>
           </a:xfrm>
         </p:spPr>
         <p:txBody>
           <a:bodyPr/>
           <a:lstStyle/>
           <a:p>
-            <a:endParaRPr lang="en-US" dirty="0"/>
+            <a:pPr marL="514350" indent="-514350">
+              <a:buFont typeface="+mj-lt"/>
+              <a:buAutoNum type="arabicPeriod"/>
+            </a:pPr>
+            <a:r>
+              <a:rPr lang="en-US" b="1" dirty="0" err="1">
+                <a:latin typeface="+mj-lt"/>
+              </a:rPr>
+              <a:t>m</a:t>
+            </a:r>
+            <a:r>
+              <a:rPr lang="en-US" b="1" dirty="0" err="1" smtClean="0">
+                <a:latin typeface="+mj-lt"/>
+              </a:rPr>
+              <a:t>alloc</a:t>
+            </a:r>
+            <a:r>
+              <a:rPr lang="en-US" b="1" dirty="0" smtClean="0">
+                <a:latin typeface="+mj-lt"/>
+              </a:rPr>
+              <a:t>()</a:t>
+            </a:r>
+          </a:p>
+          <a:p>
+            <a:pPr lvl="1">
+              <a:buFont typeface="Courier New" charset="0"/>
+              <a:buChar char="o"/>
+            </a:pPr>
+            <a:r>
+              <a:rPr lang="en-US" dirty="0" smtClean="0">
+                <a:latin typeface="+mj-lt"/>
+              </a:rPr>
+              <a:t>It allocates requested size of bytes and returns a pointer to the first byte of the allocated space.</a:t>
+            </a:r>
+          </a:p>
+          <a:p>
+            <a:pPr marL="0" indent="0">
+              <a:buNone/>
+            </a:pPr>
+            <a:r>
+              <a:rPr lang="en-US" b="1" dirty="0">
+                <a:latin typeface="+mj-lt"/>
+              </a:rPr>
+              <a:t>	</a:t>
+            </a:r>
+            <a:r>
+              <a:rPr lang="en-US" b="1" dirty="0" smtClean="0">
+                <a:latin typeface="+mj-lt"/>
+              </a:rPr>
+              <a:t>	</a:t>
+            </a:r>
+            <a:r>
+              <a:rPr lang="en-US" b="1" dirty="0" err="1" smtClean="0">
+                <a:latin typeface="+mj-lt"/>
+              </a:rPr>
+              <a:t>ptr</a:t>
+            </a:r>
+            <a:r>
+              <a:rPr lang="en-US" b="1" dirty="0" smtClean="0">
+                <a:latin typeface="+mj-lt"/>
+              </a:rPr>
+              <a:t>=(</a:t>
+            </a:r>
+            <a:r>
+              <a:rPr lang="en-US" i="1" dirty="0" err="1" smtClean="0">
+                <a:solidFill>
+                  <a:schemeClr val="accent1"/>
+                </a:solidFill>
+                <a:latin typeface="+mj-lt"/>
+              </a:rPr>
+              <a:t>data_type</a:t>
+            </a:r>
+            <a:r>
+              <a:rPr lang="en-US" b="1" dirty="0" smtClean="0">
+                <a:latin typeface="+mj-lt"/>
+              </a:rPr>
+              <a:t>*) </a:t>
+            </a:r>
+            <a:r>
+              <a:rPr lang="en-US" b="1" dirty="0" err="1" smtClean="0">
+                <a:latin typeface="+mj-lt"/>
+              </a:rPr>
+              <a:t>malloc</a:t>
+            </a:r>
+            <a:r>
+              <a:rPr lang="en-US" b="1" dirty="0" smtClean="0">
+                <a:latin typeface="+mj-lt"/>
+              </a:rPr>
+              <a:t>(</a:t>
+            </a:r>
+            <a:r>
+              <a:rPr lang="en-US" i="1" dirty="0" err="1" smtClean="0">
+                <a:solidFill>
+                  <a:schemeClr val="accent6">
+                    <a:lumMod val="50000"/>
+                  </a:schemeClr>
+                </a:solidFill>
+                <a:latin typeface="+mj-lt"/>
+              </a:rPr>
+              <a:t>size_of_block</a:t>
+            </a:r>
+            <a:r>
+              <a:rPr lang="en-US" b="1" dirty="0" smtClean="0">
+                <a:latin typeface="+mj-lt"/>
+              </a:rPr>
+              <a:t>);</a:t>
+            </a:r>
+          </a:p>
+          <a:p>
+            <a:pPr marL="0" indent="0">
+              <a:buNone/>
+            </a:pPr>
+            <a:endParaRPr lang="en-US" b="1" dirty="0" smtClean="0">
+              <a:latin typeface="+mj-lt"/>
+            </a:endParaRPr>
+          </a:p>
+          <a:p>
+            <a:pPr lvl="1">
+              <a:buFont typeface="Courier New" charset="0"/>
+              <a:buChar char="o"/>
+            </a:pPr>
+            <a:r>
+              <a:rPr lang="en-US" dirty="0" smtClean="0">
+                <a:latin typeface="+mj-lt"/>
+              </a:rPr>
+              <a:t>Here, </a:t>
+            </a:r>
+            <a:r>
+              <a:rPr lang="en-US" dirty="0" err="1" smtClean="0">
+                <a:latin typeface="+mj-lt"/>
+              </a:rPr>
+              <a:t>ptr</a:t>
+            </a:r>
+            <a:r>
+              <a:rPr lang="en-US" dirty="0" smtClean="0">
+                <a:latin typeface="+mj-lt"/>
+              </a:rPr>
+              <a:t> is a pointer of type </a:t>
+            </a:r>
+            <a:r>
+              <a:rPr lang="en-US" i="1" dirty="0" err="1" smtClean="0">
+                <a:solidFill>
+                  <a:schemeClr val="accent1"/>
+                </a:solidFill>
+                <a:latin typeface="+mj-lt"/>
+              </a:rPr>
+              <a:t>data_type</a:t>
+            </a:r>
+            <a:r>
+              <a:rPr lang="en-US" dirty="0" smtClean="0">
+                <a:latin typeface="+mj-lt"/>
+              </a:rPr>
+              <a:t>. The </a:t>
+            </a:r>
+            <a:r>
+              <a:rPr lang="en-US" dirty="0" err="1" smtClean="0">
+                <a:latin typeface="+mj-lt"/>
+              </a:rPr>
+              <a:t>malloc</a:t>
+            </a:r>
+            <a:r>
+              <a:rPr lang="en-US" dirty="0" smtClean="0">
+                <a:latin typeface="+mj-lt"/>
+              </a:rPr>
+              <a:t>() returns a pointer to an area of memory with size </a:t>
+            </a:r>
+            <a:r>
+              <a:rPr lang="en-US" i="1" dirty="0" err="1" smtClean="0">
+                <a:solidFill>
+                  <a:schemeClr val="accent6">
+                    <a:lumMod val="50000"/>
+                  </a:schemeClr>
+                </a:solidFill>
+                <a:latin typeface="+mj-lt"/>
+              </a:rPr>
+              <a:t>size_of_block</a:t>
+            </a:r>
+            <a:r>
+              <a:rPr lang="en-US" i="1" dirty="0" smtClean="0">
+                <a:latin typeface="+mj-lt"/>
+              </a:rPr>
+              <a:t>.</a:t>
+            </a:r>
+          </a:p>
+          <a:p>
+            <a:pPr lvl="1">
+              <a:buFont typeface="Courier New" charset="0"/>
+              <a:buChar char="o"/>
+            </a:pPr>
+            <a:endParaRPr lang="en-US" i="1" dirty="0" smtClean="0">
+              <a:latin typeface="+mj-lt"/>
+            </a:endParaRPr>
+          </a:p>
+          <a:p>
+            <a:pPr marL="457200" lvl="1" indent="0">
+              <a:buNone/>
+            </a:pPr>
+            <a:r>
+              <a:rPr lang="en-US" dirty="0" smtClean="0">
+                <a:latin typeface="+mj-lt"/>
+              </a:rPr>
+              <a:t>		</a:t>
+            </a:r>
+            <a:r>
+              <a:rPr lang="en-US" b="1" dirty="0" smtClean="0">
+                <a:latin typeface="+mj-lt"/>
+              </a:rPr>
+              <a:t>x = (</a:t>
+            </a:r>
+            <a:r>
+              <a:rPr lang="en-US" b="1" dirty="0" err="1" smtClean="0">
+                <a:latin typeface="+mj-lt"/>
+              </a:rPr>
+              <a:t>int</a:t>
+            </a:r>
+            <a:r>
+              <a:rPr lang="en-US" b="1" dirty="0" smtClean="0">
+                <a:latin typeface="+mj-lt"/>
+              </a:rPr>
+              <a:t> *) </a:t>
+            </a:r>
+            <a:r>
+              <a:rPr lang="en-US" b="1" dirty="0" err="1" smtClean="0">
+                <a:latin typeface="+mj-lt"/>
+              </a:rPr>
+              <a:t>malloc</a:t>
+            </a:r>
+            <a:r>
+              <a:rPr lang="en-US" b="1" dirty="0" smtClean="0">
+                <a:latin typeface="+mj-lt"/>
+              </a:rPr>
+              <a:t>(100*</a:t>
+            </a:r>
+            <a:r>
+              <a:rPr lang="en-US" b="1" dirty="0" err="1" smtClean="0">
+                <a:latin typeface="+mj-lt"/>
+              </a:rPr>
+              <a:t>sizeof</a:t>
+            </a:r>
+            <a:r>
+              <a:rPr lang="en-US" b="1" dirty="0" smtClean="0">
+                <a:latin typeface="+mj-lt"/>
+              </a:rPr>
+              <a:t>(</a:t>
+            </a:r>
+            <a:r>
+              <a:rPr lang="en-US" b="1" dirty="0" err="1" smtClean="0">
+                <a:latin typeface="+mj-lt"/>
+              </a:rPr>
+              <a:t>int</a:t>
+            </a:r>
+            <a:r>
+              <a:rPr lang="en-US" b="1" dirty="0" smtClean="0">
+                <a:latin typeface="+mj-lt"/>
+              </a:rPr>
+              <a:t>));</a:t>
+            </a:r>
+          </a:p>
+          <a:p>
+            <a:pPr lvl="1">
+              <a:buFont typeface="Courier New" charset="0"/>
+              <a:buChar char="o"/>
+            </a:pPr>
+            <a:endParaRPr lang="en-US" dirty="0" smtClean="0">
+              <a:latin typeface="+mj-lt"/>
+            </a:endParaRPr>
+          </a:p>
+          <a:p>
+            <a:pPr lvl="1">
+              <a:buFont typeface="Courier New" charset="0"/>
+              <a:buChar char="o"/>
+            </a:pPr>
+            <a:r>
+              <a:rPr lang="en-US" dirty="0" smtClean="0">
+                <a:latin typeface="+mj-lt"/>
+              </a:rPr>
+              <a:t>A memory space equivalent to 100 times the size of an integer is reserved and the address of the first byte of the memory allocated is assigned to the pointer x of type int. (i.e. x refers to the first address of allocated memory)</a:t>
+            </a:r>
+            <a:endParaRPr lang="en-US" dirty="0">
+              <a:latin typeface="+mj-lt"/>
+            </a:endParaRPr>
+          </a:p>
+          <a:p>
+            <a:pPr lvl="1">
+              <a:buFont typeface="Courier New" charset="0"/>
+              <a:buChar char="o"/>
+            </a:pPr>
+            <a:endParaRPr lang="en-US" dirty="0" smtClean="0">
+              <a:latin typeface="+mj-lt"/>
+            </a:endParaRPr>
           </a:p>
         </p:txBody>
       </p:sp>
@@ -27471,9 +28051,9 @@
           <a:bodyPr/>
           <a:lstStyle/>
           <a:p>
-            <a:fld id="{BBE37247-352C-674D-B1C3-0748BF09BE88}" type="datetime1">
+            <a:fld id="{FF7EFB7B-DE71-0E4B-91D4-1D8B25020B15}" type="datetime1">
               <a:rPr lang="en-US" smtClean="0"/>
-              <a:t>3/20/16</a:t>
+              <a:t>3/24/16</a:t>
             </a:fld>
             <a:endParaRPr lang="en-US"/>
           </a:p>
@@ -27528,7 +28108,1812 @@
     </p:spTree>
     <p:extLst>
       <p:ext uri="{BB962C8B-B14F-4D97-AF65-F5344CB8AC3E}">
-        <p14:creationId xmlns:p14="http://schemas.microsoft.com/office/powerpoint/2010/main" val="1548034247"/>
+        <p14:creationId xmlns:p14="http://schemas.microsoft.com/office/powerpoint/2010/main" val="1800188112"/>
+      </p:ext>
+    </p:extLst>
+  </p:cSld>
+  <p:clrMapOvr>
+    <a:masterClrMapping/>
+  </p:clrMapOvr>
+</p:sld>
+</file>
+
+<file path=ppt/slides/slide54.xml><?xml version="1.0" encoding="utf-8"?>
+<p:sld xmlns:a="http://schemas.openxmlformats.org/drawingml/2006/main" xmlns:r="http://schemas.openxmlformats.org/officeDocument/2006/relationships" xmlns:p="http://schemas.openxmlformats.org/presentationml/2006/main">
+  <p:cSld>
+    <p:spTree>
+      <p:nvGrpSpPr>
+        <p:cNvPr id="1" name=""/>
+        <p:cNvGrpSpPr/>
+        <p:nvPr/>
+      </p:nvGrpSpPr>
+      <p:grpSpPr>
+        <a:xfrm>
+          <a:off x="0" y="0"/>
+          <a:ext cx="0" cy="0"/>
+          <a:chOff x="0" y="0"/>
+          <a:chExt cx="0" cy="0"/>
+        </a:xfrm>
+      </p:grpSpPr>
+      <p:sp>
+        <p:nvSpPr>
+          <p:cNvPr id="2" name="Title 1"/>
+          <p:cNvSpPr>
+            <a:spLocks noGrp="1"/>
+          </p:cNvSpPr>
+          <p:nvPr>
+            <p:ph type="title"/>
+          </p:nvPr>
+        </p:nvSpPr>
+        <p:spPr>
+          <a:xfrm>
+            <a:off x="838200" y="365126"/>
+            <a:ext cx="10515600" cy="710640"/>
+          </a:xfrm>
+        </p:spPr>
+        <p:txBody>
+          <a:bodyPr>
+            <a:normAutofit/>
+          </a:bodyPr>
+          <a:lstStyle/>
+          <a:p>
+            <a:r>
+              <a:rPr lang="en-US" sz="3200" b="1" dirty="0" smtClean="0"/>
+              <a:t>2. </a:t>
+            </a:r>
+            <a:r>
+              <a:rPr lang="en-US" sz="3200" b="1" dirty="0" err="1" smtClean="0"/>
+              <a:t>calloc</a:t>
+            </a:r>
+            <a:r>
+              <a:rPr lang="en-US" sz="3200" b="1" dirty="0" smtClean="0"/>
+              <a:t>()</a:t>
+            </a:r>
+            <a:endParaRPr lang="en-US" sz="3200" b="1" dirty="0"/>
+          </a:p>
+        </p:txBody>
+      </p:sp>
+      <p:sp>
+        <p:nvSpPr>
+          <p:cNvPr id="3" name="Content Placeholder 2"/>
+          <p:cNvSpPr>
+            <a:spLocks noGrp="1"/>
+          </p:cNvSpPr>
+          <p:nvPr>
+            <p:ph idx="1"/>
+          </p:nvPr>
+        </p:nvSpPr>
+        <p:spPr>
+          <a:xfrm>
+            <a:off x="838200" y="1237129"/>
+            <a:ext cx="10515600" cy="4939834"/>
+          </a:xfrm>
+        </p:spPr>
+        <p:txBody>
+          <a:bodyPr/>
+          <a:lstStyle/>
+          <a:p>
+            <a:r>
+              <a:rPr lang="en-US" dirty="0" smtClean="0">
+                <a:latin typeface="+mj-lt"/>
+              </a:rPr>
+              <a:t>The function provides access to the C memory heap, which is available for dynamic allocation of variable-sized blocks of memory. </a:t>
+            </a:r>
+          </a:p>
+          <a:p>
+            <a:endParaRPr lang="en-US" dirty="0">
+              <a:latin typeface="+mj-lt"/>
+            </a:endParaRPr>
+          </a:p>
+          <a:p>
+            <a:r>
+              <a:rPr lang="en-US" dirty="0" smtClean="0">
+                <a:latin typeface="+mj-lt"/>
+              </a:rPr>
+              <a:t>Unlike </a:t>
+            </a:r>
+            <a:r>
+              <a:rPr lang="en-US" dirty="0" err="1" smtClean="0">
+                <a:latin typeface="+mj-lt"/>
+              </a:rPr>
+              <a:t>malloc</a:t>
+            </a:r>
+            <a:r>
+              <a:rPr lang="en-US" dirty="0" smtClean="0">
+                <a:latin typeface="+mj-lt"/>
+              </a:rPr>
+              <a:t>(), it accepts two arguments: </a:t>
+            </a:r>
+            <a:r>
+              <a:rPr lang="en-US" i="1" dirty="0" err="1" smtClean="0">
+                <a:latin typeface="+mj-lt"/>
+              </a:rPr>
+              <a:t>no_of_blocks</a:t>
+            </a:r>
+            <a:r>
+              <a:rPr lang="en-US" dirty="0" smtClean="0">
+                <a:latin typeface="+mj-lt"/>
+              </a:rPr>
+              <a:t> and </a:t>
+            </a:r>
+            <a:r>
+              <a:rPr lang="en-US" i="1" dirty="0" err="1" smtClean="0">
+                <a:latin typeface="+mj-lt"/>
+              </a:rPr>
+              <a:t>size_of_each_block</a:t>
+            </a:r>
+            <a:r>
+              <a:rPr lang="en-US" dirty="0">
+                <a:latin typeface="+mj-lt"/>
+              </a:rPr>
+              <a:t> </a:t>
+            </a:r>
+            <a:r>
+              <a:rPr lang="en-US" dirty="0" smtClean="0">
+                <a:latin typeface="+mj-lt"/>
+              </a:rPr>
+              <a:t>specifies the size of each item.</a:t>
+            </a:r>
+          </a:p>
+          <a:p>
+            <a:endParaRPr lang="en-US" dirty="0">
+              <a:latin typeface="+mj-lt"/>
+            </a:endParaRPr>
+          </a:p>
+          <a:p>
+            <a:r>
+              <a:rPr lang="en-US" dirty="0" smtClean="0">
+                <a:latin typeface="+mj-lt"/>
+              </a:rPr>
+              <a:t>The function </a:t>
+            </a:r>
+            <a:r>
+              <a:rPr lang="en-US" dirty="0" err="1" smtClean="0">
+                <a:latin typeface="+mj-lt"/>
+              </a:rPr>
+              <a:t>calloc</a:t>
+            </a:r>
+            <a:r>
+              <a:rPr lang="en-US" dirty="0" smtClean="0">
+                <a:latin typeface="+mj-lt"/>
+              </a:rPr>
+              <a:t> allocates multiple blocks of storage, each of the same size and then sets all bytes to zero.</a:t>
+            </a:r>
+          </a:p>
+          <a:p>
+            <a:endParaRPr lang="en-US" dirty="0">
+              <a:latin typeface="+mj-lt"/>
+            </a:endParaRPr>
+          </a:p>
+          <a:p>
+            <a:r>
+              <a:rPr lang="en-US" dirty="0" err="1">
+                <a:latin typeface="+mj-lt"/>
+              </a:rPr>
+              <a:t>c</a:t>
+            </a:r>
+            <a:r>
+              <a:rPr lang="en-US" dirty="0" err="1" smtClean="0">
+                <a:latin typeface="+mj-lt"/>
+              </a:rPr>
+              <a:t>alloc</a:t>
+            </a:r>
+            <a:r>
+              <a:rPr lang="en-US" dirty="0" smtClean="0">
+                <a:latin typeface="+mj-lt"/>
+              </a:rPr>
+              <a:t> initializes all bytes in the allocated block to zero.</a:t>
+            </a:r>
+            <a:endParaRPr lang="en-US" dirty="0">
+              <a:latin typeface="+mj-lt"/>
+            </a:endParaRPr>
+          </a:p>
+        </p:txBody>
+      </p:sp>
+      <p:sp>
+        <p:nvSpPr>
+          <p:cNvPr id="4" name="Date Placeholder 3"/>
+          <p:cNvSpPr>
+            <a:spLocks noGrp="1"/>
+          </p:cNvSpPr>
+          <p:nvPr>
+            <p:ph type="dt" sz="half" idx="10"/>
+          </p:nvPr>
+        </p:nvSpPr>
+        <p:spPr/>
+        <p:txBody>
+          <a:bodyPr/>
+          <a:lstStyle/>
+          <a:p>
+            <a:fld id="{FF7EFB7B-DE71-0E4B-91D4-1D8B25020B15}" type="datetime1">
+              <a:rPr lang="en-US" smtClean="0"/>
+              <a:t>3/24/16</a:t>
+            </a:fld>
+            <a:endParaRPr lang="en-US"/>
+          </a:p>
+        </p:txBody>
+      </p:sp>
+      <p:sp>
+        <p:nvSpPr>
+          <p:cNvPr id="5" name="Footer Placeholder 4"/>
+          <p:cNvSpPr>
+            <a:spLocks noGrp="1"/>
+          </p:cNvSpPr>
+          <p:nvPr>
+            <p:ph type="ftr" sz="quarter" idx="11"/>
+          </p:nvPr>
+        </p:nvSpPr>
+        <p:spPr/>
+        <p:txBody>
+          <a:bodyPr/>
+          <a:lstStyle/>
+          <a:p>
+            <a:r>
+              <a:rPr lang="en-US" smtClean="0"/>
+              <a:t>Ashim Lamichhane</a:t>
+            </a:r>
+            <a:endParaRPr lang="en-US"/>
+          </a:p>
+        </p:txBody>
+      </p:sp>
+      <p:sp>
+        <p:nvSpPr>
+          <p:cNvPr id="6" name="Slide Number Placeholder 5"/>
+          <p:cNvSpPr>
+            <a:spLocks noGrp="1"/>
+          </p:cNvSpPr>
+          <p:nvPr>
+            <p:ph type="sldNum" sz="quarter" idx="12"/>
+          </p:nvPr>
+        </p:nvSpPr>
+        <p:spPr/>
+        <p:txBody>
+          <a:bodyPr/>
+          <a:lstStyle/>
+          <a:p>
+            <a:fld id="{5F6DF98B-7C24-4C4A-9857-F9CABD08DE4C}" type="slidenum">
+              <a:rPr lang="en-US" smtClean="0"/>
+              <a:t>54</a:t>
+            </a:fld>
+            <a:endParaRPr lang="en-US"/>
+          </a:p>
+        </p:txBody>
+      </p:sp>
+    </p:spTree>
+    <p:extLst>
+      <p:ext uri="{BB962C8B-B14F-4D97-AF65-F5344CB8AC3E}">
+        <p14:creationId xmlns:p14="http://schemas.microsoft.com/office/powerpoint/2010/main" val="1019924967"/>
+      </p:ext>
+    </p:extLst>
+  </p:cSld>
+  <p:clrMapOvr>
+    <a:masterClrMapping/>
+  </p:clrMapOvr>
+</p:sld>
+</file>
+
+<file path=ppt/slides/slide55.xml><?xml version="1.0" encoding="utf-8"?>
+<p:sld xmlns:a="http://schemas.openxmlformats.org/drawingml/2006/main" xmlns:r="http://schemas.openxmlformats.org/officeDocument/2006/relationships" xmlns:p="http://schemas.openxmlformats.org/presentationml/2006/main">
+  <p:cSld>
+    <p:spTree>
+      <p:nvGrpSpPr>
+        <p:cNvPr id="1" name=""/>
+        <p:cNvGrpSpPr/>
+        <p:nvPr/>
+      </p:nvGrpSpPr>
+      <p:grpSpPr>
+        <a:xfrm>
+          <a:off x="0" y="0"/>
+          <a:ext cx="0" cy="0"/>
+          <a:chOff x="0" y="0"/>
+          <a:chExt cx="0" cy="0"/>
+        </a:xfrm>
+      </p:grpSpPr>
+      <p:sp>
+        <p:nvSpPr>
+          <p:cNvPr id="3" name="Content Placeholder 2"/>
+          <p:cNvSpPr>
+            <a:spLocks noGrp="1"/>
+          </p:cNvSpPr>
+          <p:nvPr>
+            <p:ph idx="1"/>
+          </p:nvPr>
+        </p:nvSpPr>
+        <p:spPr>
+          <a:xfrm>
+            <a:off x="838200" y="578734"/>
+            <a:ext cx="10515600" cy="5598229"/>
+          </a:xfrm>
+        </p:spPr>
+        <p:txBody>
+          <a:bodyPr/>
+          <a:lstStyle/>
+          <a:p>
+            <a:pPr marL="0" indent="0">
+              <a:buNone/>
+            </a:pPr>
+            <a:r>
+              <a:rPr lang="en-US" b="1" dirty="0" smtClean="0">
+                <a:latin typeface="+mj-lt"/>
+              </a:rPr>
+              <a:t>	</a:t>
+            </a:r>
+            <a:r>
+              <a:rPr lang="en-US" b="1" dirty="0" err="1" smtClean="0">
+                <a:latin typeface="+mj-lt"/>
+              </a:rPr>
+              <a:t>p</a:t>
+            </a:r>
+            <a:r>
+              <a:rPr lang="en-US" b="1" dirty="0" err="1" smtClean="0">
+                <a:latin typeface="+mj-lt"/>
+              </a:rPr>
+              <a:t>tr</a:t>
+            </a:r>
+            <a:r>
+              <a:rPr lang="en-US" b="1" dirty="0" smtClean="0">
+                <a:latin typeface="+mj-lt"/>
+              </a:rPr>
+              <a:t>=(</a:t>
+            </a:r>
+            <a:r>
+              <a:rPr lang="en-US" i="1" dirty="0" err="1" smtClean="0">
+                <a:latin typeface="+mj-lt"/>
+              </a:rPr>
+              <a:t>data_type</a:t>
+            </a:r>
+            <a:r>
+              <a:rPr lang="en-US" b="1" dirty="0" smtClean="0">
+                <a:latin typeface="+mj-lt"/>
+              </a:rPr>
+              <a:t>*)</a:t>
+            </a:r>
+            <a:r>
+              <a:rPr lang="en-US" b="1" dirty="0" err="1" smtClean="0">
+                <a:latin typeface="+mj-lt"/>
+              </a:rPr>
+              <a:t>calloc</a:t>
+            </a:r>
+            <a:r>
+              <a:rPr lang="en-US" b="1" dirty="0" smtClean="0">
+                <a:latin typeface="+mj-lt"/>
+              </a:rPr>
+              <a:t>(</a:t>
+            </a:r>
+            <a:r>
+              <a:rPr lang="en-US" i="1" dirty="0" err="1" smtClean="0">
+                <a:latin typeface="+mj-lt"/>
+              </a:rPr>
+              <a:t>no_of_blocks,size_of_each_block</a:t>
+            </a:r>
+            <a:r>
+              <a:rPr lang="en-US" b="1" dirty="0" smtClean="0">
+                <a:latin typeface="+mj-lt"/>
+              </a:rPr>
+              <a:t>);</a:t>
+            </a:r>
+          </a:p>
+          <a:p>
+            <a:pPr marL="0" indent="0">
+              <a:buNone/>
+            </a:pPr>
+            <a:endParaRPr lang="en-US" b="1" dirty="0" smtClean="0">
+              <a:latin typeface="+mj-lt"/>
+            </a:endParaRPr>
+          </a:p>
+          <a:p>
+            <a:r>
+              <a:rPr lang="en-US" dirty="0" smtClean="0">
+                <a:latin typeface="+mj-lt"/>
+              </a:rPr>
+              <a:t>For Ex:</a:t>
+            </a:r>
+            <a:endParaRPr lang="en-US" dirty="0">
+              <a:latin typeface="+mj-lt"/>
+            </a:endParaRPr>
+          </a:p>
+          <a:p>
+            <a:pPr marL="0" indent="0">
+              <a:buNone/>
+            </a:pPr>
+            <a:r>
+              <a:rPr lang="en-US" dirty="0" smtClean="0">
+                <a:latin typeface="+mj-lt"/>
+              </a:rPr>
+              <a:t>		x=(</a:t>
+            </a:r>
+            <a:r>
+              <a:rPr lang="en-US" dirty="0" err="1" smtClean="0">
+                <a:latin typeface="+mj-lt"/>
+              </a:rPr>
+              <a:t>int</a:t>
+            </a:r>
+            <a:r>
+              <a:rPr lang="en-US" dirty="0" smtClean="0">
+                <a:latin typeface="+mj-lt"/>
+              </a:rPr>
+              <a:t>*) </a:t>
+            </a:r>
+            <a:r>
+              <a:rPr lang="en-US" dirty="0" err="1" smtClean="0">
+                <a:latin typeface="+mj-lt"/>
+              </a:rPr>
+              <a:t>calloc</a:t>
+            </a:r>
+            <a:r>
+              <a:rPr lang="en-US" dirty="0" smtClean="0">
+                <a:latin typeface="+mj-lt"/>
+              </a:rPr>
+              <a:t>(</a:t>
+            </a:r>
+            <a:r>
+              <a:rPr lang="tr-TR" dirty="0">
+                <a:latin typeface="+mj-lt"/>
+              </a:rPr>
+              <a:t>5,10*</a:t>
+            </a:r>
+            <a:r>
+              <a:rPr lang="tr-TR" dirty="0" err="1">
+                <a:latin typeface="+mj-lt"/>
+              </a:rPr>
+              <a:t>sizeof</a:t>
+            </a:r>
+            <a:r>
+              <a:rPr lang="tr-TR" dirty="0">
+                <a:latin typeface="+mj-lt"/>
+              </a:rPr>
+              <a:t>(</a:t>
+            </a:r>
+            <a:r>
+              <a:rPr lang="tr-TR" dirty="0" err="1">
+                <a:latin typeface="+mj-lt"/>
+              </a:rPr>
+              <a:t>int</a:t>
+            </a:r>
+            <a:r>
+              <a:rPr lang="tr-TR" dirty="0" smtClean="0">
+                <a:latin typeface="+mj-lt"/>
+              </a:rPr>
+              <a:t>));</a:t>
+            </a:r>
+          </a:p>
+          <a:p>
+            <a:pPr marL="0" indent="0">
+              <a:buNone/>
+            </a:pPr>
+            <a:r>
+              <a:rPr lang="tr-TR" dirty="0" smtClean="0">
+                <a:latin typeface="+mj-lt"/>
+              </a:rPr>
+              <a:t>				</a:t>
+            </a:r>
+            <a:r>
+              <a:rPr lang="tr-TR" dirty="0" err="1" smtClean="0">
+                <a:latin typeface="+mj-lt"/>
+              </a:rPr>
+              <a:t>Or</a:t>
+            </a:r>
+            <a:endParaRPr lang="tr-TR" dirty="0" smtClean="0">
+              <a:latin typeface="+mj-lt"/>
+            </a:endParaRPr>
+          </a:p>
+          <a:p>
+            <a:pPr marL="0" indent="0">
+              <a:buNone/>
+            </a:pPr>
+            <a:r>
+              <a:rPr lang="tr-TR" dirty="0" smtClean="0">
+                <a:latin typeface="+mj-lt"/>
+              </a:rPr>
+              <a:t>		x</a:t>
+            </a:r>
+            <a:r>
+              <a:rPr lang="tr-TR" dirty="0">
+                <a:latin typeface="+mj-lt"/>
+              </a:rPr>
+              <a:t>=(</a:t>
+            </a:r>
+            <a:r>
+              <a:rPr lang="tr-TR" dirty="0" err="1">
+                <a:latin typeface="+mj-lt"/>
+              </a:rPr>
+              <a:t>int</a:t>
+            </a:r>
+            <a:r>
+              <a:rPr lang="tr-TR" dirty="0">
+                <a:latin typeface="+mj-lt"/>
+              </a:rPr>
+              <a:t>*) </a:t>
+            </a:r>
+            <a:r>
+              <a:rPr lang="tr-TR" dirty="0" err="1" smtClean="0">
+                <a:latin typeface="+mj-lt"/>
+              </a:rPr>
+              <a:t>calloc</a:t>
+            </a:r>
+            <a:r>
+              <a:rPr lang="tr-TR" dirty="0" smtClean="0">
+                <a:latin typeface="+mj-lt"/>
+              </a:rPr>
+              <a:t>(5,20);</a:t>
+            </a:r>
+          </a:p>
+          <a:p>
+            <a:pPr marL="0" indent="0">
+              <a:buNone/>
+            </a:pPr>
+            <a:endParaRPr lang="tr-TR" dirty="0" smtClean="0">
+              <a:latin typeface="+mj-lt"/>
+            </a:endParaRPr>
+          </a:p>
+          <a:p>
+            <a:r>
+              <a:rPr lang="tr-TR" dirty="0" err="1" smtClean="0">
+                <a:latin typeface="+mj-lt"/>
+              </a:rPr>
+              <a:t>The</a:t>
+            </a:r>
+            <a:r>
+              <a:rPr lang="tr-TR" dirty="0" smtClean="0">
+                <a:latin typeface="+mj-lt"/>
+              </a:rPr>
+              <a:t> </a:t>
+            </a:r>
+            <a:r>
+              <a:rPr lang="tr-TR" dirty="0" err="1" smtClean="0">
+                <a:latin typeface="+mj-lt"/>
+              </a:rPr>
+              <a:t>above</a:t>
+            </a:r>
+            <a:r>
+              <a:rPr lang="tr-TR" dirty="0" smtClean="0">
+                <a:latin typeface="+mj-lt"/>
+              </a:rPr>
+              <a:t> </a:t>
+            </a:r>
+            <a:r>
+              <a:rPr lang="tr-TR" dirty="0" err="1" smtClean="0">
+                <a:latin typeface="+mj-lt"/>
+              </a:rPr>
+              <a:t>statement</a:t>
+            </a:r>
+            <a:r>
+              <a:rPr lang="tr-TR" dirty="0" smtClean="0">
+                <a:latin typeface="+mj-lt"/>
+              </a:rPr>
+              <a:t> </a:t>
+            </a:r>
+            <a:r>
+              <a:rPr lang="tr-TR" dirty="0" err="1" smtClean="0">
+                <a:latin typeface="+mj-lt"/>
+              </a:rPr>
+              <a:t>allocates</a:t>
+            </a:r>
+            <a:r>
+              <a:rPr lang="tr-TR" dirty="0" smtClean="0">
+                <a:latin typeface="+mj-lt"/>
+              </a:rPr>
+              <a:t> </a:t>
+            </a:r>
+            <a:r>
+              <a:rPr lang="tr-TR" dirty="0" err="1" smtClean="0">
+                <a:latin typeface="+mj-lt"/>
+              </a:rPr>
+              <a:t>contiguous</a:t>
+            </a:r>
+            <a:r>
+              <a:rPr lang="tr-TR" dirty="0" smtClean="0">
+                <a:latin typeface="+mj-lt"/>
+              </a:rPr>
+              <a:t> </a:t>
+            </a:r>
+            <a:r>
+              <a:rPr lang="tr-TR" dirty="0" err="1" smtClean="0">
+                <a:latin typeface="+mj-lt"/>
+              </a:rPr>
+              <a:t>space</a:t>
+            </a:r>
+            <a:r>
+              <a:rPr lang="tr-TR" dirty="0" smtClean="0">
+                <a:latin typeface="+mj-lt"/>
+              </a:rPr>
+              <a:t> </a:t>
+            </a:r>
+            <a:r>
+              <a:rPr lang="tr-TR" dirty="0" err="1" smtClean="0">
+                <a:latin typeface="+mj-lt"/>
+              </a:rPr>
+              <a:t>for</a:t>
+            </a:r>
+            <a:r>
+              <a:rPr lang="tr-TR" dirty="0" smtClean="0">
+                <a:latin typeface="+mj-lt"/>
+              </a:rPr>
+              <a:t> 5 </a:t>
+            </a:r>
+            <a:r>
+              <a:rPr lang="tr-TR" dirty="0" err="1" smtClean="0">
+                <a:latin typeface="+mj-lt"/>
+              </a:rPr>
+              <a:t>blocks</a:t>
+            </a:r>
+            <a:r>
+              <a:rPr lang="tr-TR" dirty="0" smtClean="0">
+                <a:latin typeface="+mj-lt"/>
+              </a:rPr>
+              <a:t>, </a:t>
+            </a:r>
+            <a:r>
+              <a:rPr lang="tr-TR" dirty="0" err="1" smtClean="0">
+                <a:latin typeface="+mj-lt"/>
+              </a:rPr>
+              <a:t>each</a:t>
+            </a:r>
+            <a:r>
+              <a:rPr lang="tr-TR" dirty="0" smtClean="0">
+                <a:latin typeface="+mj-lt"/>
+              </a:rPr>
+              <a:t> of size 20bytes. </a:t>
+            </a:r>
+            <a:r>
+              <a:rPr lang="tr-TR" dirty="0" err="1" smtClean="0">
+                <a:latin typeface="+mj-lt"/>
+              </a:rPr>
+              <a:t>i.e</a:t>
+            </a:r>
+            <a:r>
+              <a:rPr lang="tr-TR" dirty="0" smtClean="0">
+                <a:latin typeface="+mj-lt"/>
+              </a:rPr>
+              <a:t>. </a:t>
+            </a:r>
+            <a:r>
+              <a:rPr lang="tr-TR" dirty="0" err="1" smtClean="0">
+                <a:latin typeface="+mj-lt"/>
+              </a:rPr>
+              <a:t>We</a:t>
+            </a:r>
+            <a:r>
+              <a:rPr lang="tr-TR" dirty="0" smtClean="0">
+                <a:latin typeface="+mj-lt"/>
+              </a:rPr>
+              <a:t> can </a:t>
+            </a:r>
+            <a:r>
+              <a:rPr lang="tr-TR" dirty="0" err="1" smtClean="0">
+                <a:latin typeface="+mj-lt"/>
+              </a:rPr>
+              <a:t>store</a:t>
+            </a:r>
+            <a:r>
+              <a:rPr lang="tr-TR" dirty="0" smtClean="0">
+                <a:latin typeface="+mj-lt"/>
+              </a:rPr>
+              <a:t> 5 </a:t>
+            </a:r>
+            <a:r>
+              <a:rPr lang="tr-TR" dirty="0" err="1" smtClean="0">
+                <a:latin typeface="+mj-lt"/>
+              </a:rPr>
+              <a:t>arrays</a:t>
+            </a:r>
+            <a:r>
+              <a:rPr lang="tr-TR" dirty="0" smtClean="0">
+                <a:latin typeface="+mj-lt"/>
+              </a:rPr>
+              <a:t>, </a:t>
+            </a:r>
+            <a:r>
+              <a:rPr lang="tr-TR" dirty="0" err="1" smtClean="0">
+                <a:latin typeface="+mj-lt"/>
+              </a:rPr>
+              <a:t>each</a:t>
+            </a:r>
+            <a:r>
+              <a:rPr lang="tr-TR" dirty="0" smtClean="0">
+                <a:latin typeface="+mj-lt"/>
+              </a:rPr>
+              <a:t> of 10 </a:t>
+            </a:r>
+            <a:r>
+              <a:rPr lang="tr-TR" dirty="0" err="1" smtClean="0">
+                <a:latin typeface="+mj-lt"/>
+              </a:rPr>
+              <a:t>elements</a:t>
+            </a:r>
+            <a:r>
+              <a:rPr lang="tr-TR" dirty="0" smtClean="0">
+                <a:latin typeface="+mj-lt"/>
+              </a:rPr>
+              <a:t> of </a:t>
+            </a:r>
+            <a:r>
+              <a:rPr lang="tr-TR" dirty="0" err="1" smtClean="0">
+                <a:latin typeface="+mj-lt"/>
+              </a:rPr>
+              <a:t>integer</a:t>
+            </a:r>
+            <a:r>
+              <a:rPr lang="tr-TR" dirty="0" smtClean="0">
+                <a:latin typeface="+mj-lt"/>
+              </a:rPr>
+              <a:t> </a:t>
+            </a:r>
+            <a:r>
+              <a:rPr lang="tr-TR" dirty="0" err="1" smtClean="0">
+                <a:latin typeface="+mj-lt"/>
+              </a:rPr>
+              <a:t>types</a:t>
+            </a:r>
+            <a:r>
+              <a:rPr lang="tr-TR" dirty="0" smtClean="0">
+                <a:latin typeface="+mj-lt"/>
+              </a:rPr>
+              <a:t>.</a:t>
+            </a:r>
+            <a:endParaRPr lang="tr-TR" dirty="0">
+              <a:latin typeface="+mj-lt"/>
+            </a:endParaRPr>
+          </a:p>
+          <a:p>
+            <a:endParaRPr lang="tr-TR" dirty="0">
+              <a:latin typeface="+mj-lt"/>
+            </a:endParaRPr>
+          </a:p>
+          <a:p>
+            <a:endParaRPr lang="en-US" dirty="0" smtClean="0">
+              <a:latin typeface="+mj-lt"/>
+            </a:endParaRPr>
+          </a:p>
+        </p:txBody>
+      </p:sp>
+      <p:sp>
+        <p:nvSpPr>
+          <p:cNvPr id="4" name="Date Placeholder 3"/>
+          <p:cNvSpPr>
+            <a:spLocks noGrp="1"/>
+          </p:cNvSpPr>
+          <p:nvPr>
+            <p:ph type="dt" sz="half" idx="10"/>
+          </p:nvPr>
+        </p:nvSpPr>
+        <p:spPr/>
+        <p:txBody>
+          <a:bodyPr/>
+          <a:lstStyle/>
+          <a:p>
+            <a:fld id="{FF7EFB7B-DE71-0E4B-91D4-1D8B25020B15}" type="datetime1">
+              <a:rPr lang="en-US" smtClean="0"/>
+              <a:t>3/24/16</a:t>
+            </a:fld>
+            <a:endParaRPr lang="en-US"/>
+          </a:p>
+        </p:txBody>
+      </p:sp>
+      <p:sp>
+        <p:nvSpPr>
+          <p:cNvPr id="5" name="Footer Placeholder 4"/>
+          <p:cNvSpPr>
+            <a:spLocks noGrp="1"/>
+          </p:cNvSpPr>
+          <p:nvPr>
+            <p:ph type="ftr" sz="quarter" idx="11"/>
+          </p:nvPr>
+        </p:nvSpPr>
+        <p:spPr/>
+        <p:txBody>
+          <a:bodyPr/>
+          <a:lstStyle/>
+          <a:p>
+            <a:r>
+              <a:rPr lang="en-US" smtClean="0"/>
+              <a:t>Ashim Lamichhane</a:t>
+            </a:r>
+            <a:endParaRPr lang="en-US"/>
+          </a:p>
+        </p:txBody>
+      </p:sp>
+      <p:sp>
+        <p:nvSpPr>
+          <p:cNvPr id="6" name="Slide Number Placeholder 5"/>
+          <p:cNvSpPr>
+            <a:spLocks noGrp="1"/>
+          </p:cNvSpPr>
+          <p:nvPr>
+            <p:ph type="sldNum" sz="quarter" idx="12"/>
+          </p:nvPr>
+        </p:nvSpPr>
+        <p:spPr/>
+        <p:txBody>
+          <a:bodyPr/>
+          <a:lstStyle/>
+          <a:p>
+            <a:fld id="{5F6DF98B-7C24-4C4A-9857-F9CABD08DE4C}" type="slidenum">
+              <a:rPr lang="en-US" smtClean="0"/>
+              <a:t>55</a:t>
+            </a:fld>
+            <a:endParaRPr lang="en-US"/>
+          </a:p>
+        </p:txBody>
+      </p:sp>
+    </p:spTree>
+    <p:extLst>
+      <p:ext uri="{BB962C8B-B14F-4D97-AF65-F5344CB8AC3E}">
+        <p14:creationId xmlns:p14="http://schemas.microsoft.com/office/powerpoint/2010/main" val="1431447446"/>
+      </p:ext>
+    </p:extLst>
+  </p:cSld>
+  <p:clrMapOvr>
+    <a:masterClrMapping/>
+  </p:clrMapOvr>
+</p:sld>
+</file>
+
+<file path=ppt/slides/slide56.xml><?xml version="1.0" encoding="utf-8"?>
+<p:sld xmlns:a="http://schemas.openxmlformats.org/drawingml/2006/main" xmlns:r="http://schemas.openxmlformats.org/officeDocument/2006/relationships" xmlns:p="http://schemas.openxmlformats.org/presentationml/2006/main">
+  <p:cSld>
+    <p:spTree>
+      <p:nvGrpSpPr>
+        <p:cNvPr id="1" name=""/>
+        <p:cNvGrpSpPr/>
+        <p:nvPr/>
+      </p:nvGrpSpPr>
+      <p:grpSpPr>
+        <a:xfrm>
+          <a:off x="0" y="0"/>
+          <a:ext cx="0" cy="0"/>
+          <a:chOff x="0" y="0"/>
+          <a:chExt cx="0" cy="0"/>
+        </a:xfrm>
+      </p:grpSpPr>
+      <p:sp>
+        <p:nvSpPr>
+          <p:cNvPr id="2" name="Title 1"/>
+          <p:cNvSpPr>
+            <a:spLocks noGrp="1"/>
+          </p:cNvSpPr>
+          <p:nvPr>
+            <p:ph type="title"/>
+          </p:nvPr>
+        </p:nvSpPr>
+        <p:spPr>
+          <a:xfrm>
+            <a:off x="838200" y="365126"/>
+            <a:ext cx="10515600" cy="710640"/>
+          </a:xfrm>
+        </p:spPr>
+        <p:txBody>
+          <a:bodyPr>
+            <a:normAutofit/>
+          </a:bodyPr>
+          <a:lstStyle/>
+          <a:p>
+            <a:r>
+              <a:rPr lang="en-US" sz="3200" b="1" dirty="0" smtClean="0"/>
+              <a:t>3. free()</a:t>
+            </a:r>
+            <a:endParaRPr lang="en-US" sz="3200" b="1" dirty="0"/>
+          </a:p>
+        </p:txBody>
+      </p:sp>
+      <p:sp>
+        <p:nvSpPr>
+          <p:cNvPr id="3" name="Content Placeholder 2"/>
+          <p:cNvSpPr>
+            <a:spLocks noGrp="1"/>
+          </p:cNvSpPr>
+          <p:nvPr>
+            <p:ph idx="1"/>
+          </p:nvPr>
+        </p:nvSpPr>
+        <p:spPr>
+          <a:xfrm>
+            <a:off x="838200" y="1237129"/>
+            <a:ext cx="10515600" cy="4939834"/>
+          </a:xfrm>
+        </p:spPr>
+        <p:txBody>
+          <a:bodyPr/>
+          <a:lstStyle/>
+          <a:p>
+            <a:r>
+              <a:rPr lang="en-US" dirty="0" smtClean="0">
+                <a:latin typeface="+mj-lt"/>
+              </a:rPr>
+              <a:t>Frees previously allocated space by </a:t>
+            </a:r>
+            <a:r>
+              <a:rPr lang="en-US" dirty="0" err="1" smtClean="0">
+                <a:latin typeface="+mj-lt"/>
+              </a:rPr>
+              <a:t>calloc</a:t>
+            </a:r>
+            <a:r>
+              <a:rPr lang="en-US" dirty="0" smtClean="0">
+                <a:latin typeface="+mj-lt"/>
+              </a:rPr>
+              <a:t>, </a:t>
+            </a:r>
+            <a:r>
+              <a:rPr lang="en-US" dirty="0" err="1" smtClean="0">
+                <a:latin typeface="+mj-lt"/>
+              </a:rPr>
+              <a:t>malloc</a:t>
+            </a:r>
+            <a:r>
+              <a:rPr lang="en-US" dirty="0" smtClean="0">
+                <a:latin typeface="+mj-lt"/>
+              </a:rPr>
+              <a:t> or </a:t>
+            </a:r>
+            <a:r>
+              <a:rPr lang="en-US" dirty="0" err="1" smtClean="0">
+                <a:latin typeface="+mj-lt"/>
+              </a:rPr>
+              <a:t>realloc</a:t>
+            </a:r>
+            <a:r>
+              <a:rPr lang="en-US" dirty="0" smtClean="0">
+                <a:latin typeface="+mj-lt"/>
+              </a:rPr>
+              <a:t> functions.</a:t>
+            </a:r>
+          </a:p>
+          <a:p>
+            <a:endParaRPr lang="en-US" dirty="0">
+              <a:latin typeface="+mj-lt"/>
+            </a:endParaRPr>
+          </a:p>
+          <a:p>
+            <a:r>
+              <a:rPr lang="en-US" dirty="0" smtClean="0">
+                <a:latin typeface="+mj-lt"/>
+              </a:rPr>
+              <a:t>The memory dynamically allocated is not returned to the system until the programmer returns the memory explicitly. This can be done using free() function.</a:t>
+            </a:r>
+          </a:p>
+          <a:p>
+            <a:endParaRPr lang="en-US" dirty="0">
+              <a:latin typeface="+mj-lt"/>
+            </a:endParaRPr>
+          </a:p>
+          <a:p>
+            <a:r>
+              <a:rPr lang="en-US" dirty="0" smtClean="0">
+                <a:latin typeface="+mj-lt"/>
+              </a:rPr>
+              <a:t>This function is used to release the space when not required.</a:t>
+            </a:r>
+          </a:p>
+          <a:p>
+            <a:endParaRPr lang="en-US" dirty="0" smtClean="0">
+              <a:latin typeface="+mj-lt"/>
+            </a:endParaRPr>
+          </a:p>
+          <a:p>
+            <a:r>
+              <a:rPr lang="en-US" dirty="0" smtClean="0">
+                <a:latin typeface="+mj-lt"/>
+              </a:rPr>
+              <a:t>Syntax:	</a:t>
+            </a:r>
+            <a:r>
+              <a:rPr lang="en-US" b="1" dirty="0" smtClean="0">
+                <a:latin typeface="+mj-lt"/>
+              </a:rPr>
+              <a:t>free(</a:t>
+            </a:r>
+            <a:r>
+              <a:rPr lang="en-US" b="1" dirty="0" err="1" smtClean="0">
+                <a:latin typeface="+mj-lt"/>
+              </a:rPr>
+              <a:t>ptr</a:t>
+            </a:r>
+            <a:r>
+              <a:rPr lang="en-US" b="1" dirty="0" smtClean="0">
+                <a:latin typeface="+mj-lt"/>
+              </a:rPr>
+              <a:t>); </a:t>
+            </a:r>
+          </a:p>
+          <a:p>
+            <a:endParaRPr lang="en-US" dirty="0">
+              <a:latin typeface="+mj-lt"/>
+            </a:endParaRPr>
+          </a:p>
+        </p:txBody>
+      </p:sp>
+      <p:sp>
+        <p:nvSpPr>
+          <p:cNvPr id="4" name="Date Placeholder 3"/>
+          <p:cNvSpPr>
+            <a:spLocks noGrp="1"/>
+          </p:cNvSpPr>
+          <p:nvPr>
+            <p:ph type="dt" sz="half" idx="10"/>
+          </p:nvPr>
+        </p:nvSpPr>
+        <p:spPr/>
+        <p:txBody>
+          <a:bodyPr/>
+          <a:lstStyle/>
+          <a:p>
+            <a:fld id="{FF7EFB7B-DE71-0E4B-91D4-1D8B25020B15}" type="datetime1">
+              <a:rPr lang="en-US" smtClean="0"/>
+              <a:t>3/23/16</a:t>
+            </a:fld>
+            <a:endParaRPr lang="en-US"/>
+          </a:p>
+        </p:txBody>
+      </p:sp>
+      <p:sp>
+        <p:nvSpPr>
+          <p:cNvPr id="5" name="Footer Placeholder 4"/>
+          <p:cNvSpPr>
+            <a:spLocks noGrp="1"/>
+          </p:cNvSpPr>
+          <p:nvPr>
+            <p:ph type="ftr" sz="quarter" idx="11"/>
+          </p:nvPr>
+        </p:nvSpPr>
+        <p:spPr/>
+        <p:txBody>
+          <a:bodyPr/>
+          <a:lstStyle/>
+          <a:p>
+            <a:r>
+              <a:rPr lang="en-US" smtClean="0"/>
+              <a:t>Ashim Lamichhane</a:t>
+            </a:r>
+            <a:endParaRPr lang="en-US"/>
+          </a:p>
+        </p:txBody>
+      </p:sp>
+      <p:sp>
+        <p:nvSpPr>
+          <p:cNvPr id="6" name="Slide Number Placeholder 5"/>
+          <p:cNvSpPr>
+            <a:spLocks noGrp="1"/>
+          </p:cNvSpPr>
+          <p:nvPr>
+            <p:ph type="sldNum" sz="quarter" idx="12"/>
+          </p:nvPr>
+        </p:nvSpPr>
+        <p:spPr/>
+        <p:txBody>
+          <a:bodyPr/>
+          <a:lstStyle/>
+          <a:p>
+            <a:fld id="{5F6DF98B-7C24-4C4A-9857-F9CABD08DE4C}" type="slidenum">
+              <a:rPr lang="en-US" smtClean="0"/>
+              <a:t>56</a:t>
+            </a:fld>
+            <a:endParaRPr lang="en-US"/>
+          </a:p>
+        </p:txBody>
+      </p:sp>
+    </p:spTree>
+    <p:extLst>
+      <p:ext uri="{BB962C8B-B14F-4D97-AF65-F5344CB8AC3E}">
+        <p14:creationId xmlns:p14="http://schemas.microsoft.com/office/powerpoint/2010/main" val="1239879412"/>
+      </p:ext>
+    </p:extLst>
+  </p:cSld>
+  <p:clrMapOvr>
+    <a:masterClrMapping/>
+  </p:clrMapOvr>
+</p:sld>
+</file>
+
+<file path=ppt/slides/slide57.xml><?xml version="1.0" encoding="utf-8"?>
+<p:sld xmlns:a="http://schemas.openxmlformats.org/drawingml/2006/main" xmlns:r="http://schemas.openxmlformats.org/officeDocument/2006/relationships" xmlns:p="http://schemas.openxmlformats.org/presentationml/2006/main">
+  <p:cSld>
+    <p:spTree>
+      <p:nvGrpSpPr>
+        <p:cNvPr id="1" name=""/>
+        <p:cNvGrpSpPr/>
+        <p:nvPr/>
+      </p:nvGrpSpPr>
+      <p:grpSpPr>
+        <a:xfrm>
+          <a:off x="0" y="0"/>
+          <a:ext cx="0" cy="0"/>
+          <a:chOff x="0" y="0"/>
+          <a:chExt cx="0" cy="0"/>
+        </a:xfrm>
+      </p:grpSpPr>
+      <p:sp>
+        <p:nvSpPr>
+          <p:cNvPr id="2" name="Title 1"/>
+          <p:cNvSpPr>
+            <a:spLocks noGrp="1"/>
+          </p:cNvSpPr>
+          <p:nvPr>
+            <p:ph type="title"/>
+          </p:nvPr>
+        </p:nvSpPr>
+        <p:spPr>
+          <a:xfrm>
+            <a:off x="838200" y="365126"/>
+            <a:ext cx="10515600" cy="710640"/>
+          </a:xfrm>
+        </p:spPr>
+        <p:txBody>
+          <a:bodyPr>
+            <a:normAutofit/>
+          </a:bodyPr>
+          <a:lstStyle/>
+          <a:p>
+            <a:r>
+              <a:rPr lang="en-US" sz="3200" b="1" dirty="0" smtClean="0"/>
+              <a:t>4. </a:t>
+            </a:r>
+            <a:r>
+              <a:rPr lang="en-US" sz="3200" b="1" dirty="0" err="1" smtClean="0"/>
+              <a:t>r</a:t>
+            </a:r>
+            <a:r>
+              <a:rPr lang="en-US" sz="3200" b="1" dirty="0" err="1" smtClean="0"/>
+              <a:t>ealloc</a:t>
+            </a:r>
+            <a:r>
+              <a:rPr lang="en-US" sz="3200" b="1" dirty="0" smtClean="0"/>
+              <a:t>()</a:t>
+            </a:r>
+            <a:endParaRPr lang="en-US" sz="3200" b="1" dirty="0"/>
+          </a:p>
+        </p:txBody>
+      </p:sp>
+      <p:sp>
+        <p:nvSpPr>
+          <p:cNvPr id="3" name="Content Placeholder 2"/>
+          <p:cNvSpPr>
+            <a:spLocks noGrp="1"/>
+          </p:cNvSpPr>
+          <p:nvPr>
+            <p:ph idx="1"/>
+          </p:nvPr>
+        </p:nvSpPr>
+        <p:spPr>
+          <a:xfrm>
+            <a:off x="838200" y="1237129"/>
+            <a:ext cx="10515600" cy="4939834"/>
+          </a:xfrm>
+        </p:spPr>
+        <p:txBody>
+          <a:bodyPr/>
+          <a:lstStyle/>
+          <a:p>
+            <a:r>
+              <a:rPr lang="en-US" dirty="0" smtClean="0">
+                <a:latin typeface="+mj-lt"/>
+              </a:rPr>
+              <a:t>This function is used to modify the size of previously allocated space.</a:t>
+            </a:r>
+          </a:p>
+          <a:p>
+            <a:endParaRPr lang="en-US" dirty="0" smtClean="0">
+              <a:latin typeface="+mj-lt"/>
+            </a:endParaRPr>
+          </a:p>
+          <a:p>
+            <a:r>
+              <a:rPr lang="en-US" dirty="0" smtClean="0">
+                <a:latin typeface="+mj-lt"/>
+              </a:rPr>
+              <a:t>Sometimes the previously allocated memory is not sufficient; we need additional space and sometime the allocated memory is much larger than necessary.</a:t>
+            </a:r>
+          </a:p>
+          <a:p>
+            <a:endParaRPr lang="en-US" dirty="0">
+              <a:latin typeface="+mj-lt"/>
+            </a:endParaRPr>
+          </a:p>
+          <a:p>
+            <a:r>
+              <a:rPr lang="en-US" dirty="0" smtClean="0">
+                <a:latin typeface="+mj-lt"/>
+              </a:rPr>
+              <a:t>We can change memory size already allocated with the help of function </a:t>
+            </a:r>
+            <a:r>
+              <a:rPr lang="en-US" dirty="0" err="1" smtClean="0">
+                <a:latin typeface="+mj-lt"/>
+              </a:rPr>
+              <a:t>realloc</a:t>
+            </a:r>
+            <a:r>
+              <a:rPr lang="en-US" dirty="0" smtClean="0">
+                <a:latin typeface="+mj-lt"/>
+              </a:rPr>
+              <a:t>().</a:t>
+            </a:r>
+          </a:p>
+          <a:p>
+            <a:endParaRPr lang="en-US" dirty="0" smtClean="0">
+              <a:latin typeface="+mj-lt"/>
+            </a:endParaRPr>
+          </a:p>
+        </p:txBody>
+      </p:sp>
+      <p:sp>
+        <p:nvSpPr>
+          <p:cNvPr id="4" name="Date Placeholder 3"/>
+          <p:cNvSpPr>
+            <a:spLocks noGrp="1"/>
+          </p:cNvSpPr>
+          <p:nvPr>
+            <p:ph type="dt" sz="half" idx="10"/>
+          </p:nvPr>
+        </p:nvSpPr>
+        <p:spPr/>
+        <p:txBody>
+          <a:bodyPr/>
+          <a:lstStyle/>
+          <a:p>
+            <a:fld id="{FF7EFB7B-DE71-0E4B-91D4-1D8B25020B15}" type="datetime1">
+              <a:rPr lang="en-US" smtClean="0"/>
+              <a:t>3/24/16</a:t>
+            </a:fld>
+            <a:endParaRPr lang="en-US"/>
+          </a:p>
+        </p:txBody>
+      </p:sp>
+      <p:sp>
+        <p:nvSpPr>
+          <p:cNvPr id="5" name="Footer Placeholder 4"/>
+          <p:cNvSpPr>
+            <a:spLocks noGrp="1"/>
+          </p:cNvSpPr>
+          <p:nvPr>
+            <p:ph type="ftr" sz="quarter" idx="11"/>
+          </p:nvPr>
+        </p:nvSpPr>
+        <p:spPr/>
+        <p:txBody>
+          <a:bodyPr/>
+          <a:lstStyle/>
+          <a:p>
+            <a:r>
+              <a:rPr lang="en-US" smtClean="0"/>
+              <a:t>Ashim Lamichhane</a:t>
+            </a:r>
+            <a:endParaRPr lang="en-US"/>
+          </a:p>
+        </p:txBody>
+      </p:sp>
+      <p:sp>
+        <p:nvSpPr>
+          <p:cNvPr id="6" name="Slide Number Placeholder 5"/>
+          <p:cNvSpPr>
+            <a:spLocks noGrp="1"/>
+          </p:cNvSpPr>
+          <p:nvPr>
+            <p:ph type="sldNum" sz="quarter" idx="12"/>
+          </p:nvPr>
+        </p:nvSpPr>
+        <p:spPr/>
+        <p:txBody>
+          <a:bodyPr/>
+          <a:lstStyle/>
+          <a:p>
+            <a:fld id="{5F6DF98B-7C24-4C4A-9857-F9CABD08DE4C}" type="slidenum">
+              <a:rPr lang="en-US" smtClean="0"/>
+              <a:t>57</a:t>
+            </a:fld>
+            <a:endParaRPr lang="en-US"/>
+          </a:p>
+        </p:txBody>
+      </p:sp>
+    </p:spTree>
+    <p:extLst>
+      <p:ext uri="{BB962C8B-B14F-4D97-AF65-F5344CB8AC3E}">
+        <p14:creationId xmlns:p14="http://schemas.microsoft.com/office/powerpoint/2010/main" val="184709233"/>
+      </p:ext>
+    </p:extLst>
+  </p:cSld>
+  <p:clrMapOvr>
+    <a:masterClrMapping/>
+  </p:clrMapOvr>
+</p:sld>
+</file>
+
+<file path=ppt/slides/slide58.xml><?xml version="1.0" encoding="utf-8"?>
+<p:sld xmlns:a="http://schemas.openxmlformats.org/drawingml/2006/main" xmlns:r="http://schemas.openxmlformats.org/officeDocument/2006/relationships" xmlns:p="http://schemas.openxmlformats.org/presentationml/2006/main">
+  <p:cSld>
+    <p:spTree>
+      <p:nvGrpSpPr>
+        <p:cNvPr id="1" name=""/>
+        <p:cNvGrpSpPr/>
+        <p:nvPr/>
+      </p:nvGrpSpPr>
+      <p:grpSpPr>
+        <a:xfrm>
+          <a:off x="0" y="0"/>
+          <a:ext cx="0" cy="0"/>
+          <a:chOff x="0" y="0"/>
+          <a:chExt cx="0" cy="0"/>
+        </a:xfrm>
+      </p:grpSpPr>
+      <p:sp>
+        <p:nvSpPr>
+          <p:cNvPr id="2" name="Title 1"/>
+          <p:cNvSpPr>
+            <a:spLocks noGrp="1"/>
+          </p:cNvSpPr>
+          <p:nvPr>
+            <p:ph type="title"/>
+          </p:nvPr>
+        </p:nvSpPr>
+        <p:spPr>
+          <a:xfrm>
+            <a:off x="838200" y="365126"/>
+            <a:ext cx="10515600" cy="710640"/>
+          </a:xfrm>
+        </p:spPr>
+        <p:txBody>
+          <a:bodyPr>
+            <a:normAutofit/>
+          </a:bodyPr>
+          <a:lstStyle/>
+          <a:p>
+            <a:endParaRPr lang="en-US" sz="3200" b="1" dirty="0"/>
+          </a:p>
+        </p:txBody>
+      </p:sp>
+      <p:sp>
+        <p:nvSpPr>
+          <p:cNvPr id="3" name="Content Placeholder 2"/>
+          <p:cNvSpPr>
+            <a:spLocks noGrp="1"/>
+          </p:cNvSpPr>
+          <p:nvPr>
+            <p:ph idx="1"/>
+          </p:nvPr>
+        </p:nvSpPr>
+        <p:spPr>
+          <a:xfrm>
+            <a:off x="838200" y="1237129"/>
+            <a:ext cx="10515600" cy="4939834"/>
+          </a:xfrm>
+        </p:spPr>
+        <p:txBody>
+          <a:bodyPr/>
+          <a:lstStyle/>
+          <a:p>
+            <a:r>
+              <a:rPr lang="en-US" dirty="0" smtClean="0">
+                <a:latin typeface="+mj-lt"/>
+              </a:rPr>
+              <a:t>If the original allocation is done by the statement</a:t>
+            </a:r>
+          </a:p>
+          <a:p>
+            <a:pPr marL="0" indent="0">
+              <a:buNone/>
+            </a:pPr>
+            <a:r>
+              <a:rPr lang="en-US" dirty="0" smtClean="0">
+                <a:latin typeface="+mj-lt"/>
+              </a:rPr>
+              <a:t>		</a:t>
+            </a:r>
+            <a:r>
+              <a:rPr lang="en-US" dirty="0" err="1" smtClean="0">
+                <a:latin typeface="+mj-lt"/>
+              </a:rPr>
+              <a:t>ptr</a:t>
+            </a:r>
+            <a:r>
+              <a:rPr lang="en-US" dirty="0" smtClean="0">
+                <a:latin typeface="+mj-lt"/>
+              </a:rPr>
+              <a:t>=</a:t>
+            </a:r>
+            <a:r>
+              <a:rPr lang="en-US" dirty="0" err="1" smtClean="0">
+                <a:latin typeface="+mj-lt"/>
+              </a:rPr>
+              <a:t>malloc</a:t>
+            </a:r>
+            <a:r>
+              <a:rPr lang="en-US" dirty="0" smtClean="0">
+                <a:latin typeface="+mj-lt"/>
+              </a:rPr>
+              <a:t>(size);</a:t>
+            </a:r>
+          </a:p>
+          <a:p>
+            <a:r>
+              <a:rPr lang="en-US" dirty="0" smtClean="0">
+                <a:latin typeface="+mj-lt"/>
+              </a:rPr>
+              <a:t>Then, reallocation of space may be done by the statement</a:t>
+            </a:r>
+          </a:p>
+          <a:p>
+            <a:pPr marL="0" indent="0">
+              <a:buNone/>
+            </a:pPr>
+            <a:r>
+              <a:rPr lang="en-US" dirty="0" smtClean="0">
+                <a:latin typeface="+mj-lt"/>
+              </a:rPr>
+              <a:t>		</a:t>
+            </a:r>
+            <a:r>
+              <a:rPr lang="en-US" dirty="0" err="1" smtClean="0">
+                <a:latin typeface="+mj-lt"/>
+              </a:rPr>
+              <a:t>ptr</a:t>
+            </a:r>
+            <a:r>
+              <a:rPr lang="en-US" dirty="0" smtClean="0">
+                <a:latin typeface="+mj-lt"/>
+              </a:rPr>
+              <a:t>=</a:t>
+            </a:r>
+            <a:r>
+              <a:rPr lang="en-US" dirty="0" err="1" smtClean="0">
+                <a:latin typeface="+mj-lt"/>
+              </a:rPr>
+              <a:t>realloc</a:t>
+            </a:r>
+            <a:r>
+              <a:rPr lang="en-US" dirty="0" smtClean="0">
+                <a:latin typeface="+mj-lt"/>
+              </a:rPr>
+              <a:t>(</a:t>
+            </a:r>
+            <a:r>
+              <a:rPr lang="en-US" dirty="0" err="1" smtClean="0">
+                <a:latin typeface="+mj-lt"/>
+              </a:rPr>
+              <a:t>ptr,</a:t>
+            </a:r>
+            <a:r>
+              <a:rPr lang="en-US" i="1" dirty="0" err="1" smtClean="0">
+                <a:latin typeface="+mj-lt"/>
+              </a:rPr>
+              <a:t>newsize</a:t>
+            </a:r>
+            <a:r>
+              <a:rPr lang="en-US" dirty="0" smtClean="0">
+                <a:latin typeface="+mj-lt"/>
+              </a:rPr>
+              <a:t>);</a:t>
+            </a:r>
+          </a:p>
+          <a:p>
+            <a:endParaRPr lang="en-US" dirty="0">
+              <a:latin typeface="+mj-lt"/>
+            </a:endParaRPr>
+          </a:p>
+          <a:p>
+            <a:r>
+              <a:rPr lang="en-US" dirty="0" smtClean="0">
+                <a:latin typeface="+mj-lt"/>
+              </a:rPr>
+              <a:t>This function allocates a new memory space of size </a:t>
+            </a:r>
+            <a:r>
+              <a:rPr lang="en-US" i="1" dirty="0" err="1" smtClean="0">
+                <a:latin typeface="+mj-lt"/>
+              </a:rPr>
+              <a:t>newsize</a:t>
+            </a:r>
+            <a:r>
+              <a:rPr lang="en-US" dirty="0" smtClean="0">
+                <a:latin typeface="+mj-lt"/>
+              </a:rPr>
+              <a:t> to the pointer variable </a:t>
+            </a:r>
+            <a:r>
+              <a:rPr lang="en-US" b="1" dirty="0" err="1" smtClean="0">
+                <a:latin typeface="+mj-lt"/>
+              </a:rPr>
+              <a:t>ptr</a:t>
+            </a:r>
+            <a:r>
+              <a:rPr lang="en-US" dirty="0" smtClean="0">
+                <a:latin typeface="+mj-lt"/>
+              </a:rPr>
+              <a:t> and returns a pointer to the first byte of the new memory block and on failure the function return NULL</a:t>
+            </a:r>
+            <a:endParaRPr lang="en-US" dirty="0" smtClean="0">
+              <a:latin typeface="+mj-lt"/>
+            </a:endParaRPr>
+          </a:p>
+        </p:txBody>
+      </p:sp>
+      <p:sp>
+        <p:nvSpPr>
+          <p:cNvPr id="4" name="Date Placeholder 3"/>
+          <p:cNvSpPr>
+            <a:spLocks noGrp="1"/>
+          </p:cNvSpPr>
+          <p:nvPr>
+            <p:ph type="dt" sz="half" idx="10"/>
+          </p:nvPr>
+        </p:nvSpPr>
+        <p:spPr/>
+        <p:txBody>
+          <a:bodyPr/>
+          <a:lstStyle/>
+          <a:p>
+            <a:fld id="{FF7EFB7B-DE71-0E4B-91D4-1D8B25020B15}" type="datetime1">
+              <a:rPr lang="en-US" smtClean="0"/>
+              <a:t>3/24/16</a:t>
+            </a:fld>
+            <a:endParaRPr lang="en-US"/>
+          </a:p>
+        </p:txBody>
+      </p:sp>
+      <p:sp>
+        <p:nvSpPr>
+          <p:cNvPr id="5" name="Footer Placeholder 4"/>
+          <p:cNvSpPr>
+            <a:spLocks noGrp="1"/>
+          </p:cNvSpPr>
+          <p:nvPr>
+            <p:ph type="ftr" sz="quarter" idx="11"/>
+          </p:nvPr>
+        </p:nvSpPr>
+        <p:spPr/>
+        <p:txBody>
+          <a:bodyPr/>
+          <a:lstStyle/>
+          <a:p>
+            <a:r>
+              <a:rPr lang="en-US" smtClean="0"/>
+              <a:t>Ashim Lamichhane</a:t>
+            </a:r>
+            <a:endParaRPr lang="en-US"/>
+          </a:p>
+        </p:txBody>
+      </p:sp>
+      <p:sp>
+        <p:nvSpPr>
+          <p:cNvPr id="6" name="Slide Number Placeholder 5"/>
+          <p:cNvSpPr>
+            <a:spLocks noGrp="1"/>
+          </p:cNvSpPr>
+          <p:nvPr>
+            <p:ph type="sldNum" sz="quarter" idx="12"/>
+          </p:nvPr>
+        </p:nvSpPr>
+        <p:spPr/>
+        <p:txBody>
+          <a:bodyPr/>
+          <a:lstStyle/>
+          <a:p>
+            <a:fld id="{5F6DF98B-7C24-4C4A-9857-F9CABD08DE4C}" type="slidenum">
+              <a:rPr lang="en-US" smtClean="0"/>
+              <a:t>58</a:t>
+            </a:fld>
+            <a:endParaRPr lang="en-US"/>
+          </a:p>
+        </p:txBody>
+      </p:sp>
+    </p:spTree>
+    <p:extLst>
+      <p:ext uri="{BB962C8B-B14F-4D97-AF65-F5344CB8AC3E}">
+        <p14:creationId xmlns:p14="http://schemas.microsoft.com/office/powerpoint/2010/main" val="890571729"/>
+      </p:ext>
+    </p:extLst>
+  </p:cSld>
+  <p:clrMapOvr>
+    <a:masterClrMapping/>
+  </p:clrMapOvr>
+</p:sld>
+</file>
+
+<file path=ppt/slides/slide59.xml><?xml version="1.0" encoding="utf-8"?>
+<p:sld xmlns:a="http://schemas.openxmlformats.org/drawingml/2006/main" xmlns:r="http://schemas.openxmlformats.org/officeDocument/2006/relationships" xmlns:p="http://schemas.openxmlformats.org/presentationml/2006/main">
+  <p:cSld>
+    <p:spTree>
+      <p:nvGrpSpPr>
+        <p:cNvPr id="1" name=""/>
+        <p:cNvGrpSpPr/>
+        <p:nvPr/>
+      </p:nvGrpSpPr>
+      <p:grpSpPr>
+        <a:xfrm>
+          <a:off x="0" y="0"/>
+          <a:ext cx="0" cy="0"/>
+          <a:chOff x="0" y="0"/>
+          <a:chExt cx="0" cy="0"/>
+        </a:xfrm>
+      </p:grpSpPr>
+      <p:sp>
+        <p:nvSpPr>
+          <p:cNvPr id="2" name="Title 1"/>
+          <p:cNvSpPr>
+            <a:spLocks noGrp="1"/>
+          </p:cNvSpPr>
+          <p:nvPr>
+            <p:ph type="title"/>
+          </p:nvPr>
+        </p:nvSpPr>
+        <p:spPr>
+          <a:xfrm>
+            <a:off x="838200" y="365126"/>
+            <a:ext cx="10515600" cy="710640"/>
+          </a:xfrm>
+        </p:spPr>
+        <p:txBody>
+          <a:bodyPr>
+            <a:normAutofit/>
+          </a:bodyPr>
+          <a:lstStyle/>
+          <a:p>
+            <a:r>
+              <a:rPr lang="en-US" sz="3200" b="1" dirty="0" smtClean="0"/>
+              <a:t>Applications of pointer</a:t>
+            </a:r>
+            <a:endParaRPr lang="en-US" sz="3200" b="1" dirty="0"/>
+          </a:p>
+        </p:txBody>
+      </p:sp>
+      <p:sp>
+        <p:nvSpPr>
+          <p:cNvPr id="3" name="Content Placeholder 2"/>
+          <p:cNvSpPr>
+            <a:spLocks noGrp="1"/>
+          </p:cNvSpPr>
+          <p:nvPr>
+            <p:ph idx="1"/>
+          </p:nvPr>
+        </p:nvSpPr>
+        <p:spPr>
+          <a:xfrm>
+            <a:off x="838200" y="1237129"/>
+            <a:ext cx="10515600" cy="4939834"/>
+          </a:xfrm>
+        </p:spPr>
+        <p:txBody>
+          <a:bodyPr>
+            <a:normAutofit fontScale="92500" lnSpcReduction="10000"/>
+          </a:bodyPr>
+          <a:lstStyle/>
+          <a:p>
+            <a:r>
+              <a:rPr lang="en-US" dirty="0" smtClean="0">
+                <a:latin typeface="+mj-lt"/>
+              </a:rPr>
+              <a:t>Pointer is widely used in Dynamic Memory Allocation.</a:t>
+            </a:r>
+          </a:p>
+          <a:p>
+            <a:endParaRPr lang="en-US" dirty="0">
+              <a:latin typeface="+mj-lt"/>
+            </a:endParaRPr>
+          </a:p>
+          <a:p>
+            <a:r>
+              <a:rPr lang="en-US" dirty="0" smtClean="0">
+                <a:latin typeface="+mj-lt"/>
+              </a:rPr>
+              <a:t>Pointer can be used to pass information back and forth between a function and its reference point.</a:t>
+            </a:r>
+          </a:p>
+          <a:p>
+            <a:endParaRPr lang="en-US" dirty="0">
+              <a:latin typeface="+mj-lt"/>
+            </a:endParaRPr>
+          </a:p>
+          <a:p>
+            <a:r>
+              <a:rPr lang="en-US" dirty="0" smtClean="0">
+                <a:latin typeface="+mj-lt"/>
+              </a:rPr>
+              <a:t>Pointers provide an alternative way to access individual array elements.</a:t>
+            </a:r>
+          </a:p>
+          <a:p>
+            <a:endParaRPr lang="en-US" dirty="0">
+              <a:latin typeface="+mj-lt"/>
+            </a:endParaRPr>
+          </a:p>
+          <a:p>
+            <a:r>
+              <a:rPr lang="en-US" dirty="0" smtClean="0">
+                <a:latin typeface="+mj-lt"/>
+              </a:rPr>
+              <a:t>Pointers increase the execution speed as they refer address.</a:t>
+            </a:r>
+          </a:p>
+          <a:p>
+            <a:endParaRPr lang="en-US" dirty="0">
+              <a:latin typeface="+mj-lt"/>
+            </a:endParaRPr>
+          </a:p>
+          <a:p>
+            <a:r>
+              <a:rPr lang="en-US" dirty="0" smtClean="0">
+                <a:latin typeface="+mj-lt"/>
+              </a:rPr>
+              <a:t>Pointers are used to create complex data structures such as linked list, trees, graphs and so on.</a:t>
+            </a:r>
+            <a:endParaRPr lang="en-US" dirty="0">
+              <a:latin typeface="+mj-lt"/>
+            </a:endParaRPr>
+          </a:p>
+        </p:txBody>
+      </p:sp>
+      <p:sp>
+        <p:nvSpPr>
+          <p:cNvPr id="4" name="Date Placeholder 3"/>
+          <p:cNvSpPr>
+            <a:spLocks noGrp="1"/>
+          </p:cNvSpPr>
+          <p:nvPr>
+            <p:ph type="dt" sz="half" idx="10"/>
+          </p:nvPr>
+        </p:nvSpPr>
+        <p:spPr/>
+        <p:txBody>
+          <a:bodyPr/>
+          <a:lstStyle/>
+          <a:p>
+            <a:fld id="{FF7EFB7B-DE71-0E4B-91D4-1D8B25020B15}" type="datetime1">
+              <a:rPr lang="en-US" smtClean="0"/>
+              <a:t>3/24/16</a:t>
+            </a:fld>
+            <a:endParaRPr lang="en-US"/>
+          </a:p>
+        </p:txBody>
+      </p:sp>
+      <p:sp>
+        <p:nvSpPr>
+          <p:cNvPr id="5" name="Footer Placeholder 4"/>
+          <p:cNvSpPr>
+            <a:spLocks noGrp="1"/>
+          </p:cNvSpPr>
+          <p:nvPr>
+            <p:ph type="ftr" sz="quarter" idx="11"/>
+          </p:nvPr>
+        </p:nvSpPr>
+        <p:spPr/>
+        <p:txBody>
+          <a:bodyPr/>
+          <a:lstStyle/>
+          <a:p>
+            <a:r>
+              <a:rPr lang="en-US" smtClean="0"/>
+              <a:t>Ashim Lamichhane</a:t>
+            </a:r>
+            <a:endParaRPr lang="en-US"/>
+          </a:p>
+        </p:txBody>
+      </p:sp>
+      <p:sp>
+        <p:nvSpPr>
+          <p:cNvPr id="6" name="Slide Number Placeholder 5"/>
+          <p:cNvSpPr>
+            <a:spLocks noGrp="1"/>
+          </p:cNvSpPr>
+          <p:nvPr>
+            <p:ph type="sldNum" sz="quarter" idx="12"/>
+          </p:nvPr>
+        </p:nvSpPr>
+        <p:spPr/>
+        <p:txBody>
+          <a:bodyPr/>
+          <a:lstStyle/>
+          <a:p>
+            <a:fld id="{5F6DF98B-7C24-4C4A-9857-F9CABD08DE4C}" type="slidenum">
+              <a:rPr lang="en-US" smtClean="0"/>
+              <a:t>59</a:t>
+            </a:fld>
+            <a:endParaRPr lang="en-US"/>
+          </a:p>
+        </p:txBody>
+      </p:sp>
+    </p:spTree>
+    <p:extLst>
+      <p:ext uri="{BB962C8B-B14F-4D97-AF65-F5344CB8AC3E}">
+        <p14:creationId xmlns:p14="http://schemas.microsoft.com/office/powerpoint/2010/main" val="491414731"/>
       </p:ext>
     </p:extLst>
   </p:cSld>
@@ -27572,7 +29957,7 @@
           <a:p>
             <a:fld id="{D60F355B-B081-7348-9FD0-DB378FD709E6}" type="datetime1">
               <a:rPr lang="en-US" smtClean="0"/>
-              <a:t>3/20/16</a:t>
+              <a:t>3/23/16</a:t>
             </a:fld>
             <a:endParaRPr lang="en-US"/>
           </a:p>
@@ -28419,6 +30804,249 @@
     <p:extLst>
       <p:ext uri="{BB962C8B-B14F-4D97-AF65-F5344CB8AC3E}">
         <p14:creationId xmlns:p14="http://schemas.microsoft.com/office/powerpoint/2010/main" val="1360894128"/>
+      </p:ext>
+    </p:extLst>
+  </p:cSld>
+  <p:clrMapOvr>
+    <a:masterClrMapping/>
+  </p:clrMapOvr>
+</p:sld>
+</file>
+
+<file path=ppt/slides/slide60.xml><?xml version="1.0" encoding="utf-8"?>
+<p:sld xmlns:a="http://schemas.openxmlformats.org/drawingml/2006/main" xmlns:r="http://schemas.openxmlformats.org/officeDocument/2006/relationships" xmlns:p="http://schemas.openxmlformats.org/presentationml/2006/main">
+  <p:cSld>
+    <p:spTree>
+      <p:nvGrpSpPr>
+        <p:cNvPr id="1" name=""/>
+        <p:cNvGrpSpPr/>
+        <p:nvPr/>
+      </p:nvGrpSpPr>
+      <p:grpSpPr>
+        <a:xfrm>
+          <a:off x="0" y="0"/>
+          <a:ext cx="0" cy="0"/>
+          <a:chOff x="0" y="0"/>
+          <a:chExt cx="0" cy="0"/>
+        </a:xfrm>
+      </p:grpSpPr>
+      <p:sp>
+        <p:nvSpPr>
+          <p:cNvPr id="2" name="Title 1"/>
+          <p:cNvSpPr>
+            <a:spLocks noGrp="1"/>
+          </p:cNvSpPr>
+          <p:nvPr>
+            <p:ph type="title"/>
+          </p:nvPr>
+        </p:nvSpPr>
+        <p:spPr>
+          <a:xfrm>
+            <a:off x="838200" y="365126"/>
+            <a:ext cx="10515600" cy="710640"/>
+          </a:xfrm>
+        </p:spPr>
+        <p:txBody>
+          <a:bodyPr>
+            <a:normAutofit/>
+          </a:bodyPr>
+          <a:lstStyle/>
+          <a:p>
+            <a:r>
+              <a:rPr lang="en-US" sz="3200" dirty="0" smtClean="0"/>
+              <a:t>Reference</a:t>
+            </a:r>
+            <a:endParaRPr lang="en-US" sz="3200" dirty="0"/>
+          </a:p>
+        </p:txBody>
+      </p:sp>
+      <p:sp>
+        <p:nvSpPr>
+          <p:cNvPr id="3" name="Content Placeholder 2"/>
+          <p:cNvSpPr>
+            <a:spLocks noGrp="1"/>
+          </p:cNvSpPr>
+          <p:nvPr>
+            <p:ph idx="1"/>
+          </p:nvPr>
+        </p:nvSpPr>
+        <p:spPr>
+          <a:xfrm>
+            <a:off x="838200" y="1237129"/>
+            <a:ext cx="10515600" cy="4939834"/>
+          </a:xfrm>
+        </p:spPr>
+        <p:txBody>
+          <a:bodyPr/>
+          <a:lstStyle/>
+          <a:p>
+            <a:r>
+              <a:rPr lang="en-US" dirty="0">
+                <a:hlinkClick r:id="rId2"/>
+              </a:rPr>
+              <a:t>https://</a:t>
+            </a:r>
+            <a:r>
+              <a:rPr lang="en-US" dirty="0" smtClean="0">
+                <a:hlinkClick r:id="rId2"/>
+              </a:rPr>
+              <a:t>en.wikipedia.org/wiki/C_dynamic_memory_allocation</a:t>
+            </a:r>
+            <a:endParaRPr lang="en-US" dirty="0" smtClean="0"/>
+          </a:p>
+          <a:p>
+            <a:r>
+              <a:rPr lang="en-US" dirty="0">
+                <a:hlinkClick r:id="rId3"/>
+              </a:rPr>
+              <a:t>http://</a:t>
+            </a:r>
+            <a:r>
+              <a:rPr lang="en-US" dirty="0" smtClean="0">
+                <a:hlinkClick r:id="rId3"/>
+              </a:rPr>
+              <a:t>stackoverflow.com/questions/21376645/store-string-into-array-in-c</a:t>
+            </a:r>
+            <a:endParaRPr lang="en-US" dirty="0" smtClean="0"/>
+          </a:p>
+          <a:p>
+            <a:r>
+              <a:rPr lang="en-US" dirty="0">
+                <a:hlinkClick r:id="rId4"/>
+              </a:rPr>
+              <a:t>http://</a:t>
+            </a:r>
+            <a:r>
+              <a:rPr lang="en-US" dirty="0" smtClean="0">
+                <a:hlinkClick r:id="rId4"/>
+              </a:rPr>
+              <a:t>stackoverflow.com/questions/26431147/abort-trap-6-error-in-c</a:t>
+            </a:r>
+            <a:endParaRPr lang="en-US" dirty="0" smtClean="0"/>
+          </a:p>
+          <a:p>
+            <a:r>
+              <a:rPr lang="en-US" dirty="0">
+                <a:hlinkClick r:id="rId5"/>
+              </a:rPr>
+              <a:t>http://</a:t>
+            </a:r>
+            <a:r>
+              <a:rPr lang="en-US" dirty="0" smtClean="0">
+                <a:hlinkClick r:id="rId5"/>
+              </a:rPr>
+              <a:t>www.gnu.org/software/libc/manual/html_node/String-Length.html</a:t>
+            </a:r>
+            <a:endParaRPr lang="en-US" dirty="0" smtClean="0"/>
+          </a:p>
+          <a:p>
+            <a:r>
+              <a:rPr lang="en-US" dirty="0">
+                <a:hlinkClick r:id="rId6"/>
+              </a:rPr>
+              <a:t>http://</a:t>
+            </a:r>
+            <a:r>
+              <a:rPr lang="en-US" dirty="0" smtClean="0">
+                <a:hlinkClick r:id="rId6"/>
+              </a:rPr>
+              <a:t>www.tutorialspoint.com/cprogramming/c_strings.htm</a:t>
+            </a:r>
+            <a:endParaRPr lang="en-US" dirty="0" smtClean="0"/>
+          </a:p>
+          <a:p>
+            <a:r>
+              <a:rPr lang="en-US" dirty="0">
+                <a:hlinkClick r:id="rId7"/>
+              </a:rPr>
+              <a:t>https://</a:t>
+            </a:r>
+            <a:r>
+              <a:rPr lang="en-US" dirty="0" smtClean="0">
+                <a:hlinkClick r:id="rId7"/>
+              </a:rPr>
+              <a:t>www.quora.com/What-is-the-difference-between-runtime-and-compile-time</a:t>
+            </a:r>
+            <a:endParaRPr lang="en-US" dirty="0" smtClean="0"/>
+          </a:p>
+          <a:p>
+            <a:endParaRPr lang="en-US" dirty="0"/>
+          </a:p>
+        </p:txBody>
+      </p:sp>
+      <p:sp>
+        <p:nvSpPr>
+          <p:cNvPr id="4" name="Date Placeholder 3"/>
+          <p:cNvSpPr>
+            <a:spLocks noGrp="1"/>
+          </p:cNvSpPr>
+          <p:nvPr>
+            <p:ph type="dt" sz="half" idx="10"/>
+          </p:nvPr>
+        </p:nvSpPr>
+        <p:spPr/>
+        <p:txBody>
+          <a:bodyPr/>
+          <a:lstStyle/>
+          <a:p>
+            <a:fld id="{BBE37247-352C-674D-B1C3-0748BF09BE88}" type="datetime1">
+              <a:rPr lang="en-US" smtClean="0"/>
+              <a:t>3/24/16</a:t>
+            </a:fld>
+            <a:endParaRPr lang="en-US"/>
+          </a:p>
+        </p:txBody>
+      </p:sp>
+      <p:sp>
+        <p:nvSpPr>
+          <p:cNvPr id="5" name="Footer Placeholder 4"/>
+          <p:cNvSpPr>
+            <a:spLocks noGrp="1"/>
+          </p:cNvSpPr>
+          <p:nvPr>
+            <p:ph type="ftr" sz="quarter" idx="11"/>
+          </p:nvPr>
+        </p:nvSpPr>
+        <p:spPr/>
+        <p:txBody>
+          <a:bodyPr/>
+          <a:lstStyle/>
+          <a:p>
+            <a:r>
+              <a:rPr lang="en-US" smtClean="0"/>
+              <a:t>Ashim Lamichhane</a:t>
+            </a:r>
+            <a:endParaRPr lang="en-US"/>
+          </a:p>
+        </p:txBody>
+      </p:sp>
+      <p:sp>
+        <p:nvSpPr>
+          <p:cNvPr id="6" name="Slide Number Placeholder 5"/>
+          <p:cNvSpPr>
+            <a:spLocks noGrp="1"/>
+          </p:cNvSpPr>
+          <p:nvPr>
+            <p:ph type="sldNum" sz="quarter" idx="12"/>
+          </p:nvPr>
+        </p:nvSpPr>
+        <p:spPr/>
+        <p:txBody>
+          <a:bodyPr/>
+          <a:lstStyle/>
+          <a:p>
+            <a:fld id="{5F6DF98B-7C24-4C4A-9857-F9CABD08DE4C}" type="slidenum">
+              <a:rPr lang="en-US" smtClean="0"/>
+              <a:t>60</a:t>
+            </a:fld>
+            <a:endParaRPr lang="en-US"/>
+          </a:p>
+        </p:txBody>
+      </p:sp>
+    </p:spTree>
+    <p:extLst>
+      <p:ext uri="{BB962C8B-B14F-4D97-AF65-F5344CB8AC3E}">
+        <p14:creationId xmlns:p14="http://schemas.microsoft.com/office/powerpoint/2010/main" val="1548034247"/>
       </p:ext>
     </p:extLst>
   </p:cSld>
@@ -28734,7 +31362,7 @@
           <a:p>
             <a:fld id="{D60F355B-B081-7348-9FD0-DB378FD709E6}" type="datetime1">
               <a:rPr lang="en-US" smtClean="0"/>
-              <a:t>3/20/16</a:t>
+              <a:t>3/23/16</a:t>
             </a:fld>
             <a:endParaRPr lang="en-US"/>
           </a:p>
@@ -29068,7 +31696,7 @@
           <a:p>
             <a:fld id="{D60F355B-B081-7348-9FD0-DB378FD709E6}" type="datetime1">
               <a:rPr lang="en-US" smtClean="0"/>
-              <a:t>3/20/16</a:t>
+              <a:t>3/23/16</a:t>
             </a:fld>
             <a:endParaRPr lang="en-US"/>
           </a:p>
@@ -29276,7 +31904,7 @@
           <a:p>
             <a:fld id="{D60F355B-B081-7348-9FD0-DB378FD709E6}" type="datetime1">
               <a:rPr lang="en-US" smtClean="0"/>
-              <a:t>3/20/16</a:t>
+              <a:t>3/23/16</a:t>
             </a:fld>
             <a:endParaRPr lang="en-US"/>
           </a:p>

--- a/Unit 8/pointer.pptx
+++ b/Unit 8/pointer.pptx
@@ -5,7 +5,7 @@
     <p:sldMasterId id="2147483648" r:id="rId1"/>
   </p:sldMasterIdLst>
   <p:notesMasterIdLst>
-    <p:notesMasterId r:id="rId62"/>
+    <p:notesMasterId r:id="rId63"/>
   </p:notesMasterIdLst>
   <p:sldIdLst>
     <p:sldId id="256" r:id="rId2"/>
@@ -67,7 +67,8 @@
     <p:sldId id="342" r:id="rId58"/>
     <p:sldId id="340" r:id="rId59"/>
     <p:sldId id="341" r:id="rId60"/>
-    <p:sldId id="275" r:id="rId61"/>
+    <p:sldId id="343" r:id="rId61"/>
+    <p:sldId id="275" r:id="rId62"/>
   </p:sldIdLst>
   <p:sldSz cx="12192000" cy="6858000"/>
   <p:notesSz cx="6858000" cy="9144000"/>
@@ -256,7 +257,7 @@
           <a:p>
             <a:fld id="{6A1B6C08-A0D3-D74B-9414-6FC7F6BF3615}" type="datetimeFigureOut">
               <a:rPr lang="en-US" smtClean="0"/>
-              <a:t>3/23/16</a:t>
+              <a:t>3/24/16</a:t>
             </a:fld>
             <a:endParaRPr lang="en-US"/>
           </a:p>
@@ -655,7 +656,7 @@
           <a:p>
             <a:fld id="{586CA0A1-9EE8-D947-A1AE-F0369F7FBD0D}" type="datetime1">
               <a:rPr lang="en-US" smtClean="0"/>
-              <a:t>3/23/16</a:t>
+              <a:t>3/24/16</a:t>
             </a:fld>
             <a:endParaRPr lang="en-US"/>
           </a:p>
@@ -829,7 +830,7 @@
           <a:p>
             <a:fld id="{80AD334C-BD37-FA4C-8E42-B5F2C547F21A}" type="datetime1">
               <a:rPr lang="en-US" smtClean="0"/>
-              <a:t>3/23/16</a:t>
+              <a:t>3/24/16</a:t>
             </a:fld>
             <a:endParaRPr lang="en-US"/>
           </a:p>
@@ -1013,7 +1014,7 @@
           <a:p>
             <a:fld id="{610530A4-50EA-E74F-B2A7-33E3E40F0CA2}" type="datetime1">
               <a:rPr lang="en-US" smtClean="0"/>
-              <a:t>3/23/16</a:t>
+              <a:t>3/24/16</a:t>
             </a:fld>
             <a:endParaRPr lang="en-US"/>
           </a:p>
@@ -1187,7 +1188,7 @@
           <a:p>
             <a:fld id="{E5BE7D36-82F8-D141-9C5E-D53A4D497145}" type="datetime1">
               <a:rPr lang="en-US" smtClean="0"/>
-              <a:t>3/23/16</a:t>
+              <a:t>3/24/16</a:t>
             </a:fld>
             <a:endParaRPr lang="en-US"/>
           </a:p>
@@ -1437,7 +1438,7 @@
           <a:p>
             <a:fld id="{767730B6-83E6-5749-85F8-DD91F5393B9D}" type="datetime1">
               <a:rPr lang="en-US" smtClean="0"/>
-              <a:t>3/23/16</a:t>
+              <a:t>3/24/16</a:t>
             </a:fld>
             <a:endParaRPr lang="en-US"/>
           </a:p>
@@ -1673,7 +1674,7 @@
           <a:p>
             <a:fld id="{756D51F4-7346-174A-BE2E-0D8F77BA6B63}" type="datetime1">
               <a:rPr lang="en-US" smtClean="0"/>
-              <a:t>3/23/16</a:t>
+              <a:t>3/24/16</a:t>
             </a:fld>
             <a:endParaRPr lang="en-US"/>
           </a:p>
@@ -2044,7 +2045,7 @@
           <a:p>
             <a:fld id="{0157896D-7122-AD44-9270-24E05AD3A1F2}" type="datetime1">
               <a:rPr lang="en-US" smtClean="0"/>
-              <a:t>3/23/16</a:t>
+              <a:t>3/24/16</a:t>
             </a:fld>
             <a:endParaRPr lang="en-US"/>
           </a:p>
@@ -2166,7 +2167,7 @@
           <a:p>
             <a:fld id="{A4285A25-C949-FC43-B87A-2DF92D8E25ED}" type="datetime1">
               <a:rPr lang="en-US" smtClean="0"/>
-              <a:t>3/23/16</a:t>
+              <a:t>3/24/16</a:t>
             </a:fld>
             <a:endParaRPr lang="en-US"/>
           </a:p>
@@ -2265,7 +2266,7 @@
           <a:p>
             <a:fld id="{82D66296-C513-CD47-94EB-72C87AFCE344}" type="datetime1">
               <a:rPr lang="en-US" smtClean="0"/>
-              <a:t>3/23/16</a:t>
+              <a:t>3/24/16</a:t>
             </a:fld>
             <a:endParaRPr lang="en-US"/>
           </a:p>
@@ -2546,7 +2547,7 @@
           <a:p>
             <a:fld id="{46C12CBD-222B-0A4D-81E1-2423A2D55605}" type="datetime1">
               <a:rPr lang="en-US" smtClean="0"/>
-              <a:t>3/23/16</a:t>
+              <a:t>3/24/16</a:t>
             </a:fld>
             <a:endParaRPr lang="en-US"/>
           </a:p>
@@ -2803,7 +2804,7 @@
           <a:p>
             <a:fld id="{3F685F27-7C40-1448-9E50-A80B02C672DB}" type="datetime1">
               <a:rPr lang="en-US" smtClean="0"/>
-              <a:t>3/23/16</a:t>
+              <a:t>3/24/16</a:t>
             </a:fld>
             <a:endParaRPr lang="en-US"/>
           </a:p>
@@ -3020,7 +3021,7 @@
           <a:p>
             <a:fld id="{D0B55D32-2DDA-BD4C-A2A1-2C315D465DB4}" type="datetime1">
               <a:rPr lang="en-US" smtClean="0"/>
-              <a:t>3/23/16</a:t>
+              <a:t>3/24/16</a:t>
             </a:fld>
             <a:endParaRPr lang="en-US"/>
           </a:p>
@@ -3720,7 +3721,7 @@
           <a:p>
             <a:fld id="{D60F355B-B081-7348-9FD0-DB378FD709E6}" type="datetime1">
               <a:rPr lang="en-US" smtClean="0"/>
-              <a:t>3/23/16</a:t>
+              <a:t>3/24/16</a:t>
             </a:fld>
             <a:endParaRPr lang="en-US"/>
           </a:p>
@@ -4040,7 +4041,7 @@
           <a:p>
             <a:fld id="{D60F355B-B081-7348-9FD0-DB378FD709E6}" type="datetime1">
               <a:rPr lang="en-US" smtClean="0"/>
-              <a:t>3/23/16</a:t>
+              <a:t>3/24/16</a:t>
             </a:fld>
             <a:endParaRPr lang="en-US"/>
           </a:p>
@@ -4367,7 +4368,7 @@
           <a:p>
             <a:fld id="{D60F355B-B081-7348-9FD0-DB378FD709E6}" type="datetime1">
               <a:rPr lang="en-US" smtClean="0"/>
-              <a:t>3/23/16</a:t>
+              <a:t>3/24/16</a:t>
             </a:fld>
             <a:endParaRPr lang="en-US"/>
           </a:p>
@@ -4733,7 +4734,7 @@
           <a:p>
             <a:fld id="{D60F355B-B081-7348-9FD0-DB378FD709E6}" type="datetime1">
               <a:rPr lang="en-US" smtClean="0"/>
-              <a:t>3/23/16</a:t>
+              <a:t>3/24/16</a:t>
             </a:fld>
             <a:endParaRPr lang="en-US"/>
           </a:p>
@@ -5292,7 +5293,7 @@
           <a:p>
             <a:fld id="{D60F355B-B081-7348-9FD0-DB378FD709E6}" type="datetime1">
               <a:rPr lang="en-US" smtClean="0"/>
-              <a:t>3/23/16</a:t>
+              <a:t>3/24/16</a:t>
             </a:fld>
             <a:endParaRPr lang="en-US"/>
           </a:p>
@@ -5549,7 +5550,7 @@
           <a:p>
             <a:fld id="{D60F355B-B081-7348-9FD0-DB378FD709E6}" type="datetime1">
               <a:rPr lang="en-US" smtClean="0"/>
-              <a:t>3/23/16</a:t>
+              <a:t>3/24/16</a:t>
             </a:fld>
             <a:endParaRPr lang="en-US"/>
           </a:p>
@@ -5891,7 +5892,7 @@
           <a:p>
             <a:fld id="{D60F355B-B081-7348-9FD0-DB378FD709E6}" type="datetime1">
               <a:rPr lang="en-US" smtClean="0"/>
-              <a:t>3/23/16</a:t>
+              <a:t>3/24/16</a:t>
             </a:fld>
             <a:endParaRPr lang="en-US"/>
           </a:p>
@@ -6111,7 +6112,7 @@
           <a:p>
             <a:fld id="{D60F355B-B081-7348-9FD0-DB378FD709E6}" type="datetime1">
               <a:rPr lang="en-US" smtClean="0"/>
-              <a:t>3/23/16</a:t>
+              <a:t>3/24/16</a:t>
             </a:fld>
             <a:endParaRPr lang="en-US"/>
           </a:p>
@@ -6318,7 +6319,7 @@
           <a:p>
             <a:fld id="{D60F355B-B081-7348-9FD0-DB378FD709E6}" type="datetime1">
               <a:rPr lang="en-US" smtClean="0"/>
-              <a:t>3/23/16</a:t>
+              <a:t>3/24/16</a:t>
             </a:fld>
             <a:endParaRPr lang="en-US"/>
           </a:p>
@@ -6597,7 +6598,7 @@
           <a:p>
             <a:fld id="{D60F355B-B081-7348-9FD0-DB378FD709E6}" type="datetime1">
               <a:rPr lang="en-US" smtClean="0"/>
-              <a:t>3/23/16</a:t>
+              <a:t>3/24/16</a:t>
             </a:fld>
             <a:endParaRPr lang="en-US"/>
           </a:p>
@@ -6783,7 +6784,7 @@
           <a:p>
             <a:fld id="{36E1E297-93EF-934C-AEA9-392476BDB436}" type="datetime1">
               <a:rPr lang="en-US" smtClean="0"/>
-              <a:t>3/23/16</a:t>
+              <a:t>3/24/16</a:t>
             </a:fld>
             <a:endParaRPr lang="en-US"/>
           </a:p>
@@ -7075,7 +7076,7 @@
           <a:p>
             <a:fld id="{D60F355B-B081-7348-9FD0-DB378FD709E6}" type="datetime1">
               <a:rPr lang="en-US" smtClean="0"/>
-              <a:t>3/23/16</a:t>
+              <a:t>3/24/16</a:t>
             </a:fld>
             <a:endParaRPr lang="en-US"/>
           </a:p>
@@ -7424,7 +7425,7 @@
           <a:p>
             <a:fld id="{FF7EFB7B-DE71-0E4B-91D4-1D8B25020B15}" type="datetime1">
               <a:rPr lang="en-US" smtClean="0"/>
-              <a:t>3/23/16</a:t>
+              <a:t>3/24/16</a:t>
             </a:fld>
             <a:endParaRPr lang="en-US"/>
           </a:p>
@@ -8039,7 +8040,7 @@
           <a:p>
             <a:fld id="{FF7EFB7B-DE71-0E4B-91D4-1D8B25020B15}" type="datetime1">
               <a:rPr lang="en-US" smtClean="0"/>
-              <a:t>3/23/16</a:t>
+              <a:t>3/24/16</a:t>
             </a:fld>
             <a:endParaRPr lang="en-US"/>
           </a:p>
@@ -8407,7 +8408,7 @@
           <a:p>
             <a:fld id="{FF7EFB7B-DE71-0E4B-91D4-1D8B25020B15}" type="datetime1">
               <a:rPr lang="en-US" smtClean="0"/>
-              <a:t>3/23/16</a:t>
+              <a:t>3/24/16</a:t>
             </a:fld>
             <a:endParaRPr lang="en-US"/>
           </a:p>
@@ -8674,7 +8675,7 @@
           <a:p>
             <a:fld id="{FF7EFB7B-DE71-0E4B-91D4-1D8B25020B15}" type="datetime1">
               <a:rPr lang="en-US" smtClean="0"/>
-              <a:t>3/23/16</a:t>
+              <a:t>3/24/16</a:t>
             </a:fld>
             <a:endParaRPr lang="en-US"/>
           </a:p>
@@ -8855,7 +8856,7 @@
           <a:p>
             <a:fld id="{FF7EFB7B-DE71-0E4B-91D4-1D8B25020B15}" type="datetime1">
               <a:rPr lang="en-US" smtClean="0"/>
-              <a:t>3/23/16</a:t>
+              <a:t>3/24/16</a:t>
             </a:fld>
             <a:endParaRPr lang="en-US"/>
           </a:p>
@@ -9695,7 +9696,7 @@
           <a:p>
             <a:fld id="{FF7EFB7B-DE71-0E4B-91D4-1D8B25020B15}" type="datetime1">
               <a:rPr lang="en-US" smtClean="0"/>
-              <a:t>3/23/16</a:t>
+              <a:t>3/24/16</a:t>
             </a:fld>
             <a:endParaRPr lang="en-US"/>
           </a:p>
@@ -10215,7 +10216,7 @@
           <a:p>
             <a:fld id="{FF7EFB7B-DE71-0E4B-91D4-1D8B25020B15}" type="datetime1">
               <a:rPr lang="en-US" smtClean="0"/>
-              <a:t>3/23/16</a:t>
+              <a:t>3/24/16</a:t>
             </a:fld>
             <a:endParaRPr lang="en-US"/>
           </a:p>
@@ -10821,7 +10822,7 @@
           <a:p>
             <a:fld id="{FF7EFB7B-DE71-0E4B-91D4-1D8B25020B15}" type="datetime1">
               <a:rPr lang="en-US" smtClean="0"/>
-              <a:t>3/23/16</a:t>
+              <a:t>3/24/16</a:t>
             </a:fld>
             <a:endParaRPr lang="en-US"/>
           </a:p>
@@ -11174,7 +11175,7 @@
           <a:p>
             <a:fld id="{FF7EFB7B-DE71-0E4B-91D4-1D8B25020B15}" type="datetime1">
               <a:rPr lang="en-US" smtClean="0"/>
-              <a:t>3/23/16</a:t>
+              <a:t>3/24/16</a:t>
             </a:fld>
             <a:endParaRPr lang="en-US"/>
           </a:p>
@@ -11413,7 +11414,7 @@
           <a:p>
             <a:fld id="{D60F355B-B081-7348-9FD0-DB378FD709E6}" type="datetime1">
               <a:rPr lang="en-US" smtClean="0"/>
-              <a:t>3/23/16</a:t>
+              <a:t>3/24/16</a:t>
             </a:fld>
             <a:endParaRPr lang="en-US"/>
           </a:p>
@@ -11512,7 +11513,7 @@
           <a:p>
             <a:fld id="{FF7EFB7B-DE71-0E4B-91D4-1D8B25020B15}" type="datetime1">
               <a:rPr lang="en-US" smtClean="0"/>
-              <a:t>3/23/16</a:t>
+              <a:t>3/24/16</a:t>
             </a:fld>
             <a:endParaRPr lang="en-US"/>
           </a:p>
@@ -13684,7 +13685,7 @@
           <a:p>
             <a:fld id="{FF7EFB7B-DE71-0E4B-91D4-1D8B25020B15}" type="datetime1">
               <a:rPr lang="en-US" smtClean="0"/>
-              <a:t>3/23/16</a:t>
+              <a:t>3/24/16</a:t>
             </a:fld>
             <a:endParaRPr lang="en-US"/>
           </a:p>
@@ -14193,7 +14194,7 @@
           <a:p>
             <a:fld id="{FF7EFB7B-DE71-0E4B-91D4-1D8B25020B15}" type="datetime1">
               <a:rPr lang="en-US" smtClean="0"/>
-              <a:t>3/23/16</a:t>
+              <a:t>3/24/16</a:t>
             </a:fld>
             <a:endParaRPr lang="en-US"/>
           </a:p>
@@ -14958,7 +14959,7 @@
           <a:p>
             <a:fld id="{FF7EFB7B-DE71-0E4B-91D4-1D8B25020B15}" type="datetime1">
               <a:rPr lang="en-US" smtClean="0"/>
-              <a:t>3/23/16</a:t>
+              <a:t>3/24/16</a:t>
             </a:fld>
             <a:endParaRPr lang="en-US"/>
           </a:p>
@@ -16846,7 +16847,7 @@
           <a:p>
             <a:fld id="{FF7EFB7B-DE71-0E4B-91D4-1D8B25020B15}" type="datetime1">
               <a:rPr lang="en-US" smtClean="0"/>
-              <a:t>3/23/16</a:t>
+              <a:t>3/24/16</a:t>
             </a:fld>
             <a:endParaRPr lang="en-US"/>
           </a:p>
@@ -16945,7 +16946,7 @@
           <a:p>
             <a:fld id="{FF7EFB7B-DE71-0E4B-91D4-1D8B25020B15}" type="datetime1">
               <a:rPr lang="en-US" smtClean="0"/>
-              <a:t>3/23/16</a:t>
+              <a:t>3/24/16</a:t>
             </a:fld>
             <a:endParaRPr lang="en-US"/>
           </a:p>
@@ -19220,7 +19221,7 @@
           <a:p>
             <a:fld id="{FF7EFB7B-DE71-0E4B-91D4-1D8B25020B15}" type="datetime1">
               <a:rPr lang="en-US" smtClean="0"/>
-              <a:t>3/23/16</a:t>
+              <a:t>3/24/16</a:t>
             </a:fld>
             <a:endParaRPr lang="en-US"/>
           </a:p>
@@ -20619,7 +20620,7 @@
           <a:p>
             <a:fld id="{FF7EFB7B-DE71-0E4B-91D4-1D8B25020B15}" type="datetime1">
               <a:rPr lang="en-US" smtClean="0"/>
-              <a:t>3/23/16</a:t>
+              <a:t>3/24/16</a:t>
             </a:fld>
             <a:endParaRPr lang="en-US"/>
           </a:p>
@@ -20751,7 +20752,7 @@
           <a:p>
             <a:fld id="{FF7EFB7B-DE71-0E4B-91D4-1D8B25020B15}" type="datetime1">
               <a:rPr lang="en-US" smtClean="0"/>
-              <a:t>3/23/16</a:t>
+              <a:t>3/24/16</a:t>
             </a:fld>
             <a:endParaRPr lang="en-US"/>
           </a:p>
@@ -21170,7 +21171,7 @@
           <a:p>
             <a:fld id="{FF7EFB7B-DE71-0E4B-91D4-1D8B25020B15}" type="datetime1">
               <a:rPr lang="en-US" smtClean="0"/>
-              <a:t>3/23/16</a:t>
+              <a:t>3/24/16</a:t>
             </a:fld>
             <a:endParaRPr lang="en-US"/>
           </a:p>
@@ -21489,7 +21490,7 @@
           <a:p>
             <a:fld id="{D60F355B-B081-7348-9FD0-DB378FD709E6}" type="datetime1">
               <a:rPr lang="en-US" smtClean="0"/>
-              <a:t>3/23/16</a:t>
+              <a:t>3/24/16</a:t>
             </a:fld>
             <a:endParaRPr lang="en-US"/>
           </a:p>
@@ -21776,7 +21777,7 @@
           <a:p>
             <a:fld id="{FF7EFB7B-DE71-0E4B-91D4-1D8B25020B15}" type="datetime1">
               <a:rPr lang="en-US" smtClean="0"/>
-              <a:t>3/23/16</a:t>
+              <a:t>3/24/16</a:t>
             </a:fld>
             <a:endParaRPr lang="en-US"/>
           </a:p>
@@ -23663,7 +23664,7 @@
           <a:p>
             <a:fld id="{FF7EFB7B-DE71-0E4B-91D4-1D8B25020B15}" type="datetime1">
               <a:rPr lang="en-US" smtClean="0"/>
-              <a:t>3/23/16</a:t>
+              <a:t>3/24/16</a:t>
             </a:fld>
             <a:endParaRPr lang="en-US"/>
           </a:p>
@@ -23850,7 +23851,7 @@
           <a:p>
             <a:fld id="{FF7EFB7B-DE71-0E4B-91D4-1D8B25020B15}" type="datetime1">
               <a:rPr lang="en-US" smtClean="0"/>
-              <a:t>3/23/16</a:t>
+              <a:t>3/24/16</a:t>
             </a:fld>
             <a:endParaRPr lang="en-US"/>
           </a:p>
@@ -24622,7 +24623,7 @@
           <a:p>
             <a:fld id="{FF7EFB7B-DE71-0E4B-91D4-1D8B25020B15}" type="datetime1">
               <a:rPr lang="en-US" smtClean="0"/>
-              <a:t>3/23/16</a:t>
+              <a:t>3/24/16</a:t>
             </a:fld>
             <a:endParaRPr lang="en-US"/>
           </a:p>
@@ -24830,7 +24831,7 @@
           <a:p>
             <a:fld id="{FF7EFB7B-DE71-0E4B-91D4-1D8B25020B15}" type="datetime1">
               <a:rPr lang="en-US" smtClean="0"/>
-              <a:t>3/23/16</a:t>
+              <a:t>3/24/16</a:t>
             </a:fld>
             <a:endParaRPr lang="en-US"/>
           </a:p>
@@ -25063,7 +25064,7 @@
           <a:p>
             <a:fld id="{FF7EFB7B-DE71-0E4B-91D4-1D8B25020B15}" type="datetime1">
               <a:rPr lang="en-US" smtClean="0"/>
-              <a:t>3/23/16</a:t>
+              <a:t>3/24/16</a:t>
             </a:fld>
             <a:endParaRPr lang="en-US"/>
           </a:p>
@@ -25484,7 +25485,7 @@
           <a:p>
             <a:fld id="{FF7EFB7B-DE71-0E4B-91D4-1D8B25020B15}" type="datetime1">
               <a:rPr lang="en-US" smtClean="0"/>
-              <a:t>3/23/16</a:t>
+              <a:t>3/24/16</a:t>
             </a:fld>
             <a:endParaRPr lang="en-US"/>
           </a:p>
@@ -25885,7 +25886,7 @@
           <a:p>
             <a:fld id="{FF7EFB7B-DE71-0E4B-91D4-1D8B25020B15}" type="datetime1">
               <a:rPr lang="en-US" smtClean="0"/>
-              <a:t>3/23/16</a:t>
+              <a:t>3/24/16</a:t>
             </a:fld>
             <a:endParaRPr lang="en-US"/>
           </a:p>
@@ -26420,7 +26421,7 @@
           <a:p>
             <a:fld id="{FF7EFB7B-DE71-0E4B-91D4-1D8B25020B15}" type="datetime1">
               <a:rPr lang="en-US" smtClean="0"/>
-              <a:t>3/23/16</a:t>
+              <a:t>3/24/16</a:t>
             </a:fld>
             <a:endParaRPr lang="en-US"/>
           </a:p>
@@ -27010,7 +27011,7 @@
           <a:p>
             <a:fld id="{D60F355B-B081-7348-9FD0-DB378FD709E6}" type="datetime1">
               <a:rPr lang="en-US" smtClean="0"/>
-              <a:t>3/23/16</a:t>
+              <a:t>3/24/16</a:t>
             </a:fld>
             <a:endParaRPr lang="en-US"/>
           </a:p>
@@ -27179,7 +27180,7 @@
           <a:p>
             <a:fld id="{FF7EFB7B-DE71-0E4B-91D4-1D8B25020B15}" type="datetime1">
               <a:rPr lang="en-US" smtClean="0"/>
-              <a:t>3/23/16</a:t>
+              <a:t>3/24/16</a:t>
             </a:fld>
             <a:endParaRPr lang="en-US"/>
           </a:p>
@@ -27351,7 +27352,7 @@
           <a:p>
             <a:fld id="{FF7EFB7B-DE71-0E4B-91D4-1D8B25020B15}" type="datetime1">
               <a:rPr lang="en-US" smtClean="0"/>
-              <a:t>3/23/16</a:t>
+              <a:t>3/24/16</a:t>
             </a:fld>
             <a:endParaRPr lang="en-US"/>
           </a:p>
@@ -28442,13 +28443,7 @@
               <a:rPr lang="en-US" b="1" dirty="0" err="1" smtClean="0">
                 <a:latin typeface="+mj-lt"/>
               </a:rPr>
-              <a:t>p</a:t>
-            </a:r>
-            <a:r>
-              <a:rPr lang="en-US" b="1" dirty="0" err="1" smtClean="0">
-                <a:latin typeface="+mj-lt"/>
-              </a:rPr>
-              <a:t>tr</a:t>
+              <a:t>ptr</a:t>
             </a:r>
             <a:r>
               <a:rPr lang="en-US" b="1" dirty="0" smtClean="0">
@@ -29140,7 +29135,7 @@
           <a:p>
             <a:fld id="{FF7EFB7B-DE71-0E4B-91D4-1D8B25020B15}" type="datetime1">
               <a:rPr lang="en-US" smtClean="0"/>
-              <a:t>3/23/16</a:t>
+              <a:t>3/24/16</a:t>
             </a:fld>
             <a:endParaRPr lang="en-US"/>
           </a:p>
@@ -29250,11 +29245,7 @@
             </a:r>
             <a:r>
               <a:rPr lang="en-US" sz="3200" b="1" dirty="0" err="1" smtClean="0"/>
-              <a:t>r</a:t>
-            </a:r>
-            <a:r>
-              <a:rPr lang="en-US" sz="3200" b="1" dirty="0" err="1" smtClean="0"/>
-              <a:t>ealloc</a:t>
+              <a:t>realloc</a:t>
             </a:r>
             <a:r>
               <a:rPr lang="en-US" sz="3200" b="1" dirty="0" smtClean="0"/>
@@ -29620,9 +29611,6 @@
               </a:rPr>
               <a:t> and returns a pointer to the first byte of the new memory block and on failure the function return NULL</a:t>
             </a:r>
-            <a:endParaRPr lang="en-US" dirty="0" smtClean="0">
-              <a:latin typeface="+mj-lt"/>
-            </a:endParaRPr>
           </a:p>
         </p:txBody>
       </p:sp>
@@ -29957,7 +29945,7 @@
           <a:p>
             <a:fld id="{D60F355B-B081-7348-9FD0-DB378FD709E6}" type="datetime1">
               <a:rPr lang="en-US" smtClean="0"/>
-              <a:t>3/23/16</a:t>
+              <a:t>3/24/16</a:t>
             </a:fld>
             <a:endParaRPr lang="en-US"/>
           </a:p>
@@ -30853,6 +30841,241 @@
           <a:lstStyle/>
           <a:p>
             <a:r>
+              <a:rPr lang="en-US" sz="3200" b="1" dirty="0" smtClean="0"/>
+              <a:t>Pointer Programs</a:t>
+            </a:r>
+            <a:endParaRPr lang="en-US" sz="3200" b="1" dirty="0"/>
+          </a:p>
+        </p:txBody>
+      </p:sp>
+      <p:sp>
+        <p:nvSpPr>
+          <p:cNvPr id="3" name="Content Placeholder 2"/>
+          <p:cNvSpPr>
+            <a:spLocks noGrp="1"/>
+          </p:cNvSpPr>
+          <p:nvPr>
+            <p:ph idx="1"/>
+          </p:nvPr>
+        </p:nvSpPr>
+        <p:spPr>
+          <a:xfrm>
+            <a:off x="838200" y="1237129"/>
+            <a:ext cx="10515600" cy="4939834"/>
+          </a:xfrm>
+        </p:spPr>
+        <p:txBody>
+          <a:bodyPr>
+            <a:normAutofit/>
+          </a:bodyPr>
+          <a:lstStyle/>
+          <a:p>
+            <a:r>
+              <a:rPr lang="en-US" dirty="0" smtClean="0">
+                <a:latin typeface="+mj-lt"/>
+              </a:rPr>
+              <a:t>For pointer programs please do visit:</a:t>
+            </a:r>
+          </a:p>
+          <a:p>
+            <a:pPr marL="0" indent="0">
+              <a:buNone/>
+            </a:pPr>
+            <a:r>
+              <a:rPr lang="en-US" dirty="0">
+                <a:latin typeface="+mj-lt"/>
+                <a:hlinkClick r:id="rId2"/>
+              </a:rPr>
+              <a:t>https://</a:t>
+            </a:r>
+            <a:r>
+              <a:rPr lang="en-US" dirty="0" smtClean="0">
+                <a:latin typeface="+mj-lt"/>
+                <a:hlinkClick r:id="rId2"/>
+              </a:rPr>
+              <a:t>github.com/ashim888/csit-c/tree/master/codes/pointer</a:t>
+            </a:r>
+            <a:endParaRPr lang="en-US" dirty="0" smtClean="0">
+              <a:latin typeface="+mj-lt"/>
+            </a:endParaRPr>
+          </a:p>
+          <a:p>
+            <a:pPr marL="0" indent="0">
+              <a:buNone/>
+            </a:pPr>
+            <a:endParaRPr lang="en-US" dirty="0">
+              <a:latin typeface="+mj-lt"/>
+            </a:endParaRPr>
+          </a:p>
+          <a:p>
+            <a:r>
+              <a:rPr lang="en-US" dirty="0" smtClean="0">
+                <a:latin typeface="+mj-lt"/>
+              </a:rPr>
+              <a:t>For pointer Assignment please do visit:</a:t>
+            </a:r>
+          </a:p>
+          <a:p>
+            <a:pPr marL="0" indent="0">
+              <a:buNone/>
+            </a:pPr>
+            <a:r>
+              <a:rPr lang="en-US" dirty="0">
+                <a:latin typeface="+mj-lt"/>
+                <a:hlinkClick r:id="rId3" invalidUrl="https://github.com/ashim888/csit-c/tree/master/Unit 8"/>
+              </a:rPr>
+              <a:t>https</a:t>
+            </a:r>
+            <a:r>
+              <a:rPr lang="en-US" dirty="0">
+                <a:latin typeface="+mj-lt"/>
+                <a:hlinkClick r:id="rId4" invalidUrl="https://github.com/ashim888/csit-c/tree/master/Unit 8"/>
+              </a:rPr>
+              <a:t>://</a:t>
+            </a:r>
+            <a:r>
+              <a:rPr lang="en-US" dirty="0" smtClean="0">
+                <a:latin typeface="+mj-lt"/>
+                <a:hlinkClick r:id="rId5" invalidUrl="https://github.com/ashim888/csit-c/tree/master/Unit 8"/>
+              </a:rPr>
+              <a:t>github.com/ashim888/csit-c/tree/master/Unit%208</a:t>
+            </a:r>
+            <a:endParaRPr lang="en-US" dirty="0" smtClean="0">
+              <a:latin typeface="+mj-lt"/>
+            </a:endParaRPr>
+          </a:p>
+          <a:p>
+            <a:pPr marL="0" indent="0">
+              <a:buNone/>
+            </a:pPr>
+            <a:endParaRPr lang="en-US" dirty="0">
+              <a:latin typeface="+mj-lt"/>
+            </a:endParaRPr>
+          </a:p>
+        </p:txBody>
+      </p:sp>
+      <p:sp>
+        <p:nvSpPr>
+          <p:cNvPr id="4" name="Date Placeholder 3"/>
+          <p:cNvSpPr>
+            <a:spLocks noGrp="1"/>
+          </p:cNvSpPr>
+          <p:nvPr>
+            <p:ph type="dt" sz="half" idx="10"/>
+          </p:nvPr>
+        </p:nvSpPr>
+        <p:spPr/>
+        <p:txBody>
+          <a:bodyPr/>
+          <a:lstStyle/>
+          <a:p>
+            <a:fld id="{FF7EFB7B-DE71-0E4B-91D4-1D8B25020B15}" type="datetime1">
+              <a:rPr lang="en-US" smtClean="0"/>
+              <a:t>3/24/16</a:t>
+            </a:fld>
+            <a:endParaRPr lang="en-US"/>
+          </a:p>
+        </p:txBody>
+      </p:sp>
+      <p:sp>
+        <p:nvSpPr>
+          <p:cNvPr id="5" name="Footer Placeholder 4"/>
+          <p:cNvSpPr>
+            <a:spLocks noGrp="1"/>
+          </p:cNvSpPr>
+          <p:nvPr>
+            <p:ph type="ftr" sz="quarter" idx="11"/>
+          </p:nvPr>
+        </p:nvSpPr>
+        <p:spPr/>
+        <p:txBody>
+          <a:bodyPr/>
+          <a:lstStyle/>
+          <a:p>
+            <a:r>
+              <a:rPr lang="en-US" smtClean="0"/>
+              <a:t>Ashim Lamichhane</a:t>
+            </a:r>
+            <a:endParaRPr lang="en-US"/>
+          </a:p>
+        </p:txBody>
+      </p:sp>
+      <p:sp>
+        <p:nvSpPr>
+          <p:cNvPr id="6" name="Slide Number Placeholder 5"/>
+          <p:cNvSpPr>
+            <a:spLocks noGrp="1"/>
+          </p:cNvSpPr>
+          <p:nvPr>
+            <p:ph type="sldNum" sz="quarter" idx="12"/>
+          </p:nvPr>
+        </p:nvSpPr>
+        <p:spPr/>
+        <p:txBody>
+          <a:bodyPr/>
+          <a:lstStyle/>
+          <a:p>
+            <a:fld id="{5F6DF98B-7C24-4C4A-9857-F9CABD08DE4C}" type="slidenum">
+              <a:rPr lang="en-US" smtClean="0"/>
+              <a:t>60</a:t>
+            </a:fld>
+            <a:endParaRPr lang="en-US"/>
+          </a:p>
+        </p:txBody>
+      </p:sp>
+    </p:spTree>
+    <p:extLst>
+      <p:ext uri="{BB962C8B-B14F-4D97-AF65-F5344CB8AC3E}">
+        <p14:creationId xmlns:p14="http://schemas.microsoft.com/office/powerpoint/2010/main" val="368202902"/>
+      </p:ext>
+    </p:extLst>
+  </p:cSld>
+  <p:clrMapOvr>
+    <a:masterClrMapping/>
+  </p:clrMapOvr>
+</p:sld>
+</file>
+
+<file path=ppt/slides/slide61.xml><?xml version="1.0" encoding="utf-8"?>
+<p:sld xmlns:a="http://schemas.openxmlformats.org/drawingml/2006/main" xmlns:r="http://schemas.openxmlformats.org/officeDocument/2006/relationships" xmlns:p="http://schemas.openxmlformats.org/presentationml/2006/main">
+  <p:cSld>
+    <p:spTree>
+      <p:nvGrpSpPr>
+        <p:cNvPr id="1" name=""/>
+        <p:cNvGrpSpPr/>
+        <p:nvPr/>
+      </p:nvGrpSpPr>
+      <p:grpSpPr>
+        <a:xfrm>
+          <a:off x="0" y="0"/>
+          <a:ext cx="0" cy="0"/>
+          <a:chOff x="0" y="0"/>
+          <a:chExt cx="0" cy="0"/>
+        </a:xfrm>
+      </p:grpSpPr>
+      <p:sp>
+        <p:nvSpPr>
+          <p:cNvPr id="2" name="Title 1"/>
+          <p:cNvSpPr>
+            <a:spLocks noGrp="1"/>
+          </p:cNvSpPr>
+          <p:nvPr>
+            <p:ph type="title"/>
+          </p:nvPr>
+        </p:nvSpPr>
+        <p:spPr>
+          <a:xfrm>
+            <a:off x="838200" y="365126"/>
+            <a:ext cx="10515600" cy="710640"/>
+          </a:xfrm>
+        </p:spPr>
+        <p:txBody>
+          <a:bodyPr>
+            <a:normAutofit/>
+          </a:bodyPr>
+          <a:lstStyle/>
+          <a:p>
+            <a:r>
               <a:rPr lang="en-US" sz="3200" dirty="0" smtClean="0"/>
               <a:t>Reference</a:t>
             </a:r>
@@ -31037,7 +31260,7 @@
           <a:p>
             <a:fld id="{5F6DF98B-7C24-4C4A-9857-F9CABD08DE4C}" type="slidenum">
               <a:rPr lang="en-US" smtClean="0"/>
-              <a:t>60</a:t>
+              <a:t>61</a:t>
             </a:fld>
             <a:endParaRPr lang="en-US"/>
           </a:p>
@@ -31362,7 +31585,7 @@
           <a:p>
             <a:fld id="{D60F355B-B081-7348-9FD0-DB378FD709E6}" type="datetime1">
               <a:rPr lang="en-US" smtClean="0"/>
-              <a:t>3/23/16</a:t>
+              <a:t>3/24/16</a:t>
             </a:fld>
             <a:endParaRPr lang="en-US"/>
           </a:p>
@@ -31696,7 +31919,7 @@
           <a:p>
             <a:fld id="{D60F355B-B081-7348-9FD0-DB378FD709E6}" type="datetime1">
               <a:rPr lang="en-US" smtClean="0"/>
-              <a:t>3/23/16</a:t>
+              <a:t>3/24/16</a:t>
             </a:fld>
             <a:endParaRPr lang="en-US"/>
           </a:p>
@@ -31904,7 +32127,7 @@
           <a:p>
             <a:fld id="{D60F355B-B081-7348-9FD0-DB378FD709E6}" type="datetime1">
               <a:rPr lang="en-US" smtClean="0"/>
-              <a:t>3/23/16</a:t>
+              <a:t>3/24/16</a:t>
             </a:fld>
             <a:endParaRPr lang="en-US"/>
           </a:p>

--- a/Unit 8/pointer.pptx
+++ b/Unit 8/pointer.pptx
@@ -257,7 +257,7 @@
           <a:p>
             <a:fld id="{6A1B6C08-A0D3-D74B-9414-6FC7F6BF3615}" type="datetimeFigureOut">
               <a:rPr lang="en-US" smtClean="0"/>
-              <a:t>3/24/16</a:t>
+              <a:t>4/9/16</a:t>
             </a:fld>
             <a:endParaRPr lang="en-US"/>
           </a:p>
@@ -656,7 +656,7 @@
           <a:p>
             <a:fld id="{586CA0A1-9EE8-D947-A1AE-F0369F7FBD0D}" type="datetime1">
               <a:rPr lang="en-US" smtClean="0"/>
-              <a:t>3/24/16</a:t>
+              <a:t>4/9/16</a:t>
             </a:fld>
             <a:endParaRPr lang="en-US"/>
           </a:p>
@@ -830,7 +830,7 @@
           <a:p>
             <a:fld id="{80AD334C-BD37-FA4C-8E42-B5F2C547F21A}" type="datetime1">
               <a:rPr lang="en-US" smtClean="0"/>
-              <a:t>3/24/16</a:t>
+              <a:t>4/9/16</a:t>
             </a:fld>
             <a:endParaRPr lang="en-US"/>
           </a:p>
@@ -1014,7 +1014,7 @@
           <a:p>
             <a:fld id="{610530A4-50EA-E74F-B2A7-33E3E40F0CA2}" type="datetime1">
               <a:rPr lang="en-US" smtClean="0"/>
-              <a:t>3/24/16</a:t>
+              <a:t>4/9/16</a:t>
             </a:fld>
             <a:endParaRPr lang="en-US"/>
           </a:p>
@@ -1188,7 +1188,7 @@
           <a:p>
             <a:fld id="{E5BE7D36-82F8-D141-9C5E-D53A4D497145}" type="datetime1">
               <a:rPr lang="en-US" smtClean="0"/>
-              <a:t>3/24/16</a:t>
+              <a:t>4/9/16</a:t>
             </a:fld>
             <a:endParaRPr lang="en-US"/>
           </a:p>
@@ -1438,7 +1438,7 @@
           <a:p>
             <a:fld id="{767730B6-83E6-5749-85F8-DD91F5393B9D}" type="datetime1">
               <a:rPr lang="en-US" smtClean="0"/>
-              <a:t>3/24/16</a:t>
+              <a:t>4/9/16</a:t>
             </a:fld>
             <a:endParaRPr lang="en-US"/>
           </a:p>
@@ -1674,7 +1674,7 @@
           <a:p>
             <a:fld id="{756D51F4-7346-174A-BE2E-0D8F77BA6B63}" type="datetime1">
               <a:rPr lang="en-US" smtClean="0"/>
-              <a:t>3/24/16</a:t>
+              <a:t>4/9/16</a:t>
             </a:fld>
             <a:endParaRPr lang="en-US"/>
           </a:p>
@@ -2045,7 +2045,7 @@
           <a:p>
             <a:fld id="{0157896D-7122-AD44-9270-24E05AD3A1F2}" type="datetime1">
               <a:rPr lang="en-US" smtClean="0"/>
-              <a:t>3/24/16</a:t>
+              <a:t>4/9/16</a:t>
             </a:fld>
             <a:endParaRPr lang="en-US"/>
           </a:p>
@@ -2167,7 +2167,7 @@
           <a:p>
             <a:fld id="{A4285A25-C949-FC43-B87A-2DF92D8E25ED}" type="datetime1">
               <a:rPr lang="en-US" smtClean="0"/>
-              <a:t>3/24/16</a:t>
+              <a:t>4/9/16</a:t>
             </a:fld>
             <a:endParaRPr lang="en-US"/>
           </a:p>
@@ -2266,7 +2266,7 @@
           <a:p>
             <a:fld id="{82D66296-C513-CD47-94EB-72C87AFCE344}" type="datetime1">
               <a:rPr lang="en-US" smtClean="0"/>
-              <a:t>3/24/16</a:t>
+              <a:t>4/9/16</a:t>
             </a:fld>
             <a:endParaRPr lang="en-US"/>
           </a:p>
@@ -2547,7 +2547,7 @@
           <a:p>
             <a:fld id="{46C12CBD-222B-0A4D-81E1-2423A2D55605}" type="datetime1">
               <a:rPr lang="en-US" smtClean="0"/>
-              <a:t>3/24/16</a:t>
+              <a:t>4/9/16</a:t>
             </a:fld>
             <a:endParaRPr lang="en-US"/>
           </a:p>
@@ -2804,7 +2804,7 @@
           <a:p>
             <a:fld id="{3F685F27-7C40-1448-9E50-A80B02C672DB}" type="datetime1">
               <a:rPr lang="en-US" smtClean="0"/>
-              <a:t>3/24/16</a:t>
+              <a:t>4/9/16</a:t>
             </a:fld>
             <a:endParaRPr lang="en-US"/>
           </a:p>
@@ -3021,7 +3021,7 @@
           <a:p>
             <a:fld id="{D0B55D32-2DDA-BD4C-A2A1-2C315D465DB4}" type="datetime1">
               <a:rPr lang="en-US" smtClean="0"/>
-              <a:t>3/24/16</a:t>
+              <a:t>4/9/16</a:t>
             </a:fld>
             <a:endParaRPr lang="en-US"/>
           </a:p>
@@ -3721,7 +3721,7 @@
           <a:p>
             <a:fld id="{D60F355B-B081-7348-9FD0-DB378FD709E6}" type="datetime1">
               <a:rPr lang="en-US" smtClean="0"/>
-              <a:t>3/24/16</a:t>
+              <a:t>4/9/16</a:t>
             </a:fld>
             <a:endParaRPr lang="en-US"/>
           </a:p>
@@ -4041,7 +4041,7 @@
           <a:p>
             <a:fld id="{D60F355B-B081-7348-9FD0-DB378FD709E6}" type="datetime1">
               <a:rPr lang="en-US" smtClean="0"/>
-              <a:t>3/24/16</a:t>
+              <a:t>4/9/16</a:t>
             </a:fld>
             <a:endParaRPr lang="en-US"/>
           </a:p>
@@ -4368,7 +4368,7 @@
           <a:p>
             <a:fld id="{D60F355B-B081-7348-9FD0-DB378FD709E6}" type="datetime1">
               <a:rPr lang="en-US" smtClean="0"/>
-              <a:t>3/24/16</a:t>
+              <a:t>4/9/16</a:t>
             </a:fld>
             <a:endParaRPr lang="en-US"/>
           </a:p>
@@ -4734,7 +4734,7 @@
           <a:p>
             <a:fld id="{D60F355B-B081-7348-9FD0-DB378FD709E6}" type="datetime1">
               <a:rPr lang="en-US" smtClean="0"/>
-              <a:t>3/24/16</a:t>
+              <a:t>4/9/16</a:t>
             </a:fld>
             <a:endParaRPr lang="en-US"/>
           </a:p>
@@ -5293,7 +5293,7 @@
           <a:p>
             <a:fld id="{D60F355B-B081-7348-9FD0-DB378FD709E6}" type="datetime1">
               <a:rPr lang="en-US" smtClean="0"/>
-              <a:t>3/24/16</a:t>
+              <a:t>4/9/16</a:t>
             </a:fld>
             <a:endParaRPr lang="en-US"/>
           </a:p>
@@ -5550,7 +5550,7 @@
           <a:p>
             <a:fld id="{D60F355B-B081-7348-9FD0-DB378FD709E6}" type="datetime1">
               <a:rPr lang="en-US" smtClean="0"/>
-              <a:t>3/24/16</a:t>
+              <a:t>4/9/16</a:t>
             </a:fld>
             <a:endParaRPr lang="en-US"/>
           </a:p>
@@ -5892,7 +5892,7 @@
           <a:p>
             <a:fld id="{D60F355B-B081-7348-9FD0-DB378FD709E6}" type="datetime1">
               <a:rPr lang="en-US" smtClean="0"/>
-              <a:t>3/24/16</a:t>
+              <a:t>4/9/16</a:t>
             </a:fld>
             <a:endParaRPr lang="en-US"/>
           </a:p>
@@ -6112,7 +6112,7 @@
           <a:p>
             <a:fld id="{D60F355B-B081-7348-9FD0-DB378FD709E6}" type="datetime1">
               <a:rPr lang="en-US" smtClean="0"/>
-              <a:t>3/24/16</a:t>
+              <a:t>4/9/16</a:t>
             </a:fld>
             <a:endParaRPr lang="en-US"/>
           </a:p>
@@ -6319,7 +6319,7 @@
           <a:p>
             <a:fld id="{D60F355B-B081-7348-9FD0-DB378FD709E6}" type="datetime1">
               <a:rPr lang="en-US" smtClean="0"/>
-              <a:t>3/24/16</a:t>
+              <a:t>4/9/16</a:t>
             </a:fld>
             <a:endParaRPr lang="en-US"/>
           </a:p>
@@ -6598,7 +6598,7 @@
           <a:p>
             <a:fld id="{D60F355B-B081-7348-9FD0-DB378FD709E6}" type="datetime1">
               <a:rPr lang="en-US" smtClean="0"/>
-              <a:t>3/24/16</a:t>
+              <a:t>4/9/16</a:t>
             </a:fld>
             <a:endParaRPr lang="en-US"/>
           </a:p>
@@ -6784,7 +6784,7 @@
           <a:p>
             <a:fld id="{36E1E297-93EF-934C-AEA9-392476BDB436}" type="datetime1">
               <a:rPr lang="en-US" smtClean="0"/>
-              <a:t>3/24/16</a:t>
+              <a:t>4/9/16</a:t>
             </a:fld>
             <a:endParaRPr lang="en-US"/>
           </a:p>
@@ -7076,7 +7076,7 @@
           <a:p>
             <a:fld id="{D60F355B-B081-7348-9FD0-DB378FD709E6}" type="datetime1">
               <a:rPr lang="en-US" smtClean="0"/>
-              <a:t>3/24/16</a:t>
+              <a:t>4/9/16</a:t>
             </a:fld>
             <a:endParaRPr lang="en-US"/>
           </a:p>
@@ -7425,7 +7425,7 @@
           <a:p>
             <a:fld id="{FF7EFB7B-DE71-0E4B-91D4-1D8B25020B15}" type="datetime1">
               <a:rPr lang="en-US" smtClean="0"/>
-              <a:t>3/24/16</a:t>
+              <a:t>4/9/16</a:t>
             </a:fld>
             <a:endParaRPr lang="en-US"/>
           </a:p>
@@ -8040,7 +8040,7 @@
           <a:p>
             <a:fld id="{FF7EFB7B-DE71-0E4B-91D4-1D8B25020B15}" type="datetime1">
               <a:rPr lang="en-US" smtClean="0"/>
-              <a:t>3/24/16</a:t>
+              <a:t>4/9/16</a:t>
             </a:fld>
             <a:endParaRPr lang="en-US"/>
           </a:p>
@@ -8408,7 +8408,7 @@
           <a:p>
             <a:fld id="{FF7EFB7B-DE71-0E4B-91D4-1D8B25020B15}" type="datetime1">
               <a:rPr lang="en-US" smtClean="0"/>
-              <a:t>3/24/16</a:t>
+              <a:t>4/9/16</a:t>
             </a:fld>
             <a:endParaRPr lang="en-US"/>
           </a:p>
@@ -8675,7 +8675,7 @@
           <a:p>
             <a:fld id="{FF7EFB7B-DE71-0E4B-91D4-1D8B25020B15}" type="datetime1">
               <a:rPr lang="en-US" smtClean="0"/>
-              <a:t>3/24/16</a:t>
+              <a:t>4/9/16</a:t>
             </a:fld>
             <a:endParaRPr lang="en-US"/>
           </a:p>
@@ -8856,7 +8856,7 @@
           <a:p>
             <a:fld id="{FF7EFB7B-DE71-0E4B-91D4-1D8B25020B15}" type="datetime1">
               <a:rPr lang="en-US" smtClean="0"/>
-              <a:t>3/24/16</a:t>
+              <a:t>4/9/16</a:t>
             </a:fld>
             <a:endParaRPr lang="en-US"/>
           </a:p>
@@ -9696,7 +9696,7 @@
           <a:p>
             <a:fld id="{FF7EFB7B-DE71-0E4B-91D4-1D8B25020B15}" type="datetime1">
               <a:rPr lang="en-US" smtClean="0"/>
-              <a:t>3/24/16</a:t>
+              <a:t>4/9/16</a:t>
             </a:fld>
             <a:endParaRPr lang="en-US"/>
           </a:p>
@@ -10216,7 +10216,7 @@
           <a:p>
             <a:fld id="{FF7EFB7B-DE71-0E4B-91D4-1D8B25020B15}" type="datetime1">
               <a:rPr lang="en-US" smtClean="0"/>
-              <a:t>3/24/16</a:t>
+              <a:t>4/9/16</a:t>
             </a:fld>
             <a:endParaRPr lang="en-US"/>
           </a:p>
@@ -10822,7 +10822,7 @@
           <a:p>
             <a:fld id="{FF7EFB7B-DE71-0E4B-91D4-1D8B25020B15}" type="datetime1">
               <a:rPr lang="en-US" smtClean="0"/>
-              <a:t>3/24/16</a:t>
+              <a:t>4/9/16</a:t>
             </a:fld>
             <a:endParaRPr lang="en-US"/>
           </a:p>
@@ -11175,7 +11175,7 @@
           <a:p>
             <a:fld id="{FF7EFB7B-DE71-0E4B-91D4-1D8B25020B15}" type="datetime1">
               <a:rPr lang="en-US" smtClean="0"/>
-              <a:t>3/24/16</a:t>
+              <a:t>4/9/16</a:t>
             </a:fld>
             <a:endParaRPr lang="en-US"/>
           </a:p>
@@ -11414,7 +11414,7 @@
           <a:p>
             <a:fld id="{D60F355B-B081-7348-9FD0-DB378FD709E6}" type="datetime1">
               <a:rPr lang="en-US" smtClean="0"/>
-              <a:t>3/24/16</a:t>
+              <a:t>4/9/16</a:t>
             </a:fld>
             <a:endParaRPr lang="en-US"/>
           </a:p>
@@ -11513,7 +11513,7 @@
           <a:p>
             <a:fld id="{FF7EFB7B-DE71-0E4B-91D4-1D8B25020B15}" type="datetime1">
               <a:rPr lang="en-US" smtClean="0"/>
-              <a:t>3/24/16</a:t>
+              <a:t>4/9/16</a:t>
             </a:fld>
             <a:endParaRPr lang="en-US"/>
           </a:p>
@@ -13685,7 +13685,7 @@
           <a:p>
             <a:fld id="{FF7EFB7B-DE71-0E4B-91D4-1D8B25020B15}" type="datetime1">
               <a:rPr lang="en-US" smtClean="0"/>
-              <a:t>3/24/16</a:t>
+              <a:t>4/9/16</a:t>
             </a:fld>
             <a:endParaRPr lang="en-US"/>
           </a:p>
@@ -14194,7 +14194,7 @@
           <a:p>
             <a:fld id="{FF7EFB7B-DE71-0E4B-91D4-1D8B25020B15}" type="datetime1">
               <a:rPr lang="en-US" smtClean="0"/>
-              <a:t>3/24/16</a:t>
+              <a:t>4/9/16</a:t>
             </a:fld>
             <a:endParaRPr lang="en-US"/>
           </a:p>
@@ -14959,7 +14959,7 @@
           <a:p>
             <a:fld id="{FF7EFB7B-DE71-0E4B-91D4-1D8B25020B15}" type="datetime1">
               <a:rPr lang="en-US" smtClean="0"/>
-              <a:t>3/24/16</a:t>
+              <a:t>4/9/16</a:t>
             </a:fld>
             <a:endParaRPr lang="en-US"/>
           </a:p>
@@ -16847,7 +16847,7 @@
           <a:p>
             <a:fld id="{FF7EFB7B-DE71-0E4B-91D4-1D8B25020B15}" type="datetime1">
               <a:rPr lang="en-US" smtClean="0"/>
-              <a:t>3/24/16</a:t>
+              <a:t>4/9/16</a:t>
             </a:fld>
             <a:endParaRPr lang="en-US"/>
           </a:p>
@@ -16946,7 +16946,7 @@
           <a:p>
             <a:fld id="{FF7EFB7B-DE71-0E4B-91D4-1D8B25020B15}" type="datetime1">
               <a:rPr lang="en-US" smtClean="0"/>
-              <a:t>3/24/16</a:t>
+              <a:t>4/9/16</a:t>
             </a:fld>
             <a:endParaRPr lang="en-US"/>
           </a:p>
@@ -19221,7 +19221,7 @@
           <a:p>
             <a:fld id="{FF7EFB7B-DE71-0E4B-91D4-1D8B25020B15}" type="datetime1">
               <a:rPr lang="en-US" smtClean="0"/>
-              <a:t>3/24/16</a:t>
+              <a:t>4/9/16</a:t>
             </a:fld>
             <a:endParaRPr lang="en-US"/>
           </a:p>
@@ -20620,7 +20620,7 @@
           <a:p>
             <a:fld id="{FF7EFB7B-DE71-0E4B-91D4-1D8B25020B15}" type="datetime1">
               <a:rPr lang="en-US" smtClean="0"/>
-              <a:t>3/24/16</a:t>
+              <a:t>4/9/16</a:t>
             </a:fld>
             <a:endParaRPr lang="en-US"/>
           </a:p>
@@ -20752,7 +20752,7 @@
           <a:p>
             <a:fld id="{FF7EFB7B-DE71-0E4B-91D4-1D8B25020B15}" type="datetime1">
               <a:rPr lang="en-US" smtClean="0"/>
-              <a:t>3/24/16</a:t>
+              <a:t>4/9/16</a:t>
             </a:fld>
             <a:endParaRPr lang="en-US"/>
           </a:p>
@@ -21171,7 +21171,7 @@
           <a:p>
             <a:fld id="{FF7EFB7B-DE71-0E4B-91D4-1D8B25020B15}" type="datetime1">
               <a:rPr lang="en-US" smtClean="0"/>
-              <a:t>3/24/16</a:t>
+              <a:t>4/9/16</a:t>
             </a:fld>
             <a:endParaRPr lang="en-US"/>
           </a:p>
@@ -21490,7 +21490,7 @@
           <a:p>
             <a:fld id="{D60F355B-B081-7348-9FD0-DB378FD709E6}" type="datetime1">
               <a:rPr lang="en-US" smtClean="0"/>
-              <a:t>3/24/16</a:t>
+              <a:t>4/9/16</a:t>
             </a:fld>
             <a:endParaRPr lang="en-US"/>
           </a:p>
@@ -21777,7 +21777,7 @@
           <a:p>
             <a:fld id="{FF7EFB7B-DE71-0E4B-91D4-1D8B25020B15}" type="datetime1">
               <a:rPr lang="en-US" smtClean="0"/>
-              <a:t>3/24/16</a:t>
+              <a:t>4/9/16</a:t>
             </a:fld>
             <a:endParaRPr lang="en-US"/>
           </a:p>
@@ -23664,7 +23664,7 @@
           <a:p>
             <a:fld id="{FF7EFB7B-DE71-0E4B-91D4-1D8B25020B15}" type="datetime1">
               <a:rPr lang="en-US" smtClean="0"/>
-              <a:t>3/24/16</a:t>
+              <a:t>4/9/16</a:t>
             </a:fld>
             <a:endParaRPr lang="en-US"/>
           </a:p>
@@ -23851,7 +23851,7 @@
           <a:p>
             <a:fld id="{FF7EFB7B-DE71-0E4B-91D4-1D8B25020B15}" type="datetime1">
               <a:rPr lang="en-US" smtClean="0"/>
-              <a:t>3/24/16</a:t>
+              <a:t>4/9/16</a:t>
             </a:fld>
             <a:endParaRPr lang="en-US"/>
           </a:p>
@@ -24623,7 +24623,7 @@
           <a:p>
             <a:fld id="{FF7EFB7B-DE71-0E4B-91D4-1D8B25020B15}" type="datetime1">
               <a:rPr lang="en-US" smtClean="0"/>
-              <a:t>3/24/16</a:t>
+              <a:t>4/9/16</a:t>
             </a:fld>
             <a:endParaRPr lang="en-US"/>
           </a:p>
@@ -24831,7 +24831,7 @@
           <a:p>
             <a:fld id="{FF7EFB7B-DE71-0E4B-91D4-1D8B25020B15}" type="datetime1">
               <a:rPr lang="en-US" smtClean="0"/>
-              <a:t>3/24/16</a:t>
+              <a:t>4/9/16</a:t>
             </a:fld>
             <a:endParaRPr lang="en-US"/>
           </a:p>
@@ -25064,7 +25064,7 @@
           <a:p>
             <a:fld id="{FF7EFB7B-DE71-0E4B-91D4-1D8B25020B15}" type="datetime1">
               <a:rPr lang="en-US" smtClean="0"/>
-              <a:t>3/24/16</a:t>
+              <a:t>4/9/16</a:t>
             </a:fld>
             <a:endParaRPr lang="en-US"/>
           </a:p>
@@ -25485,7 +25485,7 @@
           <a:p>
             <a:fld id="{FF7EFB7B-DE71-0E4B-91D4-1D8B25020B15}" type="datetime1">
               <a:rPr lang="en-US" smtClean="0"/>
-              <a:t>3/24/16</a:t>
+              <a:t>4/9/16</a:t>
             </a:fld>
             <a:endParaRPr lang="en-US"/>
           </a:p>
@@ -25886,7 +25886,7 @@
           <a:p>
             <a:fld id="{FF7EFB7B-DE71-0E4B-91D4-1D8B25020B15}" type="datetime1">
               <a:rPr lang="en-US" smtClean="0"/>
-              <a:t>3/24/16</a:t>
+              <a:t>4/9/16</a:t>
             </a:fld>
             <a:endParaRPr lang="en-US"/>
           </a:p>
@@ -26421,7 +26421,7 @@
           <a:p>
             <a:fld id="{FF7EFB7B-DE71-0E4B-91D4-1D8B25020B15}" type="datetime1">
               <a:rPr lang="en-US" smtClean="0"/>
-              <a:t>3/24/16</a:t>
+              <a:t>4/9/16</a:t>
             </a:fld>
             <a:endParaRPr lang="en-US"/>
           </a:p>
@@ -26790,7 +26790,7 @@
           <a:p>
             <a:fld id="{FF7EFB7B-DE71-0E4B-91D4-1D8B25020B15}" type="datetime1">
               <a:rPr lang="en-US" smtClean="0"/>
-              <a:t>3/24/16</a:t>
+              <a:t>4/9/16</a:t>
             </a:fld>
             <a:endParaRPr lang="en-US"/>
           </a:p>
@@ -27011,7 +27011,7 @@
           <a:p>
             <a:fld id="{D60F355B-B081-7348-9FD0-DB378FD709E6}" type="datetime1">
               <a:rPr lang="en-US" smtClean="0"/>
-              <a:t>3/24/16</a:t>
+              <a:t>4/9/16</a:t>
             </a:fld>
             <a:endParaRPr lang="en-US"/>
           </a:p>
@@ -27180,7 +27180,7 @@
           <a:p>
             <a:fld id="{FF7EFB7B-DE71-0E4B-91D4-1D8B25020B15}" type="datetime1">
               <a:rPr lang="en-US" smtClean="0"/>
-              <a:t>3/24/16</a:t>
+              <a:t>4/9/16</a:t>
             </a:fld>
             <a:endParaRPr lang="en-US"/>
           </a:p>
@@ -27352,7 +27352,7 @@
           <a:p>
             <a:fld id="{FF7EFB7B-DE71-0E4B-91D4-1D8B25020B15}" type="datetime1">
               <a:rPr lang="en-US" smtClean="0"/>
-              <a:t>3/24/16</a:t>
+              <a:t>4/9/16</a:t>
             </a:fld>
             <a:endParaRPr lang="en-US"/>
           </a:p>
@@ -27642,7 +27642,7 @@
           <a:p>
             <a:fld id="{FF7EFB7B-DE71-0E4B-91D4-1D8B25020B15}" type="datetime1">
               <a:rPr lang="en-US" smtClean="0"/>
-              <a:t>3/24/16</a:t>
+              <a:t>4/9/16</a:t>
             </a:fld>
             <a:endParaRPr lang="en-US"/>
           </a:p>
@@ -28054,7 +28054,7 @@
           <a:p>
             <a:fld id="{FF7EFB7B-DE71-0E4B-91D4-1D8B25020B15}" type="datetime1">
               <a:rPr lang="en-US" smtClean="0"/>
-              <a:t>3/24/16</a:t>
+              <a:t>4/9/16</a:t>
             </a:fld>
             <a:endParaRPr lang="en-US"/>
           </a:p>
@@ -28328,7 +28328,7 @@
           <a:p>
             <a:fld id="{FF7EFB7B-DE71-0E4B-91D4-1D8B25020B15}" type="datetime1">
               <a:rPr lang="en-US" smtClean="0"/>
-              <a:t>3/24/16</a:t>
+              <a:t>4/9/16</a:t>
             </a:fld>
             <a:endParaRPr lang="en-US"/>
           </a:p>
@@ -28530,13 +28530,13 @@
               <a:t>*) </a:t>
             </a:r>
             <a:r>
-              <a:rPr lang="en-US" dirty="0" err="1" smtClean="0">
+              <a:rPr lang="en-US" b="1" dirty="0" err="1" smtClean="0">
                 <a:latin typeface="+mj-lt"/>
               </a:rPr>
               <a:t>calloc</a:t>
             </a:r>
             <a:r>
-              <a:rPr lang="en-US" dirty="0" smtClean="0">
+              <a:rPr lang="en-US" b="1" dirty="0" smtClean="0">
                 <a:latin typeface="+mj-lt"/>
               </a:rPr>
               <a:t>(</a:t>
@@ -28621,7 +28621,7 @@
               <a:t>*) </a:t>
             </a:r>
             <a:r>
-              <a:rPr lang="tr-TR" dirty="0" err="1" smtClean="0">
+              <a:rPr lang="tr-TR" b="1" dirty="0" err="1" smtClean="0">
                 <a:latin typeface="+mj-lt"/>
               </a:rPr>
               <a:t>calloc</a:t>
@@ -28879,7 +28879,7 @@
           <a:p>
             <a:fld id="{FF7EFB7B-DE71-0E4B-91D4-1D8B25020B15}" type="datetime1">
               <a:rPr lang="en-US" smtClean="0"/>
-              <a:t>3/24/16</a:t>
+              <a:t>4/9/16</a:t>
             </a:fld>
             <a:endParaRPr lang="en-US"/>
           </a:p>
@@ -29135,7 +29135,7 @@
           <a:p>
             <a:fld id="{FF7EFB7B-DE71-0E4B-91D4-1D8B25020B15}" type="datetime1">
               <a:rPr lang="en-US" smtClean="0"/>
-              <a:t>3/24/16</a:t>
+              <a:t>4/9/16</a:t>
             </a:fld>
             <a:endParaRPr lang="en-US"/>
           </a:p>
@@ -29344,7 +29344,7 @@
           <a:p>
             <a:fld id="{FF7EFB7B-DE71-0E4B-91D4-1D8B25020B15}" type="datetime1">
               <a:rPr lang="en-US" smtClean="0"/>
-              <a:t>3/24/16</a:t>
+              <a:t>4/9/16</a:t>
             </a:fld>
             <a:endParaRPr lang="en-US"/>
           </a:p>
@@ -29631,7 +29631,7 @@
           <a:p>
             <a:fld id="{FF7EFB7B-DE71-0E4B-91D4-1D8B25020B15}" type="datetime1">
               <a:rPr lang="en-US" smtClean="0"/>
-              <a:t>3/24/16</a:t>
+              <a:t>4/9/16</a:t>
             </a:fld>
             <a:endParaRPr lang="en-US"/>
           </a:p>
@@ -29846,7 +29846,7 @@
           <a:p>
             <a:fld id="{FF7EFB7B-DE71-0E4B-91D4-1D8B25020B15}" type="datetime1">
               <a:rPr lang="en-US" smtClean="0"/>
-              <a:t>3/24/16</a:t>
+              <a:t>4/9/16</a:t>
             </a:fld>
             <a:endParaRPr lang="en-US"/>
           </a:p>
@@ -29945,7 +29945,7 @@
           <a:p>
             <a:fld id="{D60F355B-B081-7348-9FD0-DB378FD709E6}" type="datetime1">
               <a:rPr lang="en-US" smtClean="0"/>
-              <a:t>3/24/16</a:t>
+              <a:t>4/9/16</a:t>
             </a:fld>
             <a:endParaRPr lang="en-US"/>
           </a:p>
@@ -30971,7 +30971,7 @@
           <a:p>
             <a:fld id="{FF7EFB7B-DE71-0E4B-91D4-1D8B25020B15}" type="datetime1">
               <a:rPr lang="en-US" smtClean="0"/>
-              <a:t>3/24/16</a:t>
+              <a:t>4/9/16</a:t>
             </a:fld>
             <a:endParaRPr lang="en-US"/>
           </a:p>
@@ -31214,7 +31214,7 @@
           <a:p>
             <a:fld id="{BBE37247-352C-674D-B1C3-0748BF09BE88}" type="datetime1">
               <a:rPr lang="en-US" smtClean="0"/>
-              <a:t>3/24/16</a:t>
+              <a:t>4/9/16</a:t>
             </a:fld>
             <a:endParaRPr lang="en-US"/>
           </a:p>
@@ -31585,7 +31585,7 @@
           <a:p>
             <a:fld id="{D60F355B-B081-7348-9FD0-DB378FD709E6}" type="datetime1">
               <a:rPr lang="en-US" smtClean="0"/>
-              <a:t>3/24/16</a:t>
+              <a:t>4/9/16</a:t>
             </a:fld>
             <a:endParaRPr lang="en-US"/>
           </a:p>
@@ -31919,7 +31919,7 @@
           <a:p>
             <a:fld id="{D60F355B-B081-7348-9FD0-DB378FD709E6}" type="datetime1">
               <a:rPr lang="en-US" smtClean="0"/>
-              <a:t>3/24/16</a:t>
+              <a:t>4/9/16</a:t>
             </a:fld>
             <a:endParaRPr lang="en-US"/>
           </a:p>
@@ -32127,7 +32127,7 @@
           <a:p>
             <a:fld id="{D60F355B-B081-7348-9FD0-DB378FD709E6}" type="datetime1">
               <a:rPr lang="en-US" smtClean="0"/>
-              <a:t>3/24/16</a:t>
+              <a:t>4/9/16</a:t>
             </a:fld>
             <a:endParaRPr lang="en-US"/>
           </a:p>
